--- a/gpu/EE817 Lecture 9  Streams and Events.pptx
+++ b/gpu/EE817 Lecture 9  Streams and Events.pptx
@@ -5,10 +5,10 @@
     <p:sldMasterId id="2147483660" r:id="rId1"/>
   </p:sldMasterIdLst>
   <p:notesMasterIdLst>
-    <p:notesMasterId r:id="rId66"/>
+    <p:notesMasterId r:id="rId68"/>
   </p:notesMasterIdLst>
   <p:handoutMasterIdLst>
-    <p:handoutMasterId r:id="rId67"/>
+    <p:handoutMasterId r:id="rId69"/>
   </p:handoutMasterIdLst>
   <p:sldIdLst>
     <p:sldId id="282" r:id="rId2"/>
@@ -35,46 +35,48 @@
     <p:sldId id="302" r:id="rId23"/>
     <p:sldId id="309" r:id="rId24"/>
     <p:sldId id="310" r:id="rId25"/>
-    <p:sldId id="311" r:id="rId26"/>
-    <p:sldId id="324" r:id="rId27"/>
-    <p:sldId id="355" r:id="rId28"/>
-    <p:sldId id="325" r:id="rId29"/>
-    <p:sldId id="326" r:id="rId30"/>
-    <p:sldId id="327" r:id="rId31"/>
-    <p:sldId id="328" r:id="rId32"/>
-    <p:sldId id="312" r:id="rId33"/>
-    <p:sldId id="314" r:id="rId34"/>
-    <p:sldId id="315" r:id="rId35"/>
-    <p:sldId id="316" r:id="rId36"/>
-    <p:sldId id="317" r:id="rId37"/>
-    <p:sldId id="318" r:id="rId38"/>
-    <p:sldId id="322" r:id="rId39"/>
-    <p:sldId id="319" r:id="rId40"/>
-    <p:sldId id="329" r:id="rId41"/>
-    <p:sldId id="353" r:id="rId42"/>
-    <p:sldId id="333" r:id="rId43"/>
-    <p:sldId id="340" r:id="rId44"/>
-    <p:sldId id="330" r:id="rId45"/>
-    <p:sldId id="332" r:id="rId46"/>
-    <p:sldId id="341" r:id="rId47"/>
-    <p:sldId id="331" r:id="rId48"/>
-    <p:sldId id="342" r:id="rId49"/>
-    <p:sldId id="334" r:id="rId50"/>
-    <p:sldId id="343" r:id="rId51"/>
-    <p:sldId id="344" r:id="rId52"/>
-    <p:sldId id="345" r:id="rId53"/>
-    <p:sldId id="335" r:id="rId54"/>
-    <p:sldId id="346" r:id="rId55"/>
-    <p:sldId id="347" r:id="rId56"/>
-    <p:sldId id="348" r:id="rId57"/>
-    <p:sldId id="336" r:id="rId58"/>
-    <p:sldId id="349" r:id="rId59"/>
-    <p:sldId id="337" r:id="rId60"/>
-    <p:sldId id="350" r:id="rId61"/>
-    <p:sldId id="338" r:id="rId62"/>
-    <p:sldId id="351" r:id="rId63"/>
-    <p:sldId id="352" r:id="rId64"/>
-    <p:sldId id="339" r:id="rId65"/>
+    <p:sldId id="357" r:id="rId26"/>
+    <p:sldId id="311" r:id="rId27"/>
+    <p:sldId id="324" r:id="rId28"/>
+    <p:sldId id="355" r:id="rId29"/>
+    <p:sldId id="325" r:id="rId30"/>
+    <p:sldId id="326" r:id="rId31"/>
+    <p:sldId id="327" r:id="rId32"/>
+    <p:sldId id="328" r:id="rId33"/>
+    <p:sldId id="312" r:id="rId34"/>
+    <p:sldId id="314" r:id="rId35"/>
+    <p:sldId id="356" r:id="rId36"/>
+    <p:sldId id="315" r:id="rId37"/>
+    <p:sldId id="316" r:id="rId38"/>
+    <p:sldId id="317" r:id="rId39"/>
+    <p:sldId id="318" r:id="rId40"/>
+    <p:sldId id="322" r:id="rId41"/>
+    <p:sldId id="319" r:id="rId42"/>
+    <p:sldId id="329" r:id="rId43"/>
+    <p:sldId id="353" r:id="rId44"/>
+    <p:sldId id="333" r:id="rId45"/>
+    <p:sldId id="340" r:id="rId46"/>
+    <p:sldId id="330" r:id="rId47"/>
+    <p:sldId id="332" r:id="rId48"/>
+    <p:sldId id="341" r:id="rId49"/>
+    <p:sldId id="331" r:id="rId50"/>
+    <p:sldId id="342" r:id="rId51"/>
+    <p:sldId id="334" r:id="rId52"/>
+    <p:sldId id="343" r:id="rId53"/>
+    <p:sldId id="344" r:id="rId54"/>
+    <p:sldId id="345" r:id="rId55"/>
+    <p:sldId id="335" r:id="rId56"/>
+    <p:sldId id="346" r:id="rId57"/>
+    <p:sldId id="347" r:id="rId58"/>
+    <p:sldId id="348" r:id="rId59"/>
+    <p:sldId id="336" r:id="rId60"/>
+    <p:sldId id="349" r:id="rId61"/>
+    <p:sldId id="337" r:id="rId62"/>
+    <p:sldId id="350" r:id="rId63"/>
+    <p:sldId id="338" r:id="rId64"/>
+    <p:sldId id="351" r:id="rId65"/>
+    <p:sldId id="352" r:id="rId66"/>
+    <p:sldId id="339" r:id="rId67"/>
   </p:sldIdLst>
   <p:sldSz cx="9144000" cy="6858000" type="screen4x3"/>
   <p:notesSz cx="9874250" cy="6797675"/>
@@ -222,6 +224,10 @@
 </p:presentation>
 </file>
 
+<file path=ppt/revisionInfo.xml><?xml version="1.0" encoding="utf-8"?>
+<p1510:revInfo xmlns:a="http://schemas.openxmlformats.org/drawingml/2006/main" xmlns:r="http://schemas.openxmlformats.org/officeDocument/2006/relationships" xmlns:p1510="http://schemas.microsoft.com/office/powerpoint/2015/10/main"/>
+</file>
+
 <file path=ppt/handoutMasters/handoutMaster1.xml><?xml version="1.0" encoding="utf-8"?>
 <p:handoutMaster xmlns:a="http://schemas.openxmlformats.org/drawingml/2006/main" xmlns:r="http://schemas.openxmlformats.org/officeDocument/2006/relationships" xmlns:p="http://schemas.openxmlformats.org/presentationml/2006/main">
   <p:cSld>
@@ -304,7 +310,7 @@
           <a:p>
             <a:fld id="{0958D145-3F61-4970-8B92-DDA610F3EB4F}" type="datetimeFigureOut">
               <a:rPr lang="ko-KR" altLang="en-US" smtClean="0"/>
-              <a:t>2017-04-13</a:t>
+              <a:t>2017-05-07</a:t>
             </a:fld>
             <a:endParaRPr lang="ko-KR" altLang="en-US"/>
           </a:p>
@@ -499,7 +505,7 @@
               <a:pPr>
                 <a:defRPr/>
               </a:pPr>
-              <a:t>2017-04-13</a:t>
+              <a:t>2017-05-06</a:t>
             </a:fld>
             <a:endParaRPr lang="ko-KR" altLang="en-US"/>
           </a:p>
@@ -1271,7 +1277,7 @@
               <a:pPr>
                 <a:defRPr/>
               </a:pPr>
-              <a:t>4/13/2017</a:t>
+              <a:t>5/6/2017</a:t>
             </a:fld>
             <a:endParaRPr lang="en-US" altLang="ko-KR"/>
           </a:p>
@@ -1473,7 +1479,7 @@
               <a:pPr>
                 <a:defRPr/>
               </a:pPr>
-              <a:t>4/13/2017</a:t>
+              <a:t>5/6/2017</a:t>
             </a:fld>
             <a:endParaRPr lang="en-US" altLang="ko-KR"/>
           </a:p>
@@ -1906,7 +1912,7 @@
               <a:pPr>
                 <a:defRPr/>
               </a:pPr>
-              <a:t>4/13/2017</a:t>
+              <a:t>5/6/2017</a:t>
             </a:fld>
             <a:endParaRPr lang="en-US" altLang="ko-KR"/>
           </a:p>
@@ -2103,7 +2109,7 @@
               <a:pPr>
                 <a:defRPr/>
               </a:pPr>
-              <a:t>4/13/2017</a:t>
+              <a:t>5/6/2017</a:t>
             </a:fld>
             <a:endParaRPr lang="en-US" altLang="ko-KR"/>
           </a:p>
@@ -2618,7 +2624,7 @@
               <a:pPr>
                 <a:defRPr/>
               </a:pPr>
-              <a:t>4/13/2017</a:t>
+              <a:t>5/6/2017</a:t>
             </a:fld>
             <a:endParaRPr lang="en-US" altLang="ko-KR"/>
           </a:p>
@@ -2933,7 +2939,7 @@
               <a:pPr>
                 <a:defRPr/>
               </a:pPr>
-              <a:t>4/13/2017</a:t>
+              <a:t>5/6/2017</a:t>
             </a:fld>
             <a:endParaRPr lang="en-US" altLang="ko-KR"/>
           </a:p>
@@ -3436,7 +3442,7 @@
               <a:pPr>
                 <a:defRPr/>
               </a:pPr>
-              <a:t>4/13/2017</a:t>
+              <a:t>5/6/2017</a:t>
             </a:fld>
             <a:endParaRPr lang="en-US" altLang="ko-KR"/>
           </a:p>
@@ -3824,7 +3830,7 @@
               <a:pPr>
                 <a:defRPr/>
               </a:pPr>
-              <a:t>4/13/2017</a:t>
+              <a:t>5/6/2017</a:t>
             </a:fld>
             <a:endParaRPr lang="en-US" altLang="ko-KR"/>
           </a:p>
@@ -4282,7 +4288,7 @@
               <a:pPr>
                 <a:defRPr/>
               </a:pPr>
-              <a:t>4/13/2017</a:t>
+              <a:t>5/6/2017</a:t>
             </a:fld>
             <a:endParaRPr lang="en-US" altLang="ko-KR"/>
           </a:p>
@@ -4580,7 +4586,7 @@
               <a:pPr>
                 <a:defRPr/>
               </a:pPr>
-              <a:t>4/13/2017</a:t>
+              <a:t>5/6/2017</a:t>
             </a:fld>
             <a:endParaRPr lang="en-US" altLang="ko-KR"/>
           </a:p>
@@ -4910,7 +4916,7 @@
               <a:pPr>
                 <a:defRPr/>
               </a:pPr>
-              <a:t>4/13/2017</a:t>
+              <a:t>5/6/2017</a:t>
             </a:fld>
             <a:endParaRPr lang="en-US" altLang="ko-KR"/>
           </a:p>
@@ -5428,7 +5434,7 @@
               <a:pPr>
                 <a:defRPr/>
               </a:pPr>
-              <a:t>4/13/2017</a:t>
+              <a:t>5/6/2017</a:t>
             </a:fld>
             <a:endParaRPr lang="en-US" altLang="ko-KR"/>
           </a:p>
@@ -6921,56 +6927,136 @@
           <a:lstStyle/>
           <a:p>
             <a:r>
-              <a:rPr lang="en-US" altLang="ko-KR" sz="2800" dirty="0" err="1"/>
+              <a:rPr lang="en-US" altLang="ko-KR" sz="2000" dirty="0" err="1"/>
               <a:t>cudaError_t</a:t>
             </a:r>
             <a:r>
-              <a:rPr lang="en-US" altLang="ko-KR" sz="2800" dirty="0"/>
+              <a:rPr lang="en-US" altLang="ko-KR" sz="2000" dirty="0"/>
               <a:t> </a:t>
             </a:r>
             <a:r>
-              <a:rPr lang="en-US" altLang="ko-KR" sz="2800" dirty="0" err="1"/>
+              <a:rPr lang="en-US" altLang="ko-KR" sz="2000" dirty="0" err="1"/>
               <a:t>cudaStreamSynchronize</a:t>
             </a:r>
             <a:r>
-              <a:rPr lang="en-US" altLang="ko-KR" sz="2800" dirty="0"/>
+              <a:rPr lang="en-US" altLang="ko-KR" sz="2000" dirty="0"/>
               <a:t>(</a:t>
             </a:r>
             <a:r>
-              <a:rPr lang="en-US" altLang="ko-KR" sz="2800" dirty="0" err="1"/>
+              <a:rPr lang="en-US" altLang="ko-KR" sz="2000" dirty="0" err="1"/>
               <a:t>cudaStream_t</a:t>
             </a:r>
             <a:r>
-              <a:rPr lang="en-US" altLang="ko-KR" sz="2800" dirty="0"/>
+              <a:rPr lang="en-US" altLang="ko-KR" sz="2000" dirty="0"/>
               <a:t> stream);</a:t>
             </a:r>
           </a:p>
           <a:p>
-            <a:r>
-              <a:rPr lang="en-US" altLang="ko-KR" sz="2800" dirty="0" err="1"/>
+            <a:pPr marL="0" indent="0">
+              <a:buNone/>
+            </a:pPr>
+            <a:r>
+              <a:rPr lang="en-US" altLang="ko-KR" sz="2400" dirty="0"/>
+              <a:t>forces the host to block until all operations in the provided stream have</a:t>
+            </a:r>
+            <a:br>
+              <a:rPr lang="en-US" altLang="ko-KR" sz="2400" dirty="0"/>
+            </a:br>
+            <a:r>
+              <a:rPr lang="en-US" altLang="ko-KR" sz="2400" dirty="0"/>
+              <a:t>completed</a:t>
+            </a:r>
+            <a:r>
+              <a:rPr lang="en-US" altLang="ko-KR" sz="2000" dirty="0"/>
+              <a:t> </a:t>
+            </a:r>
+            <a:br>
+              <a:rPr lang="en-US" altLang="ko-KR" sz="2000" dirty="0"/>
+            </a:br>
+            <a:endParaRPr lang="en-US" altLang="ko-KR" sz="2000" dirty="0"/>
+          </a:p>
+          <a:p>
+            <a:r>
+              <a:rPr lang="en-US" altLang="ko-KR" sz="2000" dirty="0" err="1"/>
               <a:t>cudaError_t</a:t>
             </a:r>
             <a:r>
-              <a:rPr lang="en-US" altLang="ko-KR" sz="2800" dirty="0"/>
+              <a:rPr lang="en-US" altLang="ko-KR" sz="2000" dirty="0"/>
               <a:t> </a:t>
             </a:r>
             <a:r>
-              <a:rPr lang="en-US" altLang="ko-KR" sz="2800" dirty="0" err="1"/>
+              <a:rPr lang="en-US" altLang="ko-KR" sz="2000" dirty="0" err="1"/>
               <a:t>cudaStreamQuery</a:t>
             </a:r>
             <a:r>
-              <a:rPr lang="en-US" altLang="ko-KR" sz="2800" dirty="0"/>
+              <a:rPr lang="en-US" altLang="ko-KR" sz="2000" dirty="0"/>
               <a:t>(</a:t>
             </a:r>
             <a:r>
-              <a:rPr lang="en-US" altLang="ko-KR" sz="2800" dirty="0" err="1"/>
+              <a:rPr lang="en-US" altLang="ko-KR" sz="2000" dirty="0" err="1"/>
               <a:t>cudaStream_t</a:t>
             </a:r>
             <a:r>
-              <a:rPr lang="en-US" altLang="ko-KR" sz="2800" dirty="0"/>
+              <a:rPr lang="en-US" altLang="ko-KR" sz="2000" dirty="0"/>
               <a:t> stream);</a:t>
             </a:r>
-            <a:endParaRPr lang="ko-KR" altLang="en-US" sz="2800" dirty="0"/>
+          </a:p>
+          <a:p>
+            <a:pPr marL="0" indent="0">
+              <a:buNone/>
+            </a:pPr>
+            <a:r>
+              <a:rPr lang="en-US" altLang="ko-KR" sz="2400" dirty="0"/>
+              <a:t>checks if all operations in a stream have completed, but does </a:t>
+            </a:r>
+            <a:r>
+              <a:rPr lang="en-US" altLang="ko-KR" sz="2400" dirty="0" err="1"/>
+              <a:t>notb</a:t>
+            </a:r>
+            <a:r>
+              <a:rPr lang="en-US" altLang="ko-KR" sz="2400" dirty="0"/>
+              <a:t> block the host if they have not completed</a:t>
+            </a:r>
+          </a:p>
+          <a:p>
+            <a:pPr marL="0" indent="0">
+              <a:buNone/>
+            </a:pPr>
+            <a:r>
+              <a:rPr lang="en-US" altLang="ko-KR" sz="2400" dirty="0"/>
+              <a:t>returns </a:t>
+            </a:r>
+            <a:r>
+              <a:rPr lang="en-US" altLang="ko-KR" sz="2400" dirty="0" err="1"/>
+              <a:t>cudaSuccess</a:t>
+            </a:r>
+            <a:r>
+              <a:rPr lang="en-US" altLang="ko-KR" sz="2400" dirty="0"/>
+              <a:t> if all operations are complete or </a:t>
+            </a:r>
+            <a:r>
+              <a:rPr lang="en-US" altLang="ko-KR" sz="2400" dirty="0" err="1"/>
+              <a:t>cudaErrorNotReady</a:t>
+            </a:r>
+            <a:r>
+              <a:rPr lang="en-US" altLang="ko-KR" sz="2400" dirty="0"/>
+              <a:t> if one or more operation is still executing or pending execution</a:t>
+            </a:r>
+            <a:r>
+              <a:rPr lang="en-US" altLang="ko-KR" sz="2000" dirty="0"/>
+              <a:t> </a:t>
+            </a:r>
+            <a:br>
+              <a:rPr lang="en-US" altLang="ko-KR" sz="2000" dirty="0"/>
+            </a:br>
+            <a:r>
+              <a:rPr lang="en-US" altLang="ko-KR" sz="2000" dirty="0"/>
+              <a:t> </a:t>
+            </a:r>
+            <a:br>
+              <a:rPr lang="en-US" altLang="ko-KR" sz="2000" dirty="0"/>
+            </a:br>
+            <a:endParaRPr lang="ko-KR" altLang="en-US" sz="2000" dirty="0"/>
           </a:p>
         </p:txBody>
       </p:sp>
@@ -7254,7 +7340,7 @@
         <p:spPr>
           <a:xfrm>
             <a:off x="457200" y="1600200"/>
-            <a:ext cx="8507288" cy="4525963"/>
+            <a:ext cx="8507288" cy="4853136"/>
           </a:xfrm>
         </p:spPr>
         <p:txBody>
@@ -7340,7 +7426,7 @@
             </a:pPr>
             <a:r>
               <a:rPr lang="en-US" altLang="ko-KR" sz="2400" dirty="0"/>
-              <a:t>		</a:t>
+              <a:t>	</a:t>
             </a:r>
             <a:r>
               <a:rPr lang="en-US" altLang="ko-KR" sz="2400" dirty="0" err="1"/>
@@ -7456,8 +7542,81 @@
             </a:pPr>
             <a:r>
               <a:rPr lang="en-US" altLang="ko-KR" sz="2400" dirty="0"/>
+              <a:t>	for (</a:t>
+            </a:r>
+            <a:r>
+              <a:rPr lang="en-US" altLang="ko-KR" sz="2400" dirty="0" err="1"/>
+              <a:t>int</a:t>
+            </a:r>
+            <a:r>
+              <a:rPr lang="en-US" altLang="ko-KR" sz="2400" dirty="0"/>
+              <a:t> </a:t>
+            </a:r>
+            <a:r>
+              <a:rPr lang="en-US" altLang="ko-KR" sz="2400" dirty="0" err="1"/>
+              <a:t>i</a:t>
+            </a:r>
+            <a:r>
+              <a:rPr lang="en-US" altLang="ko-KR" sz="2400" dirty="0"/>
+              <a:t> = 0; </a:t>
+            </a:r>
+            <a:r>
+              <a:rPr lang="en-US" altLang="ko-KR" sz="2400" dirty="0" err="1"/>
+              <a:t>i</a:t>
+            </a:r>
+            <a:r>
+              <a:rPr lang="en-US" altLang="ko-KR" sz="2400" dirty="0"/>
+              <a:t> &lt; </a:t>
+            </a:r>
+            <a:r>
+              <a:rPr lang="en-US" altLang="ko-KR" sz="2400" dirty="0" err="1"/>
+              <a:t>nStreams</a:t>
+            </a:r>
+            <a:r>
+              <a:rPr lang="en-US" altLang="ko-KR" sz="2400" dirty="0"/>
+              <a:t>; </a:t>
+            </a:r>
+            <a:r>
+              <a:rPr lang="en-US" altLang="ko-KR" sz="2400" dirty="0" err="1"/>
+              <a:t>i</a:t>
+            </a:r>
+            <a:r>
+              <a:rPr lang="en-US" altLang="ko-KR" sz="2400" dirty="0"/>
+              <a:t>++) {</a:t>
+            </a:r>
+            <a:br>
+              <a:rPr lang="en-US" altLang="ko-KR" sz="2400" dirty="0"/>
+            </a:br>
+            <a:r>
+              <a:rPr lang="en-US" altLang="ko-KR" sz="2400" dirty="0"/>
               <a:t>	</a:t>
             </a:r>
+            <a:r>
+              <a:rPr lang="en-US" altLang="ko-KR" sz="2400" dirty="0" err="1"/>
+              <a:t>cudaStreamSynchronize</a:t>
+            </a:r>
+            <a:r>
+              <a:rPr lang="en-US" altLang="ko-KR" sz="2400" dirty="0"/>
+              <a:t>(streams[</a:t>
+            </a:r>
+            <a:r>
+              <a:rPr lang="en-US" altLang="ko-KR" sz="2400" dirty="0" err="1"/>
+              <a:t>i</a:t>
+            </a:r>
+            <a:r>
+              <a:rPr lang="en-US" altLang="ko-KR" sz="2400" dirty="0"/>
+              <a:t>]);</a:t>
+            </a:r>
+            <a:br>
+              <a:rPr lang="en-US" altLang="ko-KR" sz="2400" dirty="0"/>
+            </a:br>
+            <a:r>
+              <a:rPr lang="en-US" altLang="ko-KR" sz="2400" dirty="0"/>
+              <a:t>	} </a:t>
+            </a:r>
+            <a:br>
+              <a:rPr lang="en-US" altLang="ko-KR" sz="2400" dirty="0"/>
+            </a:br>
             <a:endParaRPr lang="ko-KR" altLang="en-US" sz="2400" dirty="0"/>
           </a:p>
         </p:txBody>
@@ -8031,7 +8190,7 @@
         <p:spPr>
           <a:xfrm>
             <a:off x="1331640" y="4725144"/>
-            <a:ext cx="7056784" cy="1938992"/>
+            <a:ext cx="7056784" cy="2308324"/>
           </a:xfrm>
           <a:prstGeom prst="rect">
             <a:avLst/>
@@ -8154,13 +8313,37 @@
               <a:rPr lang="ko-KR" altLang="en-US" sz="2400" dirty="0">
                 <a:latin typeface="+mn-lt"/>
               </a:rPr>
-              <a:t>된다</a:t>
+              <a:t>된다 </a:t>
             </a:r>
             <a:r>
               <a:rPr lang="en-US" altLang="ko-KR" sz="2400" dirty="0">
                 <a:latin typeface="+mn-lt"/>
               </a:rPr>
-              <a:t>. physical </a:t>
+              <a:t>(duplex </a:t>
+            </a:r>
+            <a:r>
+              <a:rPr lang="en-US" altLang="ko-KR" sz="2400" dirty="0" err="1">
+                <a:latin typeface="+mn-lt"/>
+              </a:rPr>
+              <a:t>PCIe</a:t>
+            </a:r>
+            <a:r>
+              <a:rPr lang="en-US" altLang="ko-KR" sz="2400" dirty="0">
+                <a:latin typeface="+mn-lt"/>
+              </a:rPr>
+              <a:t> </a:t>
+            </a:r>
+            <a:r>
+              <a:rPr lang="ko-KR" altLang="en-US" sz="2400" dirty="0">
+                <a:latin typeface="+mn-lt"/>
+              </a:rPr>
+              <a:t>이면</a:t>
+            </a:r>
+            <a:r>
+              <a:rPr lang="en-US" altLang="ko-KR" sz="2400" dirty="0">
+                <a:latin typeface="+mn-lt"/>
+              </a:rPr>
+              <a:t>). physical </a:t>
             </a:r>
             <a:r>
               <a:rPr lang="ko-KR" altLang="en-US" sz="2400" dirty="0">
@@ -8671,9 +8854,52 @@
           <a:lstStyle/>
           <a:p>
             <a:r>
+              <a:rPr lang="en-US" altLang="ko-KR" sz="1800" dirty="0"/>
+              <a:t>stream: a sequence of asynchronous CUDA operations that execute on a device in</a:t>
+            </a:r>
+            <a:br>
+              <a:rPr lang="en-US" altLang="ko-KR" sz="1800" dirty="0"/>
+            </a:br>
+            <a:r>
+              <a:rPr lang="en-US" altLang="ko-KR" sz="1800" dirty="0"/>
+              <a:t>the order issued by the host code </a:t>
+            </a:r>
+          </a:p>
+          <a:p>
+            <a:r>
+              <a:rPr lang="en-US" altLang="ko-KR" sz="1800" dirty="0"/>
+              <a:t>A stream encapsulates these operations, maintains their ordering, permits operations to be queued in the stream to be executed after all preceding operations, and allows for querying the status of queued operations. These operations can include host-device data transfer, kernel launches, and most other commands that are issued by the host but handled by the device</a:t>
+            </a:r>
+          </a:p>
+          <a:p>
+            <a:r>
+              <a:rPr lang="en-US" altLang="ko-KR" sz="1800" dirty="0"/>
+              <a:t>While operations within the same CUDA stream have a strict ordering, operations</a:t>
+            </a:r>
+            <a:br>
+              <a:rPr lang="en-US" altLang="ko-KR" sz="1800" dirty="0"/>
+            </a:br>
+            <a:r>
+              <a:rPr lang="en-US" altLang="ko-KR" sz="1800" dirty="0"/>
+              <a:t>in different streams have no restriction on execution order. By using multiple streams to launch multiple simultaneous kernels, you can implement </a:t>
+            </a:r>
+            <a:r>
+              <a:rPr lang="en-US" altLang="ko-KR" sz="1800" i="1" dirty="0"/>
+              <a:t>grid level concurrency</a:t>
+            </a:r>
+            <a:r>
+              <a:rPr lang="en-US" altLang="ko-KR" sz="1800" dirty="0"/>
+              <a:t> </a:t>
+            </a:r>
+            <a:br>
               <a:rPr lang="en-US" altLang="ko-KR" dirty="0"/>
-              <a:t>stream: a sequence of operations that execute in issue-order on GPU.</a:t>
-            </a:r>
+            </a:br>
+            <a:br>
+              <a:rPr lang="en-US" altLang="ko-KR" dirty="0"/>
+            </a:br>
+            <a:br>
+              <a:rPr lang="en-US" altLang="ko-KR" dirty="0"/>
+            </a:br>
             <a:endParaRPr lang="ko-KR" altLang="en-US" dirty="0"/>
           </a:p>
         </p:txBody>
@@ -9611,7 +9837,11 @@
           <a:bodyPr/>
           <a:lstStyle/>
           <a:p>
-            <a:endParaRPr lang="ko-KR" altLang="en-US"/>
+            <a:r>
+              <a:rPr lang="en-US" altLang="ko-KR" dirty="0"/>
+              <a:t>Blocking and Non-Blocking Streams</a:t>
+            </a:r>
+            <a:endParaRPr lang="ko-KR" altLang="en-US" dirty="0"/>
           </a:p>
         </p:txBody>
       </p:sp>
@@ -9630,199 +9860,74 @@
           <a:bodyPr/>
           <a:lstStyle/>
           <a:p>
-            <a:pPr marL="0" indent="0">
-              <a:buNone/>
-            </a:pPr>
-            <a:r>
-              <a:rPr lang="en-US" altLang="ko-KR" sz="2400" b="1" dirty="0" err="1"/>
-              <a:t>cudaError_t</a:t>
-            </a:r>
-            <a:r>
-              <a:rPr lang="en-US" altLang="ko-KR" sz="2400" b="1" dirty="0"/>
+            <a:r>
+              <a:rPr lang="en-US" altLang="ko-KR" sz="2400" dirty="0"/>
+              <a:t>The NULL stream is an implicit stream, which synchronizes with all other blocking streams</a:t>
+            </a:r>
+            <a:br>
+              <a:rPr lang="en-US" altLang="ko-KR" sz="2400" dirty="0"/>
+            </a:br>
+            <a:r>
+              <a:rPr lang="en-US" altLang="ko-KR" sz="2400" dirty="0"/>
+              <a:t>in the same CUDA context</a:t>
+            </a:r>
+            <a:r>
+              <a:rPr lang="en-US" altLang="ko-KR" sz="1800" dirty="0"/>
               <a:t> </a:t>
             </a:r>
-            <a:r>
-              <a:rPr lang="en-US" altLang="ko-KR" sz="2400" b="1" dirty="0" err="1"/>
-              <a:t>cudaStreamCreateWithFlags</a:t>
-            </a:r>
-            <a:r>
-              <a:rPr lang="en-US" altLang="ko-KR" sz="2400" b="1" dirty="0"/>
-              <a:t>(</a:t>
-            </a:r>
-            <a:r>
-              <a:rPr lang="en-US" altLang="ko-KR" sz="2400" b="1" dirty="0" err="1"/>
-              <a:t>cudaStream_t</a:t>
-            </a:r>
-            <a:r>
-              <a:rPr lang="en-US" altLang="ko-KR" sz="2400" b="1" dirty="0"/>
-              <a:t>* </a:t>
-            </a:r>
-            <a:r>
-              <a:rPr lang="en-US" altLang="ko-KR" sz="2400" b="1" dirty="0" err="1"/>
-              <a:t>pStream</a:t>
-            </a:r>
-            <a:r>
-              <a:rPr lang="en-US" altLang="ko-KR" sz="2400" b="1" dirty="0"/>
-              <a:t>, unsigned </a:t>
-            </a:r>
-            <a:r>
-              <a:rPr lang="en-US" altLang="ko-KR" sz="2400" b="1" dirty="0" err="1"/>
-              <a:t>int</a:t>
-            </a:r>
-            <a:r>
-              <a:rPr lang="en-US" altLang="ko-KR" sz="2400" b="1" dirty="0"/>
+            <a:br>
+              <a:rPr lang="en-US" altLang="ko-KR" sz="1800" dirty="0"/>
+            </a:br>
+            <a:endParaRPr lang="en-US" altLang="ko-KR" sz="1800" dirty="0"/>
+          </a:p>
+          <a:p>
+            <a:r>
+              <a:rPr lang="en-US" altLang="ko-KR" sz="2400" dirty="0"/>
+              <a:t>when an operation is issued to the NULL stream, the CUDA</a:t>
+            </a:r>
+            <a:br>
+              <a:rPr lang="en-US" altLang="ko-KR" sz="2400" dirty="0"/>
+            </a:br>
+            <a:r>
+              <a:rPr lang="en-US" altLang="ko-KR" sz="2400" dirty="0"/>
+              <a:t>context waits on all operations previously issued to all blocking streams before starting that operation</a:t>
+            </a:r>
+            <a:r>
+              <a:rPr lang="en-US" altLang="ko-KR" sz="1800" dirty="0"/>
               <a:t> </a:t>
             </a:r>
-            <a:r>
-              <a:rPr lang="en-US" altLang="ko-KR" sz="2400" b="1" dirty="0">
-                <a:solidFill>
-                  <a:srgbClr val="FF0000"/>
-                </a:solidFill>
-              </a:rPr>
-              <a:t>flags</a:t>
-            </a:r>
-            <a:r>
-              <a:rPr lang="en-US" altLang="ko-KR" sz="2400" b="1" dirty="0"/>
-              <a:t>);</a:t>
-            </a:r>
-          </a:p>
-          <a:p>
-            <a:pPr marL="0" indent="0">
-              <a:buNone/>
-            </a:pPr>
-            <a:r>
-              <a:rPr lang="en-US" altLang="ko-KR" sz="2400" b="1" u="sng" dirty="0">
-                <a:solidFill>
-                  <a:srgbClr val="FF0000"/>
-                </a:solidFill>
-              </a:rPr>
-              <a:t>flags:</a:t>
-            </a:r>
-          </a:p>
-          <a:p>
-            <a:pPr marL="0" indent="0">
-              <a:buNone/>
-            </a:pPr>
-            <a:r>
-              <a:rPr lang="en-US" altLang="ko-KR" sz="2400" dirty="0" err="1">
-                <a:solidFill>
-                  <a:srgbClr val="00B050"/>
-                </a:solidFill>
-              </a:rPr>
-              <a:t>cudaStreamDefault</a:t>
-            </a:r>
+            <a:br>
+              <a:rPr lang="en-US" altLang="ko-KR" sz="1800" dirty="0"/>
+            </a:br>
+            <a:endParaRPr lang="en-US" altLang="ko-KR" sz="1800" dirty="0"/>
+          </a:p>
+          <a:p>
             <a:r>
               <a:rPr lang="en-US" altLang="ko-KR" sz="2400" dirty="0"/>
-              <a:t>: default stream creating flag (blocking).</a:t>
-            </a:r>
-          </a:p>
-          <a:p>
-            <a:pPr marL="0" indent="0">
-              <a:buNone/>
-            </a:pPr>
-            <a:r>
-              <a:rPr lang="en-US" altLang="ko-KR" sz="2400" dirty="0" err="1"/>
-              <a:t>c</a:t>
-            </a:r>
-            <a:r>
-              <a:rPr lang="en-US" altLang="ko-KR" sz="2400" dirty="0" err="1">
-                <a:solidFill>
-                  <a:srgbClr val="00B050"/>
-                </a:solidFill>
-              </a:rPr>
-              <a:t>udaStreamNonBlocking</a:t>
-            </a:r>
-            <a:r>
+              <a:t>any operations issued to blocking streams will wait on preceding operations in the NULL</a:t>
+            </a:r>
+            <a:br>
               <a:rPr lang="en-US" altLang="ko-KR" sz="2400" dirty="0"/>
-              <a:t>: asynchronous stream creation flag(non-blocking). </a:t>
-            </a:r>
-            <a:r>
-              <a:rPr lang="en-US" altLang="ko-KR" sz="2400" dirty="0">
-                <a:solidFill>
-                  <a:srgbClr val="00B050"/>
-                </a:solidFill>
-              </a:rPr>
-              <a:t>It disables the blocking behavior of </a:t>
-            </a:r>
-            <a:r>
-              <a:rPr lang="en-US" altLang="ko-KR" sz="2400" dirty="0" err="1">
-                <a:solidFill>
-                  <a:srgbClr val="00B050"/>
-                </a:solidFill>
-              </a:rPr>
-              <a:t>non_NULL</a:t>
-            </a:r>
-            <a:r>
-              <a:rPr lang="en-US" altLang="ko-KR" sz="2400" dirty="0">
-                <a:solidFill>
-                  <a:srgbClr val="00B050"/>
-                </a:solidFill>
-              </a:rPr>
-              <a:t> streams relative to the NULL stream.</a:t>
-            </a:r>
-          </a:p>
-          <a:p>
-            <a:pPr marL="0" indent="0">
-              <a:buNone/>
-            </a:pPr>
-            <a:endParaRPr lang="en-US" altLang="ko-KR" sz="2400" dirty="0">
-              <a:solidFill>
-                <a:srgbClr val="00B050"/>
-              </a:solidFill>
-            </a:endParaRPr>
-          </a:p>
-          <a:p>
-            <a:r>
-              <a:rPr lang="en-US" altLang="ko-KR" sz="2400" dirty="0">
-                <a:solidFill>
-                  <a:srgbClr val="00B050"/>
-                </a:solidFill>
-              </a:rPr>
-              <a:t>If stream_1 and stream_2 in the previous slide were created with </a:t>
-            </a:r>
-            <a:r>
-              <a:rPr lang="en-US" altLang="ko-KR" sz="2400" dirty="0" err="1">
-                <a:solidFill>
-                  <a:srgbClr val="00B050"/>
-                </a:solidFill>
-              </a:rPr>
-              <a:t>cudaStreamNonBlocking</a:t>
-            </a:r>
-            <a:r>
-              <a:rPr lang="en-US" altLang="ko-KR" sz="2400" dirty="0">
-                <a:solidFill>
-                  <a:srgbClr val="00B050"/>
-                </a:solidFill>
-              </a:rPr>
-              <a:t>, non of the kernel executions would be blocked waiting for completion of any of the other kernels.</a:t>
-            </a:r>
-          </a:p>
-          <a:p>
-            <a:pPr marL="0" indent="0">
-              <a:buNone/>
-            </a:pPr>
-            <a:endParaRPr lang="en-US" altLang="ko-KR" sz="2400" dirty="0">
-              <a:solidFill>
-                <a:srgbClr val="00B050"/>
-              </a:solidFill>
-            </a:endParaRPr>
-          </a:p>
-          <a:p>
-            <a:pPr marL="0" indent="0">
-              <a:buNone/>
-            </a:pPr>
-            <a:endParaRPr lang="ko-KR" altLang="en-US" sz="2400" dirty="0">
-              <a:solidFill>
-                <a:srgbClr val="00B050"/>
-              </a:solidFill>
-            </a:endParaRPr>
+            </a:br>
+            <a:r>
+              <a:rPr lang="en-US" altLang="ko-KR" sz="2400" dirty="0"/>
+              <a:t>stream to complete before executing.</a:t>
+            </a:r>
+            <a:r>
+              <a:rPr lang="en-US" altLang="ko-KR" sz="1800" dirty="0"/>
+              <a:t> </a:t>
+            </a:r>
+            <a:br>
+              <a:rPr lang="en-US" altLang="ko-KR" sz="1800" dirty="0"/>
+            </a:br>
+            <a:endParaRPr lang="ko-KR" altLang="en-US" sz="1800" dirty="0"/>
           </a:p>
         </p:txBody>
       </p:sp>
     </p:spTree>
     <p:extLst>
       <p:ext uri="{BB962C8B-B14F-4D97-AF65-F5344CB8AC3E}">
-        <p14:creationId xmlns:p14="http://schemas.microsoft.com/office/powerpoint/2010/main" val="2395981196"/>
+        <p14:creationId xmlns:p14="http://schemas.microsoft.com/office/powerpoint/2010/main" val="4022178279"/>
       </p:ext>
     </p:extLst>
   </p:cSld>
@@ -9851,29 +9956,6 @@
       </p:grpSpPr>
       <p:sp>
         <p:nvSpPr>
-          <p:cNvPr id="2" name="제목 1"/>
-          <p:cNvSpPr>
-            <a:spLocks noGrp="1"/>
-          </p:cNvSpPr>
-          <p:nvPr>
-            <p:ph type="title"/>
-          </p:nvPr>
-        </p:nvSpPr>
-        <p:spPr/>
-        <p:txBody>
-          <a:bodyPr/>
-          <a:lstStyle/>
-          <a:p>
-            <a:r>
-              <a:rPr lang="en-US" altLang="ko-KR" dirty="0"/>
-              <a:t>Implicit Synchronization</a:t>
-            </a:r>
-            <a:endParaRPr lang="ko-KR" altLang="en-US" dirty="0"/>
-          </a:p>
-        </p:txBody>
-      </p:sp>
-      <p:sp>
-        <p:nvSpPr>
           <p:cNvPr id="3" name="내용 개체 틀 2"/>
           <p:cNvSpPr>
             <a:spLocks noGrp="1"/>
@@ -9887,68 +9969,199 @@
           <a:bodyPr/>
           <a:lstStyle/>
           <a:p>
+            <a:pPr marL="0" indent="0">
+              <a:buNone/>
+            </a:pPr>
+            <a:r>
+              <a:rPr lang="en-US" altLang="ko-KR" sz="2400" b="1" dirty="0" err="1"/>
+              <a:t>cudaError_t</a:t>
+            </a:r>
+            <a:r>
+              <a:rPr lang="en-US" altLang="ko-KR" sz="2400" b="1" dirty="0"/>
+              <a:t> </a:t>
+            </a:r>
+            <a:r>
+              <a:rPr lang="en-US" altLang="ko-KR" sz="2400" b="1" dirty="0" err="1"/>
+              <a:t>cudaStreamCreateWithFlags</a:t>
+            </a:r>
+            <a:r>
+              <a:rPr lang="en-US" altLang="ko-KR" sz="2400" b="1" dirty="0"/>
+              <a:t>(</a:t>
+            </a:r>
+            <a:r>
+              <a:rPr lang="en-US" altLang="ko-KR" sz="2400" b="1" dirty="0" err="1"/>
+              <a:t>cudaStream_t</a:t>
+            </a:r>
+            <a:r>
+              <a:rPr lang="en-US" altLang="ko-KR" sz="2400" b="1" dirty="0"/>
+              <a:t>* </a:t>
+            </a:r>
+            <a:r>
+              <a:rPr lang="en-US" altLang="ko-KR" sz="2400" b="1" dirty="0" err="1"/>
+              <a:t>pStream</a:t>
+            </a:r>
+            <a:r>
+              <a:rPr lang="en-US" altLang="ko-KR" sz="2400" b="1" dirty="0"/>
+              <a:t>, unsigned </a:t>
+            </a:r>
+            <a:r>
+              <a:rPr lang="en-US" altLang="ko-KR" sz="2400" b="1" dirty="0" err="1"/>
+              <a:t>int</a:t>
+            </a:r>
+            <a:r>
+              <a:rPr lang="en-US" altLang="ko-KR" sz="2400" b="1" dirty="0"/>
+              <a:t> </a:t>
+            </a:r>
+            <a:r>
+              <a:rPr lang="en-US" altLang="ko-KR" sz="2400" b="1" dirty="0">
+                <a:solidFill>
+                  <a:srgbClr val="FF0000"/>
+                </a:solidFill>
+              </a:rPr>
+              <a:t>flags</a:t>
+            </a:r>
+            <a:r>
+              <a:rPr lang="en-US" altLang="ko-KR" sz="2400" b="1" dirty="0"/>
+              <a:t>);</a:t>
+            </a:r>
+          </a:p>
+          <a:p>
+            <a:pPr marL="0" indent="0">
+              <a:buNone/>
+            </a:pPr>
+            <a:r>
+              <a:rPr lang="en-US" altLang="ko-KR" sz="2400" b="1" u="sng" dirty="0">
+                <a:solidFill>
+                  <a:srgbClr val="FF0000"/>
+                </a:solidFill>
+              </a:rPr>
+              <a:t>flags:</a:t>
+            </a:r>
+          </a:p>
+          <a:p>
+            <a:pPr marL="0" indent="0">
+              <a:buNone/>
+            </a:pPr>
+            <a:r>
+              <a:rPr lang="en-US" altLang="ko-KR" sz="2400" dirty="0" err="1">
+                <a:solidFill>
+                  <a:srgbClr val="00B050"/>
+                </a:solidFill>
+              </a:rPr>
+              <a:t>cudaStreamDefault</a:t>
+            </a:r>
             <a:r>
               <a:rPr lang="en-US" altLang="ko-KR" sz="2400" dirty="0"/>
-              <a:t>Many memory related operations imply blocking on all previous operations on the current device:</a:t>
-            </a:r>
-          </a:p>
-          <a:p>
-            <a:pPr marL="0" indent="0">
-              <a:buNone/>
-            </a:pPr>
+              <a:t>: default stream creating flag (blocking).</a:t>
+            </a:r>
+          </a:p>
+          <a:p>
+            <a:pPr marL="0" indent="0">
+              <a:buNone/>
+            </a:pPr>
+            <a:r>
+              <a:rPr lang="en-US" altLang="ko-KR" sz="2400" dirty="0" err="1"/>
+              <a:t>c</a:t>
+            </a:r>
+            <a:r>
+              <a:rPr lang="en-US" altLang="ko-KR" sz="2400" dirty="0" err="1">
+                <a:solidFill>
+                  <a:srgbClr val="00B050"/>
+                </a:solidFill>
+              </a:rPr>
+              <a:t>udaStreamNonBlocking</a:t>
+            </a:r>
             <a:r>
               <a:rPr lang="en-US" altLang="ko-KR" sz="2400" dirty="0"/>
-              <a:t>	-A page-locked host memory allocation</a:t>
-            </a:r>
-          </a:p>
-          <a:p>
-            <a:pPr marL="0" indent="0">
-              <a:buNone/>
-            </a:pPr>
-            <a:r>
-              <a:rPr lang="en-US" altLang="ko-KR" sz="2400" dirty="0"/>
-              <a:t>	-A device memory allocation</a:t>
-            </a:r>
-          </a:p>
-          <a:p>
-            <a:pPr marL="0" indent="0">
-              <a:buNone/>
-            </a:pPr>
-            <a:r>
-              <a:rPr lang="en-US" altLang="ko-KR" sz="2400" dirty="0"/>
-              <a:t>	-A device </a:t>
-            </a:r>
-            <a:r>
-              <a:rPr lang="en-US" altLang="ko-KR" sz="2400" dirty="0" err="1"/>
-              <a:t>memset</a:t>
-            </a:r>
-            <a:endParaRPr lang="en-US" altLang="ko-KR" sz="2400" dirty="0"/>
-          </a:p>
-          <a:p>
-            <a:pPr marL="0" indent="0">
-              <a:buNone/>
-            </a:pPr>
-            <a:r>
-              <a:rPr lang="en-US" altLang="ko-KR" sz="2400" dirty="0"/>
-              <a:t>	-A memory copy between two addresses on the same 	   device</a:t>
-            </a:r>
-          </a:p>
-          <a:p>
-            <a:pPr marL="0" indent="0">
-              <a:buNone/>
-            </a:pPr>
-            <a:r>
-              <a:rPr lang="en-US" altLang="ko-KR" sz="2400" dirty="0"/>
-              <a:t>	-A modification to the L1/shared memory configuration</a:t>
-            </a:r>
-            <a:endParaRPr lang="ko-KR" altLang="en-US" sz="2400" dirty="0"/>
+              <a:t>: asynchronous stream creation flag(non-blocking). </a:t>
+            </a:r>
+            <a:r>
+              <a:rPr lang="en-US" altLang="ko-KR" sz="2400" dirty="0">
+                <a:solidFill>
+                  <a:srgbClr val="00B050"/>
+                </a:solidFill>
+              </a:rPr>
+              <a:t>It disables the blocking behavior of </a:t>
+            </a:r>
+            <a:r>
+              <a:rPr lang="en-US" altLang="ko-KR" sz="2400" dirty="0" err="1">
+                <a:solidFill>
+                  <a:srgbClr val="00B050"/>
+                </a:solidFill>
+              </a:rPr>
+              <a:t>non_NULL</a:t>
+            </a:r>
+            <a:r>
+              <a:rPr lang="en-US" altLang="ko-KR" sz="2400" dirty="0">
+                <a:solidFill>
+                  <a:srgbClr val="00B050"/>
+                </a:solidFill>
+              </a:rPr>
+              <a:t> streams relative to the NULL stream.</a:t>
+            </a:r>
+          </a:p>
+          <a:p>
+            <a:pPr marL="0" indent="0">
+              <a:buNone/>
+            </a:pPr>
+            <a:endParaRPr lang="en-US" altLang="ko-KR" sz="2400" dirty="0">
+              <a:solidFill>
+                <a:srgbClr val="00B050"/>
+              </a:solidFill>
+            </a:endParaRPr>
+          </a:p>
+          <a:p>
+            <a:r>
+              <a:rPr lang="en-US" altLang="ko-KR" sz="2400" dirty="0">
+                <a:solidFill>
+                  <a:srgbClr val="00B050"/>
+                </a:solidFill>
+              </a:rPr>
+              <a:t>If stream_1 and stream_2 in the previous slide were created with </a:t>
+            </a:r>
+            <a:r>
+              <a:rPr lang="en-US" altLang="ko-KR" sz="2400" dirty="0" err="1">
+                <a:solidFill>
+                  <a:srgbClr val="00B050"/>
+                </a:solidFill>
+              </a:rPr>
+              <a:t>cudaStreamNonBlocking</a:t>
+            </a:r>
+            <a:r>
+              <a:rPr lang="en-US" altLang="ko-KR" sz="2400" dirty="0">
+                <a:solidFill>
+                  <a:srgbClr val="00B050"/>
+                </a:solidFill>
+              </a:rPr>
+              <a:t>, non of the kernel executions would be blocked waiting for completion of any of the other kernels.</a:t>
+            </a:r>
+          </a:p>
+          <a:p>
+            <a:pPr marL="0" indent="0">
+              <a:buNone/>
+            </a:pPr>
+            <a:endParaRPr lang="en-US" altLang="ko-KR" sz="2400" dirty="0">
+              <a:solidFill>
+                <a:srgbClr val="00B050"/>
+              </a:solidFill>
+            </a:endParaRPr>
+          </a:p>
+          <a:p>
+            <a:pPr marL="0" indent="0">
+              <a:buNone/>
+            </a:pPr>
+            <a:endParaRPr lang="ko-KR" altLang="en-US" sz="2400" dirty="0">
+              <a:solidFill>
+                <a:srgbClr val="00B050"/>
+              </a:solidFill>
+            </a:endParaRPr>
           </a:p>
         </p:txBody>
       </p:sp>
     </p:spTree>
     <p:extLst>
       <p:ext uri="{BB962C8B-B14F-4D97-AF65-F5344CB8AC3E}">
-        <p14:creationId xmlns:p14="http://schemas.microsoft.com/office/powerpoint/2010/main" val="3560883784"/>
+        <p14:creationId xmlns:p14="http://schemas.microsoft.com/office/powerpoint/2010/main" val="2395981196"/>
       </p:ext>
     </p:extLst>
   </p:cSld>
@@ -9985,28 +10198,16 @@
             <p:ph type="title"/>
           </p:nvPr>
         </p:nvSpPr>
-        <p:spPr>
-          <a:xfrm>
-            <a:off x="323528" y="188640"/>
-            <a:ext cx="8229600" cy="960438"/>
-          </a:xfrm>
-        </p:spPr>
+        <p:spPr/>
         <p:txBody>
           <a:bodyPr/>
           <a:lstStyle/>
           <a:p>
             <a:r>
-              <a:rPr lang="en-US" altLang="ko-KR" sz="3600" dirty="0"/>
-              <a:t>Configuring the Amount of Shared Memory</a:t>
-            </a:r>
-            <a:br>
-              <a:rPr lang="en-US" altLang="ko-KR" sz="3600" dirty="0"/>
-            </a:br>
-            <a:r>
-              <a:rPr lang="en-US" altLang="ko-KR" sz="3600" dirty="0"/>
-              <a:t>[Lecture 7 Shared Memory]</a:t>
-            </a:r>
-            <a:endParaRPr lang="ko-KR" altLang="en-US" sz="3600" dirty="0"/>
+              <a:rPr lang="en-US" altLang="ko-KR" dirty="0"/>
+              <a:t>Implicit Synchronization</a:t>
+            </a:r>
+            <a:endParaRPr lang="ko-KR" altLang="en-US" dirty="0"/>
           </a:p>
         </p:txBody>
       </p:sp>
@@ -10020,138 +10221,73 @@
             <p:ph idx="1"/>
           </p:nvPr>
         </p:nvSpPr>
-        <p:spPr>
-          <a:xfrm>
-            <a:off x="467544" y="1772816"/>
-            <a:ext cx="8229600" cy="4525963"/>
-          </a:xfrm>
-        </p:spPr>
+        <p:spPr/>
         <p:txBody>
           <a:bodyPr/>
           <a:lstStyle/>
           <a:p>
             <a:r>
-              <a:rPr lang="en-US" altLang="ko-KR" sz="2800" dirty="0"/>
-              <a:t>Each SM has 64KBytes of on-chip memory which are shared by the Shared memory and L1 cache.</a:t>
-            </a:r>
-          </a:p>
-          <a:p>
-            <a:r>
-              <a:rPr lang="en-US" altLang="ko-KR" sz="2800" dirty="0"/>
-              <a:t>Per-device configuration:</a:t>
-            </a:r>
-          </a:p>
-          <a:p>
-            <a:pPr marL="0" indent="0">
-              <a:buNone/>
-            </a:pPr>
-            <a:r>
-              <a:rPr lang="en-US" altLang="ko-KR" sz="2800" dirty="0"/>
-              <a:t> </a:t>
-            </a:r>
-            <a:r>
-              <a:rPr lang="en-US" altLang="ko-KR" sz="2800" dirty="0" err="1"/>
-              <a:t>cudaError_t</a:t>
-            </a:r>
-            <a:r>
-              <a:rPr lang="en-US" altLang="ko-KR" sz="2800" dirty="0"/>
-              <a:t> </a:t>
-            </a:r>
-            <a:r>
-              <a:rPr lang="en-US" altLang="ko-KR" sz="2800" dirty="0" err="1"/>
-              <a:t>cudaDeviceSetCacheConfig</a:t>
-            </a:r>
-            <a:r>
-              <a:rPr lang="en-US" altLang="ko-KR" sz="2800" dirty="0"/>
-              <a:t>(</a:t>
-            </a:r>
-            <a:r>
-              <a:rPr lang="en-US" altLang="ko-KR" sz="2800" dirty="0" err="1"/>
-              <a:t>cudaFuncCache</a:t>
-            </a:r>
-            <a:r>
-              <a:rPr lang="en-US" altLang="ko-KR" sz="2800" dirty="0"/>
-              <a:t> </a:t>
-            </a:r>
-            <a:r>
-              <a:rPr lang="en-US" altLang="ko-KR" sz="2800" dirty="0" err="1"/>
-              <a:t>cacheConfig</a:t>
-            </a:r>
-            <a:r>
-              <a:rPr lang="en-US" altLang="ko-KR" sz="2800" dirty="0"/>
-              <a:t>);</a:t>
-            </a:r>
-          </a:p>
-          <a:p>
-            <a:r>
-              <a:rPr lang="en-US" altLang="ko-KR" sz="2800" dirty="0"/>
-              <a:t>Per-kernel configuration:</a:t>
-            </a:r>
-          </a:p>
-          <a:p>
-            <a:pPr marL="0" indent="0">
-              <a:buNone/>
-            </a:pPr>
-            <a:r>
-              <a:rPr lang="en-US" altLang="ko-KR" sz="2800" dirty="0"/>
-              <a:t> </a:t>
-            </a:r>
-            <a:r>
-              <a:rPr lang="en-US" altLang="ko-KR" sz="2800" dirty="0" err="1"/>
-              <a:t>cudaError_t</a:t>
-            </a:r>
-            <a:r>
-              <a:rPr lang="en-US" altLang="ko-KR" sz="2800" dirty="0"/>
-              <a:t> </a:t>
-            </a:r>
-            <a:r>
-              <a:rPr lang="en-US" altLang="ko-KR" sz="2800" dirty="0" err="1"/>
-              <a:t>cudaFuncSetCacheConfig</a:t>
-            </a:r>
-            <a:r>
-              <a:rPr lang="en-US" altLang="ko-KR" sz="2800" dirty="0"/>
-              <a:t>(</a:t>
-            </a:r>
-            <a:r>
-              <a:rPr lang="en-US" altLang="ko-KR" sz="2800" dirty="0" err="1"/>
-              <a:t>const</a:t>
-            </a:r>
-            <a:r>
-              <a:rPr lang="en-US" altLang="ko-KR" sz="2800" dirty="0"/>
-              <a:t> void* </a:t>
-            </a:r>
-            <a:r>
-              <a:rPr lang="en-US" altLang="ko-KR" sz="2800" dirty="0" err="1"/>
-              <a:t>func</a:t>
-            </a:r>
-            <a:r>
-              <a:rPr lang="en-US" altLang="ko-KR" sz="2800" dirty="0"/>
-              <a:t>, </a:t>
-            </a:r>
-            <a:r>
-              <a:rPr lang="en-US" altLang="ko-KR" sz="2800" dirty="0" err="1"/>
-              <a:t>enum</a:t>
-            </a:r>
-            <a:r>
-              <a:rPr lang="en-US" altLang="ko-KR" sz="2800" dirty="0"/>
-              <a:t> </a:t>
-            </a:r>
-            <a:r>
-              <a:rPr lang="en-US" altLang="ko-KR" sz="2800" dirty="0" err="1"/>
-              <a:t>cudaFuncCachecacheConfig</a:t>
-            </a:r>
-            <a:r>
-              <a:rPr lang="en-US" altLang="ko-KR" sz="2800" dirty="0"/>
-              <a:t>);</a:t>
-            </a:r>
-            <a:endParaRPr lang="ko-KR" altLang="en-US" sz="2800" dirty="0"/>
+              <a:rPr lang="en-US" altLang="ko-KR" sz="2400" dirty="0"/>
+              <a:t>Many memory related operations imply blocking on all previous operations on the current device:</a:t>
+            </a:r>
+          </a:p>
+          <a:p>
+            <a:pPr marL="0" indent="0">
+              <a:buNone/>
+            </a:pPr>
+            <a:r>
+              <a:rPr lang="en-US" altLang="ko-KR" sz="2400" dirty="0"/>
+              <a:t>	-A page-locked host memory allocation</a:t>
+            </a:r>
+          </a:p>
+          <a:p>
+            <a:pPr marL="0" indent="0">
+              <a:buNone/>
+            </a:pPr>
+            <a:r>
+              <a:rPr lang="en-US" altLang="ko-KR" sz="2400" dirty="0"/>
+              <a:t>	-A device memory allocation</a:t>
+            </a:r>
+          </a:p>
+          <a:p>
+            <a:pPr marL="0" indent="0">
+              <a:buNone/>
+            </a:pPr>
+            <a:r>
+              <a:rPr lang="en-US" altLang="ko-KR" sz="2400" dirty="0"/>
+              <a:t>	-A device </a:t>
+            </a:r>
+            <a:r>
+              <a:rPr lang="en-US" altLang="ko-KR" sz="2400" dirty="0" err="1"/>
+              <a:t>memset</a:t>
+            </a:r>
+            <a:endParaRPr lang="en-US" altLang="ko-KR" sz="2400" dirty="0"/>
+          </a:p>
+          <a:p>
+            <a:pPr marL="0" indent="0">
+              <a:buNone/>
+            </a:pPr>
+            <a:r>
+              <a:rPr lang="en-US" altLang="ko-KR" sz="2400" dirty="0"/>
+              <a:t>	-A memory copy between two addresses on the same 	   device</a:t>
+            </a:r>
+          </a:p>
+          <a:p>
+            <a:pPr marL="0" indent="0">
+              <a:buNone/>
+            </a:pPr>
+            <a:r>
+              <a:rPr lang="en-US" altLang="ko-KR" sz="2400" dirty="0"/>
+              <a:t>	-A modification to the L1/shared memory configuration</a:t>
+            </a:r>
+            <a:endParaRPr lang="ko-KR" altLang="en-US" sz="2400" dirty="0"/>
           </a:p>
         </p:txBody>
       </p:sp>
     </p:spTree>
     <p:extLst>
       <p:ext uri="{BB962C8B-B14F-4D97-AF65-F5344CB8AC3E}">
-        <p14:creationId xmlns:p14="http://schemas.microsoft.com/office/powerpoint/2010/main" val="2831131584"/>
+        <p14:creationId xmlns:p14="http://schemas.microsoft.com/office/powerpoint/2010/main" val="3560883784"/>
       </p:ext>
     </p:extLst>
   </p:cSld>
@@ -10188,16 +10324,28 @@
             <p:ph type="title"/>
           </p:nvPr>
         </p:nvSpPr>
-        <p:spPr/>
+        <p:spPr>
+          <a:xfrm>
+            <a:off x="323528" y="188640"/>
+            <a:ext cx="8229600" cy="960438"/>
+          </a:xfrm>
+        </p:spPr>
         <p:txBody>
           <a:bodyPr/>
           <a:lstStyle/>
           <a:p>
             <a:r>
-              <a:rPr lang="en-US" altLang="ko-KR" dirty="0"/>
-              <a:t>Explicit Synchronization</a:t>
-            </a:r>
-            <a:endParaRPr lang="ko-KR" altLang="en-US" dirty="0"/>
+              <a:rPr lang="en-US" altLang="ko-KR" sz="3600" dirty="0"/>
+              <a:t>Configuring the Amount of Shared Memory</a:t>
+            </a:r>
+            <a:br>
+              <a:rPr lang="en-US" altLang="ko-KR" sz="3600" dirty="0"/>
+            </a:br>
+            <a:r>
+              <a:rPr lang="en-US" altLang="ko-KR" sz="3600" dirty="0"/>
+              <a:t>[Lecture 7 Shared Memory]</a:t>
+            </a:r>
+            <a:endParaRPr lang="ko-KR" altLang="en-US" sz="3600" dirty="0"/>
           </a:p>
         </p:txBody>
       </p:sp>
@@ -10211,103 +10359,138 @@
             <p:ph idx="1"/>
           </p:nvPr>
         </p:nvSpPr>
-        <p:spPr/>
+        <p:spPr>
+          <a:xfrm>
+            <a:off x="467544" y="1772816"/>
+            <a:ext cx="8229600" cy="4525963"/>
+          </a:xfrm>
+        </p:spPr>
         <p:txBody>
           <a:bodyPr/>
           <a:lstStyle/>
           <a:p>
-            <a:pPr marL="0" indent="0">
-              <a:buNone/>
-            </a:pPr>
-            <a:r>
-              <a:rPr lang="en-US" altLang="ko-KR" sz="2400" dirty="0"/>
-              <a:t>-synchronizing the device</a:t>
-            </a:r>
-          </a:p>
-          <a:p>
-            <a:pPr marL="0" indent="0">
-              <a:buNone/>
-            </a:pPr>
-            <a:r>
-              <a:rPr lang="en-US" altLang="ko-KR" sz="2400" dirty="0"/>
-              <a:t>-synchronizing a stream</a:t>
-            </a:r>
-          </a:p>
-          <a:p>
-            <a:pPr marL="0" indent="0">
-              <a:buNone/>
-            </a:pPr>
-            <a:r>
-              <a:rPr lang="en-US" altLang="ko-KR" sz="2400" dirty="0"/>
-              <a:t>-synchronizing an event in a stream</a:t>
-            </a:r>
-          </a:p>
-          <a:p>
-            <a:pPr marL="0" indent="0">
-              <a:buNone/>
-            </a:pPr>
-            <a:r>
-              <a:rPr lang="en-US" altLang="ko-KR" sz="2400" dirty="0"/>
-              <a:t>-synchronizing across streams using an event:</a:t>
-            </a:r>
-          </a:p>
-          <a:p>
-            <a:pPr marL="0" indent="0">
-              <a:buNone/>
-            </a:pPr>
-            <a:r>
-              <a:rPr lang="en-US" altLang="ko-KR" sz="2400" dirty="0"/>
-              <a:t>  </a:t>
-            </a:r>
-            <a:r>
-              <a:rPr lang="en-US" altLang="ko-KR" sz="2400" dirty="0" err="1"/>
+            <a:r>
+              <a:rPr lang="en-US" altLang="ko-KR" sz="2800" dirty="0"/>
+              <a:t>Each SM has 64KBytes of on-chip memory which are shared by the Shared memory and L1 cache.</a:t>
+            </a:r>
+          </a:p>
+          <a:p>
+            <a:r>
+              <a:rPr lang="en-US" altLang="ko-KR" sz="2800" dirty="0"/>
+              <a:t>Per-device configuration:</a:t>
+            </a:r>
+          </a:p>
+          <a:p>
+            <a:pPr marL="0" indent="0">
+              <a:buNone/>
+            </a:pPr>
+            <a:r>
+              <a:rPr lang="en-US" altLang="ko-KR" sz="2800" dirty="0"/>
+              <a:t> </a:t>
+            </a:r>
+            <a:r>
+              <a:rPr lang="en-US" altLang="ko-KR" sz="2800" dirty="0" err="1"/>
               <a:t>cudaError_t</a:t>
             </a:r>
             <a:r>
-              <a:rPr lang="en-US" altLang="ko-KR" sz="2400" dirty="0"/>
+              <a:rPr lang="en-US" altLang="ko-KR" sz="2800" dirty="0"/>
               <a:t> </a:t>
             </a:r>
             <a:r>
-              <a:rPr lang="en-US" altLang="ko-KR" sz="2400" dirty="0" err="1"/>
-              <a:t>cudaStreamWaitEvent</a:t>
-            </a:r>
-            <a:r>
-              <a:rPr lang="en-US" altLang="ko-KR" sz="2400" dirty="0"/>
+              <a:rPr lang="en-US" altLang="ko-KR" sz="2800" dirty="0" err="1"/>
+              <a:t>cudaDeviceSetCacheConfig</a:t>
+            </a:r>
+            <a:r>
+              <a:rPr lang="en-US" altLang="ko-KR" sz="2800" dirty="0"/>
               <a:t>(</a:t>
             </a:r>
             <a:r>
-              <a:rPr lang="en-US" altLang="ko-KR" sz="2400" dirty="0" err="1"/>
-              <a:t>cudaStream_t</a:t>
-            </a:r>
-            <a:r>
-              <a:rPr lang="en-US" altLang="ko-KR" sz="2400" dirty="0"/>
-              <a:t> stream,   </a:t>
-            </a:r>
-          </a:p>
-          <a:p>
-            <a:pPr marL="0" indent="0">
-              <a:buNone/>
-            </a:pPr>
-            <a:r>
-              <a:rPr lang="en-US" altLang="ko-KR" sz="2400" dirty="0"/>
-              <a:t>	</a:t>
-            </a:r>
-            <a:r>
-              <a:rPr lang="en-US" altLang="ko-KR" sz="2400" dirty="0" err="1"/>
-              <a:t>cudaEvent_t</a:t>
-            </a:r>
-            <a:r>
-              <a:rPr lang="en-US" altLang="ko-KR" sz="2400" dirty="0"/>
-              <a:t> event);</a:t>
-            </a:r>
-            <a:endParaRPr lang="ko-KR" altLang="en-US" sz="2400" dirty="0"/>
+              <a:rPr lang="en-US" altLang="ko-KR" sz="2800" dirty="0" err="1"/>
+              <a:t>cudaFuncCache</a:t>
+            </a:r>
+            <a:r>
+              <a:rPr lang="en-US" altLang="ko-KR" sz="2800" dirty="0"/>
+              <a:t> </a:t>
+            </a:r>
+            <a:r>
+              <a:rPr lang="en-US" altLang="ko-KR" sz="2800" dirty="0" err="1"/>
+              <a:t>cacheConfig</a:t>
+            </a:r>
+            <a:r>
+              <a:rPr lang="en-US" altLang="ko-KR" sz="2800" dirty="0"/>
+              <a:t>);</a:t>
+            </a:r>
+          </a:p>
+          <a:p>
+            <a:r>
+              <a:rPr lang="en-US" altLang="ko-KR" sz="2800" dirty="0"/>
+              <a:t>Per-kernel configuration:</a:t>
+            </a:r>
+          </a:p>
+          <a:p>
+            <a:pPr marL="0" indent="0">
+              <a:buNone/>
+            </a:pPr>
+            <a:r>
+              <a:rPr lang="en-US" altLang="ko-KR" sz="2800" dirty="0"/>
+              <a:t> </a:t>
+            </a:r>
+            <a:r>
+              <a:rPr lang="en-US" altLang="ko-KR" sz="2800" dirty="0" err="1"/>
+              <a:t>cudaError_t</a:t>
+            </a:r>
+            <a:r>
+              <a:rPr lang="en-US" altLang="ko-KR" sz="2800" dirty="0"/>
+              <a:t> </a:t>
+            </a:r>
+            <a:r>
+              <a:rPr lang="en-US" altLang="ko-KR" sz="2800" dirty="0" err="1"/>
+              <a:t>cudaFuncSetCacheConfig</a:t>
+            </a:r>
+            <a:r>
+              <a:rPr lang="en-US" altLang="ko-KR" sz="2800" dirty="0"/>
+              <a:t>(</a:t>
+            </a:r>
+            <a:r>
+              <a:rPr lang="en-US" altLang="ko-KR" sz="2800" dirty="0" err="1"/>
+              <a:t>const</a:t>
+            </a:r>
+            <a:r>
+              <a:rPr lang="en-US" altLang="ko-KR" sz="2800" dirty="0"/>
+              <a:t> void* </a:t>
+            </a:r>
+            <a:r>
+              <a:rPr lang="en-US" altLang="ko-KR" sz="2800" dirty="0" err="1"/>
+              <a:t>func</a:t>
+            </a:r>
+            <a:r>
+              <a:rPr lang="en-US" altLang="ko-KR" sz="2800" dirty="0"/>
+              <a:t>, </a:t>
+            </a:r>
+            <a:r>
+              <a:rPr lang="en-US" altLang="ko-KR" sz="2800" dirty="0" err="1"/>
+              <a:t>enum</a:t>
+            </a:r>
+            <a:r>
+              <a:rPr lang="en-US" altLang="ko-KR" sz="2800" dirty="0"/>
+              <a:t> </a:t>
+            </a:r>
+            <a:r>
+              <a:rPr lang="en-US" altLang="ko-KR" sz="2800" dirty="0" err="1"/>
+              <a:t>cudaFuncCachecacheConfig</a:t>
+            </a:r>
+            <a:r>
+              <a:rPr lang="en-US" altLang="ko-KR" sz="2800" dirty="0"/>
+              <a:t>);</a:t>
+            </a:r>
+            <a:endParaRPr lang="ko-KR" altLang="en-US" sz="2800" dirty="0"/>
           </a:p>
         </p:txBody>
       </p:sp>
     </p:spTree>
     <p:extLst>
       <p:ext uri="{BB962C8B-B14F-4D97-AF65-F5344CB8AC3E}">
-        <p14:creationId xmlns:p14="http://schemas.microsoft.com/office/powerpoint/2010/main" val="1638711884"/>
+        <p14:creationId xmlns:p14="http://schemas.microsoft.com/office/powerpoint/2010/main" val="2831131584"/>
       </p:ext>
     </p:extLst>
   </p:cSld>
@@ -10351,7 +10534,7 @@
           <a:p>
             <a:r>
               <a:rPr lang="en-US" altLang="ko-KR" dirty="0"/>
-              <a:t>Configurable Events</a:t>
+              <a:t>Explicit Synchronization</a:t>
             </a:r>
             <a:endParaRPr lang="ko-KR" altLang="en-US" dirty="0"/>
           </a:p>
@@ -10372,118 +10555,98 @@
           <a:bodyPr/>
           <a:lstStyle/>
           <a:p>
-            <a:r>
-              <a:rPr lang="en-US" altLang="ko-KR" sz="2400" b="1" dirty="0" err="1"/>
+            <a:pPr marL="0" indent="0">
+              <a:buNone/>
+            </a:pPr>
+            <a:r>
+              <a:rPr lang="en-US" altLang="ko-KR" sz="2400" dirty="0"/>
+              <a:t>-synchronizing the device</a:t>
+            </a:r>
+          </a:p>
+          <a:p>
+            <a:pPr marL="0" indent="0">
+              <a:buNone/>
+            </a:pPr>
+            <a:r>
+              <a:rPr lang="en-US" altLang="ko-KR" sz="2400" dirty="0"/>
+              <a:t>-synchronizing a stream</a:t>
+            </a:r>
+          </a:p>
+          <a:p>
+            <a:pPr marL="0" indent="0">
+              <a:buNone/>
+            </a:pPr>
+            <a:r>
+              <a:rPr lang="en-US" altLang="ko-KR" sz="2400" dirty="0"/>
+              <a:t>-synchronizing an event in a stream</a:t>
+            </a:r>
+          </a:p>
+          <a:p>
+            <a:pPr marL="0" indent="0">
+              <a:buNone/>
+            </a:pPr>
+            <a:r>
+              <a:rPr lang="en-US" altLang="ko-KR" sz="2400" dirty="0"/>
+              <a:t>-synchronizing across streams using an event:</a:t>
+            </a:r>
+          </a:p>
+          <a:p>
+            <a:pPr marL="0" indent="0">
+              <a:buNone/>
+            </a:pPr>
+            <a:r>
+              <a:rPr lang="en-US" altLang="ko-KR" sz="2400" dirty="0"/>
+              <a:t>  </a:t>
+            </a:r>
+            <a:r>
+              <a:rPr lang="en-US" altLang="ko-KR" sz="2400" dirty="0" err="1"/>
               <a:t>cudaError_t</a:t>
             </a:r>
             <a:r>
-              <a:rPr lang="en-US" altLang="ko-KR" sz="2400" b="1" dirty="0"/>
+              <a:rPr lang="en-US" altLang="ko-KR" sz="2400" dirty="0"/>
               <a:t> </a:t>
             </a:r>
             <a:r>
-              <a:rPr lang="en-US" altLang="ko-KR" sz="2400" b="1" dirty="0" err="1"/>
-              <a:t>cudaEventCreateWithFlags</a:t>
-            </a:r>
-            <a:r>
-              <a:rPr lang="en-US" altLang="ko-KR" sz="2400" b="1" dirty="0"/>
+              <a:rPr lang="en-US" altLang="ko-KR" sz="2400" dirty="0" err="1"/>
+              <a:t>cudaStreamWaitEvent</a:t>
+            </a:r>
+            <a:r>
+              <a:rPr lang="en-US" altLang="ko-KR" sz="2400" dirty="0"/>
               <a:t>(</a:t>
             </a:r>
             <a:r>
-              <a:rPr lang="en-US" altLang="ko-KR" sz="2400" b="1" dirty="0" err="1"/>
+              <a:rPr lang="en-US" altLang="ko-KR" sz="2400" dirty="0" err="1"/>
+              <a:t>cudaStream_t</a:t>
+            </a:r>
+            <a:r>
+              <a:rPr lang="en-US" altLang="ko-KR" sz="2400" dirty="0"/>
+              <a:t> stream,   </a:t>
+            </a:r>
+          </a:p>
+          <a:p>
+            <a:pPr marL="0" indent="0">
+              <a:buNone/>
+            </a:pPr>
+            <a:r>
+              <a:rPr lang="en-US" altLang="ko-KR" sz="2400" dirty="0"/>
+              <a:t>	</a:t>
+            </a:r>
+            <a:r>
+              <a:rPr lang="en-US" altLang="ko-KR" sz="2400" dirty="0" err="1"/>
               <a:t>cudaEvent_t</a:t>
             </a:r>
             <a:r>
-              <a:rPr lang="en-US" altLang="ko-KR" sz="2400" b="1" dirty="0"/>
-              <a:t>*event, unsigned </a:t>
-            </a:r>
-            <a:r>
-              <a:rPr lang="en-US" altLang="ko-KR" sz="2400" b="1" dirty="0" err="1"/>
-              <a:t>int</a:t>
-            </a:r>
-            <a:r>
-              <a:rPr lang="en-US" altLang="ko-KR" sz="2400" b="1" dirty="0"/>
-              <a:t> flags);</a:t>
-            </a:r>
-          </a:p>
-          <a:p>
-            <a:pPr marL="0" indent="0">
-              <a:buNone/>
-            </a:pPr>
-            <a:r>
               <a:rPr lang="en-US" altLang="ko-KR" sz="2400" dirty="0"/>
-              <a:t> 	</a:t>
-            </a:r>
-            <a:r>
-              <a:rPr lang="en-US" altLang="ko-KR" sz="2400" b="1" dirty="0"/>
-              <a:t>flags</a:t>
-            </a:r>
-            <a:r>
-              <a:rPr lang="en-US" altLang="ko-KR" sz="2400" dirty="0"/>
-              <a:t>:</a:t>
-            </a:r>
-          </a:p>
-          <a:p>
-            <a:pPr marL="0" indent="0">
-              <a:buNone/>
-            </a:pPr>
-            <a:r>
-              <a:rPr lang="en-US" altLang="ko-KR" sz="2400" dirty="0"/>
-              <a:t>    	</a:t>
-            </a:r>
-            <a:r>
-              <a:rPr lang="en-US" altLang="ko-KR" sz="2400" b="1" dirty="0" err="1"/>
-              <a:t>cudaEventDefault</a:t>
-            </a:r>
-            <a:endParaRPr lang="en-US" altLang="ko-KR" sz="2400" b="1" dirty="0"/>
-          </a:p>
-          <a:p>
-            <a:pPr marL="0" indent="0">
-              <a:buNone/>
-            </a:pPr>
-            <a:r>
-              <a:rPr lang="en-US" altLang="ko-KR" sz="2400" b="1" dirty="0"/>
-              <a:t>	</a:t>
-            </a:r>
-            <a:r>
-              <a:rPr lang="en-US" altLang="ko-KR" sz="2400" b="1" dirty="0" err="1"/>
-              <a:t>cudaEventBlockingSync</a:t>
-            </a:r>
-            <a:endParaRPr lang="en-US" altLang="ko-KR" sz="2400" b="1" dirty="0"/>
-          </a:p>
-          <a:p>
-            <a:pPr marL="0" indent="0">
-              <a:buNone/>
-            </a:pPr>
-            <a:r>
-              <a:rPr lang="en-US" altLang="ko-KR" sz="2400" b="1" dirty="0"/>
-              <a:t>	</a:t>
-            </a:r>
-            <a:r>
-              <a:rPr lang="en-US" altLang="ko-KR" sz="2400" b="1" dirty="0" err="1"/>
-              <a:t>cudaEventDisableTiming</a:t>
-            </a:r>
-            <a:endParaRPr lang="en-US" altLang="ko-KR" sz="2400" b="1" dirty="0"/>
-          </a:p>
-          <a:p>
-            <a:pPr marL="0" indent="0">
-              <a:buNone/>
-            </a:pPr>
-            <a:r>
-              <a:rPr lang="en-US" altLang="ko-KR" sz="2400" b="1" dirty="0"/>
-              <a:t>	</a:t>
-            </a:r>
-            <a:r>
-              <a:rPr lang="en-US" altLang="ko-KR" sz="2400" b="1" dirty="0" err="1"/>
-              <a:t>cudaEventInterprocess</a:t>
-            </a:r>
-            <a:endParaRPr lang="ko-KR" altLang="en-US" sz="2400" b="1" dirty="0"/>
+              <a:t> event);</a:t>
+            </a:r>
+            <a:endParaRPr lang="ko-KR" altLang="en-US" sz="2400" dirty="0"/>
           </a:p>
         </p:txBody>
       </p:sp>
     </p:spTree>
     <p:extLst>
       <p:ext uri="{BB962C8B-B14F-4D97-AF65-F5344CB8AC3E}">
-        <p14:creationId xmlns:p14="http://schemas.microsoft.com/office/powerpoint/2010/main" val="1341294352"/>
+        <p14:creationId xmlns:p14="http://schemas.microsoft.com/office/powerpoint/2010/main" val="1638711884"/>
       </p:ext>
     </p:extLst>
   </p:cSld>
@@ -10674,10 +10837,10 @@
           <a:lstStyle/>
           <a:p>
             <a:r>
-              <a:rPr lang="en-US" altLang="ko-KR" sz="3600" dirty="0"/>
-              <a:t>Concurrent Kernels in Non-NULL Streams</a:t>
-            </a:r>
-            <a:endParaRPr lang="ko-KR" altLang="en-US" sz="3600" dirty="0"/>
+              <a:rPr lang="en-US" altLang="ko-KR" dirty="0"/>
+              <a:t>Configurable Events</a:t>
+            </a:r>
+            <a:endParaRPr lang="ko-KR" altLang="en-US" dirty="0"/>
           </a:p>
         </p:txBody>
       </p:sp>
@@ -10691,297 +10854,123 @@
             <p:ph idx="1"/>
           </p:nvPr>
         </p:nvSpPr>
-        <p:spPr>
-          <a:xfrm>
-            <a:off x="251520" y="1628800"/>
-            <a:ext cx="8892480" cy="4608512"/>
-          </a:xfrm>
-        </p:spPr>
+        <p:spPr/>
         <p:txBody>
           <a:bodyPr/>
           <a:lstStyle/>
           <a:p>
+            <a:r>
+              <a:rPr lang="en-US" altLang="ko-KR" sz="2400" b="1" dirty="0" err="1"/>
+              <a:t>cudaError_t</a:t>
+            </a:r>
+            <a:r>
+              <a:rPr lang="en-US" altLang="ko-KR" sz="2400" b="1" dirty="0"/>
+              <a:t> </a:t>
+            </a:r>
+            <a:r>
+              <a:rPr lang="en-US" altLang="ko-KR" sz="2400" b="1" dirty="0" err="1"/>
+              <a:t>cudaEventCreateWithFlags</a:t>
+            </a:r>
+            <a:r>
+              <a:rPr lang="en-US" altLang="ko-KR" sz="2400" b="1" dirty="0"/>
+              <a:t>(</a:t>
+            </a:r>
+            <a:r>
+              <a:rPr lang="en-US" altLang="ko-KR" sz="2400" b="1" dirty="0" err="1"/>
+              <a:t>cudaEvent_t</a:t>
+            </a:r>
+            <a:r>
+              <a:rPr lang="en-US" altLang="ko-KR" sz="2400" b="1" dirty="0"/>
+              <a:t>*event, unsigned </a:t>
+            </a:r>
+            <a:r>
+              <a:rPr lang="en-US" altLang="ko-KR" sz="2400" b="1" dirty="0" err="1"/>
+              <a:t>int</a:t>
+            </a:r>
+            <a:r>
+              <a:rPr lang="en-US" altLang="ko-KR" sz="2400" b="1" dirty="0"/>
+              <a:t> flags);</a:t>
+            </a:r>
+          </a:p>
+          <a:p>
             <a:pPr marL="0" indent="0">
               <a:buNone/>
             </a:pPr>
             <a:r>
               <a:rPr lang="en-US" altLang="ko-KR" sz="2400" dirty="0"/>
-              <a:t>1.A set of non-null streams are created first:</a:t>
-            </a:r>
-          </a:p>
-          <a:p>
-            <a:pPr marL="0" indent="0">
-              <a:buNone/>
-            </a:pPr>
-            <a:r>
-              <a:rPr lang="en-US" altLang="ko-KR" sz="2000" b="1" dirty="0" err="1"/>
-              <a:t>cudaStream_t</a:t>
-            </a:r>
-            <a:r>
-              <a:rPr lang="en-US" altLang="ko-KR" sz="2000" b="1" dirty="0"/>
-              <a:t> *streams=(</a:t>
-            </a:r>
-            <a:r>
-              <a:rPr lang="en-US" altLang="ko-KR" sz="2000" b="1" dirty="0" err="1"/>
-              <a:t>cudaStream_t</a:t>
-            </a:r>
-            <a:r>
-              <a:rPr lang="en-US" altLang="ko-KR" sz="2000" b="1" dirty="0"/>
-              <a:t> *)</a:t>
-            </a:r>
-            <a:r>
-              <a:rPr lang="en-US" altLang="ko-KR" sz="2000" b="1" dirty="0" err="1"/>
-              <a:t>malloc</a:t>
-            </a:r>
-            <a:r>
-              <a:rPr lang="en-US" altLang="ko-KR" sz="2000" b="1" dirty="0"/>
-              <a:t>(</a:t>
-            </a:r>
-            <a:r>
-              <a:rPr lang="en-US" altLang="ko-KR" sz="2000" b="1" dirty="0" err="1"/>
-              <a:t>n_streams</a:t>
-            </a:r>
-            <a:r>
-              <a:rPr lang="en-US" altLang="ko-KR" sz="2000" b="1" dirty="0"/>
-              <a:t>*</a:t>
-            </a:r>
-            <a:r>
-              <a:rPr lang="en-US" altLang="ko-KR" sz="2000" b="1" dirty="0" err="1"/>
-              <a:t>sizeof</a:t>
-            </a:r>
-            <a:r>
-              <a:rPr lang="en-US" altLang="ko-KR" sz="2000" b="1" dirty="0"/>
-              <a:t>(</a:t>
-            </a:r>
-            <a:r>
-              <a:rPr lang="en-US" altLang="ko-KR" sz="2000" b="1" dirty="0" err="1"/>
-              <a:t>cudaStream_t</a:t>
-            </a:r>
-            <a:r>
-              <a:rPr lang="en-US" altLang="ko-KR" sz="2000" b="1" dirty="0"/>
-              <a:t>));</a:t>
-            </a:r>
-          </a:p>
-          <a:p>
-            <a:pPr marL="0" indent="0">
-              <a:buNone/>
-            </a:pPr>
-            <a:r>
-              <a:rPr lang="en-US" altLang="ko-KR" sz="2000" b="1" dirty="0"/>
-              <a:t>for( </a:t>
-            </a:r>
-            <a:r>
-              <a:rPr lang="en-US" altLang="ko-KR" sz="2000" b="1" dirty="0" err="1"/>
-              <a:t>int</a:t>
-            </a:r>
-            <a:r>
-              <a:rPr lang="en-US" altLang="ko-KR" sz="2000" b="1" dirty="0"/>
-              <a:t> </a:t>
-            </a:r>
-            <a:r>
-              <a:rPr lang="en-US" altLang="ko-KR" sz="2000" b="1" dirty="0" err="1"/>
-              <a:t>i</a:t>
-            </a:r>
-            <a:r>
-              <a:rPr lang="en-US" altLang="ko-KR" sz="2000" b="1" dirty="0"/>
-              <a:t>=0; </a:t>
-            </a:r>
-            <a:r>
-              <a:rPr lang="en-US" altLang="ko-KR" sz="2000" b="1" dirty="0" err="1"/>
-              <a:t>i</a:t>
-            </a:r>
-            <a:r>
-              <a:rPr lang="en-US" altLang="ko-KR" sz="2000" b="1" dirty="0"/>
-              <a:t>&lt;</a:t>
-            </a:r>
-            <a:r>
-              <a:rPr lang="en-US" altLang="ko-KR" sz="2000" b="1" dirty="0" err="1"/>
-              <a:t>n_streams</a:t>
-            </a:r>
-            <a:r>
-              <a:rPr lang="en-US" altLang="ko-KR" sz="2000" b="1" dirty="0"/>
-              <a:t>; </a:t>
-            </a:r>
-            <a:r>
-              <a:rPr lang="en-US" altLang="ko-KR" sz="2000" b="1" dirty="0" err="1"/>
-              <a:t>i</a:t>
-            </a:r>
-            <a:r>
-              <a:rPr lang="en-US" altLang="ko-KR" sz="2000" b="1" dirty="0"/>
-              <a:t>++){</a:t>
-            </a:r>
-          </a:p>
-          <a:p>
-            <a:pPr marL="0" indent="0">
-              <a:buNone/>
-            </a:pPr>
-            <a:r>
-              <a:rPr lang="en-US" altLang="ko-KR" sz="2000" b="1" dirty="0"/>
+              <a:t> 	</a:t>
+            </a:r>
+            <a:r>
+              <a:rPr lang="en-US" altLang="ko-KR" sz="2400" b="1" dirty="0"/>
+              <a:t>flags</a:t>
+            </a:r>
+            <a:r>
+              <a:rPr lang="en-US" altLang="ko-KR" sz="2400" dirty="0"/>
+              <a:t>:</a:t>
+            </a:r>
+          </a:p>
+          <a:p>
+            <a:pPr marL="0" indent="0">
+              <a:buNone/>
+            </a:pPr>
+            <a:r>
+              <a:rPr lang="en-US" altLang="ko-KR" sz="2400" dirty="0"/>
+              <a:t>    	</a:t>
+            </a:r>
+            <a:r>
+              <a:rPr lang="en-US" altLang="ko-KR" sz="2400" b="1" dirty="0" err="1"/>
+              <a:t>cudaEventDefault</a:t>
+            </a:r>
+            <a:endParaRPr lang="en-US" altLang="ko-KR" sz="2400" b="1" dirty="0"/>
+          </a:p>
+          <a:p>
+            <a:pPr marL="0" indent="0">
+              <a:buNone/>
+            </a:pPr>
+            <a:r>
+              <a:rPr lang="en-US" altLang="ko-KR" sz="2400" b="1" dirty="0"/>
               <a:t>	</a:t>
             </a:r>
             <a:r>
-              <a:rPr lang="en-US" altLang="ko-KR" sz="2000" b="1" dirty="0" err="1"/>
-              <a:t>cudaStreamCreate</a:t>
-            </a:r>
-            <a:r>
-              <a:rPr lang="en-US" altLang="ko-KR" sz="2000" b="1" dirty="0"/>
-              <a:t>(&amp;streams[</a:t>
-            </a:r>
-            <a:r>
-              <a:rPr lang="en-US" altLang="ko-KR" sz="2000" b="1" dirty="0" err="1"/>
-              <a:t>i</a:t>
-            </a:r>
-            <a:r>
-              <a:rPr lang="en-US" altLang="ko-KR" sz="2000" b="1" dirty="0"/>
-              <a:t>]); }</a:t>
-            </a:r>
-          </a:p>
-          <a:p>
-            <a:pPr marL="0" indent="0">
-              <a:buNone/>
-            </a:pPr>
-            <a:r>
-              <a:rPr lang="en-US" altLang="ko-KR" sz="2400" dirty="0"/>
-              <a:t>2.Kernels:</a:t>
-            </a:r>
-          </a:p>
-          <a:p>
-            <a:pPr marL="0" indent="0">
-              <a:buNone/>
-            </a:pPr>
-            <a:r>
-              <a:rPr lang="en-US" altLang="ko-KR" sz="2000" b="1" dirty="0"/>
-              <a:t>dim3 block(1);</a:t>
-            </a:r>
-          </a:p>
-          <a:p>
-            <a:pPr marL="0" indent="0">
-              <a:buNone/>
-            </a:pPr>
-            <a:r>
-              <a:rPr lang="en-US" altLang="ko-KR" sz="2000" b="1" dirty="0"/>
-              <a:t>dim3 grid(1);</a:t>
-            </a:r>
-          </a:p>
-          <a:p>
-            <a:pPr marL="0" indent="0">
-              <a:buNone/>
-            </a:pPr>
-            <a:r>
-              <a:rPr lang="en-US" altLang="ko-KR" sz="2000" b="1" dirty="0"/>
-              <a:t>for(</a:t>
-            </a:r>
-            <a:r>
-              <a:rPr lang="en-US" altLang="ko-KR" sz="2000" b="1" dirty="0" err="1"/>
-              <a:t>int</a:t>
-            </a:r>
-            <a:r>
-              <a:rPr lang="en-US" altLang="ko-KR" sz="2000" b="1" dirty="0"/>
-              <a:t> </a:t>
-            </a:r>
-            <a:r>
-              <a:rPr lang="en-US" altLang="ko-KR" sz="2000" b="1" dirty="0" err="1"/>
-              <a:t>i</a:t>
-            </a:r>
-            <a:r>
-              <a:rPr lang="en-US" altLang="ko-KR" sz="2000" b="1" dirty="0"/>
-              <a:t>=0;i&lt;</a:t>
-            </a:r>
-            <a:r>
-              <a:rPr lang="en-US" altLang="ko-KR" sz="2000" b="1" dirty="0" err="1"/>
-              <a:t>n_streams;i</a:t>
-            </a:r>
-            <a:r>
-              <a:rPr lang="en-US" altLang="ko-KR" sz="2000" b="1" dirty="0"/>
-              <a:t>++){</a:t>
-            </a:r>
-          </a:p>
-          <a:p>
-            <a:pPr marL="0" indent="0">
-              <a:buNone/>
-            </a:pPr>
-            <a:r>
-              <a:rPr lang="en-US" altLang="ko-KR" sz="2000" b="1" dirty="0"/>
-              <a:t>	 kernel_1&lt;&lt;&lt;grid,block,0,streams[</a:t>
-            </a:r>
-            <a:r>
-              <a:rPr lang="en-US" altLang="ko-KR" sz="2000" b="1" dirty="0" err="1"/>
-              <a:t>i</a:t>
-            </a:r>
-            <a:r>
-              <a:rPr lang="en-US" altLang="ko-KR" sz="2000" b="1" dirty="0"/>
-              <a:t>]&gt;&gt;&gt;();</a:t>
-            </a:r>
-          </a:p>
-          <a:p>
-            <a:pPr marL="0" indent="0">
-              <a:buNone/>
-            </a:pPr>
-            <a:r>
-              <a:rPr lang="en-US" altLang="ko-KR" sz="2000" b="1" dirty="0"/>
-              <a:t>	 kernel_2&lt;&lt;&lt;grid,block,0,streams[</a:t>
-            </a:r>
-            <a:r>
-              <a:rPr lang="en-US" altLang="ko-KR" sz="2000" b="1" dirty="0" err="1"/>
-              <a:t>i</a:t>
-            </a:r>
-            <a:r>
-              <a:rPr lang="en-US" altLang="ko-KR" sz="2000" b="1" dirty="0"/>
-              <a:t>]&gt;&gt;&gt;();</a:t>
-            </a:r>
-          </a:p>
-          <a:p>
-            <a:pPr marL="0" indent="0">
-              <a:buNone/>
-            </a:pPr>
-            <a:r>
-              <a:rPr lang="en-US" altLang="ko-KR" sz="2000" b="1" dirty="0"/>
-              <a:t>	 kernel_3&lt;&lt;&lt;grid,block,0,streams[</a:t>
-            </a:r>
-            <a:r>
-              <a:rPr lang="en-US" altLang="ko-KR" sz="2000" b="1" dirty="0" err="1"/>
-              <a:t>i</a:t>
-            </a:r>
-            <a:r>
-              <a:rPr lang="en-US" altLang="ko-KR" sz="2000" b="1" dirty="0"/>
-              <a:t>]&gt;&gt;&gt;();</a:t>
-            </a:r>
-          </a:p>
-          <a:p>
-            <a:pPr marL="0" indent="0">
-              <a:buNone/>
-            </a:pPr>
-            <a:r>
-              <a:rPr lang="en-US" altLang="ko-KR" sz="2000" b="1" dirty="0"/>
-              <a:t>	 kernel_4&lt;&lt;&lt;grid,block,0,streams[</a:t>
-            </a:r>
-            <a:r>
-              <a:rPr lang="en-US" altLang="ko-KR" sz="2000" b="1" dirty="0" err="1"/>
-              <a:t>i</a:t>
-            </a:r>
-            <a:r>
-              <a:rPr lang="en-US" altLang="ko-KR" sz="2000" b="1" dirty="0"/>
-              <a:t>]&gt;&gt;&gt;();</a:t>
-            </a:r>
-          </a:p>
-          <a:p>
-            <a:pPr marL="0" indent="0">
-              <a:buNone/>
-            </a:pPr>
-            <a:r>
-              <a:rPr lang="en-US" altLang="ko-KR" sz="2000" b="1" dirty="0"/>
-              <a:t>}</a:t>
-            </a:r>
-          </a:p>
-          <a:p>
-            <a:endParaRPr lang="ko-KR" altLang="en-US" sz="2400" dirty="0"/>
+              <a:rPr lang="en-US" altLang="ko-KR" sz="2400" b="1" dirty="0" err="1"/>
+              <a:t>cudaEventBlockingSync</a:t>
+            </a:r>
+            <a:endParaRPr lang="en-US" altLang="ko-KR" sz="2400" b="1" dirty="0"/>
+          </a:p>
+          <a:p>
+            <a:pPr marL="0" indent="0">
+              <a:buNone/>
+            </a:pPr>
+            <a:r>
+              <a:rPr lang="en-US" altLang="ko-KR" sz="2400" b="1" dirty="0"/>
+              <a:t>	</a:t>
+            </a:r>
+            <a:r>
+              <a:rPr lang="en-US" altLang="ko-KR" sz="2400" b="1" dirty="0" err="1"/>
+              <a:t>cudaEventDisableTiming</a:t>
+            </a:r>
+            <a:endParaRPr lang="en-US" altLang="ko-KR" sz="2400" b="1" dirty="0"/>
+          </a:p>
+          <a:p>
+            <a:pPr marL="0" indent="0">
+              <a:buNone/>
+            </a:pPr>
+            <a:r>
+              <a:rPr lang="en-US" altLang="ko-KR" sz="2400" b="1" dirty="0"/>
+              <a:t>	</a:t>
+            </a:r>
+            <a:r>
+              <a:rPr lang="en-US" altLang="ko-KR" sz="2400" b="1" dirty="0" err="1"/>
+              <a:t>cudaEventInterprocess</a:t>
+            </a:r>
+            <a:endParaRPr lang="ko-KR" altLang="en-US" sz="2400" b="1" dirty="0"/>
           </a:p>
         </p:txBody>
       </p:sp>
     </p:spTree>
     <p:extLst>
       <p:ext uri="{BB962C8B-B14F-4D97-AF65-F5344CB8AC3E}">
-        <p14:creationId xmlns:p14="http://schemas.microsoft.com/office/powerpoint/2010/main" val="2591199843"/>
+        <p14:creationId xmlns:p14="http://schemas.microsoft.com/office/powerpoint/2010/main" val="1341294352"/>
       </p:ext>
     </p:extLst>
   </p:cSld>
@@ -11023,10 +11012,341 @@
           <a:bodyPr/>
           <a:lstStyle/>
           <a:p>
-            <a:endParaRPr lang="ko-KR" altLang="en-US" dirty="0"/>
-          </a:p>
-        </p:txBody>
-      </p:sp>
+            <a:r>
+              <a:rPr lang="en-US" altLang="ko-KR" sz="3600" dirty="0"/>
+              <a:t>Concurrent Kernels in Non-NULL Streams</a:t>
+            </a:r>
+            <a:endParaRPr lang="ko-KR" altLang="en-US" sz="3600" dirty="0"/>
+          </a:p>
+        </p:txBody>
+      </p:sp>
+      <p:sp>
+        <p:nvSpPr>
+          <p:cNvPr id="3" name="내용 개체 틀 2"/>
+          <p:cNvSpPr>
+            <a:spLocks noGrp="1"/>
+          </p:cNvSpPr>
+          <p:nvPr>
+            <p:ph idx="1"/>
+          </p:nvPr>
+        </p:nvSpPr>
+        <p:spPr>
+          <a:xfrm>
+            <a:off x="251520" y="1628800"/>
+            <a:ext cx="8892480" cy="4608512"/>
+          </a:xfrm>
+        </p:spPr>
+        <p:txBody>
+          <a:bodyPr/>
+          <a:lstStyle/>
+          <a:p>
+            <a:pPr marL="0" indent="0">
+              <a:buNone/>
+            </a:pPr>
+            <a:r>
+              <a:rPr lang="en-US" altLang="ko-KR" sz="2400" dirty="0"/>
+              <a:t>1.A set of non-null streams are created first:</a:t>
+            </a:r>
+          </a:p>
+          <a:p>
+            <a:pPr marL="0" indent="0">
+              <a:buNone/>
+            </a:pPr>
+            <a:r>
+              <a:rPr lang="en-US" altLang="ko-KR" sz="2000" b="1" dirty="0" err="1"/>
+              <a:t>cudaStream_t</a:t>
+            </a:r>
+            <a:r>
+              <a:rPr lang="en-US" altLang="ko-KR" sz="2000" b="1" dirty="0"/>
+              <a:t> *streams=(</a:t>
+            </a:r>
+            <a:r>
+              <a:rPr lang="en-US" altLang="ko-KR" sz="2000" b="1" dirty="0" err="1"/>
+              <a:t>cudaStream_t</a:t>
+            </a:r>
+            <a:r>
+              <a:rPr lang="en-US" altLang="ko-KR" sz="2000" b="1" dirty="0"/>
+              <a:t> *)</a:t>
+            </a:r>
+            <a:r>
+              <a:rPr lang="en-US" altLang="ko-KR" sz="2000" b="1" dirty="0" err="1"/>
+              <a:t>malloc</a:t>
+            </a:r>
+            <a:r>
+              <a:rPr lang="en-US" altLang="ko-KR" sz="2000" b="1" dirty="0"/>
+              <a:t>(</a:t>
+            </a:r>
+            <a:r>
+              <a:rPr lang="en-US" altLang="ko-KR" sz="2000" b="1" dirty="0" err="1"/>
+              <a:t>n_streams</a:t>
+            </a:r>
+            <a:r>
+              <a:rPr lang="en-US" altLang="ko-KR" sz="2000" b="1" dirty="0"/>
+              <a:t>*</a:t>
+            </a:r>
+            <a:r>
+              <a:rPr lang="en-US" altLang="ko-KR" sz="2000" b="1" dirty="0" err="1"/>
+              <a:t>sizeof</a:t>
+            </a:r>
+            <a:r>
+              <a:rPr lang="en-US" altLang="ko-KR" sz="2000" b="1" dirty="0"/>
+              <a:t>(</a:t>
+            </a:r>
+            <a:r>
+              <a:rPr lang="en-US" altLang="ko-KR" sz="2000" b="1" dirty="0" err="1"/>
+              <a:t>cudaStream_t</a:t>
+            </a:r>
+            <a:r>
+              <a:rPr lang="en-US" altLang="ko-KR" sz="2000" b="1" dirty="0"/>
+              <a:t>));</a:t>
+            </a:r>
+          </a:p>
+          <a:p>
+            <a:pPr marL="0" indent="0">
+              <a:buNone/>
+            </a:pPr>
+            <a:r>
+              <a:rPr lang="en-US" altLang="ko-KR" sz="2000" b="1" dirty="0"/>
+              <a:t>for( </a:t>
+            </a:r>
+            <a:r>
+              <a:rPr lang="en-US" altLang="ko-KR" sz="2000" b="1" dirty="0" err="1"/>
+              <a:t>int</a:t>
+            </a:r>
+            <a:r>
+              <a:rPr lang="en-US" altLang="ko-KR" sz="2000" b="1" dirty="0"/>
+              <a:t> </a:t>
+            </a:r>
+            <a:r>
+              <a:rPr lang="en-US" altLang="ko-KR" sz="2000" b="1" dirty="0" err="1"/>
+              <a:t>i</a:t>
+            </a:r>
+            <a:r>
+              <a:rPr lang="en-US" altLang="ko-KR" sz="2000" b="1" dirty="0"/>
+              <a:t>=0; </a:t>
+            </a:r>
+            <a:r>
+              <a:rPr lang="en-US" altLang="ko-KR" sz="2000" b="1" dirty="0" err="1"/>
+              <a:t>i</a:t>
+            </a:r>
+            <a:r>
+              <a:rPr lang="en-US" altLang="ko-KR" sz="2000" b="1" dirty="0"/>
+              <a:t>&lt;</a:t>
+            </a:r>
+            <a:r>
+              <a:rPr lang="en-US" altLang="ko-KR" sz="2000" b="1" dirty="0" err="1"/>
+              <a:t>n_streams</a:t>
+            </a:r>
+            <a:r>
+              <a:rPr lang="en-US" altLang="ko-KR" sz="2000" b="1" dirty="0"/>
+              <a:t>; </a:t>
+            </a:r>
+            <a:r>
+              <a:rPr lang="en-US" altLang="ko-KR" sz="2000" b="1" dirty="0" err="1"/>
+              <a:t>i</a:t>
+            </a:r>
+            <a:r>
+              <a:rPr lang="en-US" altLang="ko-KR" sz="2000" b="1" dirty="0"/>
+              <a:t>++){</a:t>
+            </a:r>
+          </a:p>
+          <a:p>
+            <a:pPr marL="0" indent="0">
+              <a:buNone/>
+            </a:pPr>
+            <a:r>
+              <a:rPr lang="en-US" altLang="ko-KR" sz="2000" b="1" dirty="0"/>
+              <a:t>	</a:t>
+            </a:r>
+            <a:r>
+              <a:rPr lang="en-US" altLang="ko-KR" sz="2000" b="1" dirty="0" err="1"/>
+              <a:t>cudaStreamCreate</a:t>
+            </a:r>
+            <a:r>
+              <a:rPr lang="en-US" altLang="ko-KR" sz="2000" b="1" dirty="0"/>
+              <a:t>(&amp;streams[</a:t>
+            </a:r>
+            <a:r>
+              <a:rPr lang="en-US" altLang="ko-KR" sz="2000" b="1" dirty="0" err="1"/>
+              <a:t>i</a:t>
+            </a:r>
+            <a:r>
+              <a:rPr lang="en-US" altLang="ko-KR" sz="2000" b="1" dirty="0"/>
+              <a:t>]); }</a:t>
+            </a:r>
+          </a:p>
+          <a:p>
+            <a:pPr marL="0" indent="0">
+              <a:buNone/>
+            </a:pPr>
+            <a:r>
+              <a:rPr lang="en-US" altLang="ko-KR" sz="2400" dirty="0"/>
+              <a:t>2.Kernels:</a:t>
+            </a:r>
+          </a:p>
+          <a:p>
+            <a:pPr marL="0" indent="0">
+              <a:buNone/>
+            </a:pPr>
+            <a:r>
+              <a:rPr lang="en-US" altLang="ko-KR" sz="2000" b="1" dirty="0"/>
+              <a:t>dim3 block(1);</a:t>
+            </a:r>
+          </a:p>
+          <a:p>
+            <a:pPr marL="0" indent="0">
+              <a:buNone/>
+            </a:pPr>
+            <a:r>
+              <a:rPr lang="en-US" altLang="ko-KR" sz="2000" b="1" dirty="0"/>
+              <a:t>dim3 grid(1);</a:t>
+            </a:r>
+          </a:p>
+          <a:p>
+            <a:pPr marL="0" indent="0">
+              <a:buNone/>
+            </a:pPr>
+            <a:r>
+              <a:rPr lang="en-US" altLang="ko-KR" sz="2000" b="1" dirty="0"/>
+              <a:t>for(</a:t>
+            </a:r>
+            <a:r>
+              <a:rPr lang="en-US" altLang="ko-KR" sz="2000" b="1" dirty="0" err="1"/>
+              <a:t>int</a:t>
+            </a:r>
+            <a:r>
+              <a:rPr lang="en-US" altLang="ko-KR" sz="2000" b="1" dirty="0"/>
+              <a:t> </a:t>
+            </a:r>
+            <a:r>
+              <a:rPr lang="en-US" altLang="ko-KR" sz="2000" b="1" dirty="0" err="1"/>
+              <a:t>i</a:t>
+            </a:r>
+            <a:r>
+              <a:rPr lang="en-US" altLang="ko-KR" sz="2000" b="1" dirty="0"/>
+              <a:t>=0;i&lt;</a:t>
+            </a:r>
+            <a:r>
+              <a:rPr lang="en-US" altLang="ko-KR" sz="2000" b="1" dirty="0" err="1"/>
+              <a:t>n_streams;i</a:t>
+            </a:r>
+            <a:r>
+              <a:rPr lang="en-US" altLang="ko-KR" sz="2000" b="1" dirty="0"/>
+              <a:t>++){</a:t>
+            </a:r>
+          </a:p>
+          <a:p>
+            <a:pPr marL="0" indent="0">
+              <a:buNone/>
+            </a:pPr>
+            <a:r>
+              <a:rPr lang="en-US" altLang="ko-KR" sz="2000" b="1" dirty="0"/>
+              <a:t>	 kernel_1&lt;&lt;&lt;grid,block,0,streams[</a:t>
+            </a:r>
+            <a:r>
+              <a:rPr lang="en-US" altLang="ko-KR" sz="2000" b="1" dirty="0" err="1"/>
+              <a:t>i</a:t>
+            </a:r>
+            <a:r>
+              <a:rPr lang="en-US" altLang="ko-KR" sz="2000" b="1" dirty="0"/>
+              <a:t>]&gt;&gt;&gt;();</a:t>
+            </a:r>
+          </a:p>
+          <a:p>
+            <a:pPr marL="0" indent="0">
+              <a:buNone/>
+            </a:pPr>
+            <a:r>
+              <a:rPr lang="en-US" altLang="ko-KR" sz="2000" b="1" dirty="0"/>
+              <a:t>	 kernel_2&lt;&lt;&lt;grid,block,0,streams[</a:t>
+            </a:r>
+            <a:r>
+              <a:rPr lang="en-US" altLang="ko-KR" sz="2000" b="1" dirty="0" err="1"/>
+              <a:t>i</a:t>
+            </a:r>
+            <a:r>
+              <a:rPr lang="en-US" altLang="ko-KR" sz="2000" b="1" dirty="0"/>
+              <a:t>]&gt;&gt;&gt;();</a:t>
+            </a:r>
+          </a:p>
+          <a:p>
+            <a:pPr marL="0" indent="0">
+              <a:buNone/>
+            </a:pPr>
+            <a:r>
+              <a:rPr lang="en-US" altLang="ko-KR" sz="2000" b="1" dirty="0"/>
+              <a:t>	 kernel_3&lt;&lt;&lt;grid,block,0,streams[</a:t>
+            </a:r>
+            <a:r>
+              <a:rPr lang="en-US" altLang="ko-KR" sz="2000" b="1" dirty="0" err="1"/>
+              <a:t>i</a:t>
+            </a:r>
+            <a:r>
+              <a:rPr lang="en-US" altLang="ko-KR" sz="2000" b="1" dirty="0"/>
+              <a:t>]&gt;&gt;&gt;();</a:t>
+            </a:r>
+          </a:p>
+          <a:p>
+            <a:pPr marL="0" indent="0">
+              <a:buNone/>
+            </a:pPr>
+            <a:r>
+              <a:rPr lang="en-US" altLang="ko-KR" sz="2000" b="1" dirty="0"/>
+              <a:t>	 kernel_4&lt;&lt;&lt;grid,block,0,streams[</a:t>
+            </a:r>
+            <a:r>
+              <a:rPr lang="en-US" altLang="ko-KR" sz="2000" b="1" dirty="0" err="1"/>
+              <a:t>i</a:t>
+            </a:r>
+            <a:r>
+              <a:rPr lang="en-US" altLang="ko-KR" sz="2000" b="1" dirty="0"/>
+              <a:t>]&gt;&gt;&gt;();</a:t>
+            </a:r>
+          </a:p>
+          <a:p>
+            <a:pPr marL="0" indent="0">
+              <a:buNone/>
+            </a:pPr>
+            <a:r>
+              <a:rPr lang="en-US" altLang="ko-KR" sz="2000" b="1" dirty="0"/>
+              <a:t>}</a:t>
+            </a:r>
+          </a:p>
+          <a:p>
+            <a:endParaRPr lang="ko-KR" altLang="en-US" sz="2400" dirty="0"/>
+          </a:p>
+        </p:txBody>
+      </p:sp>
+    </p:spTree>
+    <p:extLst>
+      <p:ext uri="{BB962C8B-B14F-4D97-AF65-F5344CB8AC3E}">
+        <p14:creationId xmlns:p14="http://schemas.microsoft.com/office/powerpoint/2010/main" val="2591199843"/>
+      </p:ext>
+    </p:extLst>
+  </p:cSld>
+  <p:clrMapOvr>
+    <a:masterClrMapping/>
+  </p:clrMapOvr>
+</p:sld>
+</file>
+
+<file path=ppt/slides/slide32.xml><?xml version="1.0" encoding="utf-8"?>
+<p:sld xmlns:a="http://schemas.openxmlformats.org/drawingml/2006/main" xmlns:r="http://schemas.openxmlformats.org/officeDocument/2006/relationships" xmlns:p="http://schemas.openxmlformats.org/presentationml/2006/main">
+  <p:cSld>
+    <p:spTree>
+      <p:nvGrpSpPr>
+        <p:cNvPr id="1" name=""/>
+        <p:cNvGrpSpPr/>
+        <p:nvPr/>
+      </p:nvGrpSpPr>
+      <p:grpSpPr>
+        <a:xfrm>
+          <a:off x="0" y="0"/>
+          <a:ext cx="0" cy="0"/>
+          <a:chOff x="0" y="0"/>
+          <a:chExt cx="0" cy="0"/>
+        </a:xfrm>
+      </p:grpSpPr>
       <p:sp>
         <p:nvSpPr>
           <p:cNvPr id="3" name="내용 개체 틀 2"/>
@@ -11279,7 +11599,7 @@
 </p:sld>
 </file>
 
-<file path=ppt/slides/slide32.xml><?xml version="1.0" encoding="utf-8"?>
+<file path=ppt/slides/slide33.xml><?xml version="1.0" encoding="utf-8"?>
 <p:sld xmlns:a="http://schemas.openxmlformats.org/drawingml/2006/main" xmlns:r="http://schemas.openxmlformats.org/officeDocument/2006/relationships" xmlns:p="http://schemas.openxmlformats.org/presentationml/2006/main">
   <p:cSld>
     <p:spTree>
@@ -11392,7 +11712,7 @@
 </p:sld>
 </file>
 
-<file path=ppt/slides/slide33.xml><?xml version="1.0" encoding="utf-8"?>
+<file path=ppt/slides/slide34.xml><?xml version="1.0" encoding="utf-8"?>
 <p:sld xmlns:a="http://schemas.openxmlformats.org/drawingml/2006/main" xmlns:r="http://schemas.openxmlformats.org/officeDocument/2006/relationships" xmlns:p="http://schemas.openxmlformats.org/presentationml/2006/main">
   <p:cSld>
     <p:spTree>
@@ -11559,7 +11879,60 @@
 </p:sld>
 </file>
 
-<file path=ppt/slides/slide34.xml><?xml version="1.0" encoding="utf-8"?>
+<file path=ppt/slides/slide35.xml><?xml version="1.0" encoding="utf-8"?>
+<p:sld xmlns:a="http://schemas.openxmlformats.org/drawingml/2006/main" xmlns:r="http://schemas.openxmlformats.org/officeDocument/2006/relationships" xmlns:p="http://schemas.openxmlformats.org/presentationml/2006/main">
+  <p:cSld>
+    <p:spTree>
+      <p:nvGrpSpPr>
+        <p:cNvPr id="1" name=""/>
+        <p:cNvGrpSpPr/>
+        <p:nvPr/>
+      </p:nvGrpSpPr>
+      <p:grpSpPr>
+        <a:xfrm>
+          <a:off x="0" y="0"/>
+          <a:ext cx="0" cy="0"/>
+          <a:chOff x="0" y="0"/>
+          <a:chExt cx="0" cy="0"/>
+        </a:xfrm>
+      </p:grpSpPr>
+      <p:pic>
+        <p:nvPicPr>
+          <p:cNvPr id="4" name="그림 3"/>
+          <p:cNvPicPr>
+            <a:picLocks noChangeAspect="1"/>
+          </p:cNvPicPr>
+          <p:nvPr/>
+        </p:nvPicPr>
+        <p:blipFill rotWithShape="1">
+          <a:blip r:embed="rId2"/>
+          <a:srcRect l="53549" t="17610" r="2249" b="6917"/>
+          <a:stretch/>
+        </p:blipFill>
+        <p:spPr>
+          <a:xfrm>
+            <a:off x="467544" y="1268760"/>
+            <a:ext cx="8352928" cy="4464496"/>
+          </a:xfrm>
+          <a:prstGeom prst="rect">
+            <a:avLst/>
+          </a:prstGeom>
+        </p:spPr>
+      </p:pic>
+    </p:spTree>
+    <p:extLst>
+      <p:ext uri="{BB962C8B-B14F-4D97-AF65-F5344CB8AC3E}">
+        <p14:creationId xmlns:p14="http://schemas.microsoft.com/office/powerpoint/2010/main" val="409466683"/>
+      </p:ext>
+    </p:extLst>
+  </p:cSld>
+  <p:clrMapOvr>
+    <a:masterClrMapping/>
+  </p:clrMapOvr>
+</p:sld>
+</file>
+
+<file path=ppt/slides/slide36.xml><?xml version="1.0" encoding="utf-8"?>
 <p:sld xmlns:a="http://schemas.openxmlformats.org/drawingml/2006/main" xmlns:r="http://schemas.openxmlformats.org/officeDocument/2006/relationships" xmlns:p="http://schemas.openxmlformats.org/presentationml/2006/main">
   <p:cSld>
     <p:spTree>
@@ -11729,7 +12102,7 @@
 </p:sld>
 </file>
 
-<file path=ppt/slides/slide35.xml><?xml version="1.0" encoding="utf-8"?>
+<file path=ppt/slides/slide37.xml><?xml version="1.0" encoding="utf-8"?>
 <p:sld xmlns:a="http://schemas.openxmlformats.org/drawingml/2006/main" xmlns:r="http://schemas.openxmlformats.org/officeDocument/2006/relationships" xmlns:p="http://schemas.openxmlformats.org/presentationml/2006/main">
   <p:cSld>
     <p:spTree>
@@ -11895,7 +12268,7 @@
 </p:sld>
 </file>
 
-<file path=ppt/slides/slide36.xml><?xml version="1.0" encoding="utf-8"?>
+<file path=ppt/slides/slide38.xml><?xml version="1.0" encoding="utf-8"?>
 <p:sld xmlns:a="http://schemas.openxmlformats.org/drawingml/2006/main" xmlns:r="http://schemas.openxmlformats.org/officeDocument/2006/relationships" xmlns:p="http://schemas.openxmlformats.org/presentationml/2006/main">
   <p:cSld>
     <p:spTree>
@@ -11912,25 +12285,6 @@
           <a:chExt cx="0" cy="0"/>
         </a:xfrm>
       </p:grpSpPr>
-      <p:sp>
-        <p:nvSpPr>
-          <p:cNvPr id="2" name="제목 1"/>
-          <p:cNvSpPr>
-            <a:spLocks noGrp="1"/>
-          </p:cNvSpPr>
-          <p:nvPr>
-            <p:ph type="title"/>
-          </p:nvPr>
-        </p:nvSpPr>
-        <p:spPr/>
-        <p:txBody>
-          <a:bodyPr/>
-          <a:lstStyle/>
-          <a:p>
-            <a:endParaRPr lang="ko-KR" altLang="en-US"/>
-          </a:p>
-        </p:txBody>
-      </p:sp>
       <p:pic>
         <p:nvPicPr>
           <p:cNvPr id="6146" name="Picture 2"/>
@@ -12000,7 +12354,7 @@
 </p:sld>
 </file>
 
-<file path=ppt/slides/slide37.xml><?xml version="1.0" encoding="utf-8"?>
+<file path=ppt/slides/slide39.xml><?xml version="1.0" encoding="utf-8"?>
 <p:sld xmlns:a="http://schemas.openxmlformats.org/drawingml/2006/main" xmlns:r="http://schemas.openxmlformats.org/officeDocument/2006/relationships" xmlns:p="http://schemas.openxmlformats.org/presentationml/2006/main">
   <p:cSld>
     <p:spTree>
@@ -12017,25 +12371,6 @@
           <a:chExt cx="0" cy="0"/>
         </a:xfrm>
       </p:grpSpPr>
-      <p:sp>
-        <p:nvSpPr>
-          <p:cNvPr id="2" name="제목 1"/>
-          <p:cNvSpPr>
-            <a:spLocks noGrp="1"/>
-          </p:cNvSpPr>
-          <p:nvPr>
-            <p:ph type="title"/>
-          </p:nvPr>
-        </p:nvSpPr>
-        <p:spPr/>
-        <p:txBody>
-          <a:bodyPr/>
-          <a:lstStyle/>
-          <a:p>
-            <a:endParaRPr lang="ko-KR" altLang="en-US"/>
-          </a:p>
-        </p:txBody>
-      </p:sp>
       <p:pic>
         <p:nvPicPr>
           <p:cNvPr id="7170" name="Picture 2"/>
@@ -12105,7 +12440,170 @@
 </p:sld>
 </file>
 
-<file path=ppt/slides/slide38.xml><?xml version="1.0" encoding="utf-8"?>
+<file path=ppt/slides/slide4.xml><?xml version="1.0" encoding="utf-8"?>
+<p:sld xmlns:a="http://schemas.openxmlformats.org/drawingml/2006/main" xmlns:r="http://schemas.openxmlformats.org/officeDocument/2006/relationships" xmlns:p="http://schemas.openxmlformats.org/presentationml/2006/main">
+  <p:cSld>
+    <p:spTree>
+      <p:nvGrpSpPr>
+        <p:cNvPr id="1" name=""/>
+        <p:cNvGrpSpPr/>
+        <p:nvPr/>
+      </p:nvGrpSpPr>
+      <p:grpSpPr>
+        <a:xfrm>
+          <a:off x="0" y="0"/>
+          <a:ext cx="0" cy="0"/>
+          <a:chOff x="0" y="0"/>
+          <a:chExt cx="0" cy="0"/>
+        </a:xfrm>
+      </p:grpSpPr>
+      <p:sp>
+        <p:nvSpPr>
+          <p:cNvPr id="2" name="제목 1"/>
+          <p:cNvSpPr>
+            <a:spLocks noGrp="1"/>
+          </p:cNvSpPr>
+          <p:nvPr>
+            <p:ph type="title"/>
+          </p:nvPr>
+        </p:nvSpPr>
+        <p:spPr/>
+        <p:txBody>
+          <a:bodyPr/>
+          <a:lstStyle/>
+          <a:p>
+            <a:r>
+              <a:rPr lang="en-US" altLang="ko-KR" dirty="0"/>
+              <a:t>Concurrency</a:t>
+            </a:r>
+            <a:endParaRPr lang="ko-KR" altLang="en-US" dirty="0"/>
+          </a:p>
+        </p:txBody>
+      </p:sp>
+      <p:pic>
+        <p:nvPicPr>
+          <p:cNvPr id="1026" name="Picture 2"/>
+          <p:cNvPicPr>
+            <a:picLocks noChangeAspect="1" noChangeArrowheads="1"/>
+          </p:cNvPicPr>
+          <p:nvPr/>
+        </p:nvPicPr>
+        <p:blipFill>
+          <a:blip r:embed="rId2">
+            <a:extLst>
+              <a:ext uri="{28A0092B-C50C-407E-A947-70E740481C1C}">
+                <a14:useLocalDpi xmlns:a14="http://schemas.microsoft.com/office/drawing/2010/main" val="0"/>
+              </a:ext>
+            </a:extLst>
+          </a:blip>
+          <a:srcRect/>
+          <a:stretch>
+            <a:fillRect/>
+          </a:stretch>
+        </p:blipFill>
+        <p:spPr bwMode="auto">
+          <a:xfrm>
+            <a:off x="16748" y="1988840"/>
+            <a:ext cx="9061993" cy="3699867"/>
+          </a:xfrm>
+          <a:prstGeom prst="rect">
+            <a:avLst/>
+          </a:prstGeom>
+          <a:noFill/>
+          <a:ln>
+            <a:noFill/>
+          </a:ln>
+          <a:effectLst/>
+          <a:extLst>
+            <a:ext uri="{909E8E84-426E-40DD-AFC4-6F175D3DCCD1}">
+              <a14:hiddenFill xmlns:a14="http://schemas.microsoft.com/office/drawing/2010/main">
+                <a:solidFill>
+                  <a:schemeClr val="accent1"/>
+                </a:solidFill>
+              </a14:hiddenFill>
+            </a:ext>
+            <a:ext uri="{91240B29-F687-4F45-9708-019B960494DF}">
+              <a14:hiddenLine xmlns:a14="http://schemas.microsoft.com/office/drawing/2010/main" w="9525">
+                <a:solidFill>
+                  <a:schemeClr val="tx1"/>
+                </a:solidFill>
+                <a:miter lim="800000"/>
+                <a:headEnd/>
+                <a:tailEnd/>
+              </a14:hiddenLine>
+            </a:ext>
+            <a:ext uri="{AF507438-7753-43E0-B8FC-AC1667EBCBE1}">
+              <a14:hiddenEffects xmlns:a14="http://schemas.microsoft.com/office/drawing/2010/main">
+                <a:effectLst>
+                  <a:outerShdw dist="35921" dir="2700000" algn="ctr" rotWithShape="0">
+                    <a:schemeClr val="bg2"/>
+                  </a:outerShdw>
+                </a:effectLst>
+              </a14:hiddenEffects>
+            </a:ext>
+          </a:extLst>
+        </p:spPr>
+      </p:pic>
+      <p:sp>
+        <p:nvSpPr>
+          <p:cNvPr id="4" name="TextBox 3"/>
+          <p:cNvSpPr txBox="1"/>
+          <p:nvPr/>
+        </p:nvSpPr>
+        <p:spPr>
+          <a:xfrm>
+            <a:off x="5662036" y="5871624"/>
+            <a:ext cx="3096344" cy="369332"/>
+          </a:xfrm>
+          <a:prstGeom prst="rect">
+            <a:avLst/>
+          </a:prstGeom>
+          <a:noFill/>
+        </p:spPr>
+        <p:txBody>
+          <a:bodyPr wrap="square" rtlCol="0">
+            <a:spAutoFit/>
+          </a:bodyPr>
+          <a:lstStyle/>
+          <a:p>
+            <a:r>
+              <a:rPr lang="en-US" altLang="ko-KR" sz="1400" dirty="0">
+                <a:latin typeface="+mn-lt"/>
+              </a:rPr>
+              <a:t>[Justin </a:t>
+            </a:r>
+            <a:r>
+              <a:rPr lang="en-US" altLang="ko-KR" sz="1400" dirty="0" err="1">
+                <a:latin typeface="+mn-lt"/>
+              </a:rPr>
+              <a:t>Luitjens,NVIDIA</a:t>
+            </a:r>
+            <a:r>
+              <a:rPr lang="en-US" altLang="ko-KR" dirty="0">
+                <a:latin typeface="+mn-lt"/>
+              </a:rPr>
+              <a:t>]</a:t>
+            </a:r>
+            <a:endParaRPr lang="ko-KR" altLang="en-US" dirty="0">
+              <a:latin typeface="+mn-lt"/>
+            </a:endParaRPr>
+          </a:p>
+        </p:txBody>
+      </p:sp>
+    </p:spTree>
+    <p:extLst>
+      <p:ext uri="{BB962C8B-B14F-4D97-AF65-F5344CB8AC3E}">
+        <p14:creationId xmlns:p14="http://schemas.microsoft.com/office/powerpoint/2010/main" val="1129500467"/>
+      </p:ext>
+    </p:extLst>
+  </p:cSld>
+  <p:clrMapOvr>
+    <a:masterClrMapping/>
+  </p:clrMapOvr>
+</p:sld>
+</file>
+
+<file path=ppt/slides/slide40.xml><?xml version="1.0" encoding="utf-8"?>
 <p:sld xmlns:a="http://schemas.openxmlformats.org/drawingml/2006/main" xmlns:r="http://schemas.openxmlformats.org/officeDocument/2006/relationships" xmlns:p="http://schemas.openxmlformats.org/presentationml/2006/main">
   <p:cSld>
     <p:spTree>
@@ -12253,7 +12751,7 @@
 </p:sld>
 </file>
 
-<file path=ppt/slides/slide39.xml><?xml version="1.0" encoding="utf-8"?>
+<file path=ppt/slides/slide41.xml><?xml version="1.0" encoding="utf-8"?>
 <p:sld xmlns:a="http://schemas.openxmlformats.org/drawingml/2006/main" xmlns:r="http://schemas.openxmlformats.org/officeDocument/2006/relationships" xmlns:p="http://schemas.openxmlformats.org/presentationml/2006/main">
   <p:cSld>
     <p:spTree>
@@ -12270,25 +12768,6 @@
           <a:chExt cx="0" cy="0"/>
         </a:xfrm>
       </p:grpSpPr>
-      <p:sp>
-        <p:nvSpPr>
-          <p:cNvPr id="2" name="제목 1"/>
-          <p:cNvSpPr>
-            <a:spLocks noGrp="1"/>
-          </p:cNvSpPr>
-          <p:nvPr>
-            <p:ph type="title"/>
-          </p:nvPr>
-        </p:nvSpPr>
-        <p:spPr/>
-        <p:txBody>
-          <a:bodyPr/>
-          <a:lstStyle/>
-          <a:p>
-            <a:endParaRPr lang="ko-KR" altLang="en-US" dirty="0"/>
-          </a:p>
-        </p:txBody>
-      </p:sp>
       <p:pic>
         <p:nvPicPr>
           <p:cNvPr id="8194" name="Picture 2"/>
@@ -12358,7 +12837,7 @@
 </p:sld>
 </file>
 
-<file path=ppt/slides/slide4.xml><?xml version="1.0" encoding="utf-8"?>
+<file path=ppt/slides/slide42.xml><?xml version="1.0" encoding="utf-8"?>
 <p:sld xmlns:a="http://schemas.openxmlformats.org/drawingml/2006/main" xmlns:r="http://schemas.openxmlformats.org/officeDocument/2006/relationships" xmlns:p="http://schemas.openxmlformats.org/presentationml/2006/main">
   <p:cSld>
     <p:spTree>
@@ -12385,169 +12864,6 @@
             <p:ph type="title"/>
           </p:nvPr>
         </p:nvSpPr>
-        <p:spPr/>
-        <p:txBody>
-          <a:bodyPr/>
-          <a:lstStyle/>
-          <a:p>
-            <a:r>
-              <a:rPr lang="en-US" altLang="ko-KR" dirty="0"/>
-              <a:t>Concurrency</a:t>
-            </a:r>
-            <a:endParaRPr lang="ko-KR" altLang="en-US" dirty="0"/>
-          </a:p>
-        </p:txBody>
-      </p:sp>
-      <p:pic>
-        <p:nvPicPr>
-          <p:cNvPr id="1026" name="Picture 2"/>
-          <p:cNvPicPr>
-            <a:picLocks noChangeAspect="1" noChangeArrowheads="1"/>
-          </p:cNvPicPr>
-          <p:nvPr/>
-        </p:nvPicPr>
-        <p:blipFill>
-          <a:blip r:embed="rId2">
-            <a:extLst>
-              <a:ext uri="{28A0092B-C50C-407E-A947-70E740481C1C}">
-                <a14:useLocalDpi xmlns:a14="http://schemas.microsoft.com/office/drawing/2010/main" val="0"/>
-              </a:ext>
-            </a:extLst>
-          </a:blip>
-          <a:srcRect/>
-          <a:stretch>
-            <a:fillRect/>
-          </a:stretch>
-        </p:blipFill>
-        <p:spPr bwMode="auto">
-          <a:xfrm>
-            <a:off x="16748" y="1988840"/>
-            <a:ext cx="9061993" cy="3699867"/>
-          </a:xfrm>
-          <a:prstGeom prst="rect">
-            <a:avLst/>
-          </a:prstGeom>
-          <a:noFill/>
-          <a:ln>
-            <a:noFill/>
-          </a:ln>
-          <a:effectLst/>
-          <a:extLst>
-            <a:ext uri="{909E8E84-426E-40DD-AFC4-6F175D3DCCD1}">
-              <a14:hiddenFill xmlns:a14="http://schemas.microsoft.com/office/drawing/2010/main">
-                <a:solidFill>
-                  <a:schemeClr val="accent1"/>
-                </a:solidFill>
-              </a14:hiddenFill>
-            </a:ext>
-            <a:ext uri="{91240B29-F687-4F45-9708-019B960494DF}">
-              <a14:hiddenLine xmlns:a14="http://schemas.microsoft.com/office/drawing/2010/main" w="9525">
-                <a:solidFill>
-                  <a:schemeClr val="tx1"/>
-                </a:solidFill>
-                <a:miter lim="800000"/>
-                <a:headEnd/>
-                <a:tailEnd/>
-              </a14:hiddenLine>
-            </a:ext>
-            <a:ext uri="{AF507438-7753-43E0-B8FC-AC1667EBCBE1}">
-              <a14:hiddenEffects xmlns:a14="http://schemas.microsoft.com/office/drawing/2010/main">
-                <a:effectLst>
-                  <a:outerShdw dist="35921" dir="2700000" algn="ctr" rotWithShape="0">
-                    <a:schemeClr val="bg2"/>
-                  </a:outerShdw>
-                </a:effectLst>
-              </a14:hiddenEffects>
-            </a:ext>
-          </a:extLst>
-        </p:spPr>
-      </p:pic>
-      <p:sp>
-        <p:nvSpPr>
-          <p:cNvPr id="4" name="TextBox 3"/>
-          <p:cNvSpPr txBox="1"/>
-          <p:nvPr/>
-        </p:nvSpPr>
-        <p:spPr>
-          <a:xfrm>
-            <a:off x="5662036" y="5871624"/>
-            <a:ext cx="3096344" cy="369332"/>
-          </a:xfrm>
-          <a:prstGeom prst="rect">
-            <a:avLst/>
-          </a:prstGeom>
-          <a:noFill/>
-        </p:spPr>
-        <p:txBody>
-          <a:bodyPr wrap="square" rtlCol="0">
-            <a:spAutoFit/>
-          </a:bodyPr>
-          <a:lstStyle/>
-          <a:p>
-            <a:r>
-              <a:rPr lang="en-US" altLang="ko-KR" sz="1400" dirty="0">
-                <a:latin typeface="+mn-lt"/>
-              </a:rPr>
-              <a:t>[Justin </a:t>
-            </a:r>
-            <a:r>
-              <a:rPr lang="en-US" altLang="ko-KR" sz="1400" dirty="0" err="1">
-                <a:latin typeface="+mn-lt"/>
-              </a:rPr>
-              <a:t>Luitjens,NVIDIA</a:t>
-            </a:r>
-            <a:r>
-              <a:rPr lang="en-US" altLang="ko-KR" dirty="0">
-                <a:latin typeface="+mn-lt"/>
-              </a:rPr>
-              <a:t>]</a:t>
-            </a:r>
-            <a:endParaRPr lang="ko-KR" altLang="en-US" dirty="0">
-              <a:latin typeface="+mn-lt"/>
-            </a:endParaRPr>
-          </a:p>
-        </p:txBody>
-      </p:sp>
-    </p:spTree>
-    <p:extLst>
-      <p:ext uri="{BB962C8B-B14F-4D97-AF65-F5344CB8AC3E}">
-        <p14:creationId xmlns:p14="http://schemas.microsoft.com/office/powerpoint/2010/main" val="1129500467"/>
-      </p:ext>
-    </p:extLst>
-  </p:cSld>
-  <p:clrMapOvr>
-    <a:masterClrMapping/>
-  </p:clrMapOvr>
-</p:sld>
-</file>
-
-<file path=ppt/slides/slide40.xml><?xml version="1.0" encoding="utf-8"?>
-<p:sld xmlns:a="http://schemas.openxmlformats.org/drawingml/2006/main" xmlns:r="http://schemas.openxmlformats.org/officeDocument/2006/relationships" xmlns:p="http://schemas.openxmlformats.org/presentationml/2006/main">
-  <p:cSld>
-    <p:spTree>
-      <p:nvGrpSpPr>
-        <p:cNvPr id="1" name=""/>
-        <p:cNvGrpSpPr/>
-        <p:nvPr/>
-      </p:nvGrpSpPr>
-      <p:grpSpPr>
-        <a:xfrm>
-          <a:off x="0" y="0"/>
-          <a:ext cx="0" cy="0"/>
-          <a:chOff x="0" y="0"/>
-          <a:chExt cx="0" cy="0"/>
-        </a:xfrm>
-      </p:grpSpPr>
-      <p:sp>
-        <p:nvSpPr>
-          <p:cNvPr id="2" name="제목 1"/>
-          <p:cNvSpPr>
-            <a:spLocks noGrp="1"/>
-          </p:cNvSpPr>
-          <p:nvPr>
-            <p:ph type="title"/>
-          </p:nvPr>
-        </p:nvSpPr>
         <p:spPr>
           <a:xfrm>
             <a:off x="395536" y="548680"/>
@@ -12676,7 +12992,7 @@
 </p:sld>
 </file>
 
-<file path=ppt/slides/slide41.xml><?xml version="1.0" encoding="utf-8"?>
+<file path=ppt/slides/slide43.xml><?xml version="1.0" encoding="utf-8"?>
 <p:sld xmlns:a="http://schemas.openxmlformats.org/drawingml/2006/main" xmlns:r="http://schemas.openxmlformats.org/officeDocument/2006/relationships" xmlns:p="http://schemas.openxmlformats.org/presentationml/2006/main">
   <p:cSld>
     <p:spTree>
@@ -12790,7 +13106,7 @@
 </p:sld>
 </file>
 
-<file path=ppt/slides/slide42.xml><?xml version="1.0" encoding="utf-8"?>
+<file path=ppt/slides/slide44.xml><?xml version="1.0" encoding="utf-8"?>
 <p:sld xmlns:a="http://schemas.openxmlformats.org/drawingml/2006/main" xmlns:r="http://schemas.openxmlformats.org/officeDocument/2006/relationships" xmlns:p="http://schemas.openxmlformats.org/presentationml/2006/main">
   <p:cSld>
     <p:spTree>
@@ -12995,7 +13311,7 @@
 </p:sld>
 </file>
 
-<file path=ppt/slides/slide43.xml><?xml version="1.0" encoding="utf-8"?>
+<file path=ppt/slides/slide45.xml><?xml version="1.0" encoding="utf-8"?>
 <p:sld xmlns:a="http://schemas.openxmlformats.org/drawingml/2006/main" xmlns:r="http://schemas.openxmlformats.org/officeDocument/2006/relationships" xmlns:p="http://schemas.openxmlformats.org/presentationml/2006/main">
   <p:cSld>
     <p:spTree>
@@ -13014,25 +13330,6 @@
       </p:grpSpPr>
       <p:sp>
         <p:nvSpPr>
-          <p:cNvPr id="2" name="제목 1"/>
-          <p:cNvSpPr>
-            <a:spLocks noGrp="1"/>
-          </p:cNvSpPr>
-          <p:nvPr>
-            <p:ph type="title"/>
-          </p:nvPr>
-        </p:nvSpPr>
-        <p:spPr/>
-        <p:txBody>
-          <a:bodyPr/>
-          <a:lstStyle/>
-          <a:p>
-            <a:endParaRPr lang="ko-KR" altLang="en-US" dirty="0"/>
-          </a:p>
-        </p:txBody>
-      </p:sp>
-      <p:sp>
-        <p:nvSpPr>
           <p:cNvPr id="3" name="내용 개체 틀 2"/>
           <p:cNvSpPr>
             <a:spLocks noGrp="1"/>
@@ -13155,7 +13452,7 @@
 </p:sld>
 </file>
 
-<file path=ppt/slides/slide44.xml><?xml version="1.0" encoding="utf-8"?>
+<file path=ppt/slides/slide46.xml><?xml version="1.0" encoding="utf-8"?>
 <p:sld xmlns:a="http://schemas.openxmlformats.org/drawingml/2006/main" xmlns:r="http://schemas.openxmlformats.org/officeDocument/2006/relationships" xmlns:p="http://schemas.openxmlformats.org/presentationml/2006/main">
   <p:cSld>
     <p:spTree>
@@ -13277,7 +13574,7 @@
 </p:sld>
 </file>
 
-<file path=ppt/slides/slide45.xml><?xml version="1.0" encoding="utf-8"?>
+<file path=ppt/slides/slide47.xml><?xml version="1.0" encoding="utf-8"?>
 <p:sld xmlns:a="http://schemas.openxmlformats.org/drawingml/2006/main" xmlns:r="http://schemas.openxmlformats.org/officeDocument/2006/relationships" xmlns:p="http://schemas.openxmlformats.org/presentationml/2006/main">
   <p:cSld>
     <p:spTree>
@@ -13554,7 +13851,7 @@
 </p:sld>
 </file>
 
-<file path=ppt/slides/slide46.xml><?xml version="1.0" encoding="utf-8"?>
+<file path=ppt/slides/slide48.xml><?xml version="1.0" encoding="utf-8"?>
 <p:sld xmlns:a="http://schemas.openxmlformats.org/drawingml/2006/main" xmlns:r="http://schemas.openxmlformats.org/officeDocument/2006/relationships" xmlns:p="http://schemas.openxmlformats.org/presentationml/2006/main">
   <p:cSld>
     <p:spTree>
@@ -13679,7 +13976,7 @@
 </p:sld>
 </file>
 
-<file path=ppt/slides/slide47.xml><?xml version="1.0" encoding="utf-8"?>
+<file path=ppt/slides/slide49.xml><?xml version="1.0" encoding="utf-8"?>
 <p:sld xmlns:a="http://schemas.openxmlformats.org/drawingml/2006/main" xmlns:r="http://schemas.openxmlformats.org/officeDocument/2006/relationships" xmlns:p="http://schemas.openxmlformats.org/presentationml/2006/main">
   <p:cSld>
     <p:spTree>
@@ -13792,309 +14089,6 @@
     <p:extLst>
       <p:ext uri="{BB962C8B-B14F-4D97-AF65-F5344CB8AC3E}">
         <p14:creationId xmlns:p14="http://schemas.microsoft.com/office/powerpoint/2010/main" val="1013846541"/>
-      </p:ext>
-    </p:extLst>
-  </p:cSld>
-  <p:clrMapOvr>
-    <a:masterClrMapping/>
-  </p:clrMapOvr>
-</p:sld>
-</file>
-
-<file path=ppt/slides/slide48.xml><?xml version="1.0" encoding="utf-8"?>
-<p:sld xmlns:a="http://schemas.openxmlformats.org/drawingml/2006/main" xmlns:r="http://schemas.openxmlformats.org/officeDocument/2006/relationships" xmlns:p="http://schemas.openxmlformats.org/presentationml/2006/main">
-  <p:cSld>
-    <p:spTree>
-      <p:nvGrpSpPr>
-        <p:cNvPr id="1" name=""/>
-        <p:cNvGrpSpPr/>
-        <p:nvPr/>
-      </p:nvGrpSpPr>
-      <p:grpSpPr>
-        <a:xfrm>
-          <a:off x="0" y="0"/>
-          <a:ext cx="0" cy="0"/>
-          <a:chOff x="0" y="0"/>
-          <a:chExt cx="0" cy="0"/>
-        </a:xfrm>
-      </p:grpSpPr>
-      <p:sp>
-        <p:nvSpPr>
-          <p:cNvPr id="2" name="제목 1"/>
-          <p:cNvSpPr>
-            <a:spLocks noGrp="1"/>
-          </p:cNvSpPr>
-          <p:nvPr>
-            <p:ph type="title"/>
-          </p:nvPr>
-        </p:nvSpPr>
-        <p:spPr/>
-        <p:txBody>
-          <a:bodyPr/>
-          <a:lstStyle/>
-          <a:p>
-            <a:r>
-              <a:rPr lang="en-US" altLang="ko-KR" sz="3600" dirty="0"/>
-              <a:t>Blocking Behavior of the Default Stream</a:t>
-            </a:r>
-            <a:endParaRPr lang="ko-KR" altLang="en-US" sz="3600" dirty="0"/>
-          </a:p>
-        </p:txBody>
-      </p:sp>
-      <p:sp>
-        <p:nvSpPr>
-          <p:cNvPr id="3" name="내용 개체 틀 2"/>
-          <p:cNvSpPr>
-            <a:spLocks noGrp="1"/>
-          </p:cNvSpPr>
-          <p:nvPr>
-            <p:ph idx="1"/>
-          </p:nvPr>
-        </p:nvSpPr>
-        <p:spPr>
-          <a:xfrm>
-            <a:off x="0" y="1600200"/>
-            <a:ext cx="9252520" cy="4709120"/>
-          </a:xfrm>
-        </p:spPr>
-        <p:txBody>
-          <a:bodyPr/>
-          <a:lstStyle/>
-          <a:p>
-            <a:pPr marL="0" indent="0">
-              <a:buNone/>
-            </a:pPr>
-            <a:r>
-              <a:rPr lang="en-US" altLang="ko-KR" dirty="0"/>
-              <a:t>//dispatch kernels in depth-first ordering</a:t>
-            </a:r>
-          </a:p>
-          <a:p>
-            <a:pPr marL="0" indent="0">
-              <a:buNone/>
-            </a:pPr>
-            <a:r>
-              <a:rPr lang="en-US" altLang="ko-KR" b="1" dirty="0"/>
-              <a:t>for(</a:t>
-            </a:r>
-            <a:r>
-              <a:rPr lang="en-US" altLang="ko-KR" b="1" dirty="0" err="1"/>
-              <a:t>int</a:t>
-            </a:r>
-            <a:r>
-              <a:rPr lang="en-US" altLang="ko-KR" b="1" dirty="0"/>
-              <a:t> i=0;i&lt;</a:t>
-            </a:r>
-            <a:r>
-              <a:rPr lang="en-US" altLang="ko-KR" b="1" dirty="0" err="1"/>
-              <a:t>n_stream</a:t>
-            </a:r>
-            <a:r>
-              <a:rPr lang="en-US" altLang="ko-KR" b="1" dirty="0"/>
-              <a:t>; i++){</a:t>
-            </a:r>
-          </a:p>
-          <a:p>
-            <a:pPr marL="0" indent="0">
-              <a:buNone/>
-            </a:pPr>
-            <a:r>
-              <a:rPr lang="en-US" altLang="ko-KR" b="1" dirty="0"/>
-              <a:t>	kernel_1&lt;&lt;&lt;grid,block,0,stream[i]&gt;&gt;&gt;( );</a:t>
-            </a:r>
-          </a:p>
-          <a:p>
-            <a:pPr marL="0" indent="0">
-              <a:buNone/>
-            </a:pPr>
-            <a:r>
-              <a:rPr lang="en-US" altLang="ko-KR" b="1" dirty="0"/>
-              <a:t>	kernel_2&lt;&lt;&lt;grid,block,0,stream[i]&gt;&gt;&gt;( );</a:t>
-            </a:r>
-            <a:endParaRPr lang="ko-KR" altLang="en-US" b="1" dirty="0"/>
-          </a:p>
-          <a:p>
-            <a:pPr marL="0" indent="0">
-              <a:buNone/>
-            </a:pPr>
-            <a:r>
-              <a:rPr lang="en-US" altLang="ko-KR" b="1" dirty="0"/>
-              <a:t>	</a:t>
-            </a:r>
-            <a:r>
-              <a:rPr lang="en-US" altLang="ko-KR" b="1" dirty="0">
-                <a:solidFill>
-                  <a:srgbClr val="FF0000"/>
-                </a:solidFill>
-              </a:rPr>
-              <a:t>kernel_3&lt;&lt;&lt;</a:t>
-            </a:r>
-            <a:r>
-              <a:rPr lang="en-US" altLang="ko-KR" b="1" dirty="0" err="1">
-                <a:solidFill>
-                  <a:srgbClr val="FF0000"/>
-                </a:solidFill>
-              </a:rPr>
-              <a:t>grid,block</a:t>
-            </a:r>
-            <a:r>
-              <a:rPr lang="en-US" altLang="ko-KR" b="1" dirty="0">
-                <a:solidFill>
-                  <a:srgbClr val="FF0000"/>
-                </a:solidFill>
-              </a:rPr>
-              <a:t>&gt;&gt;&gt;( );//default stream</a:t>
-            </a:r>
-            <a:endParaRPr lang="ko-KR" altLang="en-US" b="1" dirty="0">
-              <a:solidFill>
-                <a:srgbClr val="FF0000"/>
-              </a:solidFill>
-            </a:endParaRPr>
-          </a:p>
-          <a:p>
-            <a:pPr marL="0" indent="0">
-              <a:buNone/>
-            </a:pPr>
-            <a:r>
-              <a:rPr lang="en-US" altLang="ko-KR" b="1" dirty="0"/>
-              <a:t>	kernel_4&lt;&lt;&lt;grid,block,0,stream[i]&gt;&gt;&gt;( );</a:t>
-            </a:r>
-            <a:endParaRPr lang="ko-KR" altLang="en-US" b="1" dirty="0"/>
-          </a:p>
-          <a:p>
-            <a:pPr marL="0" indent="0">
-              <a:buNone/>
-            </a:pPr>
-            <a:r>
-              <a:rPr lang="en-US" altLang="ko-KR" b="1" dirty="0"/>
-              <a:t>}</a:t>
-            </a:r>
-            <a:endParaRPr lang="ko-KR" altLang="en-US" b="1" dirty="0"/>
-          </a:p>
-        </p:txBody>
-      </p:sp>
-    </p:spTree>
-    <p:extLst>
-      <p:ext uri="{BB962C8B-B14F-4D97-AF65-F5344CB8AC3E}">
-        <p14:creationId xmlns:p14="http://schemas.microsoft.com/office/powerpoint/2010/main" val="2676840897"/>
-      </p:ext>
-    </p:extLst>
-  </p:cSld>
-  <p:clrMapOvr>
-    <a:masterClrMapping/>
-  </p:clrMapOvr>
-</p:sld>
-</file>
-
-<file path=ppt/slides/slide49.xml><?xml version="1.0" encoding="utf-8"?>
-<p:sld xmlns:a="http://schemas.openxmlformats.org/drawingml/2006/main" xmlns:r="http://schemas.openxmlformats.org/officeDocument/2006/relationships" xmlns:p="http://schemas.openxmlformats.org/presentationml/2006/main">
-  <p:cSld>
-    <p:spTree>
-      <p:nvGrpSpPr>
-        <p:cNvPr id="1" name=""/>
-        <p:cNvGrpSpPr/>
-        <p:nvPr/>
-      </p:nvGrpSpPr>
-      <p:grpSpPr>
-        <a:xfrm>
-          <a:off x="0" y="0"/>
-          <a:ext cx="0" cy="0"/>
-          <a:chOff x="0" y="0"/>
-          <a:chExt cx="0" cy="0"/>
-        </a:xfrm>
-      </p:grpSpPr>
-      <p:sp>
-        <p:nvSpPr>
-          <p:cNvPr id="2" name="제목 1"/>
-          <p:cNvSpPr>
-            <a:spLocks noGrp="1"/>
-          </p:cNvSpPr>
-          <p:nvPr>
-            <p:ph type="title"/>
-          </p:nvPr>
-        </p:nvSpPr>
-        <p:spPr>
-          <a:xfrm>
-            <a:off x="467544" y="-1510"/>
-            <a:ext cx="8229600" cy="960438"/>
-          </a:xfrm>
-        </p:spPr>
-        <p:txBody>
-          <a:bodyPr/>
-          <a:lstStyle/>
-          <a:p>
-            <a:r>
-              <a:rPr lang="en-US" altLang="ko-KR" sz="3600" dirty="0"/>
-              <a:t>Blocking Behavior of the Default Stream</a:t>
-            </a:r>
-            <a:endParaRPr lang="ko-KR" altLang="en-US" sz="3600" dirty="0"/>
-          </a:p>
-        </p:txBody>
-      </p:sp>
-      <p:sp>
-        <p:nvSpPr>
-          <p:cNvPr id="3" name="내용 개체 틀 2"/>
-          <p:cNvSpPr>
-            <a:spLocks noGrp="1"/>
-          </p:cNvSpPr>
-          <p:nvPr>
-            <p:ph idx="1"/>
-          </p:nvPr>
-        </p:nvSpPr>
-        <p:spPr/>
-        <p:txBody>
-          <a:bodyPr/>
-          <a:lstStyle/>
-          <a:p>
-            <a:endParaRPr lang="ko-KR" altLang="en-US" dirty="0"/>
-          </a:p>
-        </p:txBody>
-      </p:sp>
-      <p:pic>
-        <p:nvPicPr>
-          <p:cNvPr id="13314" name="Picture 2" descr="F:\simpleHyperqDepthN.png"/>
-          <p:cNvPicPr>
-            <a:picLocks noChangeAspect="1" noChangeArrowheads="1"/>
-          </p:cNvPicPr>
-          <p:nvPr/>
-        </p:nvPicPr>
-        <p:blipFill>
-          <a:blip r:embed="rId2">
-            <a:extLst>
-              <a:ext uri="{28A0092B-C50C-407E-A947-70E740481C1C}">
-                <a14:useLocalDpi xmlns:a14="http://schemas.microsoft.com/office/drawing/2010/main" val="0"/>
-              </a:ext>
-            </a:extLst>
-          </a:blip>
-          <a:srcRect/>
-          <a:stretch>
-            <a:fillRect/>
-          </a:stretch>
-        </p:blipFill>
-        <p:spPr bwMode="auto">
-          <a:xfrm>
-            <a:off x="811588" y="812800"/>
-            <a:ext cx="7435850" cy="6045200"/>
-          </a:xfrm>
-          <a:prstGeom prst="rect">
-            <a:avLst/>
-          </a:prstGeom>
-          <a:noFill/>
-          <a:extLst>
-            <a:ext uri="{909E8E84-426E-40DD-AFC4-6F175D3DCCD1}">
-              <a14:hiddenFill xmlns:a14="http://schemas.microsoft.com/office/drawing/2010/main">
-                <a:solidFill>
-                  <a:srgbClr val="FFFFFF"/>
-                </a:solidFill>
-              </a14:hiddenFill>
-            </a:ext>
-          </a:extLst>
-        </p:spPr>
-      </p:pic>
-    </p:spTree>
-    <p:extLst>
-      <p:ext uri="{BB962C8B-B14F-4D97-AF65-F5344CB8AC3E}">
-        <p14:creationId xmlns:p14="http://schemas.microsoft.com/office/powerpoint/2010/main" val="3439328367"/>
       </p:ext>
     </p:extLst>
   </p:cSld>
@@ -14296,7 +14290,11 @@
           <a:bodyPr/>
           <a:lstStyle/>
           <a:p>
-            <a:endParaRPr lang="ko-KR" altLang="en-US"/>
+            <a:r>
+              <a:rPr lang="en-US" altLang="ko-KR" sz="3600" dirty="0"/>
+              <a:t>Blocking Behavior of the Default Stream</a:t>
+            </a:r>
+            <a:endParaRPr lang="ko-KR" altLang="en-US" sz="3600" dirty="0"/>
           </a:p>
         </p:txBody>
       </p:sp>
@@ -14310,31 +14308,132 @@
             <p:ph idx="1"/>
           </p:nvPr>
         </p:nvSpPr>
-        <p:spPr/>
+        <p:spPr>
+          <a:xfrm>
+            <a:off x="0" y="1600200"/>
+            <a:ext cx="9252520" cy="4709120"/>
+          </a:xfrm>
+        </p:spPr>
         <p:txBody>
           <a:bodyPr/>
           <a:lstStyle/>
           <a:p>
-            <a:r>
-              <a:rPr lang="en-US" altLang="ko-KR" dirty="0">
+            <a:pPr marL="0" indent="0">
+              <a:buNone/>
+            </a:pPr>
+            <a:r>
+              <a:rPr lang="en-US" altLang="ko-KR" dirty="0"/>
+              <a:t>//dispatch kernels in depth-first ordering</a:t>
+            </a:r>
+          </a:p>
+          <a:p>
+            <a:pPr marL="0" indent="0">
+              <a:buNone/>
+            </a:pPr>
+            <a:r>
+              <a:rPr lang="en-US" altLang="ko-KR" b="1" dirty="0"/>
+              <a:t>for(</a:t>
+            </a:r>
+            <a:r>
+              <a:rPr lang="en-US" altLang="ko-KR" b="1" dirty="0" err="1"/>
+              <a:t>int</a:t>
+            </a:r>
+            <a:r>
+              <a:rPr lang="en-US" altLang="ko-KR" b="1" dirty="0"/>
+              <a:t> i=0;i&lt;</a:t>
+            </a:r>
+            <a:r>
+              <a:rPr lang="en-US" altLang="ko-KR" b="1" dirty="0" err="1"/>
+              <a:t>n_stream</a:t>
+            </a:r>
+            <a:r>
+              <a:rPr lang="en-US" altLang="ko-KR" b="1" dirty="0"/>
+              <a:t>; i++){</a:t>
+            </a:r>
+          </a:p>
+          <a:p>
+            <a:pPr marL="0" indent="0">
+              <a:buNone/>
+            </a:pPr>
+            <a:r>
+              <a:rPr lang="en-US" altLang="ko-KR" b="1" dirty="0"/>
+              <a:t>	kernel_1&lt;&lt;&lt;grid,block,0,stream[i]&gt;&gt;&gt;( );</a:t>
+            </a:r>
+          </a:p>
+          <a:p>
+            <a:pPr marL="0" indent="0">
+              <a:buNone/>
+            </a:pPr>
+            <a:r>
+              <a:rPr lang="en-US" altLang="ko-KR" b="1" dirty="0"/>
+              <a:t>	kernel_2&lt;&lt;&lt;grid,block,0,stream[i]&gt;&gt;&gt;( );</a:t>
+            </a:r>
+            <a:endParaRPr lang="ko-KR" altLang="en-US" b="1" dirty="0"/>
+          </a:p>
+          <a:p>
+            <a:pPr marL="0" indent="0">
+              <a:buNone/>
+            </a:pPr>
+            <a:r>
+              <a:rPr lang="en-US" altLang="ko-KR" b="1" dirty="0"/>
+              <a:t>	</a:t>
+            </a:r>
+            <a:r>
+              <a:rPr lang="en-US" altLang="ko-KR" b="1" dirty="0">
                 <a:solidFill>
                   <a:srgbClr val="FF0000"/>
                 </a:solidFill>
               </a:rPr>
-              <a:t>Any later operations on non-NULL streams will be blocked until the operations in the default stream complete.</a:t>
-            </a:r>
-            <a:endParaRPr lang="ko-KR" altLang="en-US" dirty="0">
+              <a:t>kernel_3&lt;&lt;&lt;</a:t>
+            </a:r>
+            <a:r>
+              <a:rPr lang="en-US" altLang="ko-KR" b="1" dirty="0" err="1">
+                <a:solidFill>
+                  <a:srgbClr val="FF0000"/>
+                </a:solidFill>
+              </a:rPr>
+              <a:t>grid,block</a:t>
+            </a:r>
+            <a:r>
+              <a:rPr lang="en-US" altLang="ko-KR" b="1" dirty="0">
+                <a:solidFill>
+                  <a:srgbClr val="FF0000"/>
+                </a:solidFill>
+              </a:rPr>
+              <a:t>&gt;&gt;&gt;( );//default stream</a:t>
+            </a:r>
+            <a:endParaRPr lang="ko-KR" altLang="en-US" b="1" dirty="0">
               <a:solidFill>
                 <a:srgbClr val="FF0000"/>
               </a:solidFill>
             </a:endParaRPr>
           </a:p>
+          <a:p>
+            <a:pPr marL="0" indent="0">
+              <a:buNone/>
+            </a:pPr>
+            <a:r>
+              <a:rPr lang="en-US" altLang="ko-KR" b="1" dirty="0"/>
+              <a:t>	kernel_4&lt;&lt;&lt;grid,block,0,stream[i]&gt;&gt;&gt;( );</a:t>
+            </a:r>
+            <a:endParaRPr lang="ko-KR" altLang="en-US" b="1" dirty="0"/>
+          </a:p>
+          <a:p>
+            <a:pPr marL="0" indent="0">
+              <a:buNone/>
+            </a:pPr>
+            <a:r>
+              <a:rPr lang="en-US" altLang="ko-KR" b="1" dirty="0"/>
+              <a:t>}</a:t>
+            </a:r>
+            <a:endParaRPr lang="ko-KR" altLang="en-US" b="1" dirty="0"/>
+          </a:p>
         </p:txBody>
       </p:sp>
     </p:spTree>
     <p:extLst>
       <p:ext uri="{BB962C8B-B14F-4D97-AF65-F5344CB8AC3E}">
-        <p14:creationId xmlns:p14="http://schemas.microsoft.com/office/powerpoint/2010/main" val="2843774592"/>
+        <p14:creationId xmlns:p14="http://schemas.microsoft.com/office/powerpoint/2010/main" val="2676840897"/>
       </p:ext>
     </p:extLst>
   </p:cSld>
@@ -14371,14 +14470,19 @@
             <p:ph type="title"/>
           </p:nvPr>
         </p:nvSpPr>
-        <p:spPr/>
+        <p:spPr>
+          <a:xfrm>
+            <a:off x="467544" y="-1510"/>
+            <a:ext cx="8229600" cy="960438"/>
+          </a:xfrm>
+        </p:spPr>
         <p:txBody>
           <a:bodyPr/>
           <a:lstStyle/>
           <a:p>
             <a:r>
               <a:rPr lang="en-US" altLang="ko-KR" sz="3600" dirty="0"/>
-              <a:t>Creating Inter-Stream Dependencies</a:t>
+              <a:t>Blocking Behavior of the Default Stream</a:t>
             </a:r>
             <a:endParaRPr lang="ko-KR" altLang="en-US" sz="3600" dirty="0"/>
           </a:p>
@@ -14399,30 +14503,55 @@
           <a:bodyPr/>
           <a:lstStyle/>
           <a:p>
-            <a:pPr marL="0" indent="0">
-              <a:buNone/>
-            </a:pPr>
-            <a:r>
-              <a:rPr lang="en-US" altLang="ko-KR" dirty="0"/>
-              <a:t>*It can be useful to introduce inter-stream dependencies that block operations on one stream until operations in another stream have completed.</a:t>
-            </a:r>
-          </a:p>
-          <a:p>
-            <a:pPr marL="0" indent="0">
-              <a:buNone/>
-            </a:pPr>
-            <a:r>
-              <a:rPr lang="en-US" altLang="ko-KR" dirty="0"/>
-              <a:t>*Events can be used to add inter-stream dependencies.</a:t>
-            </a:r>
             <a:endParaRPr lang="ko-KR" altLang="en-US" dirty="0"/>
           </a:p>
         </p:txBody>
       </p:sp>
+      <p:pic>
+        <p:nvPicPr>
+          <p:cNvPr id="13314" name="Picture 2" descr="F:\simpleHyperqDepthN.png"/>
+          <p:cNvPicPr>
+            <a:picLocks noChangeAspect="1" noChangeArrowheads="1"/>
+          </p:cNvPicPr>
+          <p:nvPr/>
+        </p:nvPicPr>
+        <p:blipFill>
+          <a:blip r:embed="rId2">
+            <a:extLst>
+              <a:ext uri="{28A0092B-C50C-407E-A947-70E740481C1C}">
+                <a14:useLocalDpi xmlns:a14="http://schemas.microsoft.com/office/drawing/2010/main" val="0"/>
+              </a:ext>
+            </a:extLst>
+          </a:blip>
+          <a:srcRect/>
+          <a:stretch>
+            <a:fillRect/>
+          </a:stretch>
+        </p:blipFill>
+        <p:spPr bwMode="auto">
+          <a:xfrm>
+            <a:off x="811588" y="812800"/>
+            <a:ext cx="7435850" cy="6045200"/>
+          </a:xfrm>
+          <a:prstGeom prst="rect">
+            <a:avLst/>
+          </a:prstGeom>
+          <a:noFill/>
+          <a:extLst>
+            <a:ext uri="{909E8E84-426E-40DD-AFC4-6F175D3DCCD1}">
+              <a14:hiddenFill xmlns:a14="http://schemas.microsoft.com/office/drawing/2010/main">
+                <a:solidFill>
+                  <a:srgbClr val="FFFFFF"/>
+                </a:solidFill>
+              </a14:hiddenFill>
+            </a:ext>
+          </a:extLst>
+        </p:spPr>
+      </p:pic>
     </p:spTree>
     <p:extLst>
       <p:ext uri="{BB962C8B-B14F-4D97-AF65-F5344CB8AC3E}">
-        <p14:creationId xmlns:p14="http://schemas.microsoft.com/office/powerpoint/2010/main" val="1661909938"/>
+        <p14:creationId xmlns:p14="http://schemas.microsoft.com/office/powerpoint/2010/main" val="3439328367"/>
       </p:ext>
     </p:extLst>
   </p:cSld>
@@ -14451,6 +14580,155 @@
       </p:grpSpPr>
       <p:sp>
         <p:nvSpPr>
+          <p:cNvPr id="3" name="내용 개체 틀 2"/>
+          <p:cNvSpPr>
+            <a:spLocks noGrp="1"/>
+          </p:cNvSpPr>
+          <p:nvPr>
+            <p:ph idx="1"/>
+          </p:nvPr>
+        </p:nvSpPr>
+        <p:spPr/>
+        <p:txBody>
+          <a:bodyPr/>
+          <a:lstStyle/>
+          <a:p>
+            <a:r>
+              <a:rPr lang="en-US" altLang="ko-KR" dirty="0">
+                <a:solidFill>
+                  <a:srgbClr val="FF0000"/>
+                </a:solidFill>
+              </a:rPr>
+              <a:t>Any later operations on non-NULL streams will be blocked until the operations in the default stream complete.</a:t>
+            </a:r>
+            <a:endParaRPr lang="ko-KR" altLang="en-US" dirty="0">
+              <a:solidFill>
+                <a:srgbClr val="FF0000"/>
+              </a:solidFill>
+            </a:endParaRPr>
+          </a:p>
+        </p:txBody>
+      </p:sp>
+    </p:spTree>
+    <p:extLst>
+      <p:ext uri="{BB962C8B-B14F-4D97-AF65-F5344CB8AC3E}">
+        <p14:creationId xmlns:p14="http://schemas.microsoft.com/office/powerpoint/2010/main" val="2843774592"/>
+      </p:ext>
+    </p:extLst>
+  </p:cSld>
+  <p:clrMapOvr>
+    <a:masterClrMapping/>
+  </p:clrMapOvr>
+</p:sld>
+</file>
+
+<file path=ppt/slides/slide53.xml><?xml version="1.0" encoding="utf-8"?>
+<p:sld xmlns:a="http://schemas.openxmlformats.org/drawingml/2006/main" xmlns:r="http://schemas.openxmlformats.org/officeDocument/2006/relationships" xmlns:p="http://schemas.openxmlformats.org/presentationml/2006/main">
+  <p:cSld>
+    <p:spTree>
+      <p:nvGrpSpPr>
+        <p:cNvPr id="1" name=""/>
+        <p:cNvGrpSpPr/>
+        <p:nvPr/>
+      </p:nvGrpSpPr>
+      <p:grpSpPr>
+        <a:xfrm>
+          <a:off x="0" y="0"/>
+          <a:ext cx="0" cy="0"/>
+          <a:chOff x="0" y="0"/>
+          <a:chExt cx="0" cy="0"/>
+        </a:xfrm>
+      </p:grpSpPr>
+      <p:sp>
+        <p:nvSpPr>
+          <p:cNvPr id="2" name="제목 1"/>
+          <p:cNvSpPr>
+            <a:spLocks noGrp="1"/>
+          </p:cNvSpPr>
+          <p:nvPr>
+            <p:ph type="title"/>
+          </p:nvPr>
+        </p:nvSpPr>
+        <p:spPr/>
+        <p:txBody>
+          <a:bodyPr/>
+          <a:lstStyle/>
+          <a:p>
+            <a:r>
+              <a:rPr lang="en-US" altLang="ko-KR" sz="3600" dirty="0"/>
+              <a:t>Creating Inter-Stream Dependencies</a:t>
+            </a:r>
+            <a:endParaRPr lang="ko-KR" altLang="en-US" sz="3600" dirty="0"/>
+          </a:p>
+        </p:txBody>
+      </p:sp>
+      <p:sp>
+        <p:nvSpPr>
+          <p:cNvPr id="3" name="내용 개체 틀 2"/>
+          <p:cNvSpPr>
+            <a:spLocks noGrp="1"/>
+          </p:cNvSpPr>
+          <p:nvPr>
+            <p:ph idx="1"/>
+          </p:nvPr>
+        </p:nvSpPr>
+        <p:spPr/>
+        <p:txBody>
+          <a:bodyPr/>
+          <a:lstStyle/>
+          <a:p>
+            <a:pPr marL="0" indent="0">
+              <a:buNone/>
+            </a:pPr>
+            <a:r>
+              <a:rPr lang="en-US" altLang="ko-KR" dirty="0"/>
+              <a:t>*It can be useful to introduce inter-stream dependencies that block operations on one stream until operations in another stream have completed.</a:t>
+            </a:r>
+          </a:p>
+          <a:p>
+            <a:pPr marL="0" indent="0">
+              <a:buNone/>
+            </a:pPr>
+            <a:r>
+              <a:rPr lang="en-US" altLang="ko-KR" dirty="0"/>
+              <a:t>*Events can be used to add inter-stream dependencies.</a:t>
+            </a:r>
+            <a:endParaRPr lang="ko-KR" altLang="en-US" dirty="0"/>
+          </a:p>
+        </p:txBody>
+      </p:sp>
+    </p:spTree>
+    <p:extLst>
+      <p:ext uri="{BB962C8B-B14F-4D97-AF65-F5344CB8AC3E}">
+        <p14:creationId xmlns:p14="http://schemas.microsoft.com/office/powerpoint/2010/main" val="1661909938"/>
+      </p:ext>
+    </p:extLst>
+  </p:cSld>
+  <p:clrMapOvr>
+    <a:masterClrMapping/>
+  </p:clrMapOvr>
+</p:sld>
+</file>
+
+<file path=ppt/slides/slide54.xml><?xml version="1.0" encoding="utf-8"?>
+<p:sld xmlns:a="http://schemas.openxmlformats.org/drawingml/2006/main" xmlns:r="http://schemas.openxmlformats.org/officeDocument/2006/relationships" xmlns:p="http://schemas.openxmlformats.org/presentationml/2006/main">
+  <p:cSld>
+    <p:spTree>
+      <p:nvGrpSpPr>
+        <p:cNvPr id="1" name=""/>
+        <p:cNvGrpSpPr/>
+        <p:nvPr/>
+      </p:nvGrpSpPr>
+      <p:grpSpPr>
+        <a:xfrm>
+          <a:off x="0" y="0"/>
+          <a:ext cx="0" cy="0"/>
+          <a:chOff x="0" y="0"/>
+          <a:chExt cx="0" cy="0"/>
+        </a:xfrm>
+      </p:grpSpPr>
+      <p:sp>
+        <p:nvSpPr>
           <p:cNvPr id="2" name="제목 1"/>
           <p:cNvSpPr>
             <a:spLocks noGrp="1"/>
@@ -14829,7 +15107,7 @@
 </p:sld>
 </file>
 
-<file path=ppt/slides/slide53.xml><?xml version="1.0" encoding="utf-8"?>
+<file path=ppt/slides/slide55.xml><?xml version="1.0" encoding="utf-8"?>
 <p:sld xmlns:a="http://schemas.openxmlformats.org/drawingml/2006/main" xmlns:r="http://schemas.openxmlformats.org/officeDocument/2006/relationships" xmlns:p="http://schemas.openxmlformats.org/presentationml/2006/main">
   <p:cSld>
     <p:spTree>
@@ -14947,445 +15225,6 @@
 </p:sld>
 </file>
 
-<file path=ppt/slides/slide54.xml><?xml version="1.0" encoding="utf-8"?>
-<p:sld xmlns:a="http://schemas.openxmlformats.org/drawingml/2006/main" xmlns:r="http://schemas.openxmlformats.org/officeDocument/2006/relationships" xmlns:p="http://schemas.openxmlformats.org/presentationml/2006/main">
-  <p:cSld>
-    <p:spTree>
-      <p:nvGrpSpPr>
-        <p:cNvPr id="1" name=""/>
-        <p:cNvGrpSpPr/>
-        <p:nvPr/>
-      </p:nvGrpSpPr>
-      <p:grpSpPr>
-        <a:xfrm>
-          <a:off x="0" y="0"/>
-          <a:ext cx="0" cy="0"/>
-          <a:chOff x="0" y="0"/>
-          <a:chExt cx="0" cy="0"/>
-        </a:xfrm>
-      </p:grpSpPr>
-      <p:sp>
-        <p:nvSpPr>
-          <p:cNvPr id="2" name="제목 1"/>
-          <p:cNvSpPr>
-            <a:spLocks noGrp="1"/>
-          </p:cNvSpPr>
-          <p:nvPr>
-            <p:ph type="title"/>
-          </p:nvPr>
-        </p:nvSpPr>
-        <p:spPr>
-          <a:xfrm>
-            <a:off x="395536" y="260648"/>
-            <a:ext cx="8229600" cy="960438"/>
-          </a:xfrm>
-        </p:spPr>
-        <p:txBody>
-          <a:bodyPr/>
-          <a:lstStyle/>
-          <a:p>
-            <a:r>
-              <a:rPr lang="en-US" altLang="ko-KR" sz="3200" dirty="0"/>
-              <a:t>Overlapping Kernel Execution and Data Transfer</a:t>
-            </a:r>
-            <a:br>
-              <a:rPr lang="en-US" altLang="ko-KR" sz="3200" dirty="0"/>
-            </a:br>
-            <a:endParaRPr lang="ko-KR" altLang="en-US" sz="3200" dirty="0"/>
-          </a:p>
-        </p:txBody>
-      </p:sp>
-      <p:sp>
-        <p:nvSpPr>
-          <p:cNvPr id="3" name="내용 개체 틀 2"/>
-          <p:cNvSpPr>
-            <a:spLocks noGrp="1"/>
-          </p:cNvSpPr>
-          <p:nvPr>
-            <p:ph idx="1"/>
-          </p:nvPr>
-        </p:nvSpPr>
-        <p:spPr/>
-        <p:txBody>
-          <a:bodyPr/>
-          <a:lstStyle/>
-          <a:p>
-            <a:r>
-              <a:rPr lang="en-US" altLang="ko-KR" sz="2800" dirty="0"/>
-              <a:t>Fermi and Kepler GPUs have two copy engine queues: one for data transfer to the device, and one for data transfer from the device.</a:t>
-            </a:r>
-          </a:p>
-          <a:p>
-            <a:r>
-              <a:rPr lang="en-US" altLang="ko-KR" sz="2800" dirty="0"/>
-              <a:t>Overlapping kernel execution and data transfer:</a:t>
-            </a:r>
-          </a:p>
-          <a:p>
-            <a:pPr lvl="1"/>
-            <a:r>
-              <a:rPr lang="en-US" altLang="ko-KR" sz="2400" dirty="0"/>
-              <a:t>If a kernel consumes data D, the data transfer for D must be placed before the kernel launch and in the same stream.</a:t>
-            </a:r>
-          </a:p>
-          <a:p>
-            <a:pPr lvl="1"/>
-            <a:r>
-              <a:rPr lang="en-US" altLang="ko-KR" sz="2400" dirty="0"/>
-              <a:t>If a kernel does not consume any one of the data D, the kernel execution and data transfer can be placed in different streams.</a:t>
-            </a:r>
-            <a:endParaRPr lang="ko-KR" altLang="en-US" sz="2400" dirty="0"/>
-          </a:p>
-        </p:txBody>
-      </p:sp>
-    </p:spTree>
-    <p:extLst>
-      <p:ext uri="{BB962C8B-B14F-4D97-AF65-F5344CB8AC3E}">
-        <p14:creationId xmlns:p14="http://schemas.microsoft.com/office/powerpoint/2010/main" val="1563598599"/>
-      </p:ext>
-    </p:extLst>
-  </p:cSld>
-  <p:clrMapOvr>
-    <a:masterClrMapping/>
-  </p:clrMapOvr>
-</p:sld>
-</file>
-
-<file path=ppt/slides/slide55.xml><?xml version="1.0" encoding="utf-8"?>
-<p:sld xmlns:a="http://schemas.openxmlformats.org/drawingml/2006/main" xmlns:r="http://schemas.openxmlformats.org/officeDocument/2006/relationships" xmlns:p="http://schemas.openxmlformats.org/presentationml/2006/main">
-  <p:cSld>
-    <p:spTree>
-      <p:nvGrpSpPr>
-        <p:cNvPr id="1" name=""/>
-        <p:cNvGrpSpPr/>
-        <p:nvPr/>
-      </p:nvGrpSpPr>
-      <p:grpSpPr>
-        <a:xfrm>
-          <a:off x="0" y="0"/>
-          <a:ext cx="0" cy="0"/>
-          <a:chOff x="0" y="0"/>
-          <a:chExt cx="0" cy="0"/>
-        </a:xfrm>
-      </p:grpSpPr>
-      <p:sp>
-        <p:nvSpPr>
-          <p:cNvPr id="2" name="제목 1"/>
-          <p:cNvSpPr>
-            <a:spLocks noGrp="1"/>
-          </p:cNvSpPr>
-          <p:nvPr>
-            <p:ph type="title"/>
-          </p:nvPr>
-        </p:nvSpPr>
-        <p:spPr/>
-        <p:txBody>
-          <a:bodyPr/>
-          <a:lstStyle/>
-          <a:p>
-            <a:r>
-              <a:rPr lang="en-US" altLang="ko-KR" sz="3600" dirty="0"/>
-              <a:t>Overlap Using Depth-First Scheduling</a:t>
-            </a:r>
-            <a:endParaRPr lang="ko-KR" altLang="en-US" sz="3600" dirty="0"/>
-          </a:p>
-        </p:txBody>
-      </p:sp>
-      <p:sp>
-        <p:nvSpPr>
-          <p:cNvPr id="3" name="내용 개체 틀 2"/>
-          <p:cNvSpPr>
-            <a:spLocks noGrp="1"/>
-          </p:cNvSpPr>
-          <p:nvPr>
-            <p:ph idx="1"/>
-          </p:nvPr>
-        </p:nvSpPr>
-        <p:spPr/>
-        <p:txBody>
-          <a:bodyPr/>
-          <a:lstStyle/>
-          <a:p>
-            <a:r>
-              <a:rPr lang="en-US" altLang="ko-KR" sz="2000" dirty="0"/>
-              <a:t>Vector Addition:</a:t>
-            </a:r>
-          </a:p>
-          <a:p>
-            <a:pPr marL="0" indent="0">
-              <a:buNone/>
-            </a:pPr>
-            <a:r>
-              <a:rPr lang="en-US" altLang="ko-KR" sz="2000" b="1" dirty="0"/>
-              <a:t>__global__ void </a:t>
-            </a:r>
-            <a:r>
-              <a:rPr lang="en-US" altLang="ko-KR" sz="2000" b="1" dirty="0" err="1"/>
-              <a:t>sumArrays</a:t>
-            </a:r>
-            <a:r>
-              <a:rPr lang="en-US" altLang="ko-KR" sz="2000" b="1" dirty="0"/>
-              <a:t>(float *</a:t>
-            </a:r>
-            <a:r>
-              <a:rPr lang="en-US" altLang="ko-KR" sz="2000" b="1" dirty="0" err="1"/>
-              <a:t>A,float</a:t>
-            </a:r>
-            <a:r>
-              <a:rPr lang="en-US" altLang="ko-KR" sz="2000" b="1" dirty="0"/>
-              <a:t>*</a:t>
-            </a:r>
-            <a:r>
-              <a:rPr lang="en-US" altLang="ko-KR" sz="2000" b="1" dirty="0" err="1"/>
-              <a:t>B,float</a:t>
-            </a:r>
-            <a:r>
-              <a:rPr lang="en-US" altLang="ko-KR" sz="2000" b="1" dirty="0"/>
-              <a:t> *</a:t>
-            </a:r>
-            <a:r>
-              <a:rPr lang="en-US" altLang="ko-KR" sz="2000" b="1" dirty="0" err="1"/>
-              <a:t>C,const</a:t>
-            </a:r>
-            <a:r>
-              <a:rPr lang="en-US" altLang="ko-KR" sz="2000" b="1" dirty="0"/>
-              <a:t> </a:t>
-            </a:r>
-            <a:r>
-              <a:rPr lang="en-US" altLang="ko-KR" sz="2000" b="1" dirty="0" err="1"/>
-              <a:t>int</a:t>
-            </a:r>
-            <a:r>
-              <a:rPr lang="en-US" altLang="ko-KR" sz="2000" b="1" dirty="0"/>
-              <a:t> N){</a:t>
-            </a:r>
-          </a:p>
-          <a:p>
-            <a:pPr marL="0" indent="0">
-              <a:buNone/>
-            </a:pPr>
-            <a:r>
-              <a:rPr lang="en-US" altLang="ko-KR" sz="2000" b="1" dirty="0"/>
-              <a:t>	</a:t>
-            </a:r>
-            <a:r>
-              <a:rPr lang="en-US" altLang="ko-KR" sz="2000" b="1" dirty="0" err="1"/>
-              <a:t>int</a:t>
-            </a:r>
-            <a:r>
-              <a:rPr lang="en-US" altLang="ko-KR" sz="2000" b="1" dirty="0"/>
-              <a:t> </a:t>
-            </a:r>
-            <a:r>
-              <a:rPr lang="en-US" altLang="ko-KR" sz="2000" b="1" dirty="0" err="1"/>
-              <a:t>idx</a:t>
-            </a:r>
-            <a:r>
-              <a:rPr lang="en-US" altLang="ko-KR" sz="2000" b="1" dirty="0"/>
-              <a:t>=</a:t>
-            </a:r>
-            <a:r>
-              <a:rPr lang="en-US" altLang="ko-KR" sz="2000" b="1" dirty="0" err="1"/>
-              <a:t>blockIdx.x</a:t>
-            </a:r>
-            <a:r>
-              <a:rPr lang="en-US" altLang="ko-KR" sz="2000" b="1" dirty="0"/>
-              <a:t>*</a:t>
-            </a:r>
-            <a:r>
-              <a:rPr lang="en-US" altLang="ko-KR" sz="2000" b="1" dirty="0" err="1"/>
-              <a:t>blockDim.x+threadIdx.x</a:t>
-            </a:r>
-            <a:r>
-              <a:rPr lang="en-US" altLang="ko-KR" sz="2000" b="1" dirty="0"/>
-              <a:t>;</a:t>
-            </a:r>
-          </a:p>
-          <a:p>
-            <a:pPr marL="0" indent="0">
-              <a:buNone/>
-            </a:pPr>
-            <a:r>
-              <a:rPr lang="en-US" altLang="ko-KR" sz="2000" b="1" dirty="0"/>
-              <a:t>	if(</a:t>
-            </a:r>
-            <a:r>
-              <a:rPr lang="en-US" altLang="ko-KR" sz="2000" b="1" dirty="0" err="1"/>
-              <a:t>idx</a:t>
-            </a:r>
-            <a:r>
-              <a:rPr lang="en-US" altLang="ko-KR" sz="2000" b="1" dirty="0"/>
-              <a:t>&lt;N)</a:t>
-            </a:r>
-          </a:p>
-          <a:p>
-            <a:pPr marL="0" indent="0">
-              <a:buNone/>
-            </a:pPr>
-            <a:r>
-              <a:rPr lang="en-US" altLang="ko-KR" sz="2000" b="1" dirty="0"/>
-              <a:t>		for(</a:t>
-            </a:r>
-            <a:r>
-              <a:rPr lang="en-US" altLang="ko-KR" sz="2000" b="1" dirty="0" err="1"/>
-              <a:t>int</a:t>
-            </a:r>
-            <a:r>
-              <a:rPr lang="en-US" altLang="ko-KR" sz="2000" b="1" dirty="0"/>
-              <a:t> </a:t>
-            </a:r>
-            <a:r>
-              <a:rPr lang="en-US" altLang="ko-KR" sz="2000" b="1" dirty="0" err="1"/>
-              <a:t>i</a:t>
-            </a:r>
-            <a:r>
-              <a:rPr lang="en-US" altLang="ko-KR" sz="2000" b="1" dirty="0"/>
-              <a:t>=0;i&lt;</a:t>
-            </a:r>
-            <a:r>
-              <a:rPr lang="en-US" altLang="ko-KR" sz="2000" b="1" dirty="0" err="1"/>
-              <a:t>n_repeat;i</a:t>
-            </a:r>
-            <a:r>
-              <a:rPr lang="en-US" altLang="ko-KR" sz="2000" b="1" dirty="0"/>
-              <a:t>++){</a:t>
-            </a:r>
-          </a:p>
-          <a:p>
-            <a:pPr marL="0" indent="0">
-              <a:buNone/>
-            </a:pPr>
-            <a:r>
-              <a:rPr lang="en-US" altLang="ko-KR" sz="2000" b="1" dirty="0"/>
-              <a:t>			C[</a:t>
-            </a:r>
-            <a:r>
-              <a:rPr lang="en-US" altLang="ko-KR" sz="2000" b="1" dirty="0" err="1"/>
-              <a:t>idx</a:t>
-            </a:r>
-            <a:r>
-              <a:rPr lang="en-US" altLang="ko-KR" sz="2000" b="1" dirty="0"/>
-              <a:t>]=A[</a:t>
-            </a:r>
-            <a:r>
-              <a:rPr lang="en-US" altLang="ko-KR" sz="2000" b="1" dirty="0" err="1"/>
-              <a:t>idx</a:t>
-            </a:r>
-            <a:r>
-              <a:rPr lang="en-US" altLang="ko-KR" sz="2000" b="1" dirty="0"/>
-              <a:t>]+B[</a:t>
-            </a:r>
-            <a:r>
-              <a:rPr lang="en-US" altLang="ko-KR" sz="2000" b="1" dirty="0" err="1"/>
-              <a:t>idx</a:t>
-            </a:r>
-            <a:r>
-              <a:rPr lang="en-US" altLang="ko-KR" sz="2000" b="1" dirty="0"/>
-              <a:t>];</a:t>
-            </a:r>
-          </a:p>
-          <a:p>
-            <a:pPr marL="0" indent="0">
-              <a:buNone/>
-            </a:pPr>
-            <a:r>
-              <a:rPr lang="en-US" altLang="ko-KR" sz="2000" b="1" dirty="0"/>
-              <a:t>		}</a:t>
-            </a:r>
-          </a:p>
-          <a:p>
-            <a:pPr marL="0" indent="0">
-              <a:buNone/>
-            </a:pPr>
-            <a:r>
-              <a:rPr lang="en-US" altLang="ko-KR" sz="2000" b="1" dirty="0"/>
-              <a:t>}</a:t>
-            </a:r>
-          </a:p>
-          <a:p>
-            <a:r>
-              <a:rPr lang="en-US" altLang="ko-KR" sz="2000" dirty="0"/>
-              <a:t>To overlap data transfer with kernel execution, asynchronous copy functions have to be used.</a:t>
-            </a:r>
-          </a:p>
-          <a:p>
-            <a:r>
-              <a:rPr lang="en-US" altLang="ko-KR" sz="2000" dirty="0"/>
-              <a:t>Those asynchronous copy functions require pinned host memory:</a:t>
-            </a:r>
-          </a:p>
-          <a:p>
-            <a:pPr marL="0" indent="0">
-              <a:buNone/>
-            </a:pPr>
-            <a:r>
-              <a:rPr lang="en-US" altLang="ko-KR" sz="2000" dirty="0"/>
-              <a:t>	</a:t>
-            </a:r>
-            <a:r>
-              <a:rPr lang="en-US" altLang="ko-KR" sz="2000" b="1" dirty="0" err="1"/>
-              <a:t>cudaHostAlloc</a:t>
-            </a:r>
-            <a:r>
-              <a:rPr lang="en-US" altLang="ko-KR" sz="2000" b="1" dirty="0"/>
-              <a:t>( );</a:t>
-            </a:r>
-          </a:p>
-          <a:p>
-            <a:r>
-              <a:rPr lang="en-US" altLang="ko-KR" sz="2000" dirty="0"/>
-              <a:t>Partition the work equally among NSTREAM streams:</a:t>
-            </a:r>
-          </a:p>
-          <a:p>
-            <a:pPr marL="0" indent="0">
-              <a:buNone/>
-            </a:pPr>
-            <a:r>
-              <a:rPr lang="en-US" altLang="ko-KR" sz="2000" dirty="0"/>
-              <a:t>	</a:t>
-            </a:r>
-            <a:r>
-              <a:rPr lang="en-US" altLang="ko-KR" sz="2000" b="1" dirty="0" err="1"/>
-              <a:t>int</a:t>
-            </a:r>
-            <a:r>
-              <a:rPr lang="en-US" altLang="ko-KR" sz="2000" b="1" dirty="0"/>
-              <a:t> </a:t>
-            </a:r>
-            <a:r>
-              <a:rPr lang="en-US" altLang="ko-KR" sz="2000" b="1" dirty="0" err="1"/>
-              <a:t>iElem</a:t>
-            </a:r>
-            <a:r>
-              <a:rPr lang="en-US" altLang="ko-KR" sz="2000" b="1" dirty="0"/>
-              <a:t> = </a:t>
-            </a:r>
-            <a:r>
-              <a:rPr lang="en-US" altLang="ko-KR" sz="2000" b="1" dirty="0" err="1"/>
-              <a:t>nElem</a:t>
-            </a:r>
-            <a:r>
-              <a:rPr lang="en-US" altLang="ko-KR" sz="2000" b="1" dirty="0"/>
-              <a:t>/NSTREAM;</a:t>
-            </a:r>
-            <a:endParaRPr lang="ko-KR" altLang="en-US" sz="2000" b="1" dirty="0"/>
-          </a:p>
-        </p:txBody>
-      </p:sp>
-    </p:spTree>
-    <p:extLst>
-      <p:ext uri="{BB962C8B-B14F-4D97-AF65-F5344CB8AC3E}">
-        <p14:creationId xmlns:p14="http://schemas.microsoft.com/office/powerpoint/2010/main" val="3245639522"/>
-      </p:ext>
-    </p:extLst>
-  </p:cSld>
-  <p:clrMapOvr>
-    <a:masterClrMapping/>
-  </p:clrMapOvr>
-</p:sld>
-</file>
-
 <file path=ppt/slides/slide56.xml><?xml version="1.0" encoding="utf-8"?>
 <p:sld xmlns:a="http://schemas.openxmlformats.org/drawingml/2006/main" xmlns:r="http://schemas.openxmlformats.org/officeDocument/2006/relationships" xmlns:p="http://schemas.openxmlformats.org/presentationml/2006/main">
   <p:cSld>
@@ -15413,6 +15252,445 @@
             <p:ph type="title"/>
           </p:nvPr>
         </p:nvSpPr>
+        <p:spPr>
+          <a:xfrm>
+            <a:off x="395536" y="260648"/>
+            <a:ext cx="8229600" cy="960438"/>
+          </a:xfrm>
+        </p:spPr>
+        <p:txBody>
+          <a:bodyPr/>
+          <a:lstStyle/>
+          <a:p>
+            <a:r>
+              <a:rPr lang="en-US" altLang="ko-KR" sz="3200" dirty="0"/>
+              <a:t>Overlapping Kernel Execution and Data Transfer</a:t>
+            </a:r>
+            <a:br>
+              <a:rPr lang="en-US" altLang="ko-KR" sz="3200" dirty="0"/>
+            </a:br>
+            <a:endParaRPr lang="ko-KR" altLang="en-US" sz="3200" dirty="0"/>
+          </a:p>
+        </p:txBody>
+      </p:sp>
+      <p:sp>
+        <p:nvSpPr>
+          <p:cNvPr id="3" name="내용 개체 틀 2"/>
+          <p:cNvSpPr>
+            <a:spLocks noGrp="1"/>
+          </p:cNvSpPr>
+          <p:nvPr>
+            <p:ph idx="1"/>
+          </p:nvPr>
+        </p:nvSpPr>
+        <p:spPr/>
+        <p:txBody>
+          <a:bodyPr/>
+          <a:lstStyle/>
+          <a:p>
+            <a:r>
+              <a:rPr lang="en-US" altLang="ko-KR" sz="2800" dirty="0"/>
+              <a:t>Fermi and Kepler GPUs have two copy engine queues: one for data transfer to the device, and one for data transfer from the device.</a:t>
+            </a:r>
+          </a:p>
+          <a:p>
+            <a:r>
+              <a:rPr lang="en-US" altLang="ko-KR" sz="2800" dirty="0"/>
+              <a:t>Overlapping kernel execution and data transfer:</a:t>
+            </a:r>
+          </a:p>
+          <a:p>
+            <a:pPr lvl="1"/>
+            <a:r>
+              <a:rPr lang="en-US" altLang="ko-KR" sz="2400" dirty="0"/>
+              <a:t>If a kernel consumes data D, the data transfer for D must be placed before the kernel launch and in the same stream.</a:t>
+            </a:r>
+          </a:p>
+          <a:p>
+            <a:pPr lvl="1"/>
+            <a:r>
+              <a:rPr lang="en-US" altLang="ko-KR" sz="2400" dirty="0"/>
+              <a:t>If a kernel does not consume any one of the data D, the kernel execution and data transfer can be placed in different streams.</a:t>
+            </a:r>
+            <a:endParaRPr lang="ko-KR" altLang="en-US" sz="2400" dirty="0"/>
+          </a:p>
+        </p:txBody>
+      </p:sp>
+    </p:spTree>
+    <p:extLst>
+      <p:ext uri="{BB962C8B-B14F-4D97-AF65-F5344CB8AC3E}">
+        <p14:creationId xmlns:p14="http://schemas.microsoft.com/office/powerpoint/2010/main" val="1563598599"/>
+      </p:ext>
+    </p:extLst>
+  </p:cSld>
+  <p:clrMapOvr>
+    <a:masterClrMapping/>
+  </p:clrMapOvr>
+</p:sld>
+</file>
+
+<file path=ppt/slides/slide57.xml><?xml version="1.0" encoding="utf-8"?>
+<p:sld xmlns:a="http://schemas.openxmlformats.org/drawingml/2006/main" xmlns:r="http://schemas.openxmlformats.org/officeDocument/2006/relationships" xmlns:p="http://schemas.openxmlformats.org/presentationml/2006/main">
+  <p:cSld>
+    <p:spTree>
+      <p:nvGrpSpPr>
+        <p:cNvPr id="1" name=""/>
+        <p:cNvGrpSpPr/>
+        <p:nvPr/>
+      </p:nvGrpSpPr>
+      <p:grpSpPr>
+        <a:xfrm>
+          <a:off x="0" y="0"/>
+          <a:ext cx="0" cy="0"/>
+          <a:chOff x="0" y="0"/>
+          <a:chExt cx="0" cy="0"/>
+        </a:xfrm>
+      </p:grpSpPr>
+      <p:sp>
+        <p:nvSpPr>
+          <p:cNvPr id="2" name="제목 1"/>
+          <p:cNvSpPr>
+            <a:spLocks noGrp="1"/>
+          </p:cNvSpPr>
+          <p:nvPr>
+            <p:ph type="title"/>
+          </p:nvPr>
+        </p:nvSpPr>
+        <p:spPr/>
+        <p:txBody>
+          <a:bodyPr/>
+          <a:lstStyle/>
+          <a:p>
+            <a:r>
+              <a:rPr lang="en-US" altLang="ko-KR" sz="3600" dirty="0"/>
+              <a:t>Overlap Using Depth-First Scheduling</a:t>
+            </a:r>
+            <a:endParaRPr lang="ko-KR" altLang="en-US" sz="3600" dirty="0"/>
+          </a:p>
+        </p:txBody>
+      </p:sp>
+      <p:sp>
+        <p:nvSpPr>
+          <p:cNvPr id="3" name="내용 개체 틀 2"/>
+          <p:cNvSpPr>
+            <a:spLocks noGrp="1"/>
+          </p:cNvSpPr>
+          <p:nvPr>
+            <p:ph idx="1"/>
+          </p:nvPr>
+        </p:nvSpPr>
+        <p:spPr/>
+        <p:txBody>
+          <a:bodyPr/>
+          <a:lstStyle/>
+          <a:p>
+            <a:r>
+              <a:rPr lang="en-US" altLang="ko-KR" sz="2000" dirty="0"/>
+              <a:t>Vector Addition:</a:t>
+            </a:r>
+          </a:p>
+          <a:p>
+            <a:pPr marL="0" indent="0">
+              <a:buNone/>
+            </a:pPr>
+            <a:r>
+              <a:rPr lang="en-US" altLang="ko-KR" sz="2000" b="1" dirty="0"/>
+              <a:t>__global__ void </a:t>
+            </a:r>
+            <a:r>
+              <a:rPr lang="en-US" altLang="ko-KR" sz="2000" b="1" dirty="0" err="1"/>
+              <a:t>sumArrays</a:t>
+            </a:r>
+            <a:r>
+              <a:rPr lang="en-US" altLang="ko-KR" sz="2000" b="1" dirty="0"/>
+              <a:t>(float *</a:t>
+            </a:r>
+            <a:r>
+              <a:rPr lang="en-US" altLang="ko-KR" sz="2000" b="1" dirty="0" err="1"/>
+              <a:t>A,float</a:t>
+            </a:r>
+            <a:r>
+              <a:rPr lang="en-US" altLang="ko-KR" sz="2000" b="1" dirty="0"/>
+              <a:t>*</a:t>
+            </a:r>
+            <a:r>
+              <a:rPr lang="en-US" altLang="ko-KR" sz="2000" b="1" dirty="0" err="1"/>
+              <a:t>B,float</a:t>
+            </a:r>
+            <a:r>
+              <a:rPr lang="en-US" altLang="ko-KR" sz="2000" b="1" dirty="0"/>
+              <a:t> *</a:t>
+            </a:r>
+            <a:r>
+              <a:rPr lang="en-US" altLang="ko-KR" sz="2000" b="1" dirty="0" err="1"/>
+              <a:t>C,const</a:t>
+            </a:r>
+            <a:r>
+              <a:rPr lang="en-US" altLang="ko-KR" sz="2000" b="1" dirty="0"/>
+              <a:t> </a:t>
+            </a:r>
+            <a:r>
+              <a:rPr lang="en-US" altLang="ko-KR" sz="2000" b="1" dirty="0" err="1"/>
+              <a:t>int</a:t>
+            </a:r>
+            <a:r>
+              <a:rPr lang="en-US" altLang="ko-KR" sz="2000" b="1" dirty="0"/>
+              <a:t> N){</a:t>
+            </a:r>
+          </a:p>
+          <a:p>
+            <a:pPr marL="0" indent="0">
+              <a:buNone/>
+            </a:pPr>
+            <a:r>
+              <a:rPr lang="en-US" altLang="ko-KR" sz="2000" b="1" dirty="0"/>
+              <a:t>	</a:t>
+            </a:r>
+            <a:r>
+              <a:rPr lang="en-US" altLang="ko-KR" sz="2000" b="1" dirty="0" err="1"/>
+              <a:t>int</a:t>
+            </a:r>
+            <a:r>
+              <a:rPr lang="en-US" altLang="ko-KR" sz="2000" b="1" dirty="0"/>
+              <a:t> </a:t>
+            </a:r>
+            <a:r>
+              <a:rPr lang="en-US" altLang="ko-KR" sz="2000" b="1" dirty="0" err="1"/>
+              <a:t>idx</a:t>
+            </a:r>
+            <a:r>
+              <a:rPr lang="en-US" altLang="ko-KR" sz="2000" b="1" dirty="0"/>
+              <a:t>=</a:t>
+            </a:r>
+            <a:r>
+              <a:rPr lang="en-US" altLang="ko-KR" sz="2000" b="1" dirty="0" err="1"/>
+              <a:t>blockIdx.x</a:t>
+            </a:r>
+            <a:r>
+              <a:rPr lang="en-US" altLang="ko-KR" sz="2000" b="1" dirty="0"/>
+              <a:t>*</a:t>
+            </a:r>
+            <a:r>
+              <a:rPr lang="en-US" altLang="ko-KR" sz="2000" b="1" dirty="0" err="1"/>
+              <a:t>blockDim.x+threadIdx.x</a:t>
+            </a:r>
+            <a:r>
+              <a:rPr lang="en-US" altLang="ko-KR" sz="2000" b="1" dirty="0"/>
+              <a:t>;</a:t>
+            </a:r>
+          </a:p>
+          <a:p>
+            <a:pPr marL="0" indent="0">
+              <a:buNone/>
+            </a:pPr>
+            <a:r>
+              <a:rPr lang="en-US" altLang="ko-KR" sz="2000" b="1" dirty="0"/>
+              <a:t>	if(</a:t>
+            </a:r>
+            <a:r>
+              <a:rPr lang="en-US" altLang="ko-KR" sz="2000" b="1" dirty="0" err="1"/>
+              <a:t>idx</a:t>
+            </a:r>
+            <a:r>
+              <a:rPr lang="en-US" altLang="ko-KR" sz="2000" b="1" dirty="0"/>
+              <a:t>&lt;N)</a:t>
+            </a:r>
+          </a:p>
+          <a:p>
+            <a:pPr marL="0" indent="0">
+              <a:buNone/>
+            </a:pPr>
+            <a:r>
+              <a:rPr lang="en-US" altLang="ko-KR" sz="2000" b="1" dirty="0"/>
+              <a:t>		for(</a:t>
+            </a:r>
+            <a:r>
+              <a:rPr lang="en-US" altLang="ko-KR" sz="2000" b="1" dirty="0" err="1"/>
+              <a:t>int</a:t>
+            </a:r>
+            <a:r>
+              <a:rPr lang="en-US" altLang="ko-KR" sz="2000" b="1" dirty="0"/>
+              <a:t> </a:t>
+            </a:r>
+            <a:r>
+              <a:rPr lang="en-US" altLang="ko-KR" sz="2000" b="1" dirty="0" err="1"/>
+              <a:t>i</a:t>
+            </a:r>
+            <a:r>
+              <a:rPr lang="en-US" altLang="ko-KR" sz="2000" b="1" dirty="0"/>
+              <a:t>=0;i&lt;</a:t>
+            </a:r>
+            <a:r>
+              <a:rPr lang="en-US" altLang="ko-KR" sz="2000" b="1" dirty="0" err="1"/>
+              <a:t>n_repeat;i</a:t>
+            </a:r>
+            <a:r>
+              <a:rPr lang="en-US" altLang="ko-KR" sz="2000" b="1" dirty="0"/>
+              <a:t>++){</a:t>
+            </a:r>
+          </a:p>
+          <a:p>
+            <a:pPr marL="0" indent="0">
+              <a:buNone/>
+            </a:pPr>
+            <a:r>
+              <a:rPr lang="en-US" altLang="ko-KR" sz="2000" b="1" dirty="0"/>
+              <a:t>			C[</a:t>
+            </a:r>
+            <a:r>
+              <a:rPr lang="en-US" altLang="ko-KR" sz="2000" b="1" dirty="0" err="1"/>
+              <a:t>idx</a:t>
+            </a:r>
+            <a:r>
+              <a:rPr lang="en-US" altLang="ko-KR" sz="2000" b="1" dirty="0"/>
+              <a:t>]=A[</a:t>
+            </a:r>
+            <a:r>
+              <a:rPr lang="en-US" altLang="ko-KR" sz="2000" b="1" dirty="0" err="1"/>
+              <a:t>idx</a:t>
+            </a:r>
+            <a:r>
+              <a:rPr lang="en-US" altLang="ko-KR" sz="2000" b="1" dirty="0"/>
+              <a:t>]+B[</a:t>
+            </a:r>
+            <a:r>
+              <a:rPr lang="en-US" altLang="ko-KR" sz="2000" b="1" dirty="0" err="1"/>
+              <a:t>idx</a:t>
+            </a:r>
+            <a:r>
+              <a:rPr lang="en-US" altLang="ko-KR" sz="2000" b="1" dirty="0"/>
+              <a:t>];</a:t>
+            </a:r>
+          </a:p>
+          <a:p>
+            <a:pPr marL="0" indent="0">
+              <a:buNone/>
+            </a:pPr>
+            <a:r>
+              <a:rPr lang="en-US" altLang="ko-KR" sz="2000" b="1" dirty="0"/>
+              <a:t>		}</a:t>
+            </a:r>
+          </a:p>
+          <a:p>
+            <a:pPr marL="0" indent="0">
+              <a:buNone/>
+            </a:pPr>
+            <a:r>
+              <a:rPr lang="en-US" altLang="ko-KR" sz="2000" b="1" dirty="0"/>
+              <a:t>}</a:t>
+            </a:r>
+          </a:p>
+          <a:p>
+            <a:r>
+              <a:rPr lang="en-US" altLang="ko-KR" sz="2000" dirty="0"/>
+              <a:t>To overlap data transfer with kernel execution, asynchronous copy functions have to be used.</a:t>
+            </a:r>
+          </a:p>
+          <a:p>
+            <a:r>
+              <a:rPr lang="en-US" altLang="ko-KR" sz="2000" dirty="0"/>
+              <a:t>Those asynchronous copy functions require pinned host memory:</a:t>
+            </a:r>
+          </a:p>
+          <a:p>
+            <a:pPr marL="0" indent="0">
+              <a:buNone/>
+            </a:pPr>
+            <a:r>
+              <a:rPr lang="en-US" altLang="ko-KR" sz="2000" dirty="0"/>
+              <a:t>	</a:t>
+            </a:r>
+            <a:r>
+              <a:rPr lang="en-US" altLang="ko-KR" sz="2000" b="1" dirty="0" err="1"/>
+              <a:t>cudaHostAlloc</a:t>
+            </a:r>
+            <a:r>
+              <a:rPr lang="en-US" altLang="ko-KR" sz="2000" b="1" dirty="0"/>
+              <a:t>( );</a:t>
+            </a:r>
+          </a:p>
+          <a:p>
+            <a:r>
+              <a:rPr lang="en-US" altLang="ko-KR" sz="2000" dirty="0"/>
+              <a:t>Partition the work equally among NSTREAM streams:</a:t>
+            </a:r>
+          </a:p>
+          <a:p>
+            <a:pPr marL="0" indent="0">
+              <a:buNone/>
+            </a:pPr>
+            <a:r>
+              <a:rPr lang="en-US" altLang="ko-KR" sz="2000" dirty="0"/>
+              <a:t>	</a:t>
+            </a:r>
+            <a:r>
+              <a:rPr lang="en-US" altLang="ko-KR" sz="2000" b="1" dirty="0" err="1"/>
+              <a:t>int</a:t>
+            </a:r>
+            <a:r>
+              <a:rPr lang="en-US" altLang="ko-KR" sz="2000" b="1" dirty="0"/>
+              <a:t> </a:t>
+            </a:r>
+            <a:r>
+              <a:rPr lang="en-US" altLang="ko-KR" sz="2000" b="1" dirty="0" err="1"/>
+              <a:t>iElem</a:t>
+            </a:r>
+            <a:r>
+              <a:rPr lang="en-US" altLang="ko-KR" sz="2000" b="1" dirty="0"/>
+              <a:t> = </a:t>
+            </a:r>
+            <a:r>
+              <a:rPr lang="en-US" altLang="ko-KR" sz="2000" b="1" dirty="0" err="1"/>
+              <a:t>nElem</a:t>
+            </a:r>
+            <a:r>
+              <a:rPr lang="en-US" altLang="ko-KR" sz="2000" b="1" dirty="0"/>
+              <a:t>/NSTREAM;</a:t>
+            </a:r>
+            <a:endParaRPr lang="ko-KR" altLang="en-US" sz="2000" b="1" dirty="0"/>
+          </a:p>
+        </p:txBody>
+      </p:sp>
+    </p:spTree>
+    <p:extLst>
+      <p:ext uri="{BB962C8B-B14F-4D97-AF65-F5344CB8AC3E}">
+        <p14:creationId xmlns:p14="http://schemas.microsoft.com/office/powerpoint/2010/main" val="3245639522"/>
+      </p:ext>
+    </p:extLst>
+  </p:cSld>
+  <p:clrMapOvr>
+    <a:masterClrMapping/>
+  </p:clrMapOvr>
+</p:sld>
+</file>
+
+<file path=ppt/slides/slide58.xml><?xml version="1.0" encoding="utf-8"?>
+<p:sld xmlns:a="http://schemas.openxmlformats.org/drawingml/2006/main" xmlns:r="http://schemas.openxmlformats.org/officeDocument/2006/relationships" xmlns:p="http://schemas.openxmlformats.org/presentationml/2006/main">
+  <p:cSld>
+    <p:spTree>
+      <p:nvGrpSpPr>
+        <p:cNvPr id="1" name=""/>
+        <p:cNvGrpSpPr/>
+        <p:nvPr/>
+      </p:nvGrpSpPr>
+      <p:grpSpPr>
+        <a:xfrm>
+          <a:off x="0" y="0"/>
+          <a:ext cx="0" cy="0"/>
+          <a:chOff x="0" y="0"/>
+          <a:chExt cx="0" cy="0"/>
+        </a:xfrm>
+      </p:grpSpPr>
+      <p:sp>
+        <p:nvSpPr>
+          <p:cNvPr id="2" name="제목 1"/>
+          <p:cNvSpPr>
+            <a:spLocks noGrp="1"/>
+          </p:cNvSpPr>
+          <p:nvPr>
+            <p:ph type="title"/>
+          </p:nvPr>
+        </p:nvSpPr>
         <p:spPr/>
         <p:txBody>
           <a:bodyPr/>
@@ -15890,7 +16168,7 @@
 </p:sld>
 </file>
 
-<file path=ppt/slides/slide57.xml><?xml version="1.0" encoding="utf-8"?>
+<file path=ppt/slides/slide59.xml><?xml version="1.0" encoding="utf-8"?>
 <p:sld xmlns:a="http://schemas.openxmlformats.org/drawingml/2006/main" xmlns:r="http://schemas.openxmlformats.org/officeDocument/2006/relationships" xmlns:p="http://schemas.openxmlformats.org/presentationml/2006/main">
   <p:cSld>
     <p:spTree>
@@ -16115,7 +16393,113 @@
 </p:sld>
 </file>
 
-<file path=ppt/slides/slide58.xml><?xml version="1.0" encoding="utf-8"?>
+<file path=ppt/slides/slide6.xml><?xml version="1.0" encoding="utf-8"?>
+<p:sld xmlns:a="http://schemas.openxmlformats.org/drawingml/2006/main" xmlns:r="http://schemas.openxmlformats.org/officeDocument/2006/relationships" xmlns:p="http://schemas.openxmlformats.org/presentationml/2006/main">
+  <p:cSld>
+    <p:spTree>
+      <p:nvGrpSpPr>
+        <p:cNvPr id="1" name=""/>
+        <p:cNvGrpSpPr/>
+        <p:nvPr/>
+      </p:nvGrpSpPr>
+      <p:grpSpPr>
+        <a:xfrm>
+          <a:off x="0" y="0"/>
+          <a:ext cx="0" cy="0"/>
+          <a:chOff x="0" y="0"/>
+          <a:chExt cx="0" cy="0"/>
+        </a:xfrm>
+      </p:grpSpPr>
+      <p:sp>
+        <p:nvSpPr>
+          <p:cNvPr id="2" name="제목 1"/>
+          <p:cNvSpPr>
+            <a:spLocks noGrp="1"/>
+          </p:cNvSpPr>
+          <p:nvPr>
+            <p:ph type="title"/>
+          </p:nvPr>
+        </p:nvSpPr>
+        <p:spPr/>
+        <p:txBody>
+          <a:bodyPr/>
+          <a:lstStyle/>
+          <a:p>
+            <a:r>
+              <a:rPr lang="en-US" altLang="ko-KR" dirty="0"/>
+              <a:t>Concurrency in CUDA C</a:t>
+            </a:r>
+            <a:endParaRPr lang="ko-KR" altLang="en-US" dirty="0"/>
+          </a:p>
+        </p:txBody>
+      </p:sp>
+      <p:sp>
+        <p:nvSpPr>
+          <p:cNvPr id="3" name="내용 개체 틀 2"/>
+          <p:cNvSpPr>
+            <a:spLocks noGrp="1"/>
+          </p:cNvSpPr>
+          <p:nvPr>
+            <p:ph idx="1"/>
+          </p:nvPr>
+        </p:nvSpPr>
+        <p:spPr/>
+        <p:txBody>
+          <a:bodyPr/>
+          <a:lstStyle/>
+          <a:p>
+            <a:r>
+              <a:rPr lang="en-US" altLang="ko-KR" dirty="0"/>
+              <a:t>Kernel level concurrency:</a:t>
+            </a:r>
+          </a:p>
+          <a:p>
+            <a:pPr marL="0" indent="0">
+              <a:buNone/>
+            </a:pPr>
+            <a:r>
+              <a:rPr lang="en-US" altLang="ko-KR" dirty="0"/>
+              <a:t>   A kernel executed in parallel by many threads.</a:t>
+            </a:r>
+          </a:p>
+          <a:p>
+            <a:pPr marL="0" indent="0">
+              <a:buNone/>
+            </a:pPr>
+            <a:endParaRPr lang="en-US" altLang="ko-KR" dirty="0"/>
+          </a:p>
+          <a:p>
+            <a:r>
+              <a:rPr lang="en-US" altLang="ko-KR" dirty="0"/>
+              <a:t>Grid level concurrency:</a:t>
+            </a:r>
+          </a:p>
+          <a:p>
+            <a:pPr marL="0" indent="0">
+              <a:buNone/>
+            </a:pPr>
+            <a:r>
+              <a:rPr lang="en-US" altLang="ko-KR" dirty="0"/>
+              <a:t>   Multiple kernels are executed simultaneously on a single device.</a:t>
+            </a:r>
+            <a:endParaRPr lang="ko-KR" altLang="en-US" dirty="0"/>
+          </a:p>
+        </p:txBody>
+      </p:sp>
+    </p:spTree>
+    <p:extLst>
+      <p:ext uri="{BB962C8B-B14F-4D97-AF65-F5344CB8AC3E}">
+        <p14:creationId xmlns:p14="http://schemas.microsoft.com/office/powerpoint/2010/main" val="4117946415"/>
+      </p:ext>
+    </p:extLst>
+  </p:cSld>
+  <p:clrMapOvr>
+    <a:masterClrMapping/>
+  </p:clrMapOvr>
+</p:sld>
+</file>
+
+<file path=ppt/slides/slide60.xml><?xml version="1.0" encoding="utf-8"?>
 <p:sld xmlns:a="http://schemas.openxmlformats.org/drawingml/2006/main" xmlns:r="http://schemas.openxmlformats.org/officeDocument/2006/relationships" xmlns:p="http://schemas.openxmlformats.org/presentationml/2006/main">
   <p:cSld>
     <p:spTree>
@@ -17574,7 +17958,7 @@
 </p:sld>
 </file>
 
-<file path=ppt/slides/slide59.xml><?xml version="1.0" encoding="utf-8"?>
+<file path=ppt/slides/slide61.xml><?xml version="1.0" encoding="utf-8"?>
 <p:sld xmlns:a="http://schemas.openxmlformats.org/drawingml/2006/main" xmlns:r="http://schemas.openxmlformats.org/officeDocument/2006/relationships" xmlns:p="http://schemas.openxmlformats.org/presentationml/2006/main">
   <p:cSld>
     <p:spTree>
@@ -17784,7 +18168,7 @@
 </p:sld>
 </file>
 
-<file path=ppt/slides/slide6.xml><?xml version="1.0" encoding="utf-8"?>
+<file path=ppt/slides/slide62.xml><?xml version="1.0" encoding="utf-8"?>
 <p:sld xmlns:a="http://schemas.openxmlformats.org/drawingml/2006/main" xmlns:r="http://schemas.openxmlformats.org/officeDocument/2006/relationships" xmlns:p="http://schemas.openxmlformats.org/presentationml/2006/main">
   <p:cSld>
     <p:spTree>
@@ -17817,112 +18201,6 @@
           <a:lstStyle/>
           <a:p>
             <a:r>
-              <a:rPr lang="en-US" altLang="ko-KR" dirty="0"/>
-              <a:t>Concurrency in CUDA C</a:t>
-            </a:r>
-            <a:endParaRPr lang="ko-KR" altLang="en-US" dirty="0"/>
-          </a:p>
-        </p:txBody>
-      </p:sp>
-      <p:sp>
-        <p:nvSpPr>
-          <p:cNvPr id="3" name="내용 개체 틀 2"/>
-          <p:cNvSpPr>
-            <a:spLocks noGrp="1"/>
-          </p:cNvSpPr>
-          <p:nvPr>
-            <p:ph idx="1"/>
-          </p:nvPr>
-        </p:nvSpPr>
-        <p:spPr/>
-        <p:txBody>
-          <a:bodyPr/>
-          <a:lstStyle/>
-          <a:p>
-            <a:r>
-              <a:rPr lang="en-US" altLang="ko-KR" dirty="0"/>
-              <a:t>Kernel level concurrency:</a:t>
-            </a:r>
-          </a:p>
-          <a:p>
-            <a:pPr marL="0" indent="0">
-              <a:buNone/>
-            </a:pPr>
-            <a:r>
-              <a:rPr lang="en-US" altLang="ko-KR" dirty="0"/>
-              <a:t>   A kernel executed in parallel by many threads.</a:t>
-            </a:r>
-          </a:p>
-          <a:p>
-            <a:pPr marL="0" indent="0">
-              <a:buNone/>
-            </a:pPr>
-            <a:endParaRPr lang="en-US" altLang="ko-KR" dirty="0"/>
-          </a:p>
-          <a:p>
-            <a:r>
-              <a:rPr lang="en-US" altLang="ko-KR" dirty="0"/>
-              <a:t>Grid level concurrency:</a:t>
-            </a:r>
-          </a:p>
-          <a:p>
-            <a:pPr marL="0" indent="0">
-              <a:buNone/>
-            </a:pPr>
-            <a:r>
-              <a:rPr lang="en-US" altLang="ko-KR" dirty="0"/>
-              <a:t>   Multiple kernels are executed simultaneously on a single device.</a:t>
-            </a:r>
-            <a:endParaRPr lang="ko-KR" altLang="en-US" dirty="0"/>
-          </a:p>
-        </p:txBody>
-      </p:sp>
-    </p:spTree>
-    <p:extLst>
-      <p:ext uri="{BB962C8B-B14F-4D97-AF65-F5344CB8AC3E}">
-        <p14:creationId xmlns:p14="http://schemas.microsoft.com/office/powerpoint/2010/main" val="4117946415"/>
-      </p:ext>
-    </p:extLst>
-  </p:cSld>
-  <p:clrMapOvr>
-    <a:masterClrMapping/>
-  </p:clrMapOvr>
-</p:sld>
-</file>
-
-<file path=ppt/slides/slide60.xml><?xml version="1.0" encoding="utf-8"?>
-<p:sld xmlns:a="http://schemas.openxmlformats.org/drawingml/2006/main" xmlns:r="http://schemas.openxmlformats.org/officeDocument/2006/relationships" xmlns:p="http://schemas.openxmlformats.org/presentationml/2006/main">
-  <p:cSld>
-    <p:spTree>
-      <p:nvGrpSpPr>
-        <p:cNvPr id="1" name=""/>
-        <p:cNvGrpSpPr/>
-        <p:nvPr/>
-      </p:nvGrpSpPr>
-      <p:grpSpPr>
-        <a:xfrm>
-          <a:off x="0" y="0"/>
-          <a:ext cx="0" cy="0"/>
-          <a:chOff x="0" y="0"/>
-          <a:chExt cx="0" cy="0"/>
-        </a:xfrm>
-      </p:grpSpPr>
-      <p:sp>
-        <p:nvSpPr>
-          <p:cNvPr id="2" name="제목 1"/>
-          <p:cNvSpPr>
-            <a:spLocks noGrp="1"/>
-          </p:cNvSpPr>
-          <p:nvPr>
-            <p:ph type="title"/>
-          </p:nvPr>
-        </p:nvSpPr>
-        <p:spPr/>
-        <p:txBody>
-          <a:bodyPr/>
-          <a:lstStyle/>
-          <a:p>
-            <a:r>
               <a:rPr lang="en-US" altLang="ko-KR" sz="3600" dirty="0"/>
               <a:t>Overlapping GPU and CPU Execution</a:t>
             </a:r>
@@ -17966,7 +18244,7 @@
 </p:sld>
 </file>
 
-<file path=ppt/slides/slide61.xml><?xml version="1.0" encoding="utf-8"?>
+<file path=ppt/slides/slide63.xml><?xml version="1.0" encoding="utf-8"?>
 <p:sld xmlns:a="http://schemas.openxmlformats.org/drawingml/2006/main" xmlns:r="http://schemas.openxmlformats.org/officeDocument/2006/relationships" xmlns:p="http://schemas.openxmlformats.org/presentationml/2006/main">
   <p:cSld>
     <p:spTree>
@@ -18065,7 +18343,7 @@
 </p:sld>
 </file>
 
-<file path=ppt/slides/slide62.xml><?xml version="1.0" encoding="utf-8"?>
+<file path=ppt/slides/slide64.xml><?xml version="1.0" encoding="utf-8"?>
 <p:sld xmlns:a="http://schemas.openxmlformats.org/drawingml/2006/main" xmlns:r="http://schemas.openxmlformats.org/officeDocument/2006/relationships" xmlns:p="http://schemas.openxmlformats.org/presentationml/2006/main">
   <p:cSld>
     <p:spTree>
@@ -18210,7 +18488,7 @@
 </p:sld>
 </file>
 
-<file path=ppt/slides/slide63.xml><?xml version="1.0" encoding="utf-8"?>
+<file path=ppt/slides/slide65.xml><?xml version="1.0" encoding="utf-8"?>
 <p:sld xmlns:a="http://schemas.openxmlformats.org/drawingml/2006/main" xmlns:r="http://schemas.openxmlformats.org/officeDocument/2006/relationships" xmlns:p="http://schemas.openxmlformats.org/presentationml/2006/main">
   <p:cSld>
     <p:spTree>
@@ -18536,7 +18814,7 @@
 </p:sld>
 </file>
 
-<file path=ppt/slides/slide64.xml><?xml version="1.0" encoding="utf-8"?>
+<file path=ppt/slides/slide66.xml><?xml version="1.0" encoding="utf-8"?>
 <p:sld xmlns:a="http://schemas.openxmlformats.org/drawingml/2006/main" xmlns:r="http://schemas.openxmlformats.org/officeDocument/2006/relationships" xmlns:p="http://schemas.openxmlformats.org/presentationml/2006/main">
   <p:cSld>
     <p:spTree>

--- a/gpu/EE817 Lecture 9  Streams and Events.pptx
+++ b/gpu/EE817 Lecture 9  Streams and Events.pptx
@@ -5,10 +5,10 @@
     <p:sldMasterId id="2147483660" r:id="rId1"/>
   </p:sldMasterIdLst>
   <p:notesMasterIdLst>
-    <p:notesMasterId r:id="rId68"/>
+    <p:notesMasterId r:id="rId70"/>
   </p:notesMasterIdLst>
   <p:handoutMasterIdLst>
-    <p:handoutMasterId r:id="rId69"/>
+    <p:handoutMasterId r:id="rId71"/>
   </p:handoutMasterIdLst>
   <p:sldIdLst>
     <p:sldId id="282" r:id="rId2"/>
@@ -34,49 +34,51 @@
     <p:sldId id="299" r:id="rId22"/>
     <p:sldId id="302" r:id="rId23"/>
     <p:sldId id="309" r:id="rId24"/>
-    <p:sldId id="310" r:id="rId25"/>
-    <p:sldId id="357" r:id="rId26"/>
-    <p:sldId id="311" r:id="rId27"/>
-    <p:sldId id="324" r:id="rId28"/>
-    <p:sldId id="355" r:id="rId29"/>
-    <p:sldId id="325" r:id="rId30"/>
-    <p:sldId id="326" r:id="rId31"/>
-    <p:sldId id="327" r:id="rId32"/>
-    <p:sldId id="328" r:id="rId33"/>
-    <p:sldId id="312" r:id="rId34"/>
-    <p:sldId id="314" r:id="rId35"/>
-    <p:sldId id="356" r:id="rId36"/>
-    <p:sldId id="315" r:id="rId37"/>
-    <p:sldId id="316" r:id="rId38"/>
-    <p:sldId id="317" r:id="rId39"/>
-    <p:sldId id="318" r:id="rId40"/>
-    <p:sldId id="322" r:id="rId41"/>
-    <p:sldId id="319" r:id="rId42"/>
-    <p:sldId id="329" r:id="rId43"/>
-    <p:sldId id="353" r:id="rId44"/>
-    <p:sldId id="333" r:id="rId45"/>
-    <p:sldId id="340" r:id="rId46"/>
-    <p:sldId id="330" r:id="rId47"/>
-    <p:sldId id="332" r:id="rId48"/>
-    <p:sldId id="341" r:id="rId49"/>
-    <p:sldId id="331" r:id="rId50"/>
-    <p:sldId id="342" r:id="rId51"/>
-    <p:sldId id="334" r:id="rId52"/>
-    <p:sldId id="343" r:id="rId53"/>
-    <p:sldId id="344" r:id="rId54"/>
-    <p:sldId id="345" r:id="rId55"/>
-    <p:sldId id="335" r:id="rId56"/>
-    <p:sldId id="346" r:id="rId57"/>
-    <p:sldId id="347" r:id="rId58"/>
-    <p:sldId id="348" r:id="rId59"/>
-    <p:sldId id="336" r:id="rId60"/>
-    <p:sldId id="349" r:id="rId61"/>
-    <p:sldId id="337" r:id="rId62"/>
-    <p:sldId id="350" r:id="rId63"/>
-    <p:sldId id="338" r:id="rId64"/>
-    <p:sldId id="351" r:id="rId65"/>
-    <p:sldId id="352" r:id="rId66"/>
-    <p:sldId id="339" r:id="rId67"/>
+    <p:sldId id="358" r:id="rId25"/>
+    <p:sldId id="359" r:id="rId26"/>
+    <p:sldId id="310" r:id="rId27"/>
+    <p:sldId id="357" r:id="rId28"/>
+    <p:sldId id="311" r:id="rId29"/>
+    <p:sldId id="324" r:id="rId30"/>
+    <p:sldId id="355" r:id="rId31"/>
+    <p:sldId id="325" r:id="rId32"/>
+    <p:sldId id="326" r:id="rId33"/>
+    <p:sldId id="327" r:id="rId34"/>
+    <p:sldId id="328" r:id="rId35"/>
+    <p:sldId id="312" r:id="rId36"/>
+    <p:sldId id="314" r:id="rId37"/>
+    <p:sldId id="356" r:id="rId38"/>
+    <p:sldId id="315" r:id="rId39"/>
+    <p:sldId id="316" r:id="rId40"/>
+    <p:sldId id="317" r:id="rId41"/>
+    <p:sldId id="318" r:id="rId42"/>
+    <p:sldId id="322" r:id="rId43"/>
+    <p:sldId id="319" r:id="rId44"/>
+    <p:sldId id="329" r:id="rId45"/>
+    <p:sldId id="353" r:id="rId46"/>
+    <p:sldId id="333" r:id="rId47"/>
+    <p:sldId id="340" r:id="rId48"/>
+    <p:sldId id="330" r:id="rId49"/>
+    <p:sldId id="332" r:id="rId50"/>
+    <p:sldId id="341" r:id="rId51"/>
+    <p:sldId id="331" r:id="rId52"/>
+    <p:sldId id="342" r:id="rId53"/>
+    <p:sldId id="334" r:id="rId54"/>
+    <p:sldId id="343" r:id="rId55"/>
+    <p:sldId id="344" r:id="rId56"/>
+    <p:sldId id="345" r:id="rId57"/>
+    <p:sldId id="335" r:id="rId58"/>
+    <p:sldId id="346" r:id="rId59"/>
+    <p:sldId id="347" r:id="rId60"/>
+    <p:sldId id="348" r:id="rId61"/>
+    <p:sldId id="336" r:id="rId62"/>
+    <p:sldId id="349" r:id="rId63"/>
+    <p:sldId id="337" r:id="rId64"/>
+    <p:sldId id="350" r:id="rId65"/>
+    <p:sldId id="338" r:id="rId66"/>
+    <p:sldId id="351" r:id="rId67"/>
+    <p:sldId id="352" r:id="rId68"/>
+    <p:sldId id="339" r:id="rId69"/>
   </p:sldIdLst>
   <p:sldSz cx="9144000" cy="6858000" type="screen4x3"/>
   <p:notesSz cx="9874250" cy="6797675"/>
@@ -310,7 +312,7 @@
           <a:p>
             <a:fld id="{0958D145-3F61-4970-8B92-DDA610F3EB4F}" type="datetimeFigureOut">
               <a:rPr lang="ko-KR" altLang="en-US" smtClean="0"/>
-              <a:t>2017-05-07</a:t>
+              <a:t>2017-06-14</a:t>
             </a:fld>
             <a:endParaRPr lang="ko-KR" altLang="en-US"/>
           </a:p>
@@ -505,7 +507,7 @@
               <a:pPr>
                 <a:defRPr/>
               </a:pPr>
-              <a:t>2017-05-06</a:t>
+              <a:t>2017-06-14</a:t>
             </a:fld>
             <a:endParaRPr lang="ko-KR" altLang="en-US"/>
           </a:p>
@@ -1277,7 +1279,7 @@
               <a:pPr>
                 <a:defRPr/>
               </a:pPr>
-              <a:t>5/6/2017</a:t>
+              <a:t>6/14/2017</a:t>
             </a:fld>
             <a:endParaRPr lang="en-US" altLang="ko-KR"/>
           </a:p>
@@ -1479,7 +1481,7 @@
               <a:pPr>
                 <a:defRPr/>
               </a:pPr>
-              <a:t>5/6/2017</a:t>
+              <a:t>6/14/2017</a:t>
             </a:fld>
             <a:endParaRPr lang="en-US" altLang="ko-KR"/>
           </a:p>
@@ -1912,7 +1914,7 @@
               <a:pPr>
                 <a:defRPr/>
               </a:pPr>
-              <a:t>5/6/2017</a:t>
+              <a:t>6/14/2017</a:t>
             </a:fld>
             <a:endParaRPr lang="en-US" altLang="ko-KR"/>
           </a:p>
@@ -2109,7 +2111,7 @@
               <a:pPr>
                 <a:defRPr/>
               </a:pPr>
-              <a:t>5/6/2017</a:t>
+              <a:t>6/14/2017</a:t>
             </a:fld>
             <a:endParaRPr lang="en-US" altLang="ko-KR"/>
           </a:p>
@@ -2624,7 +2626,7 @@
               <a:pPr>
                 <a:defRPr/>
               </a:pPr>
-              <a:t>5/6/2017</a:t>
+              <a:t>6/14/2017</a:t>
             </a:fld>
             <a:endParaRPr lang="en-US" altLang="ko-KR"/>
           </a:p>
@@ -2939,7 +2941,7 @@
               <a:pPr>
                 <a:defRPr/>
               </a:pPr>
-              <a:t>5/6/2017</a:t>
+              <a:t>6/14/2017</a:t>
             </a:fld>
             <a:endParaRPr lang="en-US" altLang="ko-KR"/>
           </a:p>
@@ -3442,7 +3444,7 @@
               <a:pPr>
                 <a:defRPr/>
               </a:pPr>
-              <a:t>5/6/2017</a:t>
+              <a:t>6/14/2017</a:t>
             </a:fld>
             <a:endParaRPr lang="en-US" altLang="ko-KR"/>
           </a:p>
@@ -3830,7 +3832,7 @@
               <a:pPr>
                 <a:defRPr/>
               </a:pPr>
-              <a:t>5/6/2017</a:t>
+              <a:t>6/14/2017</a:t>
             </a:fld>
             <a:endParaRPr lang="en-US" altLang="ko-KR"/>
           </a:p>
@@ -4288,7 +4290,7 @@
               <a:pPr>
                 <a:defRPr/>
               </a:pPr>
-              <a:t>5/6/2017</a:t>
+              <a:t>6/14/2017</a:t>
             </a:fld>
             <a:endParaRPr lang="en-US" altLang="ko-KR"/>
           </a:p>
@@ -4586,7 +4588,7 @@
               <a:pPr>
                 <a:defRPr/>
               </a:pPr>
-              <a:t>5/6/2017</a:t>
+              <a:t>6/14/2017</a:t>
             </a:fld>
             <a:endParaRPr lang="en-US" altLang="ko-KR"/>
           </a:p>
@@ -4916,7 +4918,7 @@
               <a:pPr>
                 <a:defRPr/>
               </a:pPr>
-              <a:t>5/6/2017</a:t>
+              <a:t>6/14/2017</a:t>
             </a:fld>
             <a:endParaRPr lang="en-US" altLang="ko-KR"/>
           </a:p>
@@ -5434,7 +5436,7 @@
               <a:pPr>
                 <a:defRPr/>
               </a:pPr>
-              <a:t>5/6/2017</a:t>
+              <a:t>6/14/2017</a:t>
             </a:fld>
             <a:endParaRPr lang="en-US" altLang="ko-KR"/>
           </a:p>
@@ -6957,14 +6959,7 @@
             </a:pPr>
             <a:r>
               <a:rPr lang="en-US" altLang="ko-KR" sz="2400" dirty="0"/>
-              <a:t>forces the host to block until all operations in the provided stream have</a:t>
-            </a:r>
-            <a:br>
-              <a:rPr lang="en-US" altLang="ko-KR" sz="2400" dirty="0"/>
-            </a:br>
-            <a:r>
-              <a:rPr lang="en-US" altLang="ko-KR" sz="2400" dirty="0"/>
-              <a:t>completed</a:t>
+              <a:t>forces the host to block until all operations in the provided stream have completed</a:t>
             </a:r>
             <a:r>
               <a:rPr lang="en-US" altLang="ko-KR" sz="2000" dirty="0"/>
@@ -7007,15 +7002,7 @@
             </a:pPr>
             <a:r>
               <a:rPr lang="en-US" altLang="ko-KR" sz="2400" dirty="0"/>
-              <a:t>checks if all operations in a stream have completed, but does </a:t>
-            </a:r>
-            <a:r>
-              <a:rPr lang="en-US" altLang="ko-KR" sz="2400" dirty="0" err="1"/>
-              <a:t>notb</a:t>
-            </a:r>
-            <a:r>
-              <a:rPr lang="en-US" altLang="ko-KR" sz="2400" dirty="0"/>
-              <a:t> block the host if they have not completed</a:t>
+              <a:t>checks if all operations in a stream have completed, but does not block the host if they have not completed</a:t>
             </a:r>
           </a:p>
           <a:p>
@@ -9713,7 +9700,7 @@
           <a:p>
             <a:r>
               <a:rPr lang="en-US" altLang="ko-KR" dirty="0"/>
-              <a:t>Blocking and Non-Blocking Streams</a:t>
+              <a:t>Stream Synchronization</a:t>
             </a:r>
             <a:endParaRPr lang="ko-KR" altLang="en-US" dirty="0"/>
           </a:p>
@@ -9735,67 +9722,62 @@
           <a:lstStyle/>
           <a:p>
             <a:r>
-              <a:rPr lang="en-US" altLang="ko-KR" sz="2400" dirty="0"/>
-              <a:t>Non-NULL streams are non-blocking with respect to the host, but operations within a non-Null stream can be blocked by operations in the NULL stream. If a non-NULL stream is a blocking stream, the NULL stream can block operations in it.</a:t>
-            </a:r>
-          </a:p>
-          <a:p>
-            <a:endParaRPr lang="en-US" altLang="ko-KR" sz="2400" dirty="0"/>
-          </a:p>
-          <a:p>
-            <a:r>
-              <a:rPr lang="en-US" altLang="ko-KR" sz="2400" b="1" dirty="0"/>
-              <a:t>kernel_1&lt;&lt;&lt;1,1,0,stream_1&gt;&gt;&gt;();</a:t>
-            </a:r>
-          </a:p>
-          <a:p>
-            <a:pPr marL="0" indent="0">
-              <a:buNone/>
-            </a:pPr>
-            <a:r>
-              <a:rPr lang="en-US" altLang="ko-KR" sz="2400" b="1" dirty="0"/>
-              <a:t>    kernel_2&lt;&lt;&lt;1,1&gt;&gt;&gt;();</a:t>
-            </a:r>
-          </a:p>
-          <a:p>
-            <a:pPr marL="0" indent="0">
-              <a:buNone/>
-            </a:pPr>
-            <a:r>
-              <a:rPr lang="en-US" altLang="ko-KR" sz="2400" b="1" dirty="0"/>
-              <a:t>    kernel_3&lt;&lt;&lt;1,1,0,stream_2&gt;&gt;&gt;();</a:t>
-            </a:r>
-          </a:p>
-          <a:p>
-            <a:pPr marL="0" indent="0">
-              <a:buNone/>
-            </a:pPr>
-            <a:r>
-              <a:rPr lang="en-US" altLang="ko-KR" sz="2400" dirty="0"/>
-              <a:t>	-kernel_2 does not start executing until kernel_1 completes</a:t>
-            </a:r>
-          </a:p>
-          <a:p>
-            <a:pPr marL="0" indent="0">
-              <a:buNone/>
-            </a:pPr>
-            <a:r>
-              <a:rPr lang="en-US" altLang="ko-KR" sz="2400" dirty="0"/>
-              <a:t>            and kernel_3 does not start until kernel_2 completes.</a:t>
-            </a:r>
-          </a:p>
-          <a:p>
-            <a:pPr marL="0" indent="0">
-              <a:buNone/>
-            </a:pPr>
-            <a:endParaRPr lang="ko-KR" altLang="en-US" sz="2400" dirty="0"/>
+              <a:rPr lang="en-US" altLang="ko-KR" sz="2800" dirty="0"/>
+              <a:t>non-null stream</a:t>
+            </a:r>
+          </a:p>
+          <a:p>
+            <a:pPr>
+              <a:buFontTx/>
+              <a:buChar char="-"/>
+            </a:pPr>
+            <a:r>
+              <a:rPr lang="en-US" altLang="ko-KR" sz="2800" dirty="0"/>
+              <a:t>Asynchronous stream with respect to the host</a:t>
+            </a:r>
+          </a:p>
+          <a:p>
+            <a:pPr>
+              <a:buFontTx/>
+              <a:buChar char="-"/>
+            </a:pPr>
+            <a:r>
+              <a:rPr lang="en-US" altLang="ko-KR" sz="2800" dirty="0"/>
+              <a:t>All operations applied to it do not block host execution.</a:t>
+            </a:r>
+          </a:p>
+          <a:p>
+            <a:r>
+              <a:rPr lang="en-US" altLang="ko-KR" sz="2800" dirty="0"/>
+              <a:t>NULL stream</a:t>
+            </a:r>
+          </a:p>
+          <a:p>
+            <a:pPr>
+              <a:buFontTx/>
+              <a:buChar char="-"/>
+            </a:pPr>
+            <a:r>
+              <a:rPr lang="en-US" altLang="ko-KR" sz="2800" dirty="0"/>
+              <a:t>Synchronous stream with respect to the host.</a:t>
+            </a:r>
+          </a:p>
+          <a:p>
+            <a:pPr>
+              <a:buFontTx/>
+              <a:buChar char="-"/>
+            </a:pPr>
+            <a:r>
+              <a:rPr lang="en-US" altLang="ko-KR" sz="2800" dirty="0"/>
+              <a:t>Most operations added to the NULL stream cause the host to block on all preceding operations, the main exception being kernel launches.</a:t>
+            </a:r>
           </a:p>
         </p:txBody>
       </p:sp>
     </p:spTree>
     <p:extLst>
       <p:ext uri="{BB962C8B-B14F-4D97-AF65-F5344CB8AC3E}">
-        <p14:creationId xmlns:p14="http://schemas.microsoft.com/office/powerpoint/2010/main" val="1117612348"/>
+        <p14:creationId xmlns:p14="http://schemas.microsoft.com/office/powerpoint/2010/main" val="2648713835"/>
       </p:ext>
     </p:extLst>
   </p:cSld>
@@ -9839,7 +9821,7 @@
           <a:p>
             <a:r>
               <a:rPr lang="en-US" altLang="ko-KR" dirty="0"/>
-              <a:t>Blocking and Non-Blocking Streams</a:t>
+              <a:t>Stream Synchronization</a:t>
             </a:r>
             <a:endParaRPr lang="ko-KR" altLang="en-US" dirty="0"/>
           </a:p>
@@ -9861,73 +9843,69 @@
           <a:lstStyle/>
           <a:p>
             <a:r>
-              <a:rPr lang="en-US" altLang="ko-KR" sz="2400" dirty="0"/>
-              <a:t>The NULL stream is an implicit stream, which synchronizes with all other blocking streams</a:t>
-            </a:r>
-            <a:br>
-              <a:rPr lang="en-US" altLang="ko-KR" sz="2400" dirty="0"/>
-            </a:br>
-            <a:r>
-              <a:rPr lang="en-US" altLang="ko-KR" sz="2400" dirty="0"/>
-              <a:t>in the same CUDA context</a:t>
-            </a:r>
-            <a:r>
-              <a:rPr lang="en-US" altLang="ko-KR" sz="1800" dirty="0"/>
-              <a:t> </a:t>
-            </a:r>
-            <a:br>
-              <a:rPr lang="en-US" altLang="ko-KR" sz="1800" dirty="0"/>
-            </a:br>
-            <a:endParaRPr lang="en-US" altLang="ko-KR" sz="1800" dirty="0"/>
-          </a:p>
-          <a:p>
-            <a:r>
-              <a:rPr lang="en-US" altLang="ko-KR" sz="2400" dirty="0"/>
-              <a:t>when an operation is issued to the NULL stream, the CUDA</a:t>
-            </a:r>
-            <a:br>
-              <a:rPr lang="en-US" altLang="ko-KR" sz="2400" dirty="0"/>
-            </a:br>
-            <a:r>
-              <a:rPr lang="en-US" altLang="ko-KR" sz="2400" dirty="0"/>
-              <a:t>context waits on all operations previously issued to all blocking streams before starting that operation</a:t>
-            </a:r>
-            <a:r>
-              <a:rPr lang="en-US" altLang="ko-KR" sz="1800" dirty="0"/>
-              <a:t> </a:t>
-            </a:r>
-            <a:br>
-              <a:rPr lang="en-US" altLang="ko-KR" sz="1800" dirty="0"/>
-            </a:br>
-            <a:endParaRPr lang="en-US" altLang="ko-KR" sz="1800" dirty="0"/>
-          </a:p>
-          <a:p>
-            <a:r>
-              <a:rPr lang="en-US" altLang="ko-KR" sz="2400" dirty="0"/>
-              <a:t>any operations issued to blocking streams will wait on preceding operations in the NULL</a:t>
-            </a:r>
-            <a:br>
-              <a:rPr lang="en-US" altLang="ko-KR" sz="2400" dirty="0"/>
-            </a:br>
-            <a:r>
-              <a:rPr lang="en-US" altLang="ko-KR" sz="2400" dirty="0"/>
-              <a:t>stream to complete before executing.</a:t>
-            </a:r>
-            <a:r>
-              <a:rPr lang="en-US" altLang="ko-KR" sz="1800" dirty="0"/>
-              <a:t> </a:t>
-            </a:r>
-            <a:br>
-              <a:rPr lang="en-US" altLang="ko-KR" sz="1800" dirty="0"/>
-            </a:br>
-            <a:endParaRPr lang="ko-KR" altLang="en-US" sz="1800" dirty="0"/>
+              <a:rPr lang="en-US" altLang="ko-KR" sz="2800" dirty="0"/>
+              <a:t>Blocking stream</a:t>
+            </a:r>
+          </a:p>
+          <a:p>
+            <a:pPr marL="0" indent="0">
+              <a:buNone/>
+            </a:pPr>
+            <a:r>
+              <a:rPr lang="en-US" altLang="ko-KR" sz="2800" dirty="0"/>
+              <a:t>- Null stream</a:t>
+            </a:r>
+            <a:r>
+              <a:rPr lang="ko-KR" altLang="en-US" sz="2800" dirty="0"/>
+              <a:t>과 </a:t>
+            </a:r>
+            <a:r>
+              <a:rPr lang="en-US" altLang="ko-KR" sz="2800" dirty="0"/>
+              <a:t>sync</a:t>
+            </a:r>
+            <a:r>
+              <a:rPr lang="ko-KR" altLang="en-US" sz="2800" dirty="0"/>
+              <a:t>을 </a:t>
+            </a:r>
+            <a:r>
+              <a:rPr lang="ko-KR" altLang="en-US" sz="2800" dirty="0" err="1"/>
+              <a:t>맞춰야한다</a:t>
+            </a:r>
+            <a:r>
+              <a:rPr lang="en-US" altLang="ko-KR" sz="2800" dirty="0"/>
+              <a:t>.</a:t>
+            </a:r>
+          </a:p>
+          <a:p>
+            <a:pPr marL="514350" indent="-457200"/>
+            <a:r>
+              <a:rPr lang="en-US" altLang="ko-KR" sz="2800" dirty="0"/>
+              <a:t>Non-blocking stream</a:t>
+            </a:r>
+          </a:p>
+          <a:p>
+            <a:pPr marL="57150" indent="0">
+              <a:buNone/>
+            </a:pPr>
+            <a:r>
+              <a:rPr lang="en-US" altLang="ko-KR" sz="2800" dirty="0"/>
+              <a:t>- Null stream</a:t>
+            </a:r>
+            <a:r>
+              <a:rPr lang="ko-KR" altLang="en-US" sz="2800" dirty="0"/>
+              <a:t> 신경 </a:t>
+            </a:r>
+            <a:r>
+              <a:rPr lang="en-US" altLang="ko-KR" sz="2800" dirty="0"/>
+              <a:t>x</a:t>
+            </a:r>
           </a:p>
         </p:txBody>
       </p:sp>
     </p:spTree>
     <p:extLst>
       <p:ext uri="{BB962C8B-B14F-4D97-AF65-F5344CB8AC3E}">
-        <p14:creationId xmlns:p14="http://schemas.microsoft.com/office/powerpoint/2010/main" val="4022178279"/>
+        <p14:creationId xmlns:p14="http://schemas.microsoft.com/office/powerpoint/2010/main" val="3419495931"/>
       </p:ext>
     </p:extLst>
   </p:cSld>
@@ -9956,6 +9934,29 @@
       </p:grpSpPr>
       <p:sp>
         <p:nvSpPr>
+          <p:cNvPr id="2" name="제목 1"/>
+          <p:cNvSpPr>
+            <a:spLocks noGrp="1"/>
+          </p:cNvSpPr>
+          <p:nvPr>
+            <p:ph type="title"/>
+          </p:nvPr>
+        </p:nvSpPr>
+        <p:spPr/>
+        <p:txBody>
+          <a:bodyPr/>
+          <a:lstStyle/>
+          <a:p>
+            <a:r>
+              <a:rPr lang="en-US" altLang="ko-KR" dirty="0"/>
+              <a:t>Blocking and Non-Blocking Streams</a:t>
+            </a:r>
+            <a:endParaRPr lang="ko-KR" altLang="en-US" dirty="0"/>
+          </a:p>
+        </p:txBody>
+      </p:sp>
+      <p:sp>
+        <p:nvSpPr>
           <p:cNvPr id="3" name="내용 개체 틀 2"/>
           <p:cNvSpPr>
             <a:spLocks noGrp="1"/>
@@ -9964,204 +9965,90 @@
             <p:ph idx="1"/>
           </p:nvPr>
         </p:nvSpPr>
-        <p:spPr/>
+        <p:spPr>
+          <a:xfrm>
+            <a:off x="457200" y="1600200"/>
+            <a:ext cx="8229600" cy="4709120"/>
+          </a:xfrm>
+        </p:spPr>
         <p:txBody>
           <a:bodyPr/>
           <a:lstStyle/>
           <a:p>
-            <a:pPr marL="0" indent="0">
-              <a:buNone/>
-            </a:pPr>
-            <a:r>
-              <a:rPr lang="en-US" altLang="ko-KR" sz="2400" b="1" dirty="0" err="1"/>
-              <a:t>cudaError_t</a:t>
-            </a:r>
+            <a:r>
+              <a:rPr lang="en-US" altLang="ko-KR" sz="2400" dirty="0"/>
+              <a:t>Non-NULL streams are non-blocking with respect to the host, but operations within a non-Null stream can be blocked by operations in the NULL stream. If a non-NULL stream is a blocking stream, the NULL stream can block operations in it.</a:t>
+            </a:r>
+          </a:p>
+          <a:p>
+            <a:pPr marL="0" indent="0">
+              <a:buNone/>
+            </a:pPr>
+            <a:endParaRPr lang="en-US" altLang="ko-KR" sz="2400" dirty="0"/>
+          </a:p>
+          <a:p>
+            <a:pPr marL="0" indent="0">
+              <a:buNone/>
+            </a:pPr>
+            <a:r>
+              <a:rPr lang="en-US" altLang="ko-KR" sz="2400" dirty="0"/>
+              <a:t>&lt; stream_1 &amp; stream_2 blocking streams&gt;</a:t>
+            </a:r>
+          </a:p>
+          <a:p>
             <a:r>
               <a:rPr lang="en-US" altLang="ko-KR" sz="2400" b="1" dirty="0"/>
-              <a:t> </a:t>
-            </a:r>
-            <a:r>
-              <a:rPr lang="en-US" altLang="ko-KR" sz="2400" b="1" dirty="0" err="1"/>
-              <a:t>cudaStreamCreateWithFlags</a:t>
-            </a:r>
+              <a:t>kernel_1&lt;&lt;&lt;1,1,0,stream_1&gt;&gt;&gt;();</a:t>
+            </a:r>
+          </a:p>
+          <a:p>
+            <a:pPr marL="0" indent="0">
+              <a:buNone/>
+            </a:pPr>
             <a:r>
               <a:rPr lang="en-US" altLang="ko-KR" sz="2400" b="1" dirty="0"/>
-              <a:t>(</a:t>
-            </a:r>
-            <a:r>
-              <a:rPr lang="en-US" altLang="ko-KR" sz="2400" b="1" dirty="0" err="1"/>
-              <a:t>cudaStream_t</a:t>
-            </a:r>
+              <a:t>    kernel_2&lt;&lt;&lt;1,1&gt;&gt;&gt;();</a:t>
+            </a:r>
+          </a:p>
+          <a:p>
+            <a:pPr marL="0" indent="0">
+              <a:buNone/>
+            </a:pPr>
             <a:r>
               <a:rPr lang="en-US" altLang="ko-KR" sz="2400" b="1" dirty="0"/>
-              <a:t>* </a:t>
-            </a:r>
-            <a:r>
-              <a:rPr lang="en-US" altLang="ko-KR" sz="2400" b="1" dirty="0" err="1"/>
-              <a:t>pStream</a:t>
-            </a:r>
-            <a:r>
-              <a:rPr lang="en-US" altLang="ko-KR" sz="2400" b="1" dirty="0"/>
-              <a:t>, unsigned </a:t>
-            </a:r>
-            <a:r>
-              <a:rPr lang="en-US" altLang="ko-KR" sz="2400" b="1" dirty="0" err="1"/>
-              <a:t>int</a:t>
-            </a:r>
-            <a:r>
-              <a:rPr lang="en-US" altLang="ko-KR" sz="2400" b="1" dirty="0"/>
-              <a:t> </a:t>
-            </a:r>
-            <a:r>
-              <a:rPr lang="en-US" altLang="ko-KR" sz="2400" b="1" dirty="0">
-                <a:solidFill>
-                  <a:srgbClr val="FF0000"/>
-                </a:solidFill>
-              </a:rPr>
-              <a:t>flags</a:t>
-            </a:r>
-            <a:r>
-              <a:rPr lang="en-US" altLang="ko-KR" sz="2400" b="1" dirty="0"/>
-              <a:t>);</a:t>
-            </a:r>
-          </a:p>
-          <a:p>
-            <a:pPr marL="0" indent="0">
-              <a:buNone/>
-            </a:pPr>
-            <a:r>
-              <a:rPr lang="en-US" altLang="ko-KR" sz="2400" b="1" u="sng" dirty="0">
-                <a:solidFill>
-                  <a:srgbClr val="FF0000"/>
-                </a:solidFill>
-              </a:rPr>
-              <a:t>flags:</a:t>
-            </a:r>
-          </a:p>
-          <a:p>
-            <a:pPr marL="0" indent="0">
-              <a:buNone/>
-            </a:pPr>
-            <a:r>
-              <a:rPr lang="en-US" altLang="ko-KR" sz="2400" dirty="0" err="1">
-                <a:solidFill>
-                  <a:srgbClr val="00B050"/>
-                </a:solidFill>
-              </a:rPr>
-              <a:t>cudaStreamDefault</a:t>
-            </a:r>
+              <a:t>    kernel_3&lt;&lt;&lt;1,1,0,stream_2&gt;&gt;&gt;();</a:t>
+            </a:r>
+          </a:p>
+          <a:p>
+            <a:pPr marL="0" indent="0">
+              <a:buNone/>
+            </a:pPr>
             <a:r>
               <a:rPr lang="en-US" altLang="ko-KR" sz="2400" dirty="0"/>
-              <a:t>: default stream creating flag (blocking).</a:t>
-            </a:r>
-          </a:p>
-          <a:p>
-            <a:pPr marL="0" indent="0">
-              <a:buNone/>
-            </a:pPr>
-            <a:r>
-              <a:rPr lang="en-US" altLang="ko-KR" sz="2400" dirty="0" err="1"/>
-              <a:t>c</a:t>
-            </a:r>
-            <a:r>
-              <a:rPr lang="en-US" altLang="ko-KR" sz="2400" dirty="0" err="1">
-                <a:solidFill>
-                  <a:srgbClr val="00B050"/>
-                </a:solidFill>
-              </a:rPr>
-              <a:t>udaStreamNonBlocking</a:t>
-            </a:r>
+              <a:t>	-kernel_2 does not start executing until kernel_1 completes</a:t>
+            </a:r>
+          </a:p>
+          <a:p>
+            <a:pPr marL="0" indent="0">
+              <a:buNone/>
+            </a:pPr>
             <a:r>
               <a:rPr lang="en-US" altLang="ko-KR" sz="2400" dirty="0"/>
-              <a:t>: asynchronous stream creation flag(non-blocking). </a:t>
-            </a:r>
-            <a:r>
-              <a:rPr lang="en-US" altLang="ko-KR" sz="2400" dirty="0">
-                <a:solidFill>
-                  <a:srgbClr val="00B050"/>
-                </a:solidFill>
-              </a:rPr>
-              <a:t>It disables the blocking behavior of </a:t>
-            </a:r>
-            <a:r>
-              <a:rPr lang="en-US" altLang="ko-KR" sz="2400" dirty="0" err="1">
-                <a:solidFill>
-                  <a:srgbClr val="00B050"/>
-                </a:solidFill>
-              </a:rPr>
-              <a:t>non_NULL</a:t>
-            </a:r>
-            <a:r>
-              <a:rPr lang="en-US" altLang="ko-KR" sz="2400" dirty="0">
-                <a:solidFill>
-                  <a:srgbClr val="00B050"/>
-                </a:solidFill>
-              </a:rPr>
-              <a:t> streams relative to the NULL stream.</a:t>
-            </a:r>
-          </a:p>
-          <a:p>
-            <a:pPr marL="0" indent="0">
-              <a:buNone/>
-            </a:pPr>
-            <a:endParaRPr lang="en-US" altLang="ko-KR" sz="2400" dirty="0">
-              <a:solidFill>
-                <a:srgbClr val="00B050"/>
-              </a:solidFill>
-            </a:endParaRPr>
-          </a:p>
-          <a:p>
-            <a:r>
-              <a:rPr lang="en-US" altLang="ko-KR" sz="2400" dirty="0">
-                <a:solidFill>
-                  <a:srgbClr val="00B050"/>
-                </a:solidFill>
-              </a:rPr>
-              <a:t>If stream_1 and stream_2 in the previous slide were created with </a:t>
-            </a:r>
-            <a:r>
-              <a:rPr lang="en-US" altLang="ko-KR" sz="2400" dirty="0" err="1">
-                <a:solidFill>
-                  <a:srgbClr val="00B050"/>
-                </a:solidFill>
-              </a:rPr>
-              <a:t>cudaStreamNonBlocking</a:t>
-            </a:r>
-            <a:r>
-              <a:rPr lang="en-US" altLang="ko-KR" sz="2400" dirty="0">
-                <a:solidFill>
-                  <a:srgbClr val="00B050"/>
-                </a:solidFill>
-              </a:rPr>
-              <a:t>, non of the kernel executions would be blocked waiting for completion of any of the other kernels.</a:t>
-            </a:r>
-          </a:p>
-          <a:p>
-            <a:pPr marL="0" indent="0">
-              <a:buNone/>
-            </a:pPr>
-            <a:endParaRPr lang="en-US" altLang="ko-KR" sz="2400" dirty="0">
-              <a:solidFill>
-                <a:srgbClr val="00B050"/>
-              </a:solidFill>
-            </a:endParaRPr>
-          </a:p>
-          <a:p>
-            <a:pPr marL="0" indent="0">
-              <a:buNone/>
-            </a:pPr>
-            <a:endParaRPr lang="ko-KR" altLang="en-US" sz="2400" dirty="0">
-              <a:solidFill>
-                <a:srgbClr val="00B050"/>
-              </a:solidFill>
-            </a:endParaRPr>
+              <a:t>            and kernel_3 does not start until kernel_2 completes.</a:t>
+            </a:r>
+          </a:p>
+          <a:p>
+            <a:pPr marL="0" indent="0">
+              <a:buNone/>
+            </a:pPr>
+            <a:endParaRPr lang="ko-KR" altLang="en-US" sz="2400" dirty="0"/>
           </a:p>
         </p:txBody>
       </p:sp>
     </p:spTree>
     <p:extLst>
       <p:ext uri="{BB962C8B-B14F-4D97-AF65-F5344CB8AC3E}">
-        <p14:creationId xmlns:p14="http://schemas.microsoft.com/office/powerpoint/2010/main" val="2395981196"/>
+        <p14:creationId xmlns:p14="http://schemas.microsoft.com/office/powerpoint/2010/main" val="1117612348"/>
       </p:ext>
     </p:extLst>
   </p:cSld>
@@ -10205,7 +10092,7 @@
           <a:p>
             <a:r>
               <a:rPr lang="en-US" altLang="ko-KR" dirty="0"/>
-              <a:t>Implicit Synchronization</a:t>
+              <a:t>Blocking and Non-Blocking Streams</a:t>
             </a:r>
             <a:endParaRPr lang="ko-KR" altLang="en-US" dirty="0"/>
           </a:p>
@@ -10228,66 +10115,58 @@
           <a:p>
             <a:r>
               <a:rPr lang="en-US" altLang="ko-KR" sz="2400" dirty="0"/>
-              <a:t>Many memory related operations imply blocking on all previous operations on the current device:</a:t>
-            </a:r>
-          </a:p>
-          <a:p>
-            <a:pPr marL="0" indent="0">
-              <a:buNone/>
-            </a:pPr>
+              <a:t>The NULL stream is an implicit stream, which synchronizes with all other blocking streams in the same CUDA context</a:t>
+            </a:r>
+            <a:r>
+              <a:rPr lang="en-US" altLang="ko-KR" sz="1800" dirty="0"/>
+              <a:t> </a:t>
+            </a:r>
+            <a:br>
+              <a:rPr lang="en-US" altLang="ko-KR" sz="1800" dirty="0"/>
+            </a:br>
+            <a:endParaRPr lang="en-US" altLang="ko-KR" sz="1800" dirty="0"/>
+          </a:p>
+          <a:p>
             <a:r>
               <a:rPr lang="en-US" altLang="ko-KR" sz="2400" dirty="0"/>
-              <a:t>	-A page-locked host memory allocation</a:t>
-            </a:r>
-          </a:p>
-          <a:p>
-            <a:pPr marL="0" indent="0">
-              <a:buNone/>
-            </a:pPr>
-            <a:r>
+              <a:t>when an operation is issued to the NULL stream, the CUDA</a:t>
+            </a:r>
+            <a:br>
               <a:rPr lang="en-US" altLang="ko-KR" sz="2400" dirty="0"/>
-              <a:t>	-A device memory allocation</a:t>
-            </a:r>
-          </a:p>
-          <a:p>
-            <a:pPr marL="0" indent="0">
-              <a:buNone/>
-            </a:pPr>
+            </a:br>
             <a:r>
               <a:rPr lang="en-US" altLang="ko-KR" sz="2400" dirty="0"/>
-              <a:t>	-A device </a:t>
-            </a:r>
-            <a:r>
-              <a:rPr lang="en-US" altLang="ko-KR" sz="2400" dirty="0" err="1"/>
-              <a:t>memset</a:t>
-            </a:r>
-            <a:endParaRPr lang="en-US" altLang="ko-KR" sz="2400" dirty="0"/>
-          </a:p>
-          <a:p>
-            <a:pPr marL="0" indent="0">
-              <a:buNone/>
-            </a:pPr>
+              <a:t>context waits on all operations previously issued to all blocking streams before starting that operation</a:t>
+            </a:r>
+            <a:r>
+              <a:rPr lang="en-US" altLang="ko-KR" sz="1800" dirty="0"/>
+              <a:t> </a:t>
+            </a:r>
+            <a:br>
+              <a:rPr lang="en-US" altLang="ko-KR" sz="1800" dirty="0"/>
+            </a:br>
+            <a:endParaRPr lang="en-US" altLang="ko-KR" sz="1800" dirty="0"/>
+          </a:p>
+          <a:p>
             <a:r>
               <a:rPr lang="en-US" altLang="ko-KR" sz="2400" dirty="0"/>
-              <a:t>	-A memory copy between two addresses on the same 	   device</a:t>
-            </a:r>
-          </a:p>
-          <a:p>
-            <a:pPr marL="0" indent="0">
-              <a:buNone/>
-            </a:pPr>
-            <a:r>
-              <a:rPr lang="en-US" altLang="ko-KR" sz="2400" dirty="0"/>
-              <a:t>	-A modification to the L1/shared memory configuration</a:t>
-            </a:r>
-            <a:endParaRPr lang="ko-KR" altLang="en-US" sz="2400" dirty="0"/>
+              <a:t>any operations issued to blocking streams will wait on preceding operations in the NULL stream to complete before executing.</a:t>
+            </a:r>
+            <a:r>
+              <a:rPr lang="en-US" altLang="ko-KR" sz="1800" dirty="0"/>
+              <a:t> </a:t>
+            </a:r>
+            <a:br>
+              <a:rPr lang="en-US" altLang="ko-KR" sz="1800" dirty="0"/>
+            </a:br>
+            <a:endParaRPr lang="ko-KR" altLang="en-US" sz="1800" dirty="0"/>
           </a:p>
         </p:txBody>
       </p:sp>
     </p:spTree>
     <p:extLst>
       <p:ext uri="{BB962C8B-B14F-4D97-AF65-F5344CB8AC3E}">
-        <p14:creationId xmlns:p14="http://schemas.microsoft.com/office/powerpoint/2010/main" val="3560883784"/>
+        <p14:creationId xmlns:p14="http://schemas.microsoft.com/office/powerpoint/2010/main" val="4022178279"/>
       </p:ext>
     </p:extLst>
   </p:cSld>
@@ -10316,41 +10195,6 @@
       </p:grpSpPr>
       <p:sp>
         <p:nvSpPr>
-          <p:cNvPr id="2" name="제목 1"/>
-          <p:cNvSpPr>
-            <a:spLocks noGrp="1"/>
-          </p:cNvSpPr>
-          <p:nvPr>
-            <p:ph type="title"/>
-          </p:nvPr>
-        </p:nvSpPr>
-        <p:spPr>
-          <a:xfrm>
-            <a:off x="323528" y="188640"/>
-            <a:ext cx="8229600" cy="960438"/>
-          </a:xfrm>
-        </p:spPr>
-        <p:txBody>
-          <a:bodyPr/>
-          <a:lstStyle/>
-          <a:p>
-            <a:r>
-              <a:rPr lang="en-US" altLang="ko-KR" sz="3600" dirty="0"/>
-              <a:t>Configuring the Amount of Shared Memory</a:t>
-            </a:r>
-            <a:br>
-              <a:rPr lang="en-US" altLang="ko-KR" sz="3600" dirty="0"/>
-            </a:br>
-            <a:r>
-              <a:rPr lang="en-US" altLang="ko-KR" sz="3600" dirty="0"/>
-              <a:t>[Lecture 7 Shared Memory]</a:t>
-            </a:r>
-            <a:endParaRPr lang="ko-KR" altLang="en-US" sz="3600" dirty="0"/>
-          </a:p>
-        </p:txBody>
-      </p:sp>
-      <p:sp>
-        <p:nvSpPr>
           <p:cNvPr id="3" name="내용 개체 틀 2"/>
           <p:cNvSpPr>
             <a:spLocks noGrp="1"/>
@@ -10359,138 +10203,204 @@
             <p:ph idx="1"/>
           </p:nvPr>
         </p:nvSpPr>
-        <p:spPr>
-          <a:xfrm>
-            <a:off x="467544" y="1772816"/>
-            <a:ext cx="8229600" cy="4525963"/>
-          </a:xfrm>
-        </p:spPr>
+        <p:spPr/>
         <p:txBody>
           <a:bodyPr/>
           <a:lstStyle/>
           <a:p>
-            <a:r>
-              <a:rPr lang="en-US" altLang="ko-KR" sz="2800" dirty="0"/>
-              <a:t>Each SM has 64KBytes of on-chip memory which are shared by the Shared memory and L1 cache.</a:t>
-            </a:r>
-          </a:p>
-          <a:p>
-            <a:r>
-              <a:rPr lang="en-US" altLang="ko-KR" sz="2800" dirty="0"/>
-              <a:t>Per-device configuration:</a:t>
-            </a:r>
-          </a:p>
-          <a:p>
-            <a:pPr marL="0" indent="0">
-              <a:buNone/>
-            </a:pPr>
-            <a:r>
-              <a:rPr lang="en-US" altLang="ko-KR" sz="2800" dirty="0"/>
+            <a:pPr marL="0" indent="0">
+              <a:buNone/>
+            </a:pPr>
+            <a:r>
+              <a:rPr lang="en-US" altLang="ko-KR" sz="2400" b="1" dirty="0" err="1"/>
+              <a:t>cudaError_t</a:t>
+            </a:r>
+            <a:r>
+              <a:rPr lang="en-US" altLang="ko-KR" sz="2400" b="1" dirty="0"/>
               <a:t> </a:t>
             </a:r>
             <a:r>
-              <a:rPr lang="en-US" altLang="ko-KR" sz="2800" dirty="0" err="1"/>
-              <a:t>cudaError_t</a:t>
-            </a:r>
-            <a:r>
-              <a:rPr lang="en-US" altLang="ko-KR" sz="2800" dirty="0"/>
+              <a:rPr lang="en-US" altLang="ko-KR" sz="2400" b="1" dirty="0" err="1"/>
+              <a:t>cudaStreamCreateWithFlags</a:t>
+            </a:r>
+            <a:r>
+              <a:rPr lang="en-US" altLang="ko-KR" sz="2400" b="1" dirty="0"/>
+              <a:t>(</a:t>
+            </a:r>
+            <a:r>
+              <a:rPr lang="en-US" altLang="ko-KR" sz="2400" b="1" dirty="0" err="1"/>
+              <a:t>cudaStream_t</a:t>
+            </a:r>
+            <a:r>
+              <a:rPr lang="en-US" altLang="ko-KR" sz="2400" b="1" dirty="0"/>
+              <a:t>* </a:t>
+            </a:r>
+            <a:r>
+              <a:rPr lang="en-US" altLang="ko-KR" sz="2400" b="1" dirty="0" err="1"/>
+              <a:t>pStream</a:t>
+            </a:r>
+            <a:r>
+              <a:rPr lang="en-US" altLang="ko-KR" sz="2400" b="1" dirty="0"/>
+              <a:t>, unsigned </a:t>
+            </a:r>
+            <a:r>
+              <a:rPr lang="en-US" altLang="ko-KR" sz="2400" b="1" dirty="0" err="1"/>
+              <a:t>int</a:t>
+            </a:r>
+            <a:r>
+              <a:rPr lang="en-US" altLang="ko-KR" sz="2400" b="1" dirty="0"/>
               <a:t> </a:t>
             </a:r>
             <a:r>
-              <a:rPr lang="en-US" altLang="ko-KR" sz="2800" dirty="0" err="1"/>
-              <a:t>cudaDeviceSetCacheConfig</a:t>
-            </a:r>
-            <a:r>
-              <a:rPr lang="en-US" altLang="ko-KR" sz="2800" dirty="0"/>
-              <a:t>(</a:t>
-            </a:r>
-            <a:r>
-              <a:rPr lang="en-US" altLang="ko-KR" sz="2800" dirty="0" err="1"/>
-              <a:t>cudaFuncCache</a:t>
-            </a:r>
-            <a:r>
-              <a:rPr lang="en-US" altLang="ko-KR" sz="2800" dirty="0"/>
-              <a:t> </a:t>
-            </a:r>
-            <a:r>
-              <a:rPr lang="en-US" altLang="ko-KR" sz="2800" dirty="0" err="1"/>
-              <a:t>cacheConfig</a:t>
-            </a:r>
-            <a:r>
-              <a:rPr lang="en-US" altLang="ko-KR" sz="2800" dirty="0"/>
+              <a:rPr lang="en-US" altLang="ko-KR" sz="2400" b="1" dirty="0">
+                <a:solidFill>
+                  <a:srgbClr val="FF0000"/>
+                </a:solidFill>
+              </a:rPr>
+              <a:t>flags</a:t>
+            </a:r>
+            <a:r>
+              <a:rPr lang="en-US" altLang="ko-KR" sz="2400" b="1" dirty="0"/>
               <a:t>);</a:t>
             </a:r>
           </a:p>
           <a:p>
-            <a:r>
-              <a:rPr lang="en-US" altLang="ko-KR" sz="2800" dirty="0"/>
-              <a:t>Per-kernel configuration:</a:t>
-            </a:r>
-          </a:p>
-          <a:p>
-            <a:pPr marL="0" indent="0">
-              <a:buNone/>
-            </a:pPr>
-            <a:r>
-              <a:rPr lang="en-US" altLang="ko-KR" sz="2800" dirty="0"/>
-              <a:t> </a:t>
-            </a:r>
-            <a:r>
-              <a:rPr lang="en-US" altLang="ko-KR" sz="2800" dirty="0" err="1"/>
-              <a:t>cudaError_t</a:t>
-            </a:r>
-            <a:r>
-              <a:rPr lang="en-US" altLang="ko-KR" sz="2800" dirty="0"/>
-              <a:t> </a:t>
-            </a:r>
-            <a:r>
-              <a:rPr lang="en-US" altLang="ko-KR" sz="2800" dirty="0" err="1"/>
-              <a:t>cudaFuncSetCacheConfig</a:t>
-            </a:r>
-            <a:r>
-              <a:rPr lang="en-US" altLang="ko-KR" sz="2800" dirty="0"/>
-              <a:t>(</a:t>
-            </a:r>
-            <a:r>
-              <a:rPr lang="en-US" altLang="ko-KR" sz="2800" dirty="0" err="1"/>
-              <a:t>const</a:t>
-            </a:r>
-            <a:r>
-              <a:rPr lang="en-US" altLang="ko-KR" sz="2800" dirty="0"/>
-              <a:t> void* </a:t>
-            </a:r>
-            <a:r>
-              <a:rPr lang="en-US" altLang="ko-KR" sz="2800" dirty="0" err="1"/>
-              <a:t>func</a:t>
-            </a:r>
-            <a:r>
-              <a:rPr lang="en-US" altLang="ko-KR" sz="2800" dirty="0"/>
-              <a:t>, </a:t>
-            </a:r>
-            <a:r>
-              <a:rPr lang="en-US" altLang="ko-KR" sz="2800" dirty="0" err="1"/>
-              <a:t>enum</a:t>
-            </a:r>
-            <a:r>
-              <a:rPr lang="en-US" altLang="ko-KR" sz="2800" dirty="0"/>
-              <a:t> </a:t>
-            </a:r>
-            <a:r>
-              <a:rPr lang="en-US" altLang="ko-KR" sz="2800" dirty="0" err="1"/>
-              <a:t>cudaFuncCachecacheConfig</a:t>
-            </a:r>
-            <a:r>
-              <a:rPr lang="en-US" altLang="ko-KR" sz="2800" dirty="0"/>
-              <a:t>);</a:t>
-            </a:r>
-            <a:endParaRPr lang="ko-KR" altLang="en-US" sz="2800" dirty="0"/>
+            <a:pPr marL="0" indent="0">
+              <a:buNone/>
+            </a:pPr>
+            <a:r>
+              <a:rPr lang="en-US" altLang="ko-KR" sz="2400" b="1" u="sng" dirty="0">
+                <a:solidFill>
+                  <a:srgbClr val="FF0000"/>
+                </a:solidFill>
+              </a:rPr>
+              <a:t>flags:</a:t>
+            </a:r>
+          </a:p>
+          <a:p>
+            <a:pPr marL="0" indent="0">
+              <a:buNone/>
+            </a:pPr>
+            <a:r>
+              <a:rPr lang="en-US" altLang="ko-KR" sz="2400" dirty="0" err="1">
+                <a:solidFill>
+                  <a:srgbClr val="00B050"/>
+                </a:solidFill>
+              </a:rPr>
+              <a:t>cudaStreamDefault</a:t>
+            </a:r>
+            <a:r>
+              <a:rPr lang="en-US" altLang="ko-KR" sz="2400" dirty="0"/>
+              <a:t>: default stream creating flag (blocking).</a:t>
+            </a:r>
+          </a:p>
+          <a:p>
+            <a:pPr marL="0" indent="0">
+              <a:buNone/>
+            </a:pPr>
+            <a:r>
+              <a:rPr lang="en-US" altLang="ko-KR" sz="2400" dirty="0" err="1"/>
+              <a:t>c</a:t>
+            </a:r>
+            <a:r>
+              <a:rPr lang="en-US" altLang="ko-KR" sz="2400" dirty="0" err="1">
+                <a:solidFill>
+                  <a:srgbClr val="00B050"/>
+                </a:solidFill>
+              </a:rPr>
+              <a:t>udaStreamNonBlocking</a:t>
+            </a:r>
+            <a:r>
+              <a:rPr lang="en-US" altLang="ko-KR" sz="2400" dirty="0"/>
+              <a:t>: asynchronous stream creation flag(non-blocking). </a:t>
+            </a:r>
+            <a:r>
+              <a:rPr lang="en-US" altLang="ko-KR" sz="2400" dirty="0">
+                <a:solidFill>
+                  <a:srgbClr val="00B050"/>
+                </a:solidFill>
+              </a:rPr>
+              <a:t>It disables the blocking behavior of </a:t>
+            </a:r>
+            <a:r>
+              <a:rPr lang="en-US" altLang="ko-KR" sz="2400" dirty="0" err="1">
+                <a:solidFill>
+                  <a:srgbClr val="00B050"/>
+                </a:solidFill>
+              </a:rPr>
+              <a:t>non_NULL</a:t>
+            </a:r>
+            <a:r>
+              <a:rPr lang="en-US" altLang="ko-KR" sz="2400" dirty="0">
+                <a:solidFill>
+                  <a:srgbClr val="00B050"/>
+                </a:solidFill>
+              </a:rPr>
+              <a:t> streams relative to the NULL stream.</a:t>
+            </a:r>
+          </a:p>
+          <a:p>
+            <a:pPr marL="0" indent="0">
+              <a:buNone/>
+            </a:pPr>
+            <a:endParaRPr lang="en-US" altLang="ko-KR" sz="2400" dirty="0">
+              <a:solidFill>
+                <a:srgbClr val="00B050"/>
+              </a:solidFill>
+            </a:endParaRPr>
+          </a:p>
+          <a:p>
+            <a:r>
+              <a:rPr lang="en-US" altLang="ko-KR" sz="2400" dirty="0">
+                <a:solidFill>
+                  <a:srgbClr val="00B050"/>
+                </a:solidFill>
+              </a:rPr>
+              <a:t>If stream_1 and stream_2 in the previous slide were created with </a:t>
+            </a:r>
+            <a:r>
+              <a:rPr lang="en-US" altLang="ko-KR" sz="2400" dirty="0" err="1">
+                <a:solidFill>
+                  <a:srgbClr val="00B050"/>
+                </a:solidFill>
+              </a:rPr>
+              <a:t>cudaStreamNonBlocking</a:t>
+            </a:r>
+            <a:r>
+              <a:rPr lang="en-US" altLang="ko-KR" sz="2400" dirty="0">
+                <a:solidFill>
+                  <a:srgbClr val="00B050"/>
+                </a:solidFill>
+              </a:rPr>
+              <a:t>, non of the kernel executions would be blocked waiting for completion of any of the other kernels.</a:t>
+            </a:r>
+          </a:p>
+          <a:p>
+            <a:pPr marL="0" indent="0">
+              <a:buNone/>
+            </a:pPr>
+            <a:endParaRPr lang="en-US" altLang="ko-KR" sz="2400" dirty="0">
+              <a:solidFill>
+                <a:srgbClr val="00B050"/>
+              </a:solidFill>
+            </a:endParaRPr>
+          </a:p>
+          <a:p>
+            <a:pPr marL="0" indent="0">
+              <a:buNone/>
+            </a:pPr>
+            <a:endParaRPr lang="ko-KR" altLang="en-US" sz="2400" dirty="0">
+              <a:solidFill>
+                <a:srgbClr val="00B050"/>
+              </a:solidFill>
+            </a:endParaRPr>
           </a:p>
         </p:txBody>
       </p:sp>
     </p:spTree>
     <p:extLst>
       <p:ext uri="{BB962C8B-B14F-4D97-AF65-F5344CB8AC3E}">
-        <p14:creationId xmlns:p14="http://schemas.microsoft.com/office/powerpoint/2010/main" val="2831131584"/>
+        <p14:creationId xmlns:p14="http://schemas.microsoft.com/office/powerpoint/2010/main" val="2395981196"/>
       </p:ext>
     </p:extLst>
   </p:cSld>
@@ -10534,7 +10444,7 @@
           <a:p>
             <a:r>
               <a:rPr lang="en-US" altLang="ko-KR" dirty="0"/>
-              <a:t>Explicit Synchronization</a:t>
+              <a:t>Implicit Synchronization</a:t>
             </a:r>
             <a:endParaRPr lang="ko-KR" altLang="en-US" dirty="0"/>
           </a:p>
@@ -10555,12 +10465,9 @@
           <a:bodyPr/>
           <a:lstStyle/>
           <a:p>
-            <a:pPr marL="0" indent="0">
-              <a:buNone/>
-            </a:pPr>
             <a:r>
               <a:rPr lang="en-US" altLang="ko-KR" sz="2400" dirty="0"/>
-              <a:t>-synchronizing the device</a:t>
+              <a:t>Many memory related operations imply blocking on all previous operations on the current device:</a:t>
             </a:r>
           </a:p>
           <a:p>
@@ -10569,7 +10476,7 @@
             </a:pPr>
             <a:r>
               <a:rPr lang="en-US" altLang="ko-KR" sz="2400" dirty="0"/>
-              <a:t>-synchronizing a stream</a:t>
+              <a:t>	-A page-locked host memory allocation</a:t>
             </a:r>
           </a:p>
           <a:p>
@@ -10578,7 +10485,7 @@
             </a:pPr>
             <a:r>
               <a:rPr lang="en-US" altLang="ko-KR" sz="2400" dirty="0"/>
-              <a:t>-synchronizing an event in a stream</a:t>
+              <a:t>	-A device memory allocation</a:t>
             </a:r>
           </a:p>
           <a:p>
@@ -10587,8 +10494,13 @@
             </a:pPr>
             <a:r>
               <a:rPr lang="en-US" altLang="ko-KR" sz="2400" dirty="0"/>
-              <a:t>-synchronizing across streams using an event:</a:t>
-            </a:r>
+              <a:t>	-A device </a:t>
+            </a:r>
+            <a:r>
+              <a:rPr lang="en-US" altLang="ko-KR" sz="2400" dirty="0" err="1"/>
+              <a:t>memset</a:t>
+            </a:r>
+            <a:endParaRPr lang="en-US" altLang="ko-KR" sz="2400" dirty="0"/>
           </a:p>
           <a:p>
             <a:pPr marL="0" indent="0">
@@ -10596,48 +10508,16 @@
             </a:pPr>
             <a:r>
               <a:rPr lang="en-US" altLang="ko-KR" sz="2400" dirty="0"/>
-              <a:t>  </a:t>
-            </a:r>
-            <a:r>
-              <a:rPr lang="en-US" altLang="ko-KR" sz="2400" dirty="0" err="1"/>
-              <a:t>cudaError_t</a:t>
-            </a:r>
+              <a:t>	-A memory copy between two addresses on the same 	   device</a:t>
+            </a:r>
+          </a:p>
+          <a:p>
+            <a:pPr marL="0" indent="0">
+              <a:buNone/>
+            </a:pPr>
             <a:r>
               <a:rPr lang="en-US" altLang="ko-KR" sz="2400" dirty="0"/>
-              <a:t> </a:t>
-            </a:r>
-            <a:r>
-              <a:rPr lang="en-US" altLang="ko-KR" sz="2400" dirty="0" err="1"/>
-              <a:t>cudaStreamWaitEvent</a:t>
-            </a:r>
-            <a:r>
-              <a:rPr lang="en-US" altLang="ko-KR" sz="2400" dirty="0"/>
-              <a:t>(</a:t>
-            </a:r>
-            <a:r>
-              <a:rPr lang="en-US" altLang="ko-KR" sz="2400" dirty="0" err="1"/>
-              <a:t>cudaStream_t</a:t>
-            </a:r>
-            <a:r>
-              <a:rPr lang="en-US" altLang="ko-KR" sz="2400" dirty="0"/>
-              <a:t> stream,   </a:t>
-            </a:r>
-          </a:p>
-          <a:p>
-            <a:pPr marL="0" indent="0">
-              <a:buNone/>
-            </a:pPr>
-            <a:r>
-              <a:rPr lang="en-US" altLang="ko-KR" sz="2400" dirty="0"/>
-              <a:t>	</a:t>
-            </a:r>
-            <a:r>
-              <a:rPr lang="en-US" altLang="ko-KR" sz="2400" dirty="0" err="1"/>
-              <a:t>cudaEvent_t</a:t>
-            </a:r>
-            <a:r>
-              <a:rPr lang="en-US" altLang="ko-KR" sz="2400" dirty="0"/>
-              <a:t> event);</a:t>
+              <a:t>	-A modification to the L1/shared memory configuration</a:t>
             </a:r>
             <a:endParaRPr lang="ko-KR" altLang="en-US" sz="2400" dirty="0"/>
           </a:p>
@@ -10646,7 +10526,7 @@
     </p:spTree>
     <p:extLst>
       <p:ext uri="{BB962C8B-B14F-4D97-AF65-F5344CB8AC3E}">
-        <p14:creationId xmlns:p14="http://schemas.microsoft.com/office/powerpoint/2010/main" val="1638711884"/>
+        <p14:creationId xmlns:p14="http://schemas.microsoft.com/office/powerpoint/2010/main" val="3560883784"/>
       </p:ext>
     </p:extLst>
   </p:cSld>
@@ -10831,16 +10711,28 @@
             <p:ph type="title"/>
           </p:nvPr>
         </p:nvSpPr>
-        <p:spPr/>
+        <p:spPr>
+          <a:xfrm>
+            <a:off x="323528" y="188640"/>
+            <a:ext cx="8229600" cy="960438"/>
+          </a:xfrm>
+        </p:spPr>
         <p:txBody>
           <a:bodyPr/>
           <a:lstStyle/>
           <a:p>
             <a:r>
-              <a:rPr lang="en-US" altLang="ko-KR" dirty="0"/>
-              <a:t>Configurable Events</a:t>
-            </a:r>
-            <a:endParaRPr lang="ko-KR" altLang="en-US" dirty="0"/>
+              <a:rPr lang="en-US" altLang="ko-KR" sz="3600" dirty="0"/>
+              <a:t>Configuring the Amount of Shared Memory</a:t>
+            </a:r>
+            <a:br>
+              <a:rPr lang="en-US" altLang="ko-KR" sz="3600" dirty="0"/>
+            </a:br>
+            <a:r>
+              <a:rPr lang="en-US" altLang="ko-KR" sz="3600" dirty="0"/>
+              <a:t>[Lecture 7 Shared Memory]</a:t>
+            </a:r>
+            <a:endParaRPr lang="ko-KR" altLang="en-US" sz="3600" dirty="0"/>
           </a:p>
         </p:txBody>
       </p:sp>
@@ -10854,123 +10746,138 @@
             <p:ph idx="1"/>
           </p:nvPr>
         </p:nvSpPr>
-        <p:spPr/>
+        <p:spPr>
+          <a:xfrm>
+            <a:off x="467544" y="1772816"/>
+            <a:ext cx="8229600" cy="4525963"/>
+          </a:xfrm>
+        </p:spPr>
         <p:txBody>
           <a:bodyPr/>
           <a:lstStyle/>
           <a:p>
             <a:r>
-              <a:rPr lang="en-US" altLang="ko-KR" sz="2400" b="1" dirty="0" err="1"/>
+              <a:rPr lang="en-US" altLang="ko-KR" sz="2800" dirty="0"/>
+              <a:t>Each SM has 64KBytes of on-chip memory which are shared by the Shared memory and L1 cache.</a:t>
+            </a:r>
+          </a:p>
+          <a:p>
+            <a:r>
+              <a:rPr lang="en-US" altLang="ko-KR" sz="2800" dirty="0"/>
+              <a:t>Per-device configuration:</a:t>
+            </a:r>
+          </a:p>
+          <a:p>
+            <a:pPr marL="0" indent="0">
+              <a:buNone/>
+            </a:pPr>
+            <a:r>
+              <a:rPr lang="en-US" altLang="ko-KR" sz="2800" dirty="0"/>
+              <a:t> </a:t>
+            </a:r>
+            <a:r>
+              <a:rPr lang="en-US" altLang="ko-KR" sz="2800" dirty="0" err="1"/>
               <a:t>cudaError_t</a:t>
             </a:r>
             <a:r>
-              <a:rPr lang="en-US" altLang="ko-KR" sz="2400" b="1" dirty="0"/>
+              <a:rPr lang="en-US" altLang="ko-KR" sz="2800" dirty="0"/>
               <a:t> </a:t>
             </a:r>
             <a:r>
-              <a:rPr lang="en-US" altLang="ko-KR" sz="2400" b="1" dirty="0" err="1"/>
-              <a:t>cudaEventCreateWithFlags</a:t>
-            </a:r>
-            <a:r>
-              <a:rPr lang="en-US" altLang="ko-KR" sz="2400" b="1" dirty="0"/>
+              <a:rPr lang="en-US" altLang="ko-KR" sz="2800" dirty="0" err="1"/>
+              <a:t>cudaDeviceSetCacheConfig</a:t>
+            </a:r>
+            <a:r>
+              <a:rPr lang="en-US" altLang="ko-KR" sz="2800" dirty="0"/>
               <a:t>(</a:t>
             </a:r>
             <a:r>
-              <a:rPr lang="en-US" altLang="ko-KR" sz="2400" b="1" dirty="0" err="1"/>
-              <a:t>cudaEvent_t</a:t>
-            </a:r>
-            <a:r>
-              <a:rPr lang="en-US" altLang="ko-KR" sz="2400" b="1" dirty="0"/>
-              <a:t>*event, unsigned </a:t>
-            </a:r>
-            <a:r>
-              <a:rPr lang="en-US" altLang="ko-KR" sz="2400" b="1" dirty="0" err="1"/>
-              <a:t>int</a:t>
-            </a:r>
-            <a:r>
-              <a:rPr lang="en-US" altLang="ko-KR" sz="2400" b="1" dirty="0"/>
-              <a:t> flags);</a:t>
-            </a:r>
-          </a:p>
-          <a:p>
-            <a:pPr marL="0" indent="0">
-              <a:buNone/>
-            </a:pPr>
-            <a:r>
-              <a:rPr lang="en-US" altLang="ko-KR" sz="2400" dirty="0"/>
-              <a:t> 	</a:t>
-            </a:r>
-            <a:r>
-              <a:rPr lang="en-US" altLang="ko-KR" sz="2400" b="1" dirty="0"/>
-              <a:t>flags</a:t>
-            </a:r>
-            <a:r>
-              <a:rPr lang="en-US" altLang="ko-KR" sz="2400" dirty="0"/>
-              <a:t>:</a:t>
-            </a:r>
-          </a:p>
-          <a:p>
-            <a:pPr marL="0" indent="0">
-              <a:buNone/>
-            </a:pPr>
-            <a:r>
-              <a:rPr lang="en-US" altLang="ko-KR" sz="2400" dirty="0"/>
-              <a:t>    	</a:t>
-            </a:r>
-            <a:r>
-              <a:rPr lang="en-US" altLang="ko-KR" sz="2400" b="1" dirty="0" err="1"/>
-              <a:t>cudaEventDefault</a:t>
-            </a:r>
-            <a:endParaRPr lang="en-US" altLang="ko-KR" sz="2400" b="1" dirty="0"/>
-          </a:p>
-          <a:p>
-            <a:pPr marL="0" indent="0">
-              <a:buNone/>
-            </a:pPr>
-            <a:r>
-              <a:rPr lang="en-US" altLang="ko-KR" sz="2400" b="1" dirty="0"/>
-              <a:t>	</a:t>
-            </a:r>
-            <a:r>
-              <a:rPr lang="en-US" altLang="ko-KR" sz="2400" b="1" dirty="0" err="1"/>
-              <a:t>cudaEventBlockingSync</a:t>
-            </a:r>
-            <a:endParaRPr lang="en-US" altLang="ko-KR" sz="2400" b="1" dirty="0"/>
-          </a:p>
-          <a:p>
-            <a:pPr marL="0" indent="0">
-              <a:buNone/>
-            </a:pPr>
-            <a:r>
-              <a:rPr lang="en-US" altLang="ko-KR" sz="2400" b="1" dirty="0"/>
-              <a:t>	</a:t>
-            </a:r>
-            <a:r>
-              <a:rPr lang="en-US" altLang="ko-KR" sz="2400" b="1" dirty="0" err="1"/>
-              <a:t>cudaEventDisableTiming</a:t>
-            </a:r>
-            <a:endParaRPr lang="en-US" altLang="ko-KR" sz="2400" b="1" dirty="0"/>
-          </a:p>
-          <a:p>
-            <a:pPr marL="0" indent="0">
-              <a:buNone/>
-            </a:pPr>
-            <a:r>
-              <a:rPr lang="en-US" altLang="ko-KR" sz="2400" b="1" dirty="0"/>
-              <a:t>	</a:t>
-            </a:r>
-            <a:r>
-              <a:rPr lang="en-US" altLang="ko-KR" sz="2400" b="1" dirty="0" err="1"/>
-              <a:t>cudaEventInterprocess</a:t>
-            </a:r>
-            <a:endParaRPr lang="ko-KR" altLang="en-US" sz="2400" b="1" dirty="0"/>
+              <a:rPr lang="en-US" altLang="ko-KR" sz="2800" dirty="0" err="1"/>
+              <a:t>cudaFuncCache</a:t>
+            </a:r>
+            <a:r>
+              <a:rPr lang="en-US" altLang="ko-KR" sz="2800" dirty="0"/>
+              <a:t> </a:t>
+            </a:r>
+            <a:r>
+              <a:rPr lang="en-US" altLang="ko-KR" sz="2800" dirty="0" err="1"/>
+              <a:t>cacheConfig</a:t>
+            </a:r>
+            <a:r>
+              <a:rPr lang="en-US" altLang="ko-KR" sz="2800" dirty="0"/>
+              <a:t>);</a:t>
+            </a:r>
+          </a:p>
+          <a:p>
+            <a:r>
+              <a:rPr lang="en-US" altLang="ko-KR" sz="2800" dirty="0"/>
+              <a:t>Per-kernel configuration:</a:t>
+            </a:r>
+          </a:p>
+          <a:p>
+            <a:pPr marL="0" indent="0">
+              <a:buNone/>
+            </a:pPr>
+            <a:r>
+              <a:rPr lang="en-US" altLang="ko-KR" sz="2800" dirty="0"/>
+              <a:t> </a:t>
+            </a:r>
+            <a:r>
+              <a:rPr lang="en-US" altLang="ko-KR" sz="2800" dirty="0" err="1"/>
+              <a:t>cudaError_t</a:t>
+            </a:r>
+            <a:r>
+              <a:rPr lang="en-US" altLang="ko-KR" sz="2800" dirty="0"/>
+              <a:t> </a:t>
+            </a:r>
+            <a:r>
+              <a:rPr lang="en-US" altLang="ko-KR" sz="2800" dirty="0" err="1"/>
+              <a:t>cudaFuncSetCacheConfig</a:t>
+            </a:r>
+            <a:r>
+              <a:rPr lang="en-US" altLang="ko-KR" sz="2800" dirty="0"/>
+              <a:t>(</a:t>
+            </a:r>
+            <a:r>
+              <a:rPr lang="en-US" altLang="ko-KR" sz="2800" dirty="0" err="1"/>
+              <a:t>const</a:t>
+            </a:r>
+            <a:r>
+              <a:rPr lang="en-US" altLang="ko-KR" sz="2800" dirty="0"/>
+              <a:t> void* </a:t>
+            </a:r>
+            <a:r>
+              <a:rPr lang="en-US" altLang="ko-KR" sz="2800" dirty="0" err="1"/>
+              <a:t>func</a:t>
+            </a:r>
+            <a:r>
+              <a:rPr lang="en-US" altLang="ko-KR" sz="2800" dirty="0"/>
+              <a:t>, </a:t>
+            </a:r>
+            <a:r>
+              <a:rPr lang="en-US" altLang="ko-KR" sz="2800" dirty="0" err="1"/>
+              <a:t>enum</a:t>
+            </a:r>
+            <a:r>
+              <a:rPr lang="en-US" altLang="ko-KR" sz="2800" dirty="0"/>
+              <a:t> </a:t>
+            </a:r>
+            <a:r>
+              <a:rPr lang="en-US" altLang="ko-KR" sz="2800" dirty="0" err="1"/>
+              <a:t>cudaFuncCachecacheConfig</a:t>
+            </a:r>
+            <a:r>
+              <a:rPr lang="en-US" altLang="ko-KR" sz="2800" dirty="0"/>
+              <a:t>);</a:t>
+            </a:r>
+            <a:endParaRPr lang="ko-KR" altLang="en-US" sz="2800" dirty="0"/>
           </a:p>
         </p:txBody>
       </p:sp>
     </p:spTree>
     <p:extLst>
       <p:ext uri="{BB962C8B-B14F-4D97-AF65-F5344CB8AC3E}">
-        <p14:creationId xmlns:p14="http://schemas.microsoft.com/office/powerpoint/2010/main" val="1341294352"/>
+        <p14:creationId xmlns:p14="http://schemas.microsoft.com/office/powerpoint/2010/main" val="2831131584"/>
       </p:ext>
     </p:extLst>
   </p:cSld>
@@ -11013,10 +10920,10 @@
           <a:lstStyle/>
           <a:p>
             <a:r>
-              <a:rPr lang="en-US" altLang="ko-KR" sz="3600" dirty="0"/>
-              <a:t>Concurrent Kernels in Non-NULL Streams</a:t>
-            </a:r>
-            <a:endParaRPr lang="ko-KR" altLang="en-US" sz="3600" dirty="0"/>
+              <a:rPr lang="en-US" altLang="ko-KR" dirty="0"/>
+              <a:t>Explicit Synchronization</a:t>
+            </a:r>
+            <a:endParaRPr lang="ko-KR" altLang="en-US" dirty="0"/>
           </a:p>
         </p:txBody>
       </p:sp>
@@ -11030,12 +10937,7 @@
             <p:ph idx="1"/>
           </p:nvPr>
         </p:nvSpPr>
-        <p:spPr>
-          <a:xfrm>
-            <a:off x="251520" y="1628800"/>
-            <a:ext cx="8892480" cy="4608512"/>
-          </a:xfrm>
-        </p:spPr>
+        <p:spPr/>
         <p:txBody>
           <a:bodyPr/>
           <a:lstStyle/>
@@ -11045,274 +10947,85 @@
             </a:pPr>
             <a:r>
               <a:rPr lang="en-US" altLang="ko-KR" sz="2400" dirty="0"/>
-              <a:t>1.A set of non-null streams are created first:</a:t>
-            </a:r>
-          </a:p>
-          <a:p>
-            <a:pPr marL="0" indent="0">
-              <a:buNone/>
-            </a:pPr>
-            <a:r>
-              <a:rPr lang="en-US" altLang="ko-KR" sz="2000" b="1" dirty="0" err="1"/>
+              <a:t>-synchronizing the device</a:t>
+            </a:r>
+          </a:p>
+          <a:p>
+            <a:pPr marL="0" indent="0">
+              <a:buNone/>
+            </a:pPr>
+            <a:r>
+              <a:rPr lang="en-US" altLang="ko-KR" sz="2400" dirty="0"/>
+              <a:t>-synchronizing a stream</a:t>
+            </a:r>
+          </a:p>
+          <a:p>
+            <a:pPr marL="0" indent="0">
+              <a:buNone/>
+            </a:pPr>
+            <a:r>
+              <a:rPr lang="en-US" altLang="ko-KR" sz="2400" dirty="0"/>
+              <a:t>-synchronizing an event in a stream</a:t>
+            </a:r>
+          </a:p>
+          <a:p>
+            <a:pPr marL="0" indent="0">
+              <a:buNone/>
+            </a:pPr>
+            <a:r>
+              <a:rPr lang="en-US" altLang="ko-KR" sz="2400" dirty="0"/>
+              <a:t>-synchronizing across streams using an event:</a:t>
+            </a:r>
+          </a:p>
+          <a:p>
+            <a:pPr marL="0" indent="0">
+              <a:buNone/>
+            </a:pPr>
+            <a:r>
+              <a:rPr lang="en-US" altLang="ko-KR" sz="2400" dirty="0"/>
+              <a:t>  </a:t>
+            </a:r>
+            <a:r>
+              <a:rPr lang="en-US" altLang="ko-KR" sz="2400" dirty="0" err="1"/>
+              <a:t>cudaError_t</a:t>
+            </a:r>
+            <a:r>
+              <a:rPr lang="en-US" altLang="ko-KR" sz="2400" dirty="0"/>
+              <a:t> </a:t>
+            </a:r>
+            <a:r>
+              <a:rPr lang="en-US" altLang="ko-KR" sz="2400" dirty="0" err="1"/>
+              <a:t>cudaStreamWaitEvent</a:t>
+            </a:r>
+            <a:r>
+              <a:rPr lang="en-US" altLang="ko-KR" sz="2400" dirty="0"/>
+              <a:t>(</a:t>
+            </a:r>
+            <a:r>
+              <a:rPr lang="en-US" altLang="ko-KR" sz="2400" dirty="0" err="1"/>
               <a:t>cudaStream_t</a:t>
             </a:r>
             <a:r>
-              <a:rPr lang="en-US" altLang="ko-KR" sz="2000" b="1" dirty="0"/>
-              <a:t> *streams=(</a:t>
-            </a:r>
-            <a:r>
-              <a:rPr lang="en-US" altLang="ko-KR" sz="2000" b="1" dirty="0" err="1"/>
-              <a:t>cudaStream_t</a:t>
-            </a:r>
-            <a:r>
-              <a:rPr lang="en-US" altLang="ko-KR" sz="2000" b="1" dirty="0"/>
-              <a:t> *)</a:t>
-            </a:r>
-            <a:r>
-              <a:rPr lang="en-US" altLang="ko-KR" sz="2000" b="1" dirty="0" err="1"/>
-              <a:t>malloc</a:t>
-            </a:r>
-            <a:r>
-              <a:rPr lang="en-US" altLang="ko-KR" sz="2000" b="1" dirty="0"/>
-              <a:t>(</a:t>
-            </a:r>
-            <a:r>
-              <a:rPr lang="en-US" altLang="ko-KR" sz="2000" b="1" dirty="0" err="1"/>
-              <a:t>n_streams</a:t>
-            </a:r>
-            <a:r>
-              <a:rPr lang="en-US" altLang="ko-KR" sz="2000" b="1" dirty="0"/>
-              <a:t>*</a:t>
-            </a:r>
-            <a:r>
-              <a:rPr lang="en-US" altLang="ko-KR" sz="2000" b="1" dirty="0" err="1"/>
-              <a:t>sizeof</a:t>
-            </a:r>
-            <a:r>
-              <a:rPr lang="en-US" altLang="ko-KR" sz="2000" b="1" dirty="0"/>
-              <a:t>(</a:t>
-            </a:r>
-            <a:r>
-              <a:rPr lang="en-US" altLang="ko-KR" sz="2000" b="1" dirty="0" err="1"/>
-              <a:t>cudaStream_t</a:t>
-            </a:r>
-            <a:r>
-              <a:rPr lang="en-US" altLang="ko-KR" sz="2000" b="1" dirty="0"/>
-              <a:t>));</a:t>
-            </a:r>
-          </a:p>
-          <a:p>
-            <a:pPr marL="0" indent="0">
-              <a:buNone/>
-            </a:pPr>
-            <a:r>
-              <a:rPr lang="en-US" altLang="ko-KR" sz="2000" b="1" dirty="0"/>
-              <a:t>for( </a:t>
-            </a:r>
-            <a:r>
-              <a:rPr lang="en-US" altLang="ko-KR" sz="2000" b="1" dirty="0" err="1"/>
-              <a:t>int</a:t>
-            </a:r>
-            <a:r>
-              <a:rPr lang="en-US" altLang="ko-KR" sz="2000" b="1" dirty="0"/>
-              <a:t> </a:t>
-            </a:r>
-            <a:r>
-              <a:rPr lang="en-US" altLang="ko-KR" sz="2000" b="1" dirty="0" err="1"/>
-              <a:t>i</a:t>
-            </a:r>
-            <a:r>
-              <a:rPr lang="en-US" altLang="ko-KR" sz="2000" b="1" dirty="0"/>
-              <a:t>=0; </a:t>
-            </a:r>
-            <a:r>
-              <a:rPr lang="en-US" altLang="ko-KR" sz="2000" b="1" dirty="0" err="1"/>
-              <a:t>i</a:t>
-            </a:r>
-            <a:r>
-              <a:rPr lang="en-US" altLang="ko-KR" sz="2000" b="1" dirty="0"/>
-              <a:t>&lt;</a:t>
-            </a:r>
-            <a:r>
-              <a:rPr lang="en-US" altLang="ko-KR" sz="2000" b="1" dirty="0" err="1"/>
-              <a:t>n_streams</a:t>
-            </a:r>
-            <a:r>
-              <a:rPr lang="en-US" altLang="ko-KR" sz="2000" b="1" dirty="0"/>
-              <a:t>; </a:t>
-            </a:r>
-            <a:r>
-              <a:rPr lang="en-US" altLang="ko-KR" sz="2000" b="1" dirty="0" err="1"/>
-              <a:t>i</a:t>
-            </a:r>
-            <a:r>
-              <a:rPr lang="en-US" altLang="ko-KR" sz="2000" b="1" dirty="0"/>
-              <a:t>++){</a:t>
-            </a:r>
-          </a:p>
-          <a:p>
-            <a:pPr marL="0" indent="0">
-              <a:buNone/>
-            </a:pPr>
-            <a:r>
-              <a:rPr lang="en-US" altLang="ko-KR" sz="2000" b="1" dirty="0"/>
+              <a:rPr lang="en-US" altLang="ko-KR" sz="2400" dirty="0"/>
+              <a:t> stream,   </a:t>
+            </a:r>
+          </a:p>
+          <a:p>
+            <a:pPr marL="0" indent="0">
+              <a:buNone/>
+            </a:pPr>
+            <a:r>
+              <a:rPr lang="en-US" altLang="ko-KR" sz="2400" dirty="0"/>
               <a:t>	</a:t>
             </a:r>
             <a:r>
-              <a:rPr lang="en-US" altLang="ko-KR" sz="2000" b="1" dirty="0" err="1"/>
-              <a:t>cudaStreamCreate</a:t>
-            </a:r>
-            <a:r>
-              <a:rPr lang="en-US" altLang="ko-KR" sz="2000" b="1" dirty="0"/>
-              <a:t>(&amp;streams[</a:t>
-            </a:r>
-            <a:r>
-              <a:rPr lang="en-US" altLang="ko-KR" sz="2000" b="1" dirty="0" err="1"/>
-              <a:t>i</a:t>
-            </a:r>
-            <a:r>
-              <a:rPr lang="en-US" altLang="ko-KR" sz="2000" b="1" dirty="0"/>
-              <a:t>]); }</a:t>
-            </a:r>
-          </a:p>
-          <a:p>
-            <a:pPr marL="0" indent="0">
-              <a:buNone/>
-            </a:pPr>
+              <a:rPr lang="en-US" altLang="ko-KR" sz="2400" dirty="0" err="1"/>
+              <a:t>cudaEvent_t</a:t>
+            </a:r>
             <a:r>
               <a:rPr lang="en-US" altLang="ko-KR" sz="2400" dirty="0"/>
-              <a:t>2.Kernels:</a:t>
-            </a:r>
-          </a:p>
-          <a:p>
-            <a:pPr marL="0" indent="0">
-              <a:buNone/>
-            </a:pPr>
-            <a:r>
-              <a:rPr lang="en-US" altLang="ko-KR" sz="2000" b="1" dirty="0"/>
-              <a:t>dim3 block(1);</a:t>
-            </a:r>
-          </a:p>
-          <a:p>
-            <a:pPr marL="0" indent="0">
-              <a:buNone/>
-            </a:pPr>
-            <a:r>
-              <a:rPr lang="en-US" altLang="ko-KR" sz="2000" b="1" dirty="0"/>
-              <a:t>dim3 grid(1);</a:t>
-            </a:r>
-          </a:p>
-          <a:p>
-            <a:pPr marL="0" indent="0">
-              <a:buNone/>
-            </a:pPr>
-            <a:r>
-              <a:rPr lang="en-US" altLang="ko-KR" sz="2000" b="1" dirty="0"/>
-              <a:t>for(</a:t>
-            </a:r>
-            <a:r>
-              <a:rPr lang="en-US" altLang="ko-KR" sz="2000" b="1" dirty="0" err="1"/>
-              <a:t>int</a:t>
-            </a:r>
-            <a:r>
-              <a:rPr lang="en-US" altLang="ko-KR" sz="2000" b="1" dirty="0"/>
-              <a:t> </a:t>
-            </a:r>
-            <a:r>
-              <a:rPr lang="en-US" altLang="ko-KR" sz="2000" b="1" dirty="0" err="1"/>
-              <a:t>i</a:t>
-            </a:r>
-            <a:r>
-              <a:rPr lang="en-US" altLang="ko-KR" sz="2000" b="1" dirty="0"/>
-              <a:t>=0;i&lt;</a:t>
-            </a:r>
-            <a:r>
-              <a:rPr lang="en-US" altLang="ko-KR" sz="2000" b="1" dirty="0" err="1"/>
-              <a:t>n_streams;i</a:t>
-            </a:r>
-            <a:r>
-              <a:rPr lang="en-US" altLang="ko-KR" sz="2000" b="1" dirty="0"/>
-              <a:t>++){</a:t>
-            </a:r>
-          </a:p>
-          <a:p>
-            <a:pPr marL="0" indent="0">
-              <a:buNone/>
-            </a:pPr>
-            <a:r>
-              <a:rPr lang="en-US" altLang="ko-KR" sz="2000" b="1" dirty="0"/>
-              <a:t>	 kernel_1&lt;&lt;&lt;grid,block,0,streams[</a:t>
-            </a:r>
-            <a:r>
-              <a:rPr lang="en-US" altLang="ko-KR" sz="2000" b="1" dirty="0" err="1"/>
-              <a:t>i</a:t>
-            </a:r>
-            <a:r>
-              <a:rPr lang="en-US" altLang="ko-KR" sz="2000" b="1" dirty="0"/>
-              <a:t>]&gt;&gt;&gt;();</a:t>
-            </a:r>
-          </a:p>
-          <a:p>
-            <a:pPr marL="0" indent="0">
-              <a:buNone/>
-            </a:pPr>
-            <a:r>
-              <a:rPr lang="en-US" altLang="ko-KR" sz="2000" b="1" dirty="0"/>
-              <a:t>	 kernel_2&lt;&lt;&lt;grid,block,0,streams[</a:t>
-            </a:r>
-            <a:r>
-              <a:rPr lang="en-US" altLang="ko-KR" sz="2000" b="1" dirty="0" err="1"/>
-              <a:t>i</a:t>
-            </a:r>
-            <a:r>
-              <a:rPr lang="en-US" altLang="ko-KR" sz="2000" b="1" dirty="0"/>
-              <a:t>]&gt;&gt;&gt;();</a:t>
-            </a:r>
-          </a:p>
-          <a:p>
-            <a:pPr marL="0" indent="0">
-              <a:buNone/>
-            </a:pPr>
-            <a:r>
-              <a:rPr lang="en-US" altLang="ko-KR" sz="2000" b="1" dirty="0"/>
-              <a:t>	 kernel_3&lt;&lt;&lt;grid,block,0,streams[</a:t>
-            </a:r>
-            <a:r>
-              <a:rPr lang="en-US" altLang="ko-KR" sz="2000" b="1" dirty="0" err="1"/>
-              <a:t>i</a:t>
-            </a:r>
-            <a:r>
-              <a:rPr lang="en-US" altLang="ko-KR" sz="2000" b="1" dirty="0"/>
-              <a:t>]&gt;&gt;&gt;();</a:t>
-            </a:r>
-          </a:p>
-          <a:p>
-            <a:pPr marL="0" indent="0">
-              <a:buNone/>
-            </a:pPr>
-            <a:r>
-              <a:rPr lang="en-US" altLang="ko-KR" sz="2000" b="1" dirty="0"/>
-              <a:t>	 kernel_4&lt;&lt;&lt;grid,block,0,streams[</a:t>
-            </a:r>
-            <a:r>
-              <a:rPr lang="en-US" altLang="ko-KR" sz="2000" b="1" dirty="0" err="1"/>
-              <a:t>i</a:t>
-            </a:r>
-            <a:r>
-              <a:rPr lang="en-US" altLang="ko-KR" sz="2000" b="1" dirty="0"/>
-              <a:t>]&gt;&gt;&gt;();</a:t>
-            </a:r>
-          </a:p>
-          <a:p>
-            <a:pPr marL="0" indent="0">
-              <a:buNone/>
-            </a:pPr>
-            <a:r>
-              <a:rPr lang="en-US" altLang="ko-KR" sz="2000" b="1" dirty="0"/>
-              <a:t>}</a:t>
-            </a:r>
-          </a:p>
-          <a:p>
+              <a:t> event);</a:t>
+            </a:r>
             <a:endParaRPr lang="ko-KR" altLang="en-US" sz="2400" dirty="0"/>
           </a:p>
         </p:txBody>
@@ -11320,7 +11033,7 @@
     </p:spTree>
     <p:extLst>
       <p:ext uri="{BB962C8B-B14F-4D97-AF65-F5344CB8AC3E}">
-        <p14:creationId xmlns:p14="http://schemas.microsoft.com/office/powerpoint/2010/main" val="2591199843"/>
+        <p14:creationId xmlns:p14="http://schemas.microsoft.com/office/powerpoint/2010/main" val="1638711884"/>
       </p:ext>
     </p:extLst>
   </p:cSld>
@@ -11349,6 +11062,29 @@
       </p:grpSpPr>
       <p:sp>
         <p:nvSpPr>
+          <p:cNvPr id="2" name="제목 1"/>
+          <p:cNvSpPr>
+            <a:spLocks noGrp="1"/>
+          </p:cNvSpPr>
+          <p:nvPr>
+            <p:ph type="title"/>
+          </p:nvPr>
+        </p:nvSpPr>
+        <p:spPr/>
+        <p:txBody>
+          <a:bodyPr/>
+          <a:lstStyle/>
+          <a:p>
+            <a:r>
+              <a:rPr lang="en-US" altLang="ko-KR" dirty="0"/>
+              <a:t>Configurable Events</a:t>
+            </a:r>
+            <a:endParaRPr lang="ko-KR" altLang="en-US" dirty="0"/>
+          </a:p>
+        </p:txBody>
+      </p:sp>
+      <p:sp>
+        <p:nvSpPr>
           <p:cNvPr id="3" name="내용 개체 틀 2"/>
           <p:cNvSpPr>
             <a:spLocks noGrp="1"/>
@@ -11362,234 +11098,118 @@
           <a:bodyPr/>
           <a:lstStyle/>
           <a:p>
+            <a:r>
+              <a:rPr lang="en-US" altLang="ko-KR" sz="2400" b="1" dirty="0" err="1"/>
+              <a:t>cudaError_t</a:t>
+            </a:r>
+            <a:r>
+              <a:rPr lang="en-US" altLang="ko-KR" sz="2400" b="1" dirty="0"/>
+              <a:t> </a:t>
+            </a:r>
+            <a:r>
+              <a:rPr lang="en-US" altLang="ko-KR" sz="2400" b="1" dirty="0" err="1"/>
+              <a:t>cudaEventCreateWithFlags</a:t>
+            </a:r>
+            <a:r>
+              <a:rPr lang="en-US" altLang="ko-KR" sz="2400" b="1" dirty="0"/>
+              <a:t>(</a:t>
+            </a:r>
+            <a:r>
+              <a:rPr lang="en-US" altLang="ko-KR" sz="2400" b="1" dirty="0" err="1"/>
+              <a:t>cudaEvent_t</a:t>
+            </a:r>
+            <a:r>
+              <a:rPr lang="en-US" altLang="ko-KR" sz="2400" b="1" dirty="0"/>
+              <a:t>*event, unsigned </a:t>
+            </a:r>
+            <a:r>
+              <a:rPr lang="en-US" altLang="ko-KR" sz="2400" b="1" dirty="0" err="1"/>
+              <a:t>int</a:t>
+            </a:r>
+            <a:r>
+              <a:rPr lang="en-US" altLang="ko-KR" sz="2400" b="1" dirty="0"/>
+              <a:t> flags);</a:t>
+            </a:r>
+          </a:p>
+          <a:p>
             <a:pPr marL="0" indent="0">
               <a:buNone/>
             </a:pPr>
             <a:r>
               <a:rPr lang="en-US" altLang="ko-KR" sz="2400" dirty="0"/>
-              <a:t>3.Meaure the elapsed time using start and stop events:</a:t>
-            </a:r>
-          </a:p>
-          <a:p>
-            <a:pPr marL="0" indent="0">
-              <a:buNone/>
-            </a:pPr>
+              <a:t> 	</a:t>
+            </a:r>
             <a:r>
               <a:rPr lang="en-US" altLang="ko-KR" sz="2400" b="1" dirty="0"/>
-              <a:t>   </a:t>
-            </a:r>
-            <a:r>
-              <a:rPr lang="en-US" altLang="ko-KR" sz="2000" b="1" dirty="0" err="1"/>
-              <a:t>cudaEvent_t</a:t>
-            </a:r>
-            <a:r>
-              <a:rPr lang="en-US" altLang="ko-KR" sz="2000" b="1" dirty="0"/>
-              <a:t> start, stop;</a:t>
-            </a:r>
-          </a:p>
-          <a:p>
-            <a:pPr marL="0" indent="0">
-              <a:buNone/>
-            </a:pPr>
-            <a:r>
-              <a:rPr lang="en-US" altLang="ko-KR" sz="2000" b="1" dirty="0"/>
-              <a:t>    </a:t>
-            </a:r>
-            <a:r>
-              <a:rPr lang="en-US" altLang="ko-KR" sz="2000" b="1" dirty="0" err="1"/>
-              <a:t>cudaEventCreate</a:t>
-            </a:r>
-            <a:r>
-              <a:rPr lang="en-US" altLang="ko-KR" sz="2000" b="1" dirty="0"/>
-              <a:t>(&amp;start);</a:t>
-            </a:r>
-          </a:p>
-          <a:p>
-            <a:pPr marL="0" indent="0">
-              <a:buNone/>
-            </a:pPr>
-            <a:r>
-              <a:rPr lang="en-US" altLang="ko-KR" sz="2000" b="1" dirty="0"/>
-              <a:t>    </a:t>
-            </a:r>
-            <a:r>
-              <a:rPr lang="en-US" altLang="ko-KR" sz="2000" b="1" dirty="0" err="1"/>
-              <a:t>cudaEventCreate</a:t>
-            </a:r>
-            <a:r>
-              <a:rPr lang="en-US" altLang="ko-KR" sz="2000" b="1" dirty="0"/>
-              <a:t>(&amp;stop);</a:t>
-            </a:r>
-          </a:p>
-          <a:p>
-            <a:pPr marL="0" indent="0">
-              <a:buNone/>
-            </a:pPr>
-            <a:r>
-              <a:rPr lang="en-US" altLang="ko-KR" sz="2000" b="1" dirty="0"/>
-              <a:t>    </a:t>
-            </a:r>
-            <a:r>
-              <a:rPr lang="en-US" altLang="ko-KR" sz="2000" b="1" dirty="0" err="1"/>
-              <a:t>cudaEventRecord</a:t>
-            </a:r>
-            <a:r>
-              <a:rPr lang="en-US" altLang="ko-KR" sz="2000" b="1" dirty="0"/>
-              <a:t>(start); </a:t>
-            </a:r>
-          </a:p>
-          <a:p>
-            <a:pPr marL="0" indent="0">
-              <a:buNone/>
-            </a:pPr>
-            <a:r>
-              <a:rPr lang="en-US" altLang="ko-KR" sz="2000" b="1" dirty="0"/>
-              <a:t>    for(</a:t>
-            </a:r>
-            <a:r>
-              <a:rPr lang="en-US" altLang="ko-KR" sz="2000" b="1" dirty="0" err="1"/>
-              <a:t>int</a:t>
-            </a:r>
-            <a:r>
-              <a:rPr lang="en-US" altLang="ko-KR" sz="2000" b="1" dirty="0"/>
-              <a:t> </a:t>
-            </a:r>
-            <a:r>
-              <a:rPr lang="en-US" altLang="ko-KR" sz="2000" b="1" dirty="0" err="1"/>
-              <a:t>i</a:t>
-            </a:r>
-            <a:r>
-              <a:rPr lang="en-US" altLang="ko-KR" sz="2000" b="1" dirty="0"/>
-              <a:t>=0; </a:t>
-            </a:r>
-            <a:r>
-              <a:rPr lang="en-US" altLang="ko-KR" sz="2000" b="1" dirty="0" err="1"/>
-              <a:t>i</a:t>
-            </a:r>
-            <a:r>
-              <a:rPr lang="en-US" altLang="ko-KR" sz="2000" b="1" dirty="0"/>
-              <a:t>&lt;</a:t>
-            </a:r>
-            <a:r>
-              <a:rPr lang="en-US" altLang="ko-KR" sz="2000" b="1" dirty="0" err="1"/>
-              <a:t>n_streams</a:t>
-            </a:r>
-            <a:r>
-              <a:rPr lang="en-US" altLang="ko-KR" sz="2000" b="1" dirty="0"/>
-              <a:t>; </a:t>
-            </a:r>
-            <a:r>
-              <a:rPr lang="en-US" altLang="ko-KR" sz="2000" b="1" dirty="0" err="1"/>
-              <a:t>i</a:t>
-            </a:r>
-            <a:r>
-              <a:rPr lang="en-US" altLang="ko-KR" sz="2000" b="1" dirty="0"/>
-              <a:t>++) {</a:t>
-            </a:r>
-          </a:p>
-          <a:p>
-            <a:pPr marL="0" indent="0">
-              <a:buNone/>
-            </a:pPr>
-            <a:r>
-              <a:rPr lang="en-US" altLang="ko-KR" sz="2000" b="1" dirty="0"/>
-              <a:t>	….</a:t>
-            </a:r>
-          </a:p>
-          <a:p>
-            <a:pPr marL="0" indent="0">
-              <a:buNone/>
-            </a:pPr>
-            <a:r>
-              <a:rPr lang="en-US" altLang="ko-KR" sz="2000" b="1" dirty="0"/>
-              <a:t>    }</a:t>
-            </a:r>
-          </a:p>
-          <a:p>
-            <a:pPr marL="0" indent="0">
-              <a:buNone/>
-            </a:pPr>
-            <a:r>
-              <a:rPr lang="en-US" altLang="ko-KR" sz="2000" b="1" dirty="0"/>
-              <a:t>    </a:t>
-            </a:r>
-            <a:r>
-              <a:rPr lang="en-US" altLang="ko-KR" sz="2000" b="1" dirty="0" err="1"/>
-              <a:t>cudaEventRecord</a:t>
-            </a:r>
-            <a:r>
-              <a:rPr lang="en-US" altLang="ko-KR" sz="2000" b="1" dirty="0"/>
-              <a:t>(stop);</a:t>
-            </a:r>
-          </a:p>
-          <a:p>
-            <a:pPr marL="0" indent="0">
-              <a:buNone/>
-            </a:pPr>
-            <a:r>
-              <a:rPr lang="en-US" altLang="ko-KR" sz="2000" b="1" dirty="0"/>
-              <a:t>    </a:t>
-            </a:r>
-            <a:r>
-              <a:rPr lang="en-US" altLang="ko-KR" sz="2000" b="1" dirty="0" err="1"/>
-              <a:t>cudaEventSynchronize</a:t>
-            </a:r>
-            <a:r>
-              <a:rPr lang="en-US" altLang="ko-KR" sz="2000" b="1" dirty="0"/>
-              <a:t>(stop);</a:t>
-            </a:r>
-          </a:p>
-          <a:p>
-            <a:pPr marL="0" indent="0">
-              <a:buNone/>
-            </a:pPr>
-            <a:r>
-              <a:rPr lang="en-US" altLang="ko-KR" sz="2000" b="1" dirty="0"/>
-              <a:t>    </a:t>
-            </a:r>
-            <a:r>
-              <a:rPr lang="en-US" altLang="ko-KR" sz="2000" b="1" dirty="0" err="1"/>
-              <a:t>cudaEventElapsedTime</a:t>
-            </a:r>
-            <a:r>
-              <a:rPr lang="en-US" altLang="ko-KR" sz="2000" b="1" dirty="0"/>
-              <a:t>(&amp;</a:t>
-            </a:r>
-            <a:r>
-              <a:rPr lang="en-US" altLang="ko-KR" sz="2000" b="1" dirty="0" err="1"/>
-              <a:t>elapsed_time</a:t>
-            </a:r>
-            <a:r>
-              <a:rPr lang="en-US" altLang="ko-KR" sz="2000" b="1" dirty="0"/>
-              <a:t>, </a:t>
-            </a:r>
-            <a:r>
-              <a:rPr lang="en-US" altLang="ko-KR" sz="2000" b="1" dirty="0" err="1"/>
-              <a:t>start,stop</a:t>
-            </a:r>
-            <a:r>
-              <a:rPr lang="en-US" altLang="ko-KR" sz="2000" b="1" dirty="0"/>
-              <a:t>);</a:t>
-            </a:r>
-          </a:p>
-          <a:p>
-            <a:pPr marL="0" indent="0">
-              <a:buNone/>
-            </a:pPr>
-            <a:endParaRPr lang="en-US" altLang="ko-KR" sz="2000" b="1" dirty="0"/>
-          </a:p>
-          <a:p>
-            <a:pPr marL="0" indent="0">
-              <a:buNone/>
-            </a:pPr>
-            <a:endParaRPr lang="ko-KR" altLang="en-US" sz="2000" dirty="0"/>
+              <a:t>flags</a:t>
+            </a:r>
+            <a:r>
+              <a:rPr lang="en-US" altLang="ko-KR" sz="2400" dirty="0"/>
+              <a:t>:</a:t>
+            </a:r>
+          </a:p>
+          <a:p>
+            <a:pPr marL="0" indent="0">
+              <a:buNone/>
+            </a:pPr>
+            <a:r>
+              <a:rPr lang="en-US" altLang="ko-KR" sz="2400" dirty="0"/>
+              <a:t>    	</a:t>
+            </a:r>
+            <a:r>
+              <a:rPr lang="en-US" altLang="ko-KR" sz="2400" b="1" dirty="0" err="1"/>
+              <a:t>cudaEventDefault</a:t>
+            </a:r>
+            <a:endParaRPr lang="en-US" altLang="ko-KR" sz="2400" b="1" dirty="0"/>
+          </a:p>
+          <a:p>
+            <a:pPr marL="0" indent="0">
+              <a:buNone/>
+            </a:pPr>
+            <a:r>
+              <a:rPr lang="en-US" altLang="ko-KR" sz="2400" b="1" dirty="0"/>
+              <a:t>	</a:t>
+            </a:r>
+            <a:r>
+              <a:rPr lang="en-US" altLang="ko-KR" sz="2400" b="1" dirty="0" err="1"/>
+              <a:t>cudaEventBlockingSync</a:t>
+            </a:r>
+            <a:endParaRPr lang="en-US" altLang="ko-KR" sz="2400" b="1" dirty="0"/>
+          </a:p>
+          <a:p>
+            <a:pPr marL="0" indent="0">
+              <a:buNone/>
+            </a:pPr>
+            <a:r>
+              <a:rPr lang="en-US" altLang="ko-KR" sz="2400" b="1" dirty="0"/>
+              <a:t>	</a:t>
+            </a:r>
+            <a:r>
+              <a:rPr lang="en-US" altLang="ko-KR" sz="2400" b="1" dirty="0" err="1"/>
+              <a:t>cudaEventDisableTiming</a:t>
+            </a:r>
+            <a:endParaRPr lang="en-US" altLang="ko-KR" sz="2400" b="1" dirty="0"/>
+          </a:p>
+          <a:p>
+            <a:pPr marL="0" indent="0">
+              <a:buNone/>
+            </a:pPr>
+            <a:r>
+              <a:rPr lang="en-US" altLang="ko-KR" sz="2400" b="1" dirty="0"/>
+              <a:t>	</a:t>
+            </a:r>
+            <a:r>
+              <a:rPr lang="en-US" altLang="ko-KR" sz="2400" b="1" dirty="0" err="1"/>
+              <a:t>cudaEventInterprocess</a:t>
+            </a:r>
+            <a:endParaRPr lang="ko-KR" altLang="en-US" sz="2400" b="1" dirty="0"/>
           </a:p>
         </p:txBody>
       </p:sp>
     </p:spTree>
     <p:extLst>
       <p:ext uri="{BB962C8B-B14F-4D97-AF65-F5344CB8AC3E}">
-        <p14:creationId xmlns:p14="http://schemas.microsoft.com/office/powerpoint/2010/main" val="785573270"/>
+        <p14:creationId xmlns:p14="http://schemas.microsoft.com/office/powerpoint/2010/main" val="1341294352"/>
       </p:ext>
     </p:extLst>
   </p:cSld>
@@ -11632,10 +11252,10 @@
           <a:lstStyle/>
           <a:p>
             <a:r>
-              <a:rPr lang="en-US" altLang="ko-KR" sz="4000" dirty="0"/>
-              <a:t>Concurrent Kernel in Non-NULL Streams</a:t>
-            </a:r>
-            <a:endParaRPr lang="ko-KR" altLang="en-US" sz="4000" dirty="0"/>
+              <a:rPr lang="en-US" altLang="ko-KR" sz="3600" dirty="0"/>
+              <a:t>Concurrent Kernels in Non-NULL Streams</a:t>
+            </a:r>
+            <a:endParaRPr lang="ko-KR" altLang="en-US" sz="3600" dirty="0"/>
           </a:p>
         </p:txBody>
       </p:sp>
@@ -11649,12 +11269,612 @@
             <p:ph idx="1"/>
           </p:nvPr>
         </p:nvSpPr>
-        <p:spPr/>
+        <p:spPr>
+          <a:xfrm>
+            <a:off x="251520" y="1628800"/>
+            <a:ext cx="8892480" cy="4608512"/>
+          </a:xfrm>
+        </p:spPr>
         <p:txBody>
           <a:bodyPr/>
           <a:lstStyle/>
           <a:p>
+            <a:pPr marL="0" indent="0">
+              <a:buNone/>
+            </a:pPr>
+            <a:r>
+              <a:rPr lang="en-US" altLang="ko-KR" sz="2400" dirty="0"/>
+              <a:t>1.A set of non-null streams are created first:</a:t>
+            </a:r>
+          </a:p>
+          <a:p>
+            <a:pPr marL="0" indent="0">
+              <a:buNone/>
+            </a:pPr>
+            <a:r>
+              <a:rPr lang="en-US" altLang="ko-KR" sz="2000" b="1" dirty="0" err="1"/>
+              <a:t>cudaStream_t</a:t>
+            </a:r>
+            <a:r>
+              <a:rPr lang="en-US" altLang="ko-KR" sz="2000" b="1" dirty="0"/>
+              <a:t> *streams=(</a:t>
+            </a:r>
+            <a:r>
+              <a:rPr lang="en-US" altLang="ko-KR" sz="2000" b="1" dirty="0" err="1"/>
+              <a:t>cudaStream_t</a:t>
+            </a:r>
+            <a:r>
+              <a:rPr lang="en-US" altLang="ko-KR" sz="2000" b="1" dirty="0"/>
+              <a:t> *)</a:t>
+            </a:r>
+            <a:r>
+              <a:rPr lang="en-US" altLang="ko-KR" sz="2000" b="1" dirty="0" err="1"/>
+              <a:t>malloc</a:t>
+            </a:r>
+            <a:r>
+              <a:rPr lang="en-US" altLang="ko-KR" sz="2000" b="1" dirty="0"/>
+              <a:t>(</a:t>
+            </a:r>
+            <a:r>
+              <a:rPr lang="en-US" altLang="ko-KR" sz="2000" b="1" dirty="0" err="1"/>
+              <a:t>n_streams</a:t>
+            </a:r>
+            <a:r>
+              <a:rPr lang="en-US" altLang="ko-KR" sz="2000" b="1" dirty="0"/>
+              <a:t>*</a:t>
+            </a:r>
+            <a:r>
+              <a:rPr lang="en-US" altLang="ko-KR" sz="2000" b="1" dirty="0" err="1"/>
+              <a:t>sizeof</a:t>
+            </a:r>
+            <a:r>
+              <a:rPr lang="en-US" altLang="ko-KR" sz="2000" b="1" dirty="0"/>
+              <a:t>(</a:t>
+            </a:r>
+            <a:r>
+              <a:rPr lang="en-US" altLang="ko-KR" sz="2000" b="1" dirty="0" err="1"/>
+              <a:t>cudaStream_t</a:t>
+            </a:r>
+            <a:r>
+              <a:rPr lang="en-US" altLang="ko-KR" sz="2000" b="1" dirty="0"/>
+              <a:t>));</a:t>
+            </a:r>
+          </a:p>
+          <a:p>
+            <a:pPr marL="0" indent="0">
+              <a:buNone/>
+            </a:pPr>
+            <a:r>
+              <a:rPr lang="en-US" altLang="ko-KR" sz="2000" b="1" dirty="0"/>
+              <a:t>for( </a:t>
+            </a:r>
+            <a:r>
+              <a:rPr lang="en-US" altLang="ko-KR" sz="2000" b="1" dirty="0" err="1"/>
+              <a:t>int</a:t>
+            </a:r>
+            <a:r>
+              <a:rPr lang="en-US" altLang="ko-KR" sz="2000" b="1" dirty="0"/>
+              <a:t> </a:t>
+            </a:r>
+            <a:r>
+              <a:rPr lang="en-US" altLang="ko-KR" sz="2000" b="1" dirty="0" err="1"/>
+              <a:t>i</a:t>
+            </a:r>
+            <a:r>
+              <a:rPr lang="en-US" altLang="ko-KR" sz="2000" b="1" dirty="0"/>
+              <a:t>=0; </a:t>
+            </a:r>
+            <a:r>
+              <a:rPr lang="en-US" altLang="ko-KR" sz="2000" b="1" dirty="0" err="1"/>
+              <a:t>i</a:t>
+            </a:r>
+            <a:r>
+              <a:rPr lang="en-US" altLang="ko-KR" sz="2000" b="1" dirty="0"/>
+              <a:t>&lt;</a:t>
+            </a:r>
+            <a:r>
+              <a:rPr lang="en-US" altLang="ko-KR" sz="2000" b="1" dirty="0" err="1"/>
+              <a:t>n_streams</a:t>
+            </a:r>
+            <a:r>
+              <a:rPr lang="en-US" altLang="ko-KR" sz="2000" b="1" dirty="0"/>
+              <a:t>; </a:t>
+            </a:r>
+            <a:r>
+              <a:rPr lang="en-US" altLang="ko-KR" sz="2000" b="1" dirty="0" err="1"/>
+              <a:t>i</a:t>
+            </a:r>
+            <a:r>
+              <a:rPr lang="en-US" altLang="ko-KR" sz="2000" b="1" dirty="0"/>
+              <a:t>++){</a:t>
+            </a:r>
+          </a:p>
+          <a:p>
+            <a:pPr marL="0" indent="0">
+              <a:buNone/>
+            </a:pPr>
+            <a:r>
+              <a:rPr lang="en-US" altLang="ko-KR" sz="2000" b="1" dirty="0"/>
+              <a:t>	</a:t>
+            </a:r>
+            <a:r>
+              <a:rPr lang="en-US" altLang="ko-KR" sz="2000" b="1" dirty="0" err="1"/>
+              <a:t>cudaStreamCreate</a:t>
+            </a:r>
+            <a:r>
+              <a:rPr lang="en-US" altLang="ko-KR" sz="2000" b="1" dirty="0"/>
+              <a:t>(&amp;streams[</a:t>
+            </a:r>
+            <a:r>
+              <a:rPr lang="en-US" altLang="ko-KR" sz="2000" b="1" dirty="0" err="1"/>
+              <a:t>i</a:t>
+            </a:r>
+            <a:r>
+              <a:rPr lang="en-US" altLang="ko-KR" sz="2000" b="1" dirty="0"/>
+              <a:t>]); }</a:t>
+            </a:r>
+          </a:p>
+          <a:p>
+            <a:pPr marL="0" indent="0">
+              <a:buNone/>
+            </a:pPr>
+            <a:r>
+              <a:rPr lang="en-US" altLang="ko-KR" sz="2400" dirty="0"/>
+              <a:t>2.Kernels:</a:t>
+            </a:r>
+          </a:p>
+          <a:p>
+            <a:pPr marL="0" indent="0">
+              <a:buNone/>
+            </a:pPr>
+            <a:r>
+              <a:rPr lang="en-US" altLang="ko-KR" sz="2000" b="1" dirty="0"/>
+              <a:t>dim3 block(1);</a:t>
+            </a:r>
+          </a:p>
+          <a:p>
+            <a:pPr marL="0" indent="0">
+              <a:buNone/>
+            </a:pPr>
+            <a:r>
+              <a:rPr lang="en-US" altLang="ko-KR" sz="2000" b="1" dirty="0"/>
+              <a:t>dim3 grid(1);</a:t>
+            </a:r>
+          </a:p>
+          <a:p>
+            <a:pPr marL="0" indent="0">
+              <a:buNone/>
+            </a:pPr>
+            <a:r>
+              <a:rPr lang="en-US" altLang="ko-KR" sz="2000" b="1" dirty="0"/>
+              <a:t>for(</a:t>
+            </a:r>
+            <a:r>
+              <a:rPr lang="en-US" altLang="ko-KR" sz="2000" b="1" dirty="0" err="1"/>
+              <a:t>int</a:t>
+            </a:r>
+            <a:r>
+              <a:rPr lang="en-US" altLang="ko-KR" sz="2000" b="1" dirty="0"/>
+              <a:t> </a:t>
+            </a:r>
+            <a:r>
+              <a:rPr lang="en-US" altLang="ko-KR" sz="2000" b="1" dirty="0" err="1"/>
+              <a:t>i</a:t>
+            </a:r>
+            <a:r>
+              <a:rPr lang="en-US" altLang="ko-KR" sz="2000" b="1" dirty="0"/>
+              <a:t>=0;i&lt;</a:t>
+            </a:r>
+            <a:r>
+              <a:rPr lang="en-US" altLang="ko-KR" sz="2000" b="1" dirty="0" err="1"/>
+              <a:t>n_streams;i</a:t>
+            </a:r>
+            <a:r>
+              <a:rPr lang="en-US" altLang="ko-KR" sz="2000" b="1" dirty="0"/>
+              <a:t>++){</a:t>
+            </a:r>
+          </a:p>
+          <a:p>
+            <a:pPr marL="0" indent="0">
+              <a:buNone/>
+            </a:pPr>
+            <a:r>
+              <a:rPr lang="en-US" altLang="ko-KR" sz="2000" b="1" dirty="0"/>
+              <a:t>	 kernel_1&lt;&lt;&lt;grid,block,0,streams[</a:t>
+            </a:r>
+            <a:r>
+              <a:rPr lang="en-US" altLang="ko-KR" sz="2000" b="1" dirty="0" err="1"/>
+              <a:t>i</a:t>
+            </a:r>
+            <a:r>
+              <a:rPr lang="en-US" altLang="ko-KR" sz="2000" b="1" dirty="0"/>
+              <a:t>]&gt;&gt;&gt;();</a:t>
+            </a:r>
+          </a:p>
+          <a:p>
+            <a:pPr marL="0" indent="0">
+              <a:buNone/>
+            </a:pPr>
+            <a:r>
+              <a:rPr lang="en-US" altLang="ko-KR" sz="2000" b="1" dirty="0"/>
+              <a:t>	 kernel_2&lt;&lt;&lt;grid,block,0,streams[</a:t>
+            </a:r>
+            <a:r>
+              <a:rPr lang="en-US" altLang="ko-KR" sz="2000" b="1" dirty="0" err="1"/>
+              <a:t>i</a:t>
+            </a:r>
+            <a:r>
+              <a:rPr lang="en-US" altLang="ko-KR" sz="2000" b="1" dirty="0"/>
+              <a:t>]&gt;&gt;&gt;();</a:t>
+            </a:r>
+          </a:p>
+          <a:p>
+            <a:pPr marL="0" indent="0">
+              <a:buNone/>
+            </a:pPr>
+            <a:r>
+              <a:rPr lang="en-US" altLang="ko-KR" sz="2000" b="1" dirty="0"/>
+              <a:t>	 kernel_3&lt;&lt;&lt;grid,block,0,streams[</a:t>
+            </a:r>
+            <a:r>
+              <a:rPr lang="en-US" altLang="ko-KR" sz="2000" b="1" dirty="0" err="1"/>
+              <a:t>i</a:t>
+            </a:r>
+            <a:r>
+              <a:rPr lang="en-US" altLang="ko-KR" sz="2000" b="1" dirty="0"/>
+              <a:t>]&gt;&gt;&gt;();</a:t>
+            </a:r>
+          </a:p>
+          <a:p>
+            <a:pPr marL="0" indent="0">
+              <a:buNone/>
+            </a:pPr>
+            <a:r>
+              <a:rPr lang="en-US" altLang="ko-KR" sz="2000" b="1" dirty="0"/>
+              <a:t>	 kernel_4&lt;&lt;&lt;grid,block,0,streams[</a:t>
+            </a:r>
+            <a:r>
+              <a:rPr lang="en-US" altLang="ko-KR" sz="2000" b="1" dirty="0" err="1"/>
+              <a:t>i</a:t>
+            </a:r>
+            <a:r>
+              <a:rPr lang="en-US" altLang="ko-KR" sz="2000" b="1" dirty="0"/>
+              <a:t>]&gt;&gt;&gt;();</a:t>
+            </a:r>
+          </a:p>
+          <a:p>
+            <a:pPr marL="0" indent="0">
+              <a:buNone/>
+            </a:pPr>
+            <a:r>
+              <a:rPr lang="en-US" altLang="ko-KR" sz="2000" b="1" dirty="0"/>
+              <a:t>}</a:t>
+            </a:r>
+          </a:p>
+          <a:p>
             <a:endParaRPr lang="ko-KR" altLang="en-US" sz="2400" dirty="0"/>
+          </a:p>
+        </p:txBody>
+      </p:sp>
+    </p:spTree>
+    <p:extLst>
+      <p:ext uri="{BB962C8B-B14F-4D97-AF65-F5344CB8AC3E}">
+        <p14:creationId xmlns:p14="http://schemas.microsoft.com/office/powerpoint/2010/main" val="2591199843"/>
+      </p:ext>
+    </p:extLst>
+  </p:cSld>
+  <p:clrMapOvr>
+    <a:masterClrMapping/>
+  </p:clrMapOvr>
+</p:sld>
+</file>
+
+<file path=ppt/slides/slide34.xml><?xml version="1.0" encoding="utf-8"?>
+<p:sld xmlns:a="http://schemas.openxmlformats.org/drawingml/2006/main" xmlns:r="http://schemas.openxmlformats.org/officeDocument/2006/relationships" xmlns:p="http://schemas.openxmlformats.org/presentationml/2006/main">
+  <p:cSld>
+    <p:spTree>
+      <p:nvGrpSpPr>
+        <p:cNvPr id="1" name=""/>
+        <p:cNvGrpSpPr/>
+        <p:nvPr/>
+      </p:nvGrpSpPr>
+      <p:grpSpPr>
+        <a:xfrm>
+          <a:off x="0" y="0"/>
+          <a:ext cx="0" cy="0"/>
+          <a:chOff x="0" y="0"/>
+          <a:chExt cx="0" cy="0"/>
+        </a:xfrm>
+      </p:grpSpPr>
+      <p:sp>
+        <p:nvSpPr>
+          <p:cNvPr id="3" name="내용 개체 틀 2"/>
+          <p:cNvSpPr>
+            <a:spLocks noGrp="1"/>
+          </p:cNvSpPr>
+          <p:nvPr>
+            <p:ph idx="1"/>
+          </p:nvPr>
+        </p:nvSpPr>
+        <p:spPr/>
+        <p:txBody>
+          <a:bodyPr/>
+          <a:lstStyle/>
+          <a:p>
+            <a:pPr marL="0" indent="0">
+              <a:buNone/>
+            </a:pPr>
+            <a:r>
+              <a:rPr lang="en-US" altLang="ko-KR" sz="2400" dirty="0"/>
+              <a:t>3.Meaure the elapsed time using start and stop events:</a:t>
+            </a:r>
+          </a:p>
+          <a:p>
+            <a:pPr marL="0" indent="0">
+              <a:buNone/>
+            </a:pPr>
+            <a:r>
+              <a:rPr lang="en-US" altLang="ko-KR" sz="2400" b="1" dirty="0"/>
+              <a:t>   </a:t>
+            </a:r>
+            <a:r>
+              <a:rPr lang="en-US" altLang="ko-KR" sz="2000" b="1" dirty="0" err="1"/>
+              <a:t>cudaEvent_t</a:t>
+            </a:r>
+            <a:r>
+              <a:rPr lang="en-US" altLang="ko-KR" sz="2000" b="1" dirty="0"/>
+              <a:t> start, stop;</a:t>
+            </a:r>
+          </a:p>
+          <a:p>
+            <a:pPr marL="0" indent="0">
+              <a:buNone/>
+            </a:pPr>
+            <a:r>
+              <a:rPr lang="en-US" altLang="ko-KR" sz="2000" b="1" dirty="0"/>
+              <a:t>    </a:t>
+            </a:r>
+            <a:r>
+              <a:rPr lang="en-US" altLang="ko-KR" sz="2000" b="1" dirty="0" err="1"/>
+              <a:t>cudaEventCreate</a:t>
+            </a:r>
+            <a:r>
+              <a:rPr lang="en-US" altLang="ko-KR" sz="2000" b="1" dirty="0"/>
+              <a:t>(&amp;start);</a:t>
+            </a:r>
+          </a:p>
+          <a:p>
+            <a:pPr marL="0" indent="0">
+              <a:buNone/>
+            </a:pPr>
+            <a:r>
+              <a:rPr lang="en-US" altLang="ko-KR" sz="2000" b="1" dirty="0"/>
+              <a:t>    </a:t>
+            </a:r>
+            <a:r>
+              <a:rPr lang="en-US" altLang="ko-KR" sz="2000" b="1" dirty="0" err="1"/>
+              <a:t>cudaEventCreate</a:t>
+            </a:r>
+            <a:r>
+              <a:rPr lang="en-US" altLang="ko-KR" sz="2000" b="1" dirty="0"/>
+              <a:t>(&amp;stop);</a:t>
+            </a:r>
+          </a:p>
+          <a:p>
+            <a:pPr marL="0" indent="0">
+              <a:buNone/>
+            </a:pPr>
+            <a:r>
+              <a:rPr lang="en-US" altLang="ko-KR" sz="2000" b="1" dirty="0"/>
+              <a:t>    </a:t>
+            </a:r>
+            <a:r>
+              <a:rPr lang="en-US" altLang="ko-KR" sz="2000" b="1" dirty="0" err="1"/>
+              <a:t>cudaEventRecord</a:t>
+            </a:r>
+            <a:r>
+              <a:rPr lang="en-US" altLang="ko-KR" sz="2000" b="1" dirty="0"/>
+              <a:t>(start); </a:t>
+            </a:r>
+          </a:p>
+          <a:p>
+            <a:pPr marL="0" indent="0">
+              <a:buNone/>
+            </a:pPr>
+            <a:r>
+              <a:rPr lang="en-US" altLang="ko-KR" sz="2000" b="1" dirty="0"/>
+              <a:t>    for(</a:t>
+            </a:r>
+            <a:r>
+              <a:rPr lang="en-US" altLang="ko-KR" sz="2000" b="1" dirty="0" err="1"/>
+              <a:t>int</a:t>
+            </a:r>
+            <a:r>
+              <a:rPr lang="en-US" altLang="ko-KR" sz="2000" b="1" dirty="0"/>
+              <a:t> </a:t>
+            </a:r>
+            <a:r>
+              <a:rPr lang="en-US" altLang="ko-KR" sz="2000" b="1" dirty="0" err="1"/>
+              <a:t>i</a:t>
+            </a:r>
+            <a:r>
+              <a:rPr lang="en-US" altLang="ko-KR" sz="2000" b="1" dirty="0"/>
+              <a:t>=0; </a:t>
+            </a:r>
+            <a:r>
+              <a:rPr lang="en-US" altLang="ko-KR" sz="2000" b="1" dirty="0" err="1"/>
+              <a:t>i</a:t>
+            </a:r>
+            <a:r>
+              <a:rPr lang="en-US" altLang="ko-KR" sz="2000" b="1" dirty="0"/>
+              <a:t>&lt;</a:t>
+            </a:r>
+            <a:r>
+              <a:rPr lang="en-US" altLang="ko-KR" sz="2000" b="1" dirty="0" err="1"/>
+              <a:t>n_streams</a:t>
+            </a:r>
+            <a:r>
+              <a:rPr lang="en-US" altLang="ko-KR" sz="2000" b="1" dirty="0"/>
+              <a:t>; </a:t>
+            </a:r>
+            <a:r>
+              <a:rPr lang="en-US" altLang="ko-KR" sz="2000" b="1" dirty="0" err="1"/>
+              <a:t>i</a:t>
+            </a:r>
+            <a:r>
+              <a:rPr lang="en-US" altLang="ko-KR" sz="2000" b="1" dirty="0"/>
+              <a:t>++) {</a:t>
+            </a:r>
+          </a:p>
+          <a:p>
+            <a:pPr marL="0" indent="0">
+              <a:buNone/>
+            </a:pPr>
+            <a:r>
+              <a:rPr lang="en-US" altLang="ko-KR" sz="2000" b="1" dirty="0"/>
+              <a:t>	….</a:t>
+            </a:r>
+          </a:p>
+          <a:p>
+            <a:pPr marL="0" indent="0">
+              <a:buNone/>
+            </a:pPr>
+            <a:r>
+              <a:rPr lang="en-US" altLang="ko-KR" sz="2000" b="1" dirty="0"/>
+              <a:t>    }</a:t>
+            </a:r>
+          </a:p>
+          <a:p>
+            <a:pPr marL="0" indent="0">
+              <a:buNone/>
+            </a:pPr>
+            <a:r>
+              <a:rPr lang="en-US" altLang="ko-KR" sz="2000" b="1" dirty="0"/>
+              <a:t>    </a:t>
+            </a:r>
+            <a:r>
+              <a:rPr lang="en-US" altLang="ko-KR" sz="2000" b="1" dirty="0" err="1"/>
+              <a:t>cudaEventRecord</a:t>
+            </a:r>
+            <a:r>
+              <a:rPr lang="en-US" altLang="ko-KR" sz="2000" b="1" dirty="0"/>
+              <a:t>(stop);</a:t>
+            </a:r>
+          </a:p>
+          <a:p>
+            <a:pPr marL="0" indent="0">
+              <a:buNone/>
+            </a:pPr>
+            <a:r>
+              <a:rPr lang="en-US" altLang="ko-KR" sz="2000" b="1" dirty="0"/>
+              <a:t>    </a:t>
+            </a:r>
+            <a:r>
+              <a:rPr lang="en-US" altLang="ko-KR" sz="2000" b="1" dirty="0" err="1"/>
+              <a:t>cudaEventSynchronize</a:t>
+            </a:r>
+            <a:r>
+              <a:rPr lang="en-US" altLang="ko-KR" sz="2000" b="1" dirty="0"/>
+              <a:t>(stop);</a:t>
+            </a:r>
+          </a:p>
+          <a:p>
+            <a:pPr marL="0" indent="0">
+              <a:buNone/>
+            </a:pPr>
+            <a:r>
+              <a:rPr lang="en-US" altLang="ko-KR" sz="2000" b="1" dirty="0"/>
+              <a:t>    </a:t>
+            </a:r>
+            <a:r>
+              <a:rPr lang="en-US" altLang="ko-KR" sz="2000" b="1" dirty="0" err="1"/>
+              <a:t>cudaEventElapsedTime</a:t>
+            </a:r>
+            <a:r>
+              <a:rPr lang="en-US" altLang="ko-KR" sz="2000" b="1" dirty="0"/>
+              <a:t>(&amp;</a:t>
+            </a:r>
+            <a:r>
+              <a:rPr lang="en-US" altLang="ko-KR" sz="2000" b="1" dirty="0" err="1"/>
+              <a:t>elapsed_time</a:t>
+            </a:r>
+            <a:r>
+              <a:rPr lang="en-US" altLang="ko-KR" sz="2000" b="1" dirty="0"/>
+              <a:t>, </a:t>
+            </a:r>
+            <a:r>
+              <a:rPr lang="en-US" altLang="ko-KR" sz="2000" b="1" dirty="0" err="1"/>
+              <a:t>start,stop</a:t>
+            </a:r>
+            <a:r>
+              <a:rPr lang="en-US" altLang="ko-KR" sz="2000" b="1" dirty="0"/>
+              <a:t>);</a:t>
+            </a:r>
+          </a:p>
+          <a:p>
+            <a:pPr marL="0" indent="0">
+              <a:buNone/>
+            </a:pPr>
+            <a:endParaRPr lang="en-US" altLang="ko-KR" sz="2000" b="1" dirty="0"/>
+          </a:p>
+          <a:p>
+            <a:pPr marL="0" indent="0">
+              <a:buNone/>
+            </a:pPr>
+            <a:endParaRPr lang="ko-KR" altLang="en-US" sz="2000" dirty="0"/>
+          </a:p>
+        </p:txBody>
+      </p:sp>
+    </p:spTree>
+    <p:extLst>
+      <p:ext uri="{BB962C8B-B14F-4D97-AF65-F5344CB8AC3E}">
+        <p14:creationId xmlns:p14="http://schemas.microsoft.com/office/powerpoint/2010/main" val="785573270"/>
+      </p:ext>
+    </p:extLst>
+  </p:cSld>
+  <p:clrMapOvr>
+    <a:masterClrMapping/>
+  </p:clrMapOvr>
+</p:sld>
+</file>
+
+<file path=ppt/slides/slide35.xml><?xml version="1.0" encoding="utf-8"?>
+<p:sld xmlns:a="http://schemas.openxmlformats.org/drawingml/2006/main" xmlns:r="http://schemas.openxmlformats.org/officeDocument/2006/relationships" xmlns:p="http://schemas.openxmlformats.org/presentationml/2006/main">
+  <p:cSld>
+    <p:spTree>
+      <p:nvGrpSpPr>
+        <p:cNvPr id="1" name=""/>
+        <p:cNvGrpSpPr/>
+        <p:nvPr/>
+      </p:nvGrpSpPr>
+      <p:grpSpPr>
+        <a:xfrm>
+          <a:off x="0" y="0"/>
+          <a:ext cx="0" cy="0"/>
+          <a:chOff x="0" y="0"/>
+          <a:chExt cx="0" cy="0"/>
+        </a:xfrm>
+      </p:grpSpPr>
+      <p:sp>
+        <p:nvSpPr>
+          <p:cNvPr id="2" name="제목 1"/>
+          <p:cNvSpPr>
+            <a:spLocks noGrp="1"/>
+          </p:cNvSpPr>
+          <p:nvPr>
+            <p:ph type="title"/>
+          </p:nvPr>
+        </p:nvSpPr>
+        <p:spPr/>
+        <p:txBody>
+          <a:bodyPr/>
+          <a:lstStyle/>
+          <a:p>
+            <a:r>
+              <a:rPr lang="en-US" altLang="ko-KR" sz="4000" dirty="0"/>
+              <a:t>Concurrent Kernel in Non-NULL Streams</a:t>
+            </a:r>
+            <a:endParaRPr lang="ko-KR" altLang="en-US" sz="4000" dirty="0"/>
           </a:p>
         </p:txBody>
       </p:sp>
@@ -11712,7 +11932,7 @@
 </p:sld>
 </file>
 
-<file path=ppt/slides/slide34.xml><?xml version="1.0" encoding="utf-8"?>
+<file path=ppt/slides/slide36.xml><?xml version="1.0" encoding="utf-8"?>
 <p:sld xmlns:a="http://schemas.openxmlformats.org/drawingml/2006/main" xmlns:r="http://schemas.openxmlformats.org/officeDocument/2006/relationships" xmlns:p="http://schemas.openxmlformats.org/presentationml/2006/main">
   <p:cSld>
     <p:spTree>
@@ -11879,7 +12099,7 @@
 </p:sld>
 </file>
 
-<file path=ppt/slides/slide35.xml><?xml version="1.0" encoding="utf-8"?>
+<file path=ppt/slides/slide37.xml><?xml version="1.0" encoding="utf-8"?>
 <p:sld xmlns:a="http://schemas.openxmlformats.org/drawingml/2006/main" xmlns:r="http://schemas.openxmlformats.org/officeDocument/2006/relationships" xmlns:p="http://schemas.openxmlformats.org/presentationml/2006/main">
   <p:cSld>
     <p:spTree>
@@ -11932,7 +12152,7 @@
 </p:sld>
 </file>
 
-<file path=ppt/slides/slide36.xml><?xml version="1.0" encoding="utf-8"?>
+<file path=ppt/slides/slide38.xml><?xml version="1.0" encoding="utf-8"?>
 <p:sld xmlns:a="http://schemas.openxmlformats.org/drawingml/2006/main" xmlns:r="http://schemas.openxmlformats.org/officeDocument/2006/relationships" xmlns:p="http://schemas.openxmlformats.org/presentationml/2006/main">
   <p:cSld>
     <p:spTree>
@@ -12102,7 +12322,7 @@
 </p:sld>
 </file>
 
-<file path=ppt/slides/slide37.xml><?xml version="1.0" encoding="utf-8"?>
+<file path=ppt/slides/slide39.xml><?xml version="1.0" encoding="utf-8"?>
 <p:sld xmlns:a="http://schemas.openxmlformats.org/drawingml/2006/main" xmlns:r="http://schemas.openxmlformats.org/officeDocument/2006/relationships" xmlns:p="http://schemas.openxmlformats.org/presentationml/2006/main">
   <p:cSld>
     <p:spTree>
@@ -12119,25 +12339,6 @@
           <a:chExt cx="0" cy="0"/>
         </a:xfrm>
       </p:grpSpPr>
-      <p:sp>
-        <p:nvSpPr>
-          <p:cNvPr id="2" name="제목 1"/>
-          <p:cNvSpPr>
-            <a:spLocks noGrp="1"/>
-          </p:cNvSpPr>
-          <p:nvPr>
-            <p:ph type="title"/>
-          </p:nvPr>
-        </p:nvSpPr>
-        <p:spPr/>
-        <p:txBody>
-          <a:bodyPr/>
-          <a:lstStyle/>
-          <a:p>
-            <a:endParaRPr lang="ko-KR" altLang="en-US" dirty="0"/>
-          </a:p>
-        </p:txBody>
-      </p:sp>
       <p:pic>
         <p:nvPicPr>
           <p:cNvPr id="5122" name="Picture 2"/>
@@ -12268,7 +12469,170 @@
 </p:sld>
 </file>
 
-<file path=ppt/slides/slide38.xml><?xml version="1.0" encoding="utf-8"?>
+<file path=ppt/slides/slide4.xml><?xml version="1.0" encoding="utf-8"?>
+<p:sld xmlns:a="http://schemas.openxmlformats.org/drawingml/2006/main" xmlns:r="http://schemas.openxmlformats.org/officeDocument/2006/relationships" xmlns:p="http://schemas.openxmlformats.org/presentationml/2006/main">
+  <p:cSld>
+    <p:spTree>
+      <p:nvGrpSpPr>
+        <p:cNvPr id="1" name=""/>
+        <p:cNvGrpSpPr/>
+        <p:nvPr/>
+      </p:nvGrpSpPr>
+      <p:grpSpPr>
+        <a:xfrm>
+          <a:off x="0" y="0"/>
+          <a:ext cx="0" cy="0"/>
+          <a:chOff x="0" y="0"/>
+          <a:chExt cx="0" cy="0"/>
+        </a:xfrm>
+      </p:grpSpPr>
+      <p:sp>
+        <p:nvSpPr>
+          <p:cNvPr id="2" name="제목 1"/>
+          <p:cNvSpPr>
+            <a:spLocks noGrp="1"/>
+          </p:cNvSpPr>
+          <p:nvPr>
+            <p:ph type="title"/>
+          </p:nvPr>
+        </p:nvSpPr>
+        <p:spPr/>
+        <p:txBody>
+          <a:bodyPr/>
+          <a:lstStyle/>
+          <a:p>
+            <a:r>
+              <a:rPr lang="en-US" altLang="ko-KR" dirty="0"/>
+              <a:t>Concurrency</a:t>
+            </a:r>
+            <a:endParaRPr lang="ko-KR" altLang="en-US" dirty="0"/>
+          </a:p>
+        </p:txBody>
+      </p:sp>
+      <p:pic>
+        <p:nvPicPr>
+          <p:cNvPr id="1026" name="Picture 2"/>
+          <p:cNvPicPr>
+            <a:picLocks noChangeAspect="1" noChangeArrowheads="1"/>
+          </p:cNvPicPr>
+          <p:nvPr/>
+        </p:nvPicPr>
+        <p:blipFill>
+          <a:blip r:embed="rId2">
+            <a:extLst>
+              <a:ext uri="{28A0092B-C50C-407E-A947-70E740481C1C}">
+                <a14:useLocalDpi xmlns:a14="http://schemas.microsoft.com/office/drawing/2010/main" val="0"/>
+              </a:ext>
+            </a:extLst>
+          </a:blip>
+          <a:srcRect/>
+          <a:stretch>
+            <a:fillRect/>
+          </a:stretch>
+        </p:blipFill>
+        <p:spPr bwMode="auto">
+          <a:xfrm>
+            <a:off x="16748" y="1988840"/>
+            <a:ext cx="9061993" cy="3699867"/>
+          </a:xfrm>
+          <a:prstGeom prst="rect">
+            <a:avLst/>
+          </a:prstGeom>
+          <a:noFill/>
+          <a:ln>
+            <a:noFill/>
+          </a:ln>
+          <a:effectLst/>
+          <a:extLst>
+            <a:ext uri="{909E8E84-426E-40DD-AFC4-6F175D3DCCD1}">
+              <a14:hiddenFill xmlns:a14="http://schemas.microsoft.com/office/drawing/2010/main">
+                <a:solidFill>
+                  <a:schemeClr val="accent1"/>
+                </a:solidFill>
+              </a14:hiddenFill>
+            </a:ext>
+            <a:ext uri="{91240B29-F687-4F45-9708-019B960494DF}">
+              <a14:hiddenLine xmlns:a14="http://schemas.microsoft.com/office/drawing/2010/main" w="9525">
+                <a:solidFill>
+                  <a:schemeClr val="tx1"/>
+                </a:solidFill>
+                <a:miter lim="800000"/>
+                <a:headEnd/>
+                <a:tailEnd/>
+              </a14:hiddenLine>
+            </a:ext>
+            <a:ext uri="{AF507438-7753-43E0-B8FC-AC1667EBCBE1}">
+              <a14:hiddenEffects xmlns:a14="http://schemas.microsoft.com/office/drawing/2010/main">
+                <a:effectLst>
+                  <a:outerShdw dist="35921" dir="2700000" algn="ctr" rotWithShape="0">
+                    <a:schemeClr val="bg2"/>
+                  </a:outerShdw>
+                </a:effectLst>
+              </a14:hiddenEffects>
+            </a:ext>
+          </a:extLst>
+        </p:spPr>
+      </p:pic>
+      <p:sp>
+        <p:nvSpPr>
+          <p:cNvPr id="4" name="TextBox 3"/>
+          <p:cNvSpPr txBox="1"/>
+          <p:nvPr/>
+        </p:nvSpPr>
+        <p:spPr>
+          <a:xfrm>
+            <a:off x="5662036" y="5871624"/>
+            <a:ext cx="3096344" cy="369332"/>
+          </a:xfrm>
+          <a:prstGeom prst="rect">
+            <a:avLst/>
+          </a:prstGeom>
+          <a:noFill/>
+        </p:spPr>
+        <p:txBody>
+          <a:bodyPr wrap="square" rtlCol="0">
+            <a:spAutoFit/>
+          </a:bodyPr>
+          <a:lstStyle/>
+          <a:p>
+            <a:r>
+              <a:rPr lang="en-US" altLang="ko-KR" sz="1400" dirty="0">
+                <a:latin typeface="+mn-lt"/>
+              </a:rPr>
+              <a:t>[Justin </a:t>
+            </a:r>
+            <a:r>
+              <a:rPr lang="en-US" altLang="ko-KR" sz="1400" dirty="0" err="1">
+                <a:latin typeface="+mn-lt"/>
+              </a:rPr>
+              <a:t>Luitjens,NVIDIA</a:t>
+            </a:r>
+            <a:r>
+              <a:rPr lang="en-US" altLang="ko-KR" dirty="0">
+                <a:latin typeface="+mn-lt"/>
+              </a:rPr>
+              <a:t>]</a:t>
+            </a:r>
+            <a:endParaRPr lang="ko-KR" altLang="en-US" dirty="0">
+              <a:latin typeface="+mn-lt"/>
+            </a:endParaRPr>
+          </a:p>
+        </p:txBody>
+      </p:sp>
+    </p:spTree>
+    <p:extLst>
+      <p:ext uri="{BB962C8B-B14F-4D97-AF65-F5344CB8AC3E}">
+        <p14:creationId xmlns:p14="http://schemas.microsoft.com/office/powerpoint/2010/main" val="1129500467"/>
+      </p:ext>
+    </p:extLst>
+  </p:cSld>
+  <p:clrMapOvr>
+    <a:masterClrMapping/>
+  </p:clrMapOvr>
+</p:sld>
+</file>
+
+<file path=ppt/slides/slide40.xml><?xml version="1.0" encoding="utf-8"?>
 <p:sld xmlns:a="http://schemas.openxmlformats.org/drawingml/2006/main" xmlns:r="http://schemas.openxmlformats.org/officeDocument/2006/relationships" xmlns:p="http://schemas.openxmlformats.org/presentationml/2006/main">
   <p:cSld>
     <p:spTree>
@@ -12354,7 +12718,7 @@
 </p:sld>
 </file>
 
-<file path=ppt/slides/slide39.xml><?xml version="1.0" encoding="utf-8"?>
+<file path=ppt/slides/slide41.xml><?xml version="1.0" encoding="utf-8"?>
 <p:sld xmlns:a="http://schemas.openxmlformats.org/drawingml/2006/main" xmlns:r="http://schemas.openxmlformats.org/officeDocument/2006/relationships" xmlns:p="http://schemas.openxmlformats.org/presentationml/2006/main">
   <p:cSld>
     <p:spTree>
@@ -12440,170 +12804,7 @@
 </p:sld>
 </file>
 
-<file path=ppt/slides/slide4.xml><?xml version="1.0" encoding="utf-8"?>
-<p:sld xmlns:a="http://schemas.openxmlformats.org/drawingml/2006/main" xmlns:r="http://schemas.openxmlformats.org/officeDocument/2006/relationships" xmlns:p="http://schemas.openxmlformats.org/presentationml/2006/main">
-  <p:cSld>
-    <p:spTree>
-      <p:nvGrpSpPr>
-        <p:cNvPr id="1" name=""/>
-        <p:cNvGrpSpPr/>
-        <p:nvPr/>
-      </p:nvGrpSpPr>
-      <p:grpSpPr>
-        <a:xfrm>
-          <a:off x="0" y="0"/>
-          <a:ext cx="0" cy="0"/>
-          <a:chOff x="0" y="0"/>
-          <a:chExt cx="0" cy="0"/>
-        </a:xfrm>
-      </p:grpSpPr>
-      <p:sp>
-        <p:nvSpPr>
-          <p:cNvPr id="2" name="제목 1"/>
-          <p:cNvSpPr>
-            <a:spLocks noGrp="1"/>
-          </p:cNvSpPr>
-          <p:nvPr>
-            <p:ph type="title"/>
-          </p:nvPr>
-        </p:nvSpPr>
-        <p:spPr/>
-        <p:txBody>
-          <a:bodyPr/>
-          <a:lstStyle/>
-          <a:p>
-            <a:r>
-              <a:rPr lang="en-US" altLang="ko-KR" dirty="0"/>
-              <a:t>Concurrency</a:t>
-            </a:r>
-            <a:endParaRPr lang="ko-KR" altLang="en-US" dirty="0"/>
-          </a:p>
-        </p:txBody>
-      </p:sp>
-      <p:pic>
-        <p:nvPicPr>
-          <p:cNvPr id="1026" name="Picture 2"/>
-          <p:cNvPicPr>
-            <a:picLocks noChangeAspect="1" noChangeArrowheads="1"/>
-          </p:cNvPicPr>
-          <p:nvPr/>
-        </p:nvPicPr>
-        <p:blipFill>
-          <a:blip r:embed="rId2">
-            <a:extLst>
-              <a:ext uri="{28A0092B-C50C-407E-A947-70E740481C1C}">
-                <a14:useLocalDpi xmlns:a14="http://schemas.microsoft.com/office/drawing/2010/main" val="0"/>
-              </a:ext>
-            </a:extLst>
-          </a:blip>
-          <a:srcRect/>
-          <a:stretch>
-            <a:fillRect/>
-          </a:stretch>
-        </p:blipFill>
-        <p:spPr bwMode="auto">
-          <a:xfrm>
-            <a:off x="16748" y="1988840"/>
-            <a:ext cx="9061993" cy="3699867"/>
-          </a:xfrm>
-          <a:prstGeom prst="rect">
-            <a:avLst/>
-          </a:prstGeom>
-          <a:noFill/>
-          <a:ln>
-            <a:noFill/>
-          </a:ln>
-          <a:effectLst/>
-          <a:extLst>
-            <a:ext uri="{909E8E84-426E-40DD-AFC4-6F175D3DCCD1}">
-              <a14:hiddenFill xmlns:a14="http://schemas.microsoft.com/office/drawing/2010/main">
-                <a:solidFill>
-                  <a:schemeClr val="accent1"/>
-                </a:solidFill>
-              </a14:hiddenFill>
-            </a:ext>
-            <a:ext uri="{91240B29-F687-4F45-9708-019B960494DF}">
-              <a14:hiddenLine xmlns:a14="http://schemas.microsoft.com/office/drawing/2010/main" w="9525">
-                <a:solidFill>
-                  <a:schemeClr val="tx1"/>
-                </a:solidFill>
-                <a:miter lim="800000"/>
-                <a:headEnd/>
-                <a:tailEnd/>
-              </a14:hiddenLine>
-            </a:ext>
-            <a:ext uri="{AF507438-7753-43E0-B8FC-AC1667EBCBE1}">
-              <a14:hiddenEffects xmlns:a14="http://schemas.microsoft.com/office/drawing/2010/main">
-                <a:effectLst>
-                  <a:outerShdw dist="35921" dir="2700000" algn="ctr" rotWithShape="0">
-                    <a:schemeClr val="bg2"/>
-                  </a:outerShdw>
-                </a:effectLst>
-              </a14:hiddenEffects>
-            </a:ext>
-          </a:extLst>
-        </p:spPr>
-      </p:pic>
-      <p:sp>
-        <p:nvSpPr>
-          <p:cNvPr id="4" name="TextBox 3"/>
-          <p:cNvSpPr txBox="1"/>
-          <p:nvPr/>
-        </p:nvSpPr>
-        <p:spPr>
-          <a:xfrm>
-            <a:off x="5662036" y="5871624"/>
-            <a:ext cx="3096344" cy="369332"/>
-          </a:xfrm>
-          <a:prstGeom prst="rect">
-            <a:avLst/>
-          </a:prstGeom>
-          <a:noFill/>
-        </p:spPr>
-        <p:txBody>
-          <a:bodyPr wrap="square" rtlCol="0">
-            <a:spAutoFit/>
-          </a:bodyPr>
-          <a:lstStyle/>
-          <a:p>
-            <a:r>
-              <a:rPr lang="en-US" altLang="ko-KR" sz="1400" dirty="0">
-                <a:latin typeface="+mn-lt"/>
-              </a:rPr>
-              <a:t>[Justin </a:t>
-            </a:r>
-            <a:r>
-              <a:rPr lang="en-US" altLang="ko-KR" sz="1400" dirty="0" err="1">
-                <a:latin typeface="+mn-lt"/>
-              </a:rPr>
-              <a:t>Luitjens,NVIDIA</a:t>
-            </a:r>
-            <a:r>
-              <a:rPr lang="en-US" altLang="ko-KR" dirty="0">
-                <a:latin typeface="+mn-lt"/>
-              </a:rPr>
-              <a:t>]</a:t>
-            </a:r>
-            <a:endParaRPr lang="ko-KR" altLang="en-US" dirty="0">
-              <a:latin typeface="+mn-lt"/>
-            </a:endParaRPr>
-          </a:p>
-        </p:txBody>
-      </p:sp>
-    </p:spTree>
-    <p:extLst>
-      <p:ext uri="{BB962C8B-B14F-4D97-AF65-F5344CB8AC3E}">
-        <p14:creationId xmlns:p14="http://schemas.microsoft.com/office/powerpoint/2010/main" val="1129500467"/>
-      </p:ext>
-    </p:extLst>
-  </p:cSld>
-  <p:clrMapOvr>
-    <a:masterClrMapping/>
-  </p:clrMapOvr>
-</p:sld>
-</file>
-
-<file path=ppt/slides/slide40.xml><?xml version="1.0" encoding="utf-8"?>
+<file path=ppt/slides/slide42.xml><?xml version="1.0" encoding="utf-8"?>
 <p:sld xmlns:a="http://schemas.openxmlformats.org/drawingml/2006/main" xmlns:r="http://schemas.openxmlformats.org/officeDocument/2006/relationships" xmlns:p="http://schemas.openxmlformats.org/presentationml/2006/main">
   <p:cSld>
     <p:spTree>
@@ -12751,7 +12952,7 @@
 </p:sld>
 </file>
 
-<file path=ppt/slides/slide41.xml><?xml version="1.0" encoding="utf-8"?>
+<file path=ppt/slides/slide43.xml><?xml version="1.0" encoding="utf-8"?>
 <p:sld xmlns:a="http://schemas.openxmlformats.org/drawingml/2006/main" xmlns:r="http://schemas.openxmlformats.org/officeDocument/2006/relationships" xmlns:p="http://schemas.openxmlformats.org/presentationml/2006/main">
   <p:cSld>
     <p:spTree>
@@ -12837,7 +13038,7 @@
 </p:sld>
 </file>
 
-<file path=ppt/slides/slide42.xml><?xml version="1.0" encoding="utf-8"?>
+<file path=ppt/slides/slide44.xml><?xml version="1.0" encoding="utf-8"?>
 <p:sld xmlns:a="http://schemas.openxmlformats.org/drawingml/2006/main" xmlns:r="http://schemas.openxmlformats.org/officeDocument/2006/relationships" xmlns:p="http://schemas.openxmlformats.org/presentationml/2006/main">
   <p:cSld>
     <p:spTree>
@@ -12949,7 +13150,7 @@
             </a:r>
             <a:r>
               <a:rPr lang="en-US" altLang="ko-KR" sz="2400" b="1" dirty="0"/>
-              <a:t>=“CUDA_DEVICE_MAX_COMNNECTIONS”;</a:t>
+              <a:t>=“CUDA_DEVICE_MAX_CONNECTIONS”;</a:t>
             </a:r>
           </a:p>
           <a:p>
@@ -12962,6 +13163,18 @@
               <a:rPr lang="en-US" altLang="ko-KR" sz="2400" b="1" dirty="0"/>
               <a:t>(iname,”4”,1);</a:t>
             </a:r>
+          </a:p>
+          <a:p>
+            <a:pPr lvl="1"/>
+            <a:r>
+              <a:rPr lang="en-US" altLang="ko-KR" sz="2400" b="1" dirty="0"/>
+              <a:t>CUDA_DEVICE_MAX_CONNECTIONS : hyper-q </a:t>
+            </a:r>
+            <a:r>
+              <a:rPr lang="ko-KR" altLang="en-US" sz="2400" b="1" dirty="0" err="1"/>
+              <a:t>갯수</a:t>
+            </a:r>
+            <a:endParaRPr lang="en-US" altLang="ko-KR" sz="2400" b="1" dirty="0"/>
           </a:p>
           <a:p>
             <a:pPr lvl="1"/>
@@ -12992,7 +13205,7 @@
 </p:sld>
 </file>
 
-<file path=ppt/slides/slide43.xml><?xml version="1.0" encoding="utf-8"?>
+<file path=ppt/slides/slide45.xml><?xml version="1.0" encoding="utf-8"?>
 <p:sld xmlns:a="http://schemas.openxmlformats.org/drawingml/2006/main" xmlns:r="http://schemas.openxmlformats.org/officeDocument/2006/relationships" xmlns:p="http://schemas.openxmlformats.org/presentationml/2006/main">
   <p:cSld>
     <p:spTree>
@@ -13106,7 +13319,7 @@
 </p:sld>
 </file>
 
-<file path=ppt/slides/slide44.xml><?xml version="1.0" encoding="utf-8"?>
+<file path=ppt/slides/slide46.xml><?xml version="1.0" encoding="utf-8"?>
 <p:sld xmlns:a="http://schemas.openxmlformats.org/drawingml/2006/main" xmlns:r="http://schemas.openxmlformats.org/officeDocument/2006/relationships" xmlns:p="http://schemas.openxmlformats.org/presentationml/2006/main">
   <p:cSld>
     <p:spTree>
@@ -13311,7 +13524,7 @@
 </p:sld>
 </file>
 
-<file path=ppt/slides/slide45.xml><?xml version="1.0" encoding="utf-8"?>
+<file path=ppt/slides/slide47.xml><?xml version="1.0" encoding="utf-8"?>
 <p:sld xmlns:a="http://schemas.openxmlformats.org/drawingml/2006/main" xmlns:r="http://schemas.openxmlformats.org/officeDocument/2006/relationships" xmlns:p="http://schemas.openxmlformats.org/presentationml/2006/main">
   <p:cSld>
     <p:spTree>
@@ -13452,7 +13665,7 @@
 </p:sld>
 </file>
 
-<file path=ppt/slides/slide46.xml><?xml version="1.0" encoding="utf-8"?>
+<file path=ppt/slides/slide48.xml><?xml version="1.0" encoding="utf-8"?>
 <p:sld xmlns:a="http://schemas.openxmlformats.org/drawingml/2006/main" xmlns:r="http://schemas.openxmlformats.org/officeDocument/2006/relationships" xmlns:p="http://schemas.openxmlformats.org/presentationml/2006/main">
   <p:cSld>
     <p:spTree>
@@ -13574,408 +13787,6 @@
 </p:sld>
 </file>
 
-<file path=ppt/slides/slide47.xml><?xml version="1.0" encoding="utf-8"?>
-<p:sld xmlns:a="http://schemas.openxmlformats.org/drawingml/2006/main" xmlns:r="http://schemas.openxmlformats.org/officeDocument/2006/relationships" xmlns:p="http://schemas.openxmlformats.org/presentationml/2006/main">
-  <p:cSld>
-    <p:spTree>
-      <p:nvGrpSpPr>
-        <p:cNvPr id="1" name=""/>
-        <p:cNvGrpSpPr/>
-        <p:nvPr/>
-      </p:nvGrpSpPr>
-      <p:grpSpPr>
-        <a:xfrm>
-          <a:off x="0" y="0"/>
-          <a:ext cx="0" cy="0"/>
-          <a:chOff x="0" y="0"/>
-          <a:chExt cx="0" cy="0"/>
-        </a:xfrm>
-      </p:grpSpPr>
-      <p:sp>
-        <p:nvSpPr>
-          <p:cNvPr id="2" name="제목 1"/>
-          <p:cNvSpPr>
-            <a:spLocks noGrp="1"/>
-          </p:cNvSpPr>
-          <p:nvPr>
-            <p:ph type="title"/>
-          </p:nvPr>
-        </p:nvSpPr>
-        <p:spPr/>
-        <p:txBody>
-          <a:bodyPr/>
-          <a:lstStyle/>
-          <a:p>
-            <a:r>
-              <a:rPr lang="en-US" altLang="ko-KR" dirty="0"/>
-              <a:t>Breadth-First approach</a:t>
-            </a:r>
-            <a:endParaRPr lang="ko-KR" altLang="en-US" dirty="0"/>
-          </a:p>
-        </p:txBody>
-      </p:sp>
-      <p:sp>
-        <p:nvSpPr>
-          <p:cNvPr id="3" name="내용 개체 틀 2"/>
-          <p:cNvSpPr>
-            <a:spLocks noGrp="1"/>
-          </p:cNvSpPr>
-          <p:nvPr>
-            <p:ph idx="1"/>
-          </p:nvPr>
-        </p:nvSpPr>
-        <p:spPr>
-          <a:xfrm>
-            <a:off x="179512" y="1600200"/>
-            <a:ext cx="8856984" cy="4925144"/>
-          </a:xfrm>
-        </p:spPr>
-        <p:txBody>
-          <a:bodyPr/>
-          <a:lstStyle/>
-          <a:p>
-            <a:pPr marL="0" indent="0">
-              <a:buNone/>
-            </a:pPr>
-            <a:r>
-              <a:rPr lang="en-US" altLang="ko-KR" b="1" dirty="0"/>
-              <a:t>for(</a:t>
-            </a:r>
-            <a:r>
-              <a:rPr lang="en-US" altLang="ko-KR" b="1" dirty="0" err="1"/>
-              <a:t>int</a:t>
-            </a:r>
-            <a:r>
-              <a:rPr lang="en-US" altLang="ko-KR" b="1" dirty="0"/>
-              <a:t> </a:t>
-            </a:r>
-            <a:r>
-              <a:rPr lang="en-US" altLang="ko-KR" b="1" dirty="0" err="1"/>
-              <a:t>i</a:t>
-            </a:r>
-            <a:r>
-              <a:rPr lang="en-US" altLang="ko-KR" b="1" dirty="0"/>
-              <a:t>=0;i&lt;</a:t>
-            </a:r>
-            <a:r>
-              <a:rPr lang="en-US" altLang="ko-KR" b="1" dirty="0" err="1"/>
-              <a:t>n_streams;i</a:t>
-            </a:r>
-            <a:r>
-              <a:rPr lang="en-US" altLang="ko-KR" b="1" dirty="0"/>
-              <a:t>++)</a:t>
-            </a:r>
-          </a:p>
-          <a:p>
-            <a:pPr marL="0" indent="0">
-              <a:buNone/>
-            </a:pPr>
-            <a:r>
-              <a:rPr lang="en-US" altLang="ko-KR" b="1" dirty="0"/>
-              <a:t>	 kernel_1&lt;&lt;&lt;grid,block,0,streams[</a:t>
-            </a:r>
-            <a:r>
-              <a:rPr lang="en-US" altLang="ko-KR" b="1" dirty="0" err="1"/>
-              <a:t>i</a:t>
-            </a:r>
-            <a:r>
-              <a:rPr lang="en-US" altLang="ko-KR" b="1" dirty="0"/>
-              <a:t>]&gt;&gt;&gt;();</a:t>
-            </a:r>
-          </a:p>
-          <a:p>
-            <a:pPr marL="0" indent="0">
-              <a:buNone/>
-            </a:pPr>
-            <a:r>
-              <a:rPr lang="en-US" altLang="ko-KR" b="1" dirty="0"/>
-              <a:t>for(</a:t>
-            </a:r>
-            <a:r>
-              <a:rPr lang="en-US" altLang="ko-KR" b="1" dirty="0" err="1"/>
-              <a:t>int</a:t>
-            </a:r>
-            <a:r>
-              <a:rPr lang="en-US" altLang="ko-KR" b="1" dirty="0"/>
-              <a:t> </a:t>
-            </a:r>
-            <a:r>
-              <a:rPr lang="en-US" altLang="ko-KR" b="1" dirty="0" err="1"/>
-              <a:t>i</a:t>
-            </a:r>
-            <a:r>
-              <a:rPr lang="en-US" altLang="ko-KR" b="1" dirty="0"/>
-              <a:t>=0;i&lt;</a:t>
-            </a:r>
-            <a:r>
-              <a:rPr lang="en-US" altLang="ko-KR" b="1" dirty="0" err="1"/>
-              <a:t>n_streams;i</a:t>
-            </a:r>
-            <a:r>
-              <a:rPr lang="en-US" altLang="ko-KR" b="1" dirty="0"/>
-              <a:t>++)</a:t>
-            </a:r>
-          </a:p>
-          <a:p>
-            <a:pPr marL="0" indent="0">
-              <a:buNone/>
-            </a:pPr>
-            <a:r>
-              <a:rPr lang="en-US" altLang="ko-KR" b="1" dirty="0"/>
-              <a:t>	 kernel_2&lt;&lt;&lt;grid,block,0,streams[</a:t>
-            </a:r>
-            <a:r>
-              <a:rPr lang="en-US" altLang="ko-KR" b="1" dirty="0" err="1"/>
-              <a:t>i</a:t>
-            </a:r>
-            <a:r>
-              <a:rPr lang="en-US" altLang="ko-KR" b="1" dirty="0"/>
-              <a:t>]&gt;&gt;&gt;();</a:t>
-            </a:r>
-          </a:p>
-          <a:p>
-            <a:pPr marL="0" indent="0">
-              <a:buNone/>
-            </a:pPr>
-            <a:r>
-              <a:rPr lang="en-US" altLang="ko-KR" b="1" dirty="0"/>
-              <a:t>for(</a:t>
-            </a:r>
-            <a:r>
-              <a:rPr lang="en-US" altLang="ko-KR" b="1" dirty="0" err="1"/>
-              <a:t>int</a:t>
-            </a:r>
-            <a:r>
-              <a:rPr lang="en-US" altLang="ko-KR" b="1" dirty="0"/>
-              <a:t> </a:t>
-            </a:r>
-            <a:r>
-              <a:rPr lang="en-US" altLang="ko-KR" b="1" dirty="0" err="1"/>
-              <a:t>i</a:t>
-            </a:r>
-            <a:r>
-              <a:rPr lang="en-US" altLang="ko-KR" b="1" dirty="0"/>
-              <a:t>=0;i&lt;</a:t>
-            </a:r>
-            <a:r>
-              <a:rPr lang="en-US" altLang="ko-KR" b="1" dirty="0" err="1"/>
-              <a:t>n_streams;i</a:t>
-            </a:r>
-            <a:r>
-              <a:rPr lang="en-US" altLang="ko-KR" b="1" dirty="0"/>
-              <a:t>++)</a:t>
-            </a:r>
-          </a:p>
-          <a:p>
-            <a:pPr marL="0" indent="0">
-              <a:buNone/>
-            </a:pPr>
-            <a:r>
-              <a:rPr lang="en-US" altLang="ko-KR" b="1" dirty="0"/>
-              <a:t>	 kernel_3&lt;&lt;&lt;grid,block,0,streams[</a:t>
-            </a:r>
-            <a:r>
-              <a:rPr lang="en-US" altLang="ko-KR" b="1" dirty="0" err="1"/>
-              <a:t>i</a:t>
-            </a:r>
-            <a:r>
-              <a:rPr lang="en-US" altLang="ko-KR" b="1" dirty="0"/>
-              <a:t>]&gt;&gt;&gt;();</a:t>
-            </a:r>
-          </a:p>
-          <a:p>
-            <a:pPr marL="0" indent="0">
-              <a:buNone/>
-            </a:pPr>
-            <a:r>
-              <a:rPr lang="en-US" altLang="ko-KR" b="1" dirty="0"/>
-              <a:t>for(</a:t>
-            </a:r>
-            <a:r>
-              <a:rPr lang="en-US" altLang="ko-KR" b="1" dirty="0" err="1"/>
-              <a:t>int</a:t>
-            </a:r>
-            <a:r>
-              <a:rPr lang="en-US" altLang="ko-KR" b="1" dirty="0"/>
-              <a:t> </a:t>
-            </a:r>
-            <a:r>
-              <a:rPr lang="en-US" altLang="ko-KR" b="1" dirty="0" err="1"/>
-              <a:t>i</a:t>
-            </a:r>
-            <a:r>
-              <a:rPr lang="en-US" altLang="ko-KR" b="1" dirty="0"/>
-              <a:t>=0;i&lt;</a:t>
-            </a:r>
-            <a:r>
-              <a:rPr lang="en-US" altLang="ko-KR" b="1" dirty="0" err="1"/>
-              <a:t>n_streams;i</a:t>
-            </a:r>
-            <a:r>
-              <a:rPr lang="en-US" altLang="ko-KR" b="1" dirty="0"/>
-              <a:t>++)</a:t>
-            </a:r>
-          </a:p>
-          <a:p>
-            <a:pPr marL="0" indent="0">
-              <a:buNone/>
-            </a:pPr>
-            <a:r>
-              <a:rPr lang="en-US" altLang="ko-KR" b="1" dirty="0"/>
-              <a:t>	 kernel_4&lt;&lt;&lt;grid,block,0,streams[</a:t>
-            </a:r>
-            <a:r>
-              <a:rPr lang="en-US" altLang="ko-KR" b="1" dirty="0" err="1"/>
-              <a:t>i</a:t>
-            </a:r>
-            <a:r>
-              <a:rPr lang="en-US" altLang="ko-KR" b="1" dirty="0"/>
-              <a:t>]&gt;&gt;&gt;();</a:t>
-            </a:r>
-          </a:p>
-          <a:p>
-            <a:endParaRPr lang="ko-KR" altLang="en-US" dirty="0"/>
-          </a:p>
-        </p:txBody>
-      </p:sp>
-    </p:spTree>
-    <p:extLst>
-      <p:ext uri="{BB962C8B-B14F-4D97-AF65-F5344CB8AC3E}">
-        <p14:creationId xmlns:p14="http://schemas.microsoft.com/office/powerpoint/2010/main" val="3825545634"/>
-      </p:ext>
-    </p:extLst>
-  </p:cSld>
-  <p:clrMapOvr>
-    <a:masterClrMapping/>
-  </p:clrMapOvr>
-</p:sld>
-</file>
-
-<file path=ppt/slides/slide48.xml><?xml version="1.0" encoding="utf-8"?>
-<p:sld xmlns:a="http://schemas.openxmlformats.org/drawingml/2006/main" xmlns:r="http://schemas.openxmlformats.org/officeDocument/2006/relationships" xmlns:p="http://schemas.openxmlformats.org/presentationml/2006/main">
-  <p:cSld>
-    <p:spTree>
-      <p:nvGrpSpPr>
-        <p:cNvPr id="1" name=""/>
-        <p:cNvGrpSpPr/>
-        <p:nvPr/>
-      </p:nvGrpSpPr>
-      <p:grpSpPr>
-        <a:xfrm>
-          <a:off x="0" y="0"/>
-          <a:ext cx="0" cy="0"/>
-          <a:chOff x="0" y="0"/>
-          <a:chExt cx="0" cy="0"/>
-        </a:xfrm>
-      </p:grpSpPr>
-      <p:sp>
-        <p:nvSpPr>
-          <p:cNvPr id="2" name="제목 1"/>
-          <p:cNvSpPr>
-            <a:spLocks noGrp="1"/>
-          </p:cNvSpPr>
-          <p:nvPr>
-            <p:ph type="title"/>
-          </p:nvPr>
-        </p:nvSpPr>
-        <p:spPr/>
-        <p:txBody>
-          <a:bodyPr/>
-          <a:lstStyle/>
-          <a:p>
-            <a:endParaRPr lang="ko-KR" altLang="en-US"/>
-          </a:p>
-        </p:txBody>
-      </p:sp>
-      <p:sp>
-        <p:nvSpPr>
-          <p:cNvPr id="3" name="내용 개체 틀 2"/>
-          <p:cNvSpPr>
-            <a:spLocks noGrp="1"/>
-          </p:cNvSpPr>
-          <p:nvPr>
-            <p:ph idx="1"/>
-          </p:nvPr>
-        </p:nvSpPr>
-        <p:spPr/>
-        <p:txBody>
-          <a:bodyPr/>
-          <a:lstStyle/>
-          <a:p>
-            <a:pPr marL="0" indent="0">
-              <a:buNone/>
-            </a:pPr>
-            <a:r>
-              <a:rPr lang="en-US" altLang="ko-KR" b="1" dirty="0"/>
-              <a:t>k1(0)-k1(1)-k1(2)-k1(3)-k1(4)-k1(5)-k1(6)-k1(7),</a:t>
-            </a:r>
-          </a:p>
-          <a:p>
-            <a:pPr marL="0" indent="0">
-              <a:buNone/>
-            </a:pPr>
-            <a:r>
-              <a:rPr lang="en-US" altLang="ko-KR" b="1" dirty="0"/>
-              <a:t>k2(0)-k2(1)-….                                        -k2(7),</a:t>
-            </a:r>
-          </a:p>
-          <a:p>
-            <a:pPr marL="0" indent="0">
-              <a:buNone/>
-            </a:pPr>
-            <a:r>
-              <a:rPr lang="en-US" altLang="ko-KR" b="1" dirty="0"/>
-              <a:t>k3(0)-k3(1)-…..                                       -k3(7),</a:t>
-            </a:r>
-          </a:p>
-          <a:p>
-            <a:pPr marL="0" indent="0">
-              <a:buNone/>
-            </a:pPr>
-            <a:r>
-              <a:rPr lang="en-US" altLang="ko-KR" b="1" dirty="0"/>
-              <a:t>k4(0)-k4(1)-……                                     -k4(7).</a:t>
-            </a:r>
-          </a:p>
-          <a:p>
-            <a:pPr marL="0" indent="0">
-              <a:buNone/>
-            </a:pPr>
-            <a:endParaRPr lang="en-US" altLang="ko-KR" b="1" dirty="0"/>
-          </a:p>
-          <a:p>
-            <a:pPr marL="0" indent="0">
-              <a:buNone/>
-            </a:pPr>
-            <a:r>
-              <a:rPr lang="en-US" altLang="ko-KR" dirty="0">
-                <a:solidFill>
-                  <a:srgbClr val="0070C0"/>
-                </a:solidFill>
-              </a:rPr>
-              <a:t>Dispatching the breadth-first order removed the false dependency.</a:t>
-            </a:r>
-            <a:endParaRPr lang="ko-KR" altLang="en-US" dirty="0">
-              <a:solidFill>
-                <a:srgbClr val="0070C0"/>
-              </a:solidFill>
-            </a:endParaRPr>
-          </a:p>
-        </p:txBody>
-      </p:sp>
-    </p:spTree>
-    <p:extLst>
-      <p:ext uri="{BB962C8B-B14F-4D97-AF65-F5344CB8AC3E}">
-        <p14:creationId xmlns:p14="http://schemas.microsoft.com/office/powerpoint/2010/main" val="1800724755"/>
-      </p:ext>
-    </p:extLst>
-  </p:cSld>
-  <p:clrMapOvr>
-    <a:masterClrMapping/>
-  </p:clrMapOvr>
-</p:sld>
-</file>
-
 <file path=ppt/slides/slide49.xml><?xml version="1.0" encoding="utf-8"?>
 <p:sld xmlns:a="http://schemas.openxmlformats.org/drawingml/2006/main" xmlns:r="http://schemas.openxmlformats.org/officeDocument/2006/relationships" xmlns:p="http://schemas.openxmlformats.org/presentationml/2006/main">
   <p:cSld>
@@ -14003,25 +13814,16 @@
             <p:ph type="title"/>
           </p:nvPr>
         </p:nvSpPr>
-        <p:spPr>
-          <a:xfrm>
-            <a:off x="538783" y="29487"/>
-            <a:ext cx="8229600" cy="960438"/>
-          </a:xfrm>
-        </p:spPr>
+        <p:spPr/>
         <p:txBody>
           <a:bodyPr/>
           <a:lstStyle/>
           <a:p>
             <a:r>
-              <a:rPr lang="en-US" altLang="ko-KR" sz="3200" dirty="0">
-                <a:latin typeface="+mn-lt"/>
-              </a:rPr>
-              <a:t>Dispatching the kernels in Breadth-First Order</a:t>
-            </a:r>
-            <a:endParaRPr lang="ko-KR" altLang="en-US" sz="3200" dirty="0">
-              <a:latin typeface="+mn-lt"/>
-            </a:endParaRPr>
+              <a:rPr lang="en-US" altLang="ko-KR" dirty="0"/>
+              <a:t>Breadth-First approach</a:t>
+            </a:r>
+            <a:endParaRPr lang="ko-KR" altLang="en-US" dirty="0"/>
           </a:p>
         </p:txBody>
       </p:sp>
@@ -14035,60 +13837,224 @@
             <p:ph idx="1"/>
           </p:nvPr>
         </p:nvSpPr>
-        <p:spPr/>
+        <p:spPr>
+          <a:xfrm>
+            <a:off x="179512" y="1600200"/>
+            <a:ext cx="8856984" cy="4925144"/>
+          </a:xfrm>
+        </p:spPr>
         <p:txBody>
           <a:bodyPr/>
           <a:lstStyle/>
           <a:p>
-            <a:endParaRPr lang="ko-KR" altLang="en-US"/>
-          </a:p>
-        </p:txBody>
-      </p:sp>
-      <p:pic>
-        <p:nvPicPr>
-          <p:cNvPr id="12290" name="Picture 2" descr="F:\simpleHyperqBreadth.png"/>
-          <p:cNvPicPr>
-            <a:picLocks noChangeAspect="1" noChangeArrowheads="1"/>
-          </p:cNvPicPr>
-          <p:nvPr/>
-        </p:nvPicPr>
-        <p:blipFill>
-          <a:blip r:embed="rId2">
-            <a:extLst>
-              <a:ext uri="{28A0092B-C50C-407E-A947-70E740481C1C}">
-                <a14:useLocalDpi xmlns:a14="http://schemas.microsoft.com/office/drawing/2010/main" val="0"/>
-              </a:ext>
-            </a:extLst>
-          </a:blip>
-          <a:srcRect/>
-          <a:stretch>
-            <a:fillRect/>
-          </a:stretch>
-        </p:blipFill>
-        <p:spPr bwMode="auto">
-          <a:xfrm>
-            <a:off x="1043608" y="692696"/>
-            <a:ext cx="7219950" cy="6007100"/>
-          </a:xfrm>
-          <a:prstGeom prst="rect">
-            <a:avLst/>
-          </a:prstGeom>
-          <a:noFill/>
-          <a:extLst>
-            <a:ext uri="{909E8E84-426E-40DD-AFC4-6F175D3DCCD1}">
-              <a14:hiddenFill xmlns:a14="http://schemas.microsoft.com/office/drawing/2010/main">
-                <a:solidFill>
-                  <a:srgbClr val="FFFFFF"/>
-                </a:solidFill>
-              </a14:hiddenFill>
-            </a:ext>
-          </a:extLst>
-        </p:spPr>
-      </p:pic>
+            <a:pPr marL="0" indent="0">
+              <a:buNone/>
+            </a:pPr>
+            <a:r>
+              <a:rPr lang="en-US" altLang="ko-KR" b="1" dirty="0"/>
+              <a:t>for(</a:t>
+            </a:r>
+            <a:r>
+              <a:rPr lang="en-US" altLang="ko-KR" b="1" dirty="0" err="1"/>
+              <a:t>int</a:t>
+            </a:r>
+            <a:r>
+              <a:rPr lang="en-US" altLang="ko-KR" b="1" dirty="0"/>
+              <a:t> </a:t>
+            </a:r>
+            <a:r>
+              <a:rPr lang="en-US" altLang="ko-KR" b="1" dirty="0" err="1"/>
+              <a:t>i</a:t>
+            </a:r>
+            <a:r>
+              <a:rPr lang="en-US" altLang="ko-KR" b="1" dirty="0"/>
+              <a:t>=0;i&lt;</a:t>
+            </a:r>
+            <a:r>
+              <a:rPr lang="en-US" altLang="ko-KR" b="1" dirty="0" err="1"/>
+              <a:t>n_streams;i</a:t>
+            </a:r>
+            <a:r>
+              <a:rPr lang="en-US" altLang="ko-KR" b="1" dirty="0"/>
+              <a:t>++)</a:t>
+            </a:r>
+          </a:p>
+          <a:p>
+            <a:pPr marL="0" indent="0">
+              <a:buNone/>
+            </a:pPr>
+            <a:r>
+              <a:rPr lang="en-US" altLang="ko-KR" b="1" dirty="0"/>
+              <a:t>	 kernel_1&lt;&lt;&lt;grid,block,0,streams[</a:t>
+            </a:r>
+            <a:r>
+              <a:rPr lang="en-US" altLang="ko-KR" b="1" dirty="0" err="1"/>
+              <a:t>i</a:t>
+            </a:r>
+            <a:r>
+              <a:rPr lang="en-US" altLang="ko-KR" b="1" dirty="0"/>
+              <a:t>]&gt;&gt;&gt;();</a:t>
+            </a:r>
+          </a:p>
+          <a:p>
+            <a:pPr marL="0" indent="0">
+              <a:buNone/>
+            </a:pPr>
+            <a:r>
+              <a:rPr lang="en-US" altLang="ko-KR" b="1" dirty="0"/>
+              <a:t>for(</a:t>
+            </a:r>
+            <a:r>
+              <a:rPr lang="en-US" altLang="ko-KR" b="1" dirty="0" err="1"/>
+              <a:t>int</a:t>
+            </a:r>
+            <a:r>
+              <a:rPr lang="en-US" altLang="ko-KR" b="1" dirty="0"/>
+              <a:t> </a:t>
+            </a:r>
+            <a:r>
+              <a:rPr lang="en-US" altLang="ko-KR" b="1" dirty="0" err="1"/>
+              <a:t>i</a:t>
+            </a:r>
+            <a:r>
+              <a:rPr lang="en-US" altLang="ko-KR" b="1" dirty="0"/>
+              <a:t>=0;i&lt;</a:t>
+            </a:r>
+            <a:r>
+              <a:rPr lang="en-US" altLang="ko-KR" b="1" dirty="0" err="1"/>
+              <a:t>n_streams;i</a:t>
+            </a:r>
+            <a:r>
+              <a:rPr lang="en-US" altLang="ko-KR" b="1" dirty="0"/>
+              <a:t>++)</a:t>
+            </a:r>
+          </a:p>
+          <a:p>
+            <a:pPr marL="0" indent="0">
+              <a:buNone/>
+            </a:pPr>
+            <a:r>
+              <a:rPr lang="en-US" altLang="ko-KR" b="1" dirty="0"/>
+              <a:t>	 kernel_2&lt;&lt;&lt;grid,block,0,streams[</a:t>
+            </a:r>
+            <a:r>
+              <a:rPr lang="en-US" altLang="ko-KR" b="1" dirty="0" err="1"/>
+              <a:t>i</a:t>
+            </a:r>
+            <a:r>
+              <a:rPr lang="en-US" altLang="ko-KR" b="1" dirty="0"/>
+              <a:t>]&gt;&gt;&gt;();</a:t>
+            </a:r>
+          </a:p>
+          <a:p>
+            <a:pPr marL="0" indent="0">
+              <a:buNone/>
+            </a:pPr>
+            <a:r>
+              <a:rPr lang="en-US" altLang="ko-KR" b="1" dirty="0"/>
+              <a:t>for(</a:t>
+            </a:r>
+            <a:r>
+              <a:rPr lang="en-US" altLang="ko-KR" b="1" dirty="0" err="1"/>
+              <a:t>int</a:t>
+            </a:r>
+            <a:r>
+              <a:rPr lang="en-US" altLang="ko-KR" b="1" dirty="0"/>
+              <a:t> </a:t>
+            </a:r>
+            <a:r>
+              <a:rPr lang="en-US" altLang="ko-KR" b="1" dirty="0" err="1"/>
+              <a:t>i</a:t>
+            </a:r>
+            <a:r>
+              <a:rPr lang="en-US" altLang="ko-KR" b="1" dirty="0"/>
+              <a:t>=0;i&lt;</a:t>
+            </a:r>
+            <a:r>
+              <a:rPr lang="en-US" altLang="ko-KR" b="1" dirty="0" err="1"/>
+              <a:t>n_streams;i</a:t>
+            </a:r>
+            <a:r>
+              <a:rPr lang="en-US" altLang="ko-KR" b="1" dirty="0"/>
+              <a:t>++)</a:t>
+            </a:r>
+          </a:p>
+          <a:p>
+            <a:pPr marL="0" indent="0">
+              <a:buNone/>
+            </a:pPr>
+            <a:r>
+              <a:rPr lang="en-US" altLang="ko-KR" b="1" dirty="0"/>
+              <a:t>	 kernel_3&lt;&lt;&lt;grid,block,0,streams[</a:t>
+            </a:r>
+            <a:r>
+              <a:rPr lang="en-US" altLang="ko-KR" b="1" dirty="0" err="1"/>
+              <a:t>i</a:t>
+            </a:r>
+            <a:r>
+              <a:rPr lang="en-US" altLang="ko-KR" b="1" dirty="0"/>
+              <a:t>]&gt;&gt;&gt;();</a:t>
+            </a:r>
+          </a:p>
+          <a:p>
+            <a:pPr marL="0" indent="0">
+              <a:buNone/>
+            </a:pPr>
+            <a:r>
+              <a:rPr lang="en-US" altLang="ko-KR" b="1" dirty="0"/>
+              <a:t>for(</a:t>
+            </a:r>
+            <a:r>
+              <a:rPr lang="en-US" altLang="ko-KR" b="1" dirty="0" err="1"/>
+              <a:t>int</a:t>
+            </a:r>
+            <a:r>
+              <a:rPr lang="en-US" altLang="ko-KR" b="1" dirty="0"/>
+              <a:t> </a:t>
+            </a:r>
+            <a:r>
+              <a:rPr lang="en-US" altLang="ko-KR" b="1" dirty="0" err="1"/>
+              <a:t>i</a:t>
+            </a:r>
+            <a:r>
+              <a:rPr lang="en-US" altLang="ko-KR" b="1" dirty="0"/>
+              <a:t>=0;i&lt;</a:t>
+            </a:r>
+            <a:r>
+              <a:rPr lang="en-US" altLang="ko-KR" b="1" dirty="0" err="1"/>
+              <a:t>n_streams;i</a:t>
+            </a:r>
+            <a:r>
+              <a:rPr lang="en-US" altLang="ko-KR" b="1" dirty="0"/>
+              <a:t>++)</a:t>
+            </a:r>
+          </a:p>
+          <a:p>
+            <a:pPr marL="0" indent="0">
+              <a:buNone/>
+            </a:pPr>
+            <a:r>
+              <a:rPr lang="en-US" altLang="ko-KR" b="1" dirty="0"/>
+              <a:t>	 kernel_4&lt;&lt;&lt;grid,block,0,streams[</a:t>
+            </a:r>
+            <a:r>
+              <a:rPr lang="en-US" altLang="ko-KR" b="1" dirty="0" err="1"/>
+              <a:t>i</a:t>
+            </a:r>
+            <a:r>
+              <a:rPr lang="en-US" altLang="ko-KR" b="1" dirty="0"/>
+              <a:t>]&gt;&gt;&gt;();</a:t>
+            </a:r>
+          </a:p>
+          <a:p>
+            <a:endParaRPr lang="ko-KR" altLang="en-US" dirty="0"/>
+          </a:p>
+        </p:txBody>
+      </p:sp>
     </p:spTree>
     <p:extLst>
       <p:ext uri="{BB962C8B-B14F-4D97-AF65-F5344CB8AC3E}">
-        <p14:creationId xmlns:p14="http://schemas.microsoft.com/office/powerpoint/2010/main" val="1013846541"/>
+        <p14:creationId xmlns:p14="http://schemas.microsoft.com/office/powerpoint/2010/main" val="3825545634"/>
       </p:ext>
     </p:extLst>
   </p:cSld>
@@ -14290,6 +14256,253 @@
           <a:bodyPr/>
           <a:lstStyle/>
           <a:p>
+            <a:endParaRPr lang="ko-KR" altLang="en-US"/>
+          </a:p>
+        </p:txBody>
+      </p:sp>
+      <p:sp>
+        <p:nvSpPr>
+          <p:cNvPr id="3" name="내용 개체 틀 2"/>
+          <p:cNvSpPr>
+            <a:spLocks noGrp="1"/>
+          </p:cNvSpPr>
+          <p:nvPr>
+            <p:ph idx="1"/>
+          </p:nvPr>
+        </p:nvSpPr>
+        <p:spPr/>
+        <p:txBody>
+          <a:bodyPr/>
+          <a:lstStyle/>
+          <a:p>
+            <a:pPr marL="0" indent="0">
+              <a:buNone/>
+            </a:pPr>
+            <a:r>
+              <a:rPr lang="en-US" altLang="ko-KR" b="1" dirty="0"/>
+              <a:t>k1(0)-k1(1)-k1(2)-k1(3)-k1(4)-k1(5)-k1(6)-k1(7),</a:t>
+            </a:r>
+          </a:p>
+          <a:p>
+            <a:pPr marL="0" indent="0">
+              <a:buNone/>
+            </a:pPr>
+            <a:r>
+              <a:rPr lang="en-US" altLang="ko-KR" b="1" dirty="0"/>
+              <a:t>k2(0)-k2(1)-….                                        -k2(7),</a:t>
+            </a:r>
+          </a:p>
+          <a:p>
+            <a:pPr marL="0" indent="0">
+              <a:buNone/>
+            </a:pPr>
+            <a:r>
+              <a:rPr lang="en-US" altLang="ko-KR" b="1" dirty="0"/>
+              <a:t>k3(0)-k3(1)-…..                                       -k3(7),</a:t>
+            </a:r>
+          </a:p>
+          <a:p>
+            <a:pPr marL="0" indent="0">
+              <a:buNone/>
+            </a:pPr>
+            <a:r>
+              <a:rPr lang="en-US" altLang="ko-KR" b="1" dirty="0"/>
+              <a:t>k4(0)-k4(1)-……                                     -k4(7).</a:t>
+            </a:r>
+          </a:p>
+          <a:p>
+            <a:pPr marL="0" indent="0">
+              <a:buNone/>
+            </a:pPr>
+            <a:endParaRPr lang="en-US" altLang="ko-KR" b="1" dirty="0"/>
+          </a:p>
+          <a:p>
+            <a:pPr marL="0" indent="0">
+              <a:buNone/>
+            </a:pPr>
+            <a:r>
+              <a:rPr lang="en-US" altLang="ko-KR" dirty="0">
+                <a:solidFill>
+                  <a:srgbClr val="0070C0"/>
+                </a:solidFill>
+              </a:rPr>
+              <a:t>Dispatching the breadth-first order removed the false dependency.</a:t>
+            </a:r>
+            <a:endParaRPr lang="ko-KR" altLang="en-US" dirty="0">
+              <a:solidFill>
+                <a:srgbClr val="0070C0"/>
+              </a:solidFill>
+            </a:endParaRPr>
+          </a:p>
+        </p:txBody>
+      </p:sp>
+    </p:spTree>
+    <p:extLst>
+      <p:ext uri="{BB962C8B-B14F-4D97-AF65-F5344CB8AC3E}">
+        <p14:creationId xmlns:p14="http://schemas.microsoft.com/office/powerpoint/2010/main" val="1800724755"/>
+      </p:ext>
+    </p:extLst>
+  </p:cSld>
+  <p:clrMapOvr>
+    <a:masterClrMapping/>
+  </p:clrMapOvr>
+</p:sld>
+</file>
+
+<file path=ppt/slides/slide51.xml><?xml version="1.0" encoding="utf-8"?>
+<p:sld xmlns:a="http://schemas.openxmlformats.org/drawingml/2006/main" xmlns:r="http://schemas.openxmlformats.org/officeDocument/2006/relationships" xmlns:p="http://schemas.openxmlformats.org/presentationml/2006/main">
+  <p:cSld>
+    <p:spTree>
+      <p:nvGrpSpPr>
+        <p:cNvPr id="1" name=""/>
+        <p:cNvGrpSpPr/>
+        <p:nvPr/>
+      </p:nvGrpSpPr>
+      <p:grpSpPr>
+        <a:xfrm>
+          <a:off x="0" y="0"/>
+          <a:ext cx="0" cy="0"/>
+          <a:chOff x="0" y="0"/>
+          <a:chExt cx="0" cy="0"/>
+        </a:xfrm>
+      </p:grpSpPr>
+      <p:sp>
+        <p:nvSpPr>
+          <p:cNvPr id="2" name="제목 1"/>
+          <p:cNvSpPr>
+            <a:spLocks noGrp="1"/>
+          </p:cNvSpPr>
+          <p:nvPr>
+            <p:ph type="title"/>
+          </p:nvPr>
+        </p:nvSpPr>
+        <p:spPr>
+          <a:xfrm>
+            <a:off x="538783" y="29487"/>
+            <a:ext cx="8229600" cy="960438"/>
+          </a:xfrm>
+        </p:spPr>
+        <p:txBody>
+          <a:bodyPr/>
+          <a:lstStyle/>
+          <a:p>
+            <a:r>
+              <a:rPr lang="en-US" altLang="ko-KR" sz="3200" dirty="0">
+                <a:latin typeface="+mn-lt"/>
+              </a:rPr>
+              <a:t>Dispatching the kernels in Breadth-First Order</a:t>
+            </a:r>
+            <a:endParaRPr lang="ko-KR" altLang="en-US" sz="3200" dirty="0">
+              <a:latin typeface="+mn-lt"/>
+            </a:endParaRPr>
+          </a:p>
+        </p:txBody>
+      </p:sp>
+      <p:sp>
+        <p:nvSpPr>
+          <p:cNvPr id="3" name="내용 개체 틀 2"/>
+          <p:cNvSpPr>
+            <a:spLocks noGrp="1"/>
+          </p:cNvSpPr>
+          <p:nvPr>
+            <p:ph idx="1"/>
+          </p:nvPr>
+        </p:nvSpPr>
+        <p:spPr/>
+        <p:txBody>
+          <a:bodyPr/>
+          <a:lstStyle/>
+          <a:p>
+            <a:endParaRPr lang="ko-KR" altLang="en-US"/>
+          </a:p>
+        </p:txBody>
+      </p:sp>
+      <p:pic>
+        <p:nvPicPr>
+          <p:cNvPr id="12290" name="Picture 2" descr="F:\simpleHyperqBreadth.png"/>
+          <p:cNvPicPr>
+            <a:picLocks noChangeAspect="1" noChangeArrowheads="1"/>
+          </p:cNvPicPr>
+          <p:nvPr/>
+        </p:nvPicPr>
+        <p:blipFill>
+          <a:blip r:embed="rId2">
+            <a:extLst>
+              <a:ext uri="{28A0092B-C50C-407E-A947-70E740481C1C}">
+                <a14:useLocalDpi xmlns:a14="http://schemas.microsoft.com/office/drawing/2010/main" val="0"/>
+              </a:ext>
+            </a:extLst>
+          </a:blip>
+          <a:srcRect/>
+          <a:stretch>
+            <a:fillRect/>
+          </a:stretch>
+        </p:blipFill>
+        <p:spPr bwMode="auto">
+          <a:xfrm>
+            <a:off x="1043608" y="692696"/>
+            <a:ext cx="7219950" cy="6007100"/>
+          </a:xfrm>
+          <a:prstGeom prst="rect">
+            <a:avLst/>
+          </a:prstGeom>
+          <a:noFill/>
+          <a:extLst>
+            <a:ext uri="{909E8E84-426E-40DD-AFC4-6F175D3DCCD1}">
+              <a14:hiddenFill xmlns:a14="http://schemas.microsoft.com/office/drawing/2010/main">
+                <a:solidFill>
+                  <a:srgbClr val="FFFFFF"/>
+                </a:solidFill>
+              </a14:hiddenFill>
+            </a:ext>
+          </a:extLst>
+        </p:spPr>
+      </p:pic>
+    </p:spTree>
+    <p:extLst>
+      <p:ext uri="{BB962C8B-B14F-4D97-AF65-F5344CB8AC3E}">
+        <p14:creationId xmlns:p14="http://schemas.microsoft.com/office/powerpoint/2010/main" val="1013846541"/>
+      </p:ext>
+    </p:extLst>
+  </p:cSld>
+  <p:clrMapOvr>
+    <a:masterClrMapping/>
+  </p:clrMapOvr>
+</p:sld>
+</file>
+
+<file path=ppt/slides/slide52.xml><?xml version="1.0" encoding="utf-8"?>
+<p:sld xmlns:a="http://schemas.openxmlformats.org/drawingml/2006/main" xmlns:r="http://schemas.openxmlformats.org/officeDocument/2006/relationships" xmlns:p="http://schemas.openxmlformats.org/presentationml/2006/main">
+  <p:cSld>
+    <p:spTree>
+      <p:nvGrpSpPr>
+        <p:cNvPr id="1" name=""/>
+        <p:cNvGrpSpPr/>
+        <p:nvPr/>
+      </p:nvGrpSpPr>
+      <p:grpSpPr>
+        <a:xfrm>
+          <a:off x="0" y="0"/>
+          <a:ext cx="0" cy="0"/>
+          <a:chOff x="0" y="0"/>
+          <a:chExt cx="0" cy="0"/>
+        </a:xfrm>
+      </p:grpSpPr>
+      <p:sp>
+        <p:nvSpPr>
+          <p:cNvPr id="2" name="제목 1"/>
+          <p:cNvSpPr>
+            <a:spLocks noGrp="1"/>
+          </p:cNvSpPr>
+          <p:nvPr>
+            <p:ph type="title"/>
+          </p:nvPr>
+        </p:nvSpPr>
+        <p:spPr/>
+        <p:txBody>
+          <a:bodyPr/>
+          <a:lstStyle/>
+          <a:p>
             <a:r>
               <a:rPr lang="en-US" altLang="ko-KR" sz="3600" dirty="0"/>
               <a:t>Blocking Behavior of the Default Stream</a:t>
@@ -14443,7 +14656,7 @@
 </p:sld>
 </file>
 
-<file path=ppt/slides/slide51.xml><?xml version="1.0" encoding="utf-8"?>
+<file path=ppt/slides/slide53.xml><?xml version="1.0" encoding="utf-8"?>
 <p:sld xmlns:a="http://schemas.openxmlformats.org/drawingml/2006/main" xmlns:r="http://schemas.openxmlformats.org/officeDocument/2006/relationships" xmlns:p="http://schemas.openxmlformats.org/presentationml/2006/main">
   <p:cSld>
     <p:spTree>
@@ -14561,155 +14774,6 @@
 </p:sld>
 </file>
 
-<file path=ppt/slides/slide52.xml><?xml version="1.0" encoding="utf-8"?>
-<p:sld xmlns:a="http://schemas.openxmlformats.org/drawingml/2006/main" xmlns:r="http://schemas.openxmlformats.org/officeDocument/2006/relationships" xmlns:p="http://schemas.openxmlformats.org/presentationml/2006/main">
-  <p:cSld>
-    <p:spTree>
-      <p:nvGrpSpPr>
-        <p:cNvPr id="1" name=""/>
-        <p:cNvGrpSpPr/>
-        <p:nvPr/>
-      </p:nvGrpSpPr>
-      <p:grpSpPr>
-        <a:xfrm>
-          <a:off x="0" y="0"/>
-          <a:ext cx="0" cy="0"/>
-          <a:chOff x="0" y="0"/>
-          <a:chExt cx="0" cy="0"/>
-        </a:xfrm>
-      </p:grpSpPr>
-      <p:sp>
-        <p:nvSpPr>
-          <p:cNvPr id="3" name="내용 개체 틀 2"/>
-          <p:cNvSpPr>
-            <a:spLocks noGrp="1"/>
-          </p:cNvSpPr>
-          <p:nvPr>
-            <p:ph idx="1"/>
-          </p:nvPr>
-        </p:nvSpPr>
-        <p:spPr/>
-        <p:txBody>
-          <a:bodyPr/>
-          <a:lstStyle/>
-          <a:p>
-            <a:r>
-              <a:rPr lang="en-US" altLang="ko-KR" dirty="0">
-                <a:solidFill>
-                  <a:srgbClr val="FF0000"/>
-                </a:solidFill>
-              </a:rPr>
-              <a:t>Any later operations on non-NULL streams will be blocked until the operations in the default stream complete.</a:t>
-            </a:r>
-            <a:endParaRPr lang="ko-KR" altLang="en-US" dirty="0">
-              <a:solidFill>
-                <a:srgbClr val="FF0000"/>
-              </a:solidFill>
-            </a:endParaRPr>
-          </a:p>
-        </p:txBody>
-      </p:sp>
-    </p:spTree>
-    <p:extLst>
-      <p:ext uri="{BB962C8B-B14F-4D97-AF65-F5344CB8AC3E}">
-        <p14:creationId xmlns:p14="http://schemas.microsoft.com/office/powerpoint/2010/main" val="2843774592"/>
-      </p:ext>
-    </p:extLst>
-  </p:cSld>
-  <p:clrMapOvr>
-    <a:masterClrMapping/>
-  </p:clrMapOvr>
-</p:sld>
-</file>
-
-<file path=ppt/slides/slide53.xml><?xml version="1.0" encoding="utf-8"?>
-<p:sld xmlns:a="http://schemas.openxmlformats.org/drawingml/2006/main" xmlns:r="http://schemas.openxmlformats.org/officeDocument/2006/relationships" xmlns:p="http://schemas.openxmlformats.org/presentationml/2006/main">
-  <p:cSld>
-    <p:spTree>
-      <p:nvGrpSpPr>
-        <p:cNvPr id="1" name=""/>
-        <p:cNvGrpSpPr/>
-        <p:nvPr/>
-      </p:nvGrpSpPr>
-      <p:grpSpPr>
-        <a:xfrm>
-          <a:off x="0" y="0"/>
-          <a:ext cx="0" cy="0"/>
-          <a:chOff x="0" y="0"/>
-          <a:chExt cx="0" cy="0"/>
-        </a:xfrm>
-      </p:grpSpPr>
-      <p:sp>
-        <p:nvSpPr>
-          <p:cNvPr id="2" name="제목 1"/>
-          <p:cNvSpPr>
-            <a:spLocks noGrp="1"/>
-          </p:cNvSpPr>
-          <p:nvPr>
-            <p:ph type="title"/>
-          </p:nvPr>
-        </p:nvSpPr>
-        <p:spPr/>
-        <p:txBody>
-          <a:bodyPr/>
-          <a:lstStyle/>
-          <a:p>
-            <a:r>
-              <a:rPr lang="en-US" altLang="ko-KR" sz="3600" dirty="0"/>
-              <a:t>Creating Inter-Stream Dependencies</a:t>
-            </a:r>
-            <a:endParaRPr lang="ko-KR" altLang="en-US" sz="3600" dirty="0"/>
-          </a:p>
-        </p:txBody>
-      </p:sp>
-      <p:sp>
-        <p:nvSpPr>
-          <p:cNvPr id="3" name="내용 개체 틀 2"/>
-          <p:cNvSpPr>
-            <a:spLocks noGrp="1"/>
-          </p:cNvSpPr>
-          <p:nvPr>
-            <p:ph idx="1"/>
-          </p:nvPr>
-        </p:nvSpPr>
-        <p:spPr/>
-        <p:txBody>
-          <a:bodyPr/>
-          <a:lstStyle/>
-          <a:p>
-            <a:pPr marL="0" indent="0">
-              <a:buNone/>
-            </a:pPr>
-            <a:r>
-              <a:rPr lang="en-US" altLang="ko-KR" dirty="0"/>
-              <a:t>*It can be useful to introduce inter-stream dependencies that block operations on one stream until operations in another stream have completed.</a:t>
-            </a:r>
-          </a:p>
-          <a:p>
-            <a:pPr marL="0" indent="0">
-              <a:buNone/>
-            </a:pPr>
-            <a:r>
-              <a:rPr lang="en-US" altLang="ko-KR" dirty="0"/>
-              <a:t>*Events can be used to add inter-stream dependencies.</a:t>
-            </a:r>
-            <a:endParaRPr lang="ko-KR" altLang="en-US" dirty="0"/>
-          </a:p>
-        </p:txBody>
-      </p:sp>
-    </p:spTree>
-    <p:extLst>
-      <p:ext uri="{BB962C8B-B14F-4D97-AF65-F5344CB8AC3E}">
-        <p14:creationId xmlns:p14="http://schemas.microsoft.com/office/powerpoint/2010/main" val="1661909938"/>
-      </p:ext>
-    </p:extLst>
-  </p:cSld>
-  <p:clrMapOvr>
-    <a:masterClrMapping/>
-  </p:clrMapOvr>
-</p:sld>
-</file>
-
 <file path=ppt/slides/slide54.xml><?xml version="1.0" encoding="utf-8"?>
 <p:sld xmlns:a="http://schemas.openxmlformats.org/drawingml/2006/main" xmlns:r="http://schemas.openxmlformats.org/officeDocument/2006/relationships" xmlns:p="http://schemas.openxmlformats.org/presentationml/2006/main">
   <p:cSld>
@@ -14729,6 +14793,155 @@
       </p:grpSpPr>
       <p:sp>
         <p:nvSpPr>
+          <p:cNvPr id="3" name="내용 개체 틀 2"/>
+          <p:cNvSpPr>
+            <a:spLocks noGrp="1"/>
+          </p:cNvSpPr>
+          <p:nvPr>
+            <p:ph idx="1"/>
+          </p:nvPr>
+        </p:nvSpPr>
+        <p:spPr/>
+        <p:txBody>
+          <a:bodyPr/>
+          <a:lstStyle/>
+          <a:p>
+            <a:r>
+              <a:rPr lang="en-US" altLang="ko-KR" dirty="0">
+                <a:solidFill>
+                  <a:srgbClr val="FF0000"/>
+                </a:solidFill>
+              </a:rPr>
+              <a:t>Any later operations on non-NULL streams will be blocked until the operations in the default stream complete.</a:t>
+            </a:r>
+            <a:endParaRPr lang="ko-KR" altLang="en-US" dirty="0">
+              <a:solidFill>
+                <a:srgbClr val="FF0000"/>
+              </a:solidFill>
+            </a:endParaRPr>
+          </a:p>
+        </p:txBody>
+      </p:sp>
+    </p:spTree>
+    <p:extLst>
+      <p:ext uri="{BB962C8B-B14F-4D97-AF65-F5344CB8AC3E}">
+        <p14:creationId xmlns:p14="http://schemas.microsoft.com/office/powerpoint/2010/main" val="2843774592"/>
+      </p:ext>
+    </p:extLst>
+  </p:cSld>
+  <p:clrMapOvr>
+    <a:masterClrMapping/>
+  </p:clrMapOvr>
+</p:sld>
+</file>
+
+<file path=ppt/slides/slide55.xml><?xml version="1.0" encoding="utf-8"?>
+<p:sld xmlns:a="http://schemas.openxmlformats.org/drawingml/2006/main" xmlns:r="http://schemas.openxmlformats.org/officeDocument/2006/relationships" xmlns:p="http://schemas.openxmlformats.org/presentationml/2006/main">
+  <p:cSld>
+    <p:spTree>
+      <p:nvGrpSpPr>
+        <p:cNvPr id="1" name=""/>
+        <p:cNvGrpSpPr/>
+        <p:nvPr/>
+      </p:nvGrpSpPr>
+      <p:grpSpPr>
+        <a:xfrm>
+          <a:off x="0" y="0"/>
+          <a:ext cx="0" cy="0"/>
+          <a:chOff x="0" y="0"/>
+          <a:chExt cx="0" cy="0"/>
+        </a:xfrm>
+      </p:grpSpPr>
+      <p:sp>
+        <p:nvSpPr>
+          <p:cNvPr id="2" name="제목 1"/>
+          <p:cNvSpPr>
+            <a:spLocks noGrp="1"/>
+          </p:cNvSpPr>
+          <p:nvPr>
+            <p:ph type="title"/>
+          </p:nvPr>
+        </p:nvSpPr>
+        <p:spPr/>
+        <p:txBody>
+          <a:bodyPr/>
+          <a:lstStyle/>
+          <a:p>
+            <a:r>
+              <a:rPr lang="en-US" altLang="ko-KR" sz="3600" dirty="0"/>
+              <a:t>Creating Inter-Stream Dependencies</a:t>
+            </a:r>
+            <a:endParaRPr lang="ko-KR" altLang="en-US" sz="3600" dirty="0"/>
+          </a:p>
+        </p:txBody>
+      </p:sp>
+      <p:sp>
+        <p:nvSpPr>
+          <p:cNvPr id="3" name="내용 개체 틀 2"/>
+          <p:cNvSpPr>
+            <a:spLocks noGrp="1"/>
+          </p:cNvSpPr>
+          <p:nvPr>
+            <p:ph idx="1"/>
+          </p:nvPr>
+        </p:nvSpPr>
+        <p:spPr/>
+        <p:txBody>
+          <a:bodyPr/>
+          <a:lstStyle/>
+          <a:p>
+            <a:pPr marL="0" indent="0">
+              <a:buNone/>
+            </a:pPr>
+            <a:r>
+              <a:rPr lang="en-US" altLang="ko-KR" dirty="0"/>
+              <a:t>*It can be useful to introduce inter-stream dependencies that block operations on one stream until operations in another stream have completed.</a:t>
+            </a:r>
+          </a:p>
+          <a:p>
+            <a:pPr marL="0" indent="0">
+              <a:buNone/>
+            </a:pPr>
+            <a:r>
+              <a:rPr lang="en-US" altLang="ko-KR" dirty="0"/>
+              <a:t>*Events can be used to add inter-stream dependencies.</a:t>
+            </a:r>
+            <a:endParaRPr lang="ko-KR" altLang="en-US" dirty="0"/>
+          </a:p>
+        </p:txBody>
+      </p:sp>
+    </p:spTree>
+    <p:extLst>
+      <p:ext uri="{BB962C8B-B14F-4D97-AF65-F5344CB8AC3E}">
+        <p14:creationId xmlns:p14="http://schemas.microsoft.com/office/powerpoint/2010/main" val="1661909938"/>
+      </p:ext>
+    </p:extLst>
+  </p:cSld>
+  <p:clrMapOvr>
+    <a:masterClrMapping/>
+  </p:clrMapOvr>
+</p:sld>
+</file>
+
+<file path=ppt/slides/slide56.xml><?xml version="1.0" encoding="utf-8"?>
+<p:sld xmlns:a="http://schemas.openxmlformats.org/drawingml/2006/main" xmlns:r="http://schemas.openxmlformats.org/officeDocument/2006/relationships" xmlns:p="http://schemas.openxmlformats.org/presentationml/2006/main">
+  <p:cSld>
+    <p:spTree>
+      <p:nvGrpSpPr>
+        <p:cNvPr id="1" name=""/>
+        <p:cNvGrpSpPr/>
+        <p:nvPr/>
+      </p:nvGrpSpPr>
+      <p:grpSpPr>
+        <a:xfrm>
+          <a:off x="0" y="0"/>
+          <a:ext cx="0" cy="0"/>
+          <a:chOff x="0" y="0"/>
+          <a:chExt cx="0" cy="0"/>
+        </a:xfrm>
+      </p:grpSpPr>
+      <p:sp>
+        <p:nvSpPr>
           <p:cNvPr id="2" name="제목 1"/>
           <p:cNvSpPr>
             <a:spLocks noGrp="1"/>
@@ -15107,7 +15320,7 @@
 </p:sld>
 </file>
 
-<file path=ppt/slides/slide55.xml><?xml version="1.0" encoding="utf-8"?>
+<file path=ppt/slides/slide57.xml><?xml version="1.0" encoding="utf-8"?>
 <p:sld xmlns:a="http://schemas.openxmlformats.org/drawingml/2006/main" xmlns:r="http://schemas.openxmlformats.org/officeDocument/2006/relationships" xmlns:p="http://schemas.openxmlformats.org/presentationml/2006/main">
   <p:cSld>
     <p:spTree>
@@ -15225,445 +15438,6 @@
 </p:sld>
 </file>
 
-<file path=ppt/slides/slide56.xml><?xml version="1.0" encoding="utf-8"?>
-<p:sld xmlns:a="http://schemas.openxmlformats.org/drawingml/2006/main" xmlns:r="http://schemas.openxmlformats.org/officeDocument/2006/relationships" xmlns:p="http://schemas.openxmlformats.org/presentationml/2006/main">
-  <p:cSld>
-    <p:spTree>
-      <p:nvGrpSpPr>
-        <p:cNvPr id="1" name=""/>
-        <p:cNvGrpSpPr/>
-        <p:nvPr/>
-      </p:nvGrpSpPr>
-      <p:grpSpPr>
-        <a:xfrm>
-          <a:off x="0" y="0"/>
-          <a:ext cx="0" cy="0"/>
-          <a:chOff x="0" y="0"/>
-          <a:chExt cx="0" cy="0"/>
-        </a:xfrm>
-      </p:grpSpPr>
-      <p:sp>
-        <p:nvSpPr>
-          <p:cNvPr id="2" name="제목 1"/>
-          <p:cNvSpPr>
-            <a:spLocks noGrp="1"/>
-          </p:cNvSpPr>
-          <p:nvPr>
-            <p:ph type="title"/>
-          </p:nvPr>
-        </p:nvSpPr>
-        <p:spPr>
-          <a:xfrm>
-            <a:off x="395536" y="260648"/>
-            <a:ext cx="8229600" cy="960438"/>
-          </a:xfrm>
-        </p:spPr>
-        <p:txBody>
-          <a:bodyPr/>
-          <a:lstStyle/>
-          <a:p>
-            <a:r>
-              <a:rPr lang="en-US" altLang="ko-KR" sz="3200" dirty="0"/>
-              <a:t>Overlapping Kernel Execution and Data Transfer</a:t>
-            </a:r>
-            <a:br>
-              <a:rPr lang="en-US" altLang="ko-KR" sz="3200" dirty="0"/>
-            </a:br>
-            <a:endParaRPr lang="ko-KR" altLang="en-US" sz="3200" dirty="0"/>
-          </a:p>
-        </p:txBody>
-      </p:sp>
-      <p:sp>
-        <p:nvSpPr>
-          <p:cNvPr id="3" name="내용 개체 틀 2"/>
-          <p:cNvSpPr>
-            <a:spLocks noGrp="1"/>
-          </p:cNvSpPr>
-          <p:nvPr>
-            <p:ph idx="1"/>
-          </p:nvPr>
-        </p:nvSpPr>
-        <p:spPr/>
-        <p:txBody>
-          <a:bodyPr/>
-          <a:lstStyle/>
-          <a:p>
-            <a:r>
-              <a:rPr lang="en-US" altLang="ko-KR" sz="2800" dirty="0"/>
-              <a:t>Fermi and Kepler GPUs have two copy engine queues: one for data transfer to the device, and one for data transfer from the device.</a:t>
-            </a:r>
-          </a:p>
-          <a:p>
-            <a:r>
-              <a:rPr lang="en-US" altLang="ko-KR" sz="2800" dirty="0"/>
-              <a:t>Overlapping kernel execution and data transfer:</a:t>
-            </a:r>
-          </a:p>
-          <a:p>
-            <a:pPr lvl="1"/>
-            <a:r>
-              <a:rPr lang="en-US" altLang="ko-KR" sz="2400" dirty="0"/>
-              <a:t>If a kernel consumes data D, the data transfer for D must be placed before the kernel launch and in the same stream.</a:t>
-            </a:r>
-          </a:p>
-          <a:p>
-            <a:pPr lvl="1"/>
-            <a:r>
-              <a:rPr lang="en-US" altLang="ko-KR" sz="2400" dirty="0"/>
-              <a:t>If a kernel does not consume any one of the data D, the kernel execution and data transfer can be placed in different streams.</a:t>
-            </a:r>
-            <a:endParaRPr lang="ko-KR" altLang="en-US" sz="2400" dirty="0"/>
-          </a:p>
-        </p:txBody>
-      </p:sp>
-    </p:spTree>
-    <p:extLst>
-      <p:ext uri="{BB962C8B-B14F-4D97-AF65-F5344CB8AC3E}">
-        <p14:creationId xmlns:p14="http://schemas.microsoft.com/office/powerpoint/2010/main" val="1563598599"/>
-      </p:ext>
-    </p:extLst>
-  </p:cSld>
-  <p:clrMapOvr>
-    <a:masterClrMapping/>
-  </p:clrMapOvr>
-</p:sld>
-</file>
-
-<file path=ppt/slides/slide57.xml><?xml version="1.0" encoding="utf-8"?>
-<p:sld xmlns:a="http://schemas.openxmlformats.org/drawingml/2006/main" xmlns:r="http://schemas.openxmlformats.org/officeDocument/2006/relationships" xmlns:p="http://schemas.openxmlformats.org/presentationml/2006/main">
-  <p:cSld>
-    <p:spTree>
-      <p:nvGrpSpPr>
-        <p:cNvPr id="1" name=""/>
-        <p:cNvGrpSpPr/>
-        <p:nvPr/>
-      </p:nvGrpSpPr>
-      <p:grpSpPr>
-        <a:xfrm>
-          <a:off x="0" y="0"/>
-          <a:ext cx="0" cy="0"/>
-          <a:chOff x="0" y="0"/>
-          <a:chExt cx="0" cy="0"/>
-        </a:xfrm>
-      </p:grpSpPr>
-      <p:sp>
-        <p:nvSpPr>
-          <p:cNvPr id="2" name="제목 1"/>
-          <p:cNvSpPr>
-            <a:spLocks noGrp="1"/>
-          </p:cNvSpPr>
-          <p:nvPr>
-            <p:ph type="title"/>
-          </p:nvPr>
-        </p:nvSpPr>
-        <p:spPr/>
-        <p:txBody>
-          <a:bodyPr/>
-          <a:lstStyle/>
-          <a:p>
-            <a:r>
-              <a:rPr lang="en-US" altLang="ko-KR" sz="3600" dirty="0"/>
-              <a:t>Overlap Using Depth-First Scheduling</a:t>
-            </a:r>
-            <a:endParaRPr lang="ko-KR" altLang="en-US" sz="3600" dirty="0"/>
-          </a:p>
-        </p:txBody>
-      </p:sp>
-      <p:sp>
-        <p:nvSpPr>
-          <p:cNvPr id="3" name="내용 개체 틀 2"/>
-          <p:cNvSpPr>
-            <a:spLocks noGrp="1"/>
-          </p:cNvSpPr>
-          <p:nvPr>
-            <p:ph idx="1"/>
-          </p:nvPr>
-        </p:nvSpPr>
-        <p:spPr/>
-        <p:txBody>
-          <a:bodyPr/>
-          <a:lstStyle/>
-          <a:p>
-            <a:r>
-              <a:rPr lang="en-US" altLang="ko-KR" sz="2000" dirty="0"/>
-              <a:t>Vector Addition:</a:t>
-            </a:r>
-          </a:p>
-          <a:p>
-            <a:pPr marL="0" indent="0">
-              <a:buNone/>
-            </a:pPr>
-            <a:r>
-              <a:rPr lang="en-US" altLang="ko-KR" sz="2000" b="1" dirty="0"/>
-              <a:t>__global__ void </a:t>
-            </a:r>
-            <a:r>
-              <a:rPr lang="en-US" altLang="ko-KR" sz="2000" b="1" dirty="0" err="1"/>
-              <a:t>sumArrays</a:t>
-            </a:r>
-            <a:r>
-              <a:rPr lang="en-US" altLang="ko-KR" sz="2000" b="1" dirty="0"/>
-              <a:t>(float *</a:t>
-            </a:r>
-            <a:r>
-              <a:rPr lang="en-US" altLang="ko-KR" sz="2000" b="1" dirty="0" err="1"/>
-              <a:t>A,float</a:t>
-            </a:r>
-            <a:r>
-              <a:rPr lang="en-US" altLang="ko-KR" sz="2000" b="1" dirty="0"/>
-              <a:t>*</a:t>
-            </a:r>
-            <a:r>
-              <a:rPr lang="en-US" altLang="ko-KR" sz="2000" b="1" dirty="0" err="1"/>
-              <a:t>B,float</a:t>
-            </a:r>
-            <a:r>
-              <a:rPr lang="en-US" altLang="ko-KR" sz="2000" b="1" dirty="0"/>
-              <a:t> *</a:t>
-            </a:r>
-            <a:r>
-              <a:rPr lang="en-US" altLang="ko-KR" sz="2000" b="1" dirty="0" err="1"/>
-              <a:t>C,const</a:t>
-            </a:r>
-            <a:r>
-              <a:rPr lang="en-US" altLang="ko-KR" sz="2000" b="1" dirty="0"/>
-              <a:t> </a:t>
-            </a:r>
-            <a:r>
-              <a:rPr lang="en-US" altLang="ko-KR" sz="2000" b="1" dirty="0" err="1"/>
-              <a:t>int</a:t>
-            </a:r>
-            <a:r>
-              <a:rPr lang="en-US" altLang="ko-KR" sz="2000" b="1" dirty="0"/>
-              <a:t> N){</a:t>
-            </a:r>
-          </a:p>
-          <a:p>
-            <a:pPr marL="0" indent="0">
-              <a:buNone/>
-            </a:pPr>
-            <a:r>
-              <a:rPr lang="en-US" altLang="ko-KR" sz="2000" b="1" dirty="0"/>
-              <a:t>	</a:t>
-            </a:r>
-            <a:r>
-              <a:rPr lang="en-US" altLang="ko-KR" sz="2000" b="1" dirty="0" err="1"/>
-              <a:t>int</a:t>
-            </a:r>
-            <a:r>
-              <a:rPr lang="en-US" altLang="ko-KR" sz="2000" b="1" dirty="0"/>
-              <a:t> </a:t>
-            </a:r>
-            <a:r>
-              <a:rPr lang="en-US" altLang="ko-KR" sz="2000" b="1" dirty="0" err="1"/>
-              <a:t>idx</a:t>
-            </a:r>
-            <a:r>
-              <a:rPr lang="en-US" altLang="ko-KR" sz="2000" b="1" dirty="0"/>
-              <a:t>=</a:t>
-            </a:r>
-            <a:r>
-              <a:rPr lang="en-US" altLang="ko-KR" sz="2000" b="1" dirty="0" err="1"/>
-              <a:t>blockIdx.x</a:t>
-            </a:r>
-            <a:r>
-              <a:rPr lang="en-US" altLang="ko-KR" sz="2000" b="1" dirty="0"/>
-              <a:t>*</a:t>
-            </a:r>
-            <a:r>
-              <a:rPr lang="en-US" altLang="ko-KR" sz="2000" b="1" dirty="0" err="1"/>
-              <a:t>blockDim.x+threadIdx.x</a:t>
-            </a:r>
-            <a:r>
-              <a:rPr lang="en-US" altLang="ko-KR" sz="2000" b="1" dirty="0"/>
-              <a:t>;</a:t>
-            </a:r>
-          </a:p>
-          <a:p>
-            <a:pPr marL="0" indent="0">
-              <a:buNone/>
-            </a:pPr>
-            <a:r>
-              <a:rPr lang="en-US" altLang="ko-KR" sz="2000" b="1" dirty="0"/>
-              <a:t>	if(</a:t>
-            </a:r>
-            <a:r>
-              <a:rPr lang="en-US" altLang="ko-KR" sz="2000" b="1" dirty="0" err="1"/>
-              <a:t>idx</a:t>
-            </a:r>
-            <a:r>
-              <a:rPr lang="en-US" altLang="ko-KR" sz="2000" b="1" dirty="0"/>
-              <a:t>&lt;N)</a:t>
-            </a:r>
-          </a:p>
-          <a:p>
-            <a:pPr marL="0" indent="0">
-              <a:buNone/>
-            </a:pPr>
-            <a:r>
-              <a:rPr lang="en-US" altLang="ko-KR" sz="2000" b="1" dirty="0"/>
-              <a:t>		for(</a:t>
-            </a:r>
-            <a:r>
-              <a:rPr lang="en-US" altLang="ko-KR" sz="2000" b="1" dirty="0" err="1"/>
-              <a:t>int</a:t>
-            </a:r>
-            <a:r>
-              <a:rPr lang="en-US" altLang="ko-KR" sz="2000" b="1" dirty="0"/>
-              <a:t> </a:t>
-            </a:r>
-            <a:r>
-              <a:rPr lang="en-US" altLang="ko-KR" sz="2000" b="1" dirty="0" err="1"/>
-              <a:t>i</a:t>
-            </a:r>
-            <a:r>
-              <a:rPr lang="en-US" altLang="ko-KR" sz="2000" b="1" dirty="0"/>
-              <a:t>=0;i&lt;</a:t>
-            </a:r>
-            <a:r>
-              <a:rPr lang="en-US" altLang="ko-KR" sz="2000" b="1" dirty="0" err="1"/>
-              <a:t>n_repeat;i</a:t>
-            </a:r>
-            <a:r>
-              <a:rPr lang="en-US" altLang="ko-KR" sz="2000" b="1" dirty="0"/>
-              <a:t>++){</a:t>
-            </a:r>
-          </a:p>
-          <a:p>
-            <a:pPr marL="0" indent="0">
-              <a:buNone/>
-            </a:pPr>
-            <a:r>
-              <a:rPr lang="en-US" altLang="ko-KR" sz="2000" b="1" dirty="0"/>
-              <a:t>			C[</a:t>
-            </a:r>
-            <a:r>
-              <a:rPr lang="en-US" altLang="ko-KR" sz="2000" b="1" dirty="0" err="1"/>
-              <a:t>idx</a:t>
-            </a:r>
-            <a:r>
-              <a:rPr lang="en-US" altLang="ko-KR" sz="2000" b="1" dirty="0"/>
-              <a:t>]=A[</a:t>
-            </a:r>
-            <a:r>
-              <a:rPr lang="en-US" altLang="ko-KR" sz="2000" b="1" dirty="0" err="1"/>
-              <a:t>idx</a:t>
-            </a:r>
-            <a:r>
-              <a:rPr lang="en-US" altLang="ko-KR" sz="2000" b="1" dirty="0"/>
-              <a:t>]+B[</a:t>
-            </a:r>
-            <a:r>
-              <a:rPr lang="en-US" altLang="ko-KR" sz="2000" b="1" dirty="0" err="1"/>
-              <a:t>idx</a:t>
-            </a:r>
-            <a:r>
-              <a:rPr lang="en-US" altLang="ko-KR" sz="2000" b="1" dirty="0"/>
-              <a:t>];</a:t>
-            </a:r>
-          </a:p>
-          <a:p>
-            <a:pPr marL="0" indent="0">
-              <a:buNone/>
-            </a:pPr>
-            <a:r>
-              <a:rPr lang="en-US" altLang="ko-KR" sz="2000" b="1" dirty="0"/>
-              <a:t>		}</a:t>
-            </a:r>
-          </a:p>
-          <a:p>
-            <a:pPr marL="0" indent="0">
-              <a:buNone/>
-            </a:pPr>
-            <a:r>
-              <a:rPr lang="en-US" altLang="ko-KR" sz="2000" b="1" dirty="0"/>
-              <a:t>}</a:t>
-            </a:r>
-          </a:p>
-          <a:p>
-            <a:r>
-              <a:rPr lang="en-US" altLang="ko-KR" sz="2000" dirty="0"/>
-              <a:t>To overlap data transfer with kernel execution, asynchronous copy functions have to be used.</a:t>
-            </a:r>
-          </a:p>
-          <a:p>
-            <a:r>
-              <a:rPr lang="en-US" altLang="ko-KR" sz="2000" dirty="0"/>
-              <a:t>Those asynchronous copy functions require pinned host memory:</a:t>
-            </a:r>
-          </a:p>
-          <a:p>
-            <a:pPr marL="0" indent="0">
-              <a:buNone/>
-            </a:pPr>
-            <a:r>
-              <a:rPr lang="en-US" altLang="ko-KR" sz="2000" dirty="0"/>
-              <a:t>	</a:t>
-            </a:r>
-            <a:r>
-              <a:rPr lang="en-US" altLang="ko-KR" sz="2000" b="1" dirty="0" err="1"/>
-              <a:t>cudaHostAlloc</a:t>
-            </a:r>
-            <a:r>
-              <a:rPr lang="en-US" altLang="ko-KR" sz="2000" b="1" dirty="0"/>
-              <a:t>( );</a:t>
-            </a:r>
-          </a:p>
-          <a:p>
-            <a:r>
-              <a:rPr lang="en-US" altLang="ko-KR" sz="2000" dirty="0"/>
-              <a:t>Partition the work equally among NSTREAM streams:</a:t>
-            </a:r>
-          </a:p>
-          <a:p>
-            <a:pPr marL="0" indent="0">
-              <a:buNone/>
-            </a:pPr>
-            <a:r>
-              <a:rPr lang="en-US" altLang="ko-KR" sz="2000" dirty="0"/>
-              <a:t>	</a:t>
-            </a:r>
-            <a:r>
-              <a:rPr lang="en-US" altLang="ko-KR" sz="2000" b="1" dirty="0" err="1"/>
-              <a:t>int</a:t>
-            </a:r>
-            <a:r>
-              <a:rPr lang="en-US" altLang="ko-KR" sz="2000" b="1" dirty="0"/>
-              <a:t> </a:t>
-            </a:r>
-            <a:r>
-              <a:rPr lang="en-US" altLang="ko-KR" sz="2000" b="1" dirty="0" err="1"/>
-              <a:t>iElem</a:t>
-            </a:r>
-            <a:r>
-              <a:rPr lang="en-US" altLang="ko-KR" sz="2000" b="1" dirty="0"/>
-              <a:t> = </a:t>
-            </a:r>
-            <a:r>
-              <a:rPr lang="en-US" altLang="ko-KR" sz="2000" b="1" dirty="0" err="1"/>
-              <a:t>nElem</a:t>
-            </a:r>
-            <a:r>
-              <a:rPr lang="en-US" altLang="ko-KR" sz="2000" b="1" dirty="0"/>
-              <a:t>/NSTREAM;</a:t>
-            </a:r>
-            <a:endParaRPr lang="ko-KR" altLang="en-US" sz="2000" b="1" dirty="0"/>
-          </a:p>
-        </p:txBody>
-      </p:sp>
-    </p:spTree>
-    <p:extLst>
-      <p:ext uri="{BB962C8B-B14F-4D97-AF65-F5344CB8AC3E}">
-        <p14:creationId xmlns:p14="http://schemas.microsoft.com/office/powerpoint/2010/main" val="3245639522"/>
-      </p:ext>
-    </p:extLst>
-  </p:cSld>
-  <p:clrMapOvr>
-    <a:masterClrMapping/>
-  </p:clrMapOvr>
-</p:sld>
-</file>
-
 <file path=ppt/slides/slide58.xml><?xml version="1.0" encoding="utf-8"?>
 <p:sld xmlns:a="http://schemas.openxmlformats.org/drawingml/2006/main" xmlns:r="http://schemas.openxmlformats.org/officeDocument/2006/relationships" xmlns:p="http://schemas.openxmlformats.org/presentationml/2006/main">
   <p:cSld>
@@ -15691,6 +15465,551 @@
             <p:ph type="title"/>
           </p:nvPr>
         </p:nvSpPr>
+        <p:spPr>
+          <a:xfrm>
+            <a:off x="395536" y="260648"/>
+            <a:ext cx="8229600" cy="960438"/>
+          </a:xfrm>
+        </p:spPr>
+        <p:txBody>
+          <a:bodyPr/>
+          <a:lstStyle/>
+          <a:p>
+            <a:r>
+              <a:rPr lang="en-US" altLang="ko-KR" sz="3200" dirty="0"/>
+              <a:t>Overlapping Kernel Execution and Data Transfer</a:t>
+            </a:r>
+            <a:br>
+              <a:rPr lang="en-US" altLang="ko-KR" sz="3200" dirty="0"/>
+            </a:br>
+            <a:endParaRPr lang="ko-KR" altLang="en-US" sz="3200" dirty="0"/>
+          </a:p>
+        </p:txBody>
+      </p:sp>
+      <p:sp>
+        <p:nvSpPr>
+          <p:cNvPr id="3" name="내용 개체 틀 2"/>
+          <p:cNvSpPr>
+            <a:spLocks noGrp="1"/>
+          </p:cNvSpPr>
+          <p:nvPr>
+            <p:ph idx="1"/>
+          </p:nvPr>
+        </p:nvSpPr>
+        <p:spPr/>
+        <p:txBody>
+          <a:bodyPr/>
+          <a:lstStyle/>
+          <a:p>
+            <a:r>
+              <a:rPr lang="en-US" altLang="ko-KR" sz="2800" dirty="0"/>
+              <a:t>Fermi and Kepler GPUs have two copy engine queues: one for data transfer to the device, and one for data transfer from the device.</a:t>
+            </a:r>
+          </a:p>
+          <a:p>
+            <a:r>
+              <a:rPr lang="en-US" altLang="ko-KR" sz="2800" dirty="0"/>
+              <a:t>Overlapping kernel execution and data transfer:</a:t>
+            </a:r>
+          </a:p>
+          <a:p>
+            <a:pPr lvl="1"/>
+            <a:r>
+              <a:rPr lang="en-US" altLang="ko-KR" sz="2400" dirty="0"/>
+              <a:t>If a kernel consumes data D, the data transfer for D must be placed before the kernel launch and in the same stream.</a:t>
+            </a:r>
+          </a:p>
+          <a:p>
+            <a:pPr lvl="1"/>
+            <a:r>
+              <a:rPr lang="en-US" altLang="ko-KR" sz="2400" dirty="0"/>
+              <a:t>If a kernel does not consume any one of the data D, the kernel execution and data transfer can be placed in different streams.</a:t>
+            </a:r>
+            <a:endParaRPr lang="ko-KR" altLang="en-US" sz="2400" dirty="0"/>
+          </a:p>
+        </p:txBody>
+      </p:sp>
+    </p:spTree>
+    <p:extLst>
+      <p:ext uri="{BB962C8B-B14F-4D97-AF65-F5344CB8AC3E}">
+        <p14:creationId xmlns:p14="http://schemas.microsoft.com/office/powerpoint/2010/main" val="1563598599"/>
+      </p:ext>
+    </p:extLst>
+  </p:cSld>
+  <p:clrMapOvr>
+    <a:masterClrMapping/>
+  </p:clrMapOvr>
+</p:sld>
+</file>
+
+<file path=ppt/slides/slide59.xml><?xml version="1.0" encoding="utf-8"?>
+<p:sld xmlns:a="http://schemas.openxmlformats.org/drawingml/2006/main" xmlns:r="http://schemas.openxmlformats.org/officeDocument/2006/relationships" xmlns:p="http://schemas.openxmlformats.org/presentationml/2006/main">
+  <p:cSld>
+    <p:spTree>
+      <p:nvGrpSpPr>
+        <p:cNvPr id="1" name=""/>
+        <p:cNvGrpSpPr/>
+        <p:nvPr/>
+      </p:nvGrpSpPr>
+      <p:grpSpPr>
+        <a:xfrm>
+          <a:off x="0" y="0"/>
+          <a:ext cx="0" cy="0"/>
+          <a:chOff x="0" y="0"/>
+          <a:chExt cx="0" cy="0"/>
+        </a:xfrm>
+      </p:grpSpPr>
+      <p:sp>
+        <p:nvSpPr>
+          <p:cNvPr id="2" name="제목 1"/>
+          <p:cNvSpPr>
+            <a:spLocks noGrp="1"/>
+          </p:cNvSpPr>
+          <p:nvPr>
+            <p:ph type="title"/>
+          </p:nvPr>
+        </p:nvSpPr>
+        <p:spPr/>
+        <p:txBody>
+          <a:bodyPr/>
+          <a:lstStyle/>
+          <a:p>
+            <a:r>
+              <a:rPr lang="en-US" altLang="ko-KR" sz="3600" dirty="0"/>
+              <a:t>Overlap Using Depth-First Scheduling</a:t>
+            </a:r>
+            <a:endParaRPr lang="ko-KR" altLang="en-US" sz="3600" dirty="0"/>
+          </a:p>
+        </p:txBody>
+      </p:sp>
+      <p:sp>
+        <p:nvSpPr>
+          <p:cNvPr id="3" name="내용 개체 틀 2"/>
+          <p:cNvSpPr>
+            <a:spLocks noGrp="1"/>
+          </p:cNvSpPr>
+          <p:nvPr>
+            <p:ph idx="1"/>
+          </p:nvPr>
+        </p:nvSpPr>
+        <p:spPr/>
+        <p:txBody>
+          <a:bodyPr/>
+          <a:lstStyle/>
+          <a:p>
+            <a:r>
+              <a:rPr lang="en-US" altLang="ko-KR" sz="2000" dirty="0"/>
+              <a:t>Vector Addition:</a:t>
+            </a:r>
+          </a:p>
+          <a:p>
+            <a:pPr marL="0" indent="0">
+              <a:buNone/>
+            </a:pPr>
+            <a:r>
+              <a:rPr lang="en-US" altLang="ko-KR" sz="2000" b="1" dirty="0"/>
+              <a:t>__global__ void </a:t>
+            </a:r>
+            <a:r>
+              <a:rPr lang="en-US" altLang="ko-KR" sz="2000" b="1" dirty="0" err="1"/>
+              <a:t>sumArrays</a:t>
+            </a:r>
+            <a:r>
+              <a:rPr lang="en-US" altLang="ko-KR" sz="2000" b="1" dirty="0"/>
+              <a:t>(float *</a:t>
+            </a:r>
+            <a:r>
+              <a:rPr lang="en-US" altLang="ko-KR" sz="2000" b="1" dirty="0" err="1"/>
+              <a:t>A,float</a:t>
+            </a:r>
+            <a:r>
+              <a:rPr lang="en-US" altLang="ko-KR" sz="2000" b="1" dirty="0"/>
+              <a:t>*</a:t>
+            </a:r>
+            <a:r>
+              <a:rPr lang="en-US" altLang="ko-KR" sz="2000" b="1" dirty="0" err="1"/>
+              <a:t>B,float</a:t>
+            </a:r>
+            <a:r>
+              <a:rPr lang="en-US" altLang="ko-KR" sz="2000" b="1" dirty="0"/>
+              <a:t> *</a:t>
+            </a:r>
+            <a:r>
+              <a:rPr lang="en-US" altLang="ko-KR" sz="2000" b="1" dirty="0" err="1"/>
+              <a:t>C,const</a:t>
+            </a:r>
+            <a:r>
+              <a:rPr lang="en-US" altLang="ko-KR" sz="2000" b="1" dirty="0"/>
+              <a:t> </a:t>
+            </a:r>
+            <a:r>
+              <a:rPr lang="en-US" altLang="ko-KR" sz="2000" b="1" dirty="0" err="1"/>
+              <a:t>int</a:t>
+            </a:r>
+            <a:r>
+              <a:rPr lang="en-US" altLang="ko-KR" sz="2000" b="1" dirty="0"/>
+              <a:t> N){</a:t>
+            </a:r>
+          </a:p>
+          <a:p>
+            <a:pPr marL="0" indent="0">
+              <a:buNone/>
+            </a:pPr>
+            <a:r>
+              <a:rPr lang="en-US" altLang="ko-KR" sz="2000" b="1" dirty="0"/>
+              <a:t>	</a:t>
+            </a:r>
+            <a:r>
+              <a:rPr lang="en-US" altLang="ko-KR" sz="2000" b="1" dirty="0" err="1"/>
+              <a:t>int</a:t>
+            </a:r>
+            <a:r>
+              <a:rPr lang="en-US" altLang="ko-KR" sz="2000" b="1" dirty="0"/>
+              <a:t> </a:t>
+            </a:r>
+            <a:r>
+              <a:rPr lang="en-US" altLang="ko-KR" sz="2000" b="1" dirty="0" err="1"/>
+              <a:t>idx</a:t>
+            </a:r>
+            <a:r>
+              <a:rPr lang="en-US" altLang="ko-KR" sz="2000" b="1" dirty="0"/>
+              <a:t>=</a:t>
+            </a:r>
+            <a:r>
+              <a:rPr lang="en-US" altLang="ko-KR" sz="2000" b="1" dirty="0" err="1"/>
+              <a:t>blockIdx.x</a:t>
+            </a:r>
+            <a:r>
+              <a:rPr lang="en-US" altLang="ko-KR" sz="2000" b="1" dirty="0"/>
+              <a:t>*</a:t>
+            </a:r>
+            <a:r>
+              <a:rPr lang="en-US" altLang="ko-KR" sz="2000" b="1" dirty="0" err="1"/>
+              <a:t>blockDim.x+threadIdx.x</a:t>
+            </a:r>
+            <a:r>
+              <a:rPr lang="en-US" altLang="ko-KR" sz="2000" b="1" dirty="0"/>
+              <a:t>;</a:t>
+            </a:r>
+          </a:p>
+          <a:p>
+            <a:pPr marL="0" indent="0">
+              <a:buNone/>
+            </a:pPr>
+            <a:r>
+              <a:rPr lang="en-US" altLang="ko-KR" sz="2000" b="1" dirty="0"/>
+              <a:t>	if(</a:t>
+            </a:r>
+            <a:r>
+              <a:rPr lang="en-US" altLang="ko-KR" sz="2000" b="1" dirty="0" err="1"/>
+              <a:t>idx</a:t>
+            </a:r>
+            <a:r>
+              <a:rPr lang="en-US" altLang="ko-KR" sz="2000" b="1" dirty="0"/>
+              <a:t>&lt;N)</a:t>
+            </a:r>
+          </a:p>
+          <a:p>
+            <a:pPr marL="0" indent="0">
+              <a:buNone/>
+            </a:pPr>
+            <a:r>
+              <a:rPr lang="en-US" altLang="ko-KR" sz="2000" b="1" dirty="0"/>
+              <a:t>		for(</a:t>
+            </a:r>
+            <a:r>
+              <a:rPr lang="en-US" altLang="ko-KR" sz="2000" b="1" dirty="0" err="1"/>
+              <a:t>int</a:t>
+            </a:r>
+            <a:r>
+              <a:rPr lang="en-US" altLang="ko-KR" sz="2000" b="1" dirty="0"/>
+              <a:t> </a:t>
+            </a:r>
+            <a:r>
+              <a:rPr lang="en-US" altLang="ko-KR" sz="2000" b="1" dirty="0" err="1"/>
+              <a:t>i</a:t>
+            </a:r>
+            <a:r>
+              <a:rPr lang="en-US" altLang="ko-KR" sz="2000" b="1" dirty="0"/>
+              <a:t>=0;i&lt;</a:t>
+            </a:r>
+            <a:r>
+              <a:rPr lang="en-US" altLang="ko-KR" sz="2000" b="1" dirty="0" err="1"/>
+              <a:t>n_repeat;i</a:t>
+            </a:r>
+            <a:r>
+              <a:rPr lang="en-US" altLang="ko-KR" sz="2000" b="1" dirty="0"/>
+              <a:t>++){</a:t>
+            </a:r>
+          </a:p>
+          <a:p>
+            <a:pPr marL="0" indent="0">
+              <a:buNone/>
+            </a:pPr>
+            <a:r>
+              <a:rPr lang="en-US" altLang="ko-KR" sz="2000" b="1" dirty="0"/>
+              <a:t>			C[</a:t>
+            </a:r>
+            <a:r>
+              <a:rPr lang="en-US" altLang="ko-KR" sz="2000" b="1" dirty="0" err="1"/>
+              <a:t>idx</a:t>
+            </a:r>
+            <a:r>
+              <a:rPr lang="en-US" altLang="ko-KR" sz="2000" b="1" dirty="0"/>
+              <a:t>]=A[</a:t>
+            </a:r>
+            <a:r>
+              <a:rPr lang="en-US" altLang="ko-KR" sz="2000" b="1" dirty="0" err="1"/>
+              <a:t>idx</a:t>
+            </a:r>
+            <a:r>
+              <a:rPr lang="en-US" altLang="ko-KR" sz="2000" b="1" dirty="0"/>
+              <a:t>]+B[</a:t>
+            </a:r>
+            <a:r>
+              <a:rPr lang="en-US" altLang="ko-KR" sz="2000" b="1" dirty="0" err="1"/>
+              <a:t>idx</a:t>
+            </a:r>
+            <a:r>
+              <a:rPr lang="en-US" altLang="ko-KR" sz="2000" b="1" dirty="0"/>
+              <a:t>];</a:t>
+            </a:r>
+          </a:p>
+          <a:p>
+            <a:pPr marL="0" indent="0">
+              <a:buNone/>
+            </a:pPr>
+            <a:r>
+              <a:rPr lang="en-US" altLang="ko-KR" sz="2000" b="1" dirty="0"/>
+              <a:t>		}</a:t>
+            </a:r>
+          </a:p>
+          <a:p>
+            <a:pPr marL="0" indent="0">
+              <a:buNone/>
+            </a:pPr>
+            <a:r>
+              <a:rPr lang="en-US" altLang="ko-KR" sz="2000" b="1" dirty="0"/>
+              <a:t>}</a:t>
+            </a:r>
+          </a:p>
+          <a:p>
+            <a:r>
+              <a:rPr lang="en-US" altLang="ko-KR" sz="2000" dirty="0"/>
+              <a:t>To overlap data transfer with kernel execution, asynchronous copy functions have to be used.</a:t>
+            </a:r>
+          </a:p>
+          <a:p>
+            <a:r>
+              <a:rPr lang="en-US" altLang="ko-KR" sz="2000" dirty="0"/>
+              <a:t>Those asynchronous copy functions require pinned host memory:</a:t>
+            </a:r>
+          </a:p>
+          <a:p>
+            <a:pPr marL="0" indent="0">
+              <a:buNone/>
+            </a:pPr>
+            <a:r>
+              <a:rPr lang="en-US" altLang="ko-KR" sz="2000" dirty="0"/>
+              <a:t>	</a:t>
+            </a:r>
+            <a:r>
+              <a:rPr lang="en-US" altLang="ko-KR" sz="2000" b="1" dirty="0" err="1"/>
+              <a:t>cudaHostAlloc</a:t>
+            </a:r>
+            <a:r>
+              <a:rPr lang="en-US" altLang="ko-KR" sz="2000" b="1" dirty="0"/>
+              <a:t>( );</a:t>
+            </a:r>
+          </a:p>
+          <a:p>
+            <a:r>
+              <a:rPr lang="en-US" altLang="ko-KR" sz="2000" dirty="0"/>
+              <a:t>Partition the work equally among NSTREAM streams:</a:t>
+            </a:r>
+          </a:p>
+          <a:p>
+            <a:pPr marL="0" indent="0">
+              <a:buNone/>
+            </a:pPr>
+            <a:r>
+              <a:rPr lang="en-US" altLang="ko-KR" sz="2000" dirty="0"/>
+              <a:t>	</a:t>
+            </a:r>
+            <a:r>
+              <a:rPr lang="en-US" altLang="ko-KR" sz="2000" b="1" dirty="0" err="1"/>
+              <a:t>int</a:t>
+            </a:r>
+            <a:r>
+              <a:rPr lang="en-US" altLang="ko-KR" sz="2000" b="1" dirty="0"/>
+              <a:t> </a:t>
+            </a:r>
+            <a:r>
+              <a:rPr lang="en-US" altLang="ko-KR" sz="2000" b="1" dirty="0" err="1"/>
+              <a:t>iElem</a:t>
+            </a:r>
+            <a:r>
+              <a:rPr lang="en-US" altLang="ko-KR" sz="2000" b="1" dirty="0"/>
+              <a:t> = </a:t>
+            </a:r>
+            <a:r>
+              <a:rPr lang="en-US" altLang="ko-KR" sz="2000" b="1" dirty="0" err="1"/>
+              <a:t>nElem</a:t>
+            </a:r>
+            <a:r>
+              <a:rPr lang="en-US" altLang="ko-KR" sz="2000" b="1" dirty="0"/>
+              <a:t>/NSTREAM;</a:t>
+            </a:r>
+            <a:endParaRPr lang="ko-KR" altLang="en-US" sz="2000" b="1" dirty="0"/>
+          </a:p>
+        </p:txBody>
+      </p:sp>
+    </p:spTree>
+    <p:extLst>
+      <p:ext uri="{BB962C8B-B14F-4D97-AF65-F5344CB8AC3E}">
+        <p14:creationId xmlns:p14="http://schemas.microsoft.com/office/powerpoint/2010/main" val="3245639522"/>
+      </p:ext>
+    </p:extLst>
+  </p:cSld>
+  <p:clrMapOvr>
+    <a:masterClrMapping/>
+  </p:clrMapOvr>
+</p:sld>
+</file>
+
+<file path=ppt/slides/slide6.xml><?xml version="1.0" encoding="utf-8"?>
+<p:sld xmlns:a="http://schemas.openxmlformats.org/drawingml/2006/main" xmlns:r="http://schemas.openxmlformats.org/officeDocument/2006/relationships" xmlns:p="http://schemas.openxmlformats.org/presentationml/2006/main">
+  <p:cSld>
+    <p:spTree>
+      <p:nvGrpSpPr>
+        <p:cNvPr id="1" name=""/>
+        <p:cNvGrpSpPr/>
+        <p:nvPr/>
+      </p:nvGrpSpPr>
+      <p:grpSpPr>
+        <a:xfrm>
+          <a:off x="0" y="0"/>
+          <a:ext cx="0" cy="0"/>
+          <a:chOff x="0" y="0"/>
+          <a:chExt cx="0" cy="0"/>
+        </a:xfrm>
+      </p:grpSpPr>
+      <p:sp>
+        <p:nvSpPr>
+          <p:cNvPr id="2" name="제목 1"/>
+          <p:cNvSpPr>
+            <a:spLocks noGrp="1"/>
+          </p:cNvSpPr>
+          <p:nvPr>
+            <p:ph type="title"/>
+          </p:nvPr>
+        </p:nvSpPr>
+        <p:spPr/>
+        <p:txBody>
+          <a:bodyPr/>
+          <a:lstStyle/>
+          <a:p>
+            <a:r>
+              <a:rPr lang="en-US" altLang="ko-KR" dirty="0"/>
+              <a:t>Concurrency in CUDA C</a:t>
+            </a:r>
+            <a:endParaRPr lang="ko-KR" altLang="en-US" dirty="0"/>
+          </a:p>
+        </p:txBody>
+      </p:sp>
+      <p:sp>
+        <p:nvSpPr>
+          <p:cNvPr id="3" name="내용 개체 틀 2"/>
+          <p:cNvSpPr>
+            <a:spLocks noGrp="1"/>
+          </p:cNvSpPr>
+          <p:nvPr>
+            <p:ph idx="1"/>
+          </p:nvPr>
+        </p:nvSpPr>
+        <p:spPr/>
+        <p:txBody>
+          <a:bodyPr/>
+          <a:lstStyle/>
+          <a:p>
+            <a:r>
+              <a:rPr lang="en-US" altLang="ko-KR" dirty="0"/>
+              <a:t>Kernel level concurrency:</a:t>
+            </a:r>
+          </a:p>
+          <a:p>
+            <a:pPr marL="0" indent="0">
+              <a:buNone/>
+            </a:pPr>
+            <a:r>
+              <a:rPr lang="en-US" altLang="ko-KR" dirty="0"/>
+              <a:t>   A kernel executed in parallel by many threads.</a:t>
+            </a:r>
+          </a:p>
+          <a:p>
+            <a:pPr marL="0" indent="0">
+              <a:buNone/>
+            </a:pPr>
+            <a:endParaRPr lang="en-US" altLang="ko-KR" dirty="0"/>
+          </a:p>
+          <a:p>
+            <a:r>
+              <a:rPr lang="en-US" altLang="ko-KR" dirty="0"/>
+              <a:t>Grid level concurrency:</a:t>
+            </a:r>
+          </a:p>
+          <a:p>
+            <a:pPr marL="0" indent="0">
+              <a:buNone/>
+            </a:pPr>
+            <a:r>
+              <a:rPr lang="en-US" altLang="ko-KR" dirty="0"/>
+              <a:t>   Multiple kernels are executed simultaneously on a single device.</a:t>
+            </a:r>
+            <a:endParaRPr lang="ko-KR" altLang="en-US" dirty="0"/>
+          </a:p>
+        </p:txBody>
+      </p:sp>
+    </p:spTree>
+    <p:extLst>
+      <p:ext uri="{BB962C8B-B14F-4D97-AF65-F5344CB8AC3E}">
+        <p14:creationId xmlns:p14="http://schemas.microsoft.com/office/powerpoint/2010/main" val="4117946415"/>
+      </p:ext>
+    </p:extLst>
+  </p:cSld>
+  <p:clrMapOvr>
+    <a:masterClrMapping/>
+  </p:clrMapOvr>
+</p:sld>
+</file>
+
+<file path=ppt/slides/slide60.xml><?xml version="1.0" encoding="utf-8"?>
+<p:sld xmlns:a="http://schemas.openxmlformats.org/drawingml/2006/main" xmlns:r="http://schemas.openxmlformats.org/officeDocument/2006/relationships" xmlns:p="http://schemas.openxmlformats.org/presentationml/2006/main">
+  <p:cSld>
+    <p:spTree>
+      <p:nvGrpSpPr>
+        <p:cNvPr id="1" name=""/>
+        <p:cNvGrpSpPr/>
+        <p:nvPr/>
+      </p:nvGrpSpPr>
+      <p:grpSpPr>
+        <a:xfrm>
+          <a:off x="0" y="0"/>
+          <a:ext cx="0" cy="0"/>
+          <a:chOff x="0" y="0"/>
+          <a:chExt cx="0" cy="0"/>
+        </a:xfrm>
+      </p:grpSpPr>
+      <p:sp>
+        <p:nvSpPr>
+          <p:cNvPr id="2" name="제목 1"/>
+          <p:cNvSpPr>
+            <a:spLocks noGrp="1"/>
+          </p:cNvSpPr>
+          <p:nvPr>
+            <p:ph type="title"/>
+          </p:nvPr>
+        </p:nvSpPr>
         <p:spPr/>
         <p:txBody>
           <a:bodyPr/>
@@ -16168,7 +16487,7 @@
 </p:sld>
 </file>
 
-<file path=ppt/slides/slide59.xml><?xml version="1.0" encoding="utf-8"?>
+<file path=ppt/slides/slide61.xml><?xml version="1.0" encoding="utf-8"?>
 <p:sld xmlns:a="http://schemas.openxmlformats.org/drawingml/2006/main" xmlns:r="http://schemas.openxmlformats.org/officeDocument/2006/relationships" xmlns:p="http://schemas.openxmlformats.org/presentationml/2006/main">
   <p:cSld>
     <p:spTree>
@@ -16393,113 +16712,7 @@
 </p:sld>
 </file>
 
-<file path=ppt/slides/slide6.xml><?xml version="1.0" encoding="utf-8"?>
-<p:sld xmlns:a="http://schemas.openxmlformats.org/drawingml/2006/main" xmlns:r="http://schemas.openxmlformats.org/officeDocument/2006/relationships" xmlns:p="http://schemas.openxmlformats.org/presentationml/2006/main">
-  <p:cSld>
-    <p:spTree>
-      <p:nvGrpSpPr>
-        <p:cNvPr id="1" name=""/>
-        <p:cNvGrpSpPr/>
-        <p:nvPr/>
-      </p:nvGrpSpPr>
-      <p:grpSpPr>
-        <a:xfrm>
-          <a:off x="0" y="0"/>
-          <a:ext cx="0" cy="0"/>
-          <a:chOff x="0" y="0"/>
-          <a:chExt cx="0" cy="0"/>
-        </a:xfrm>
-      </p:grpSpPr>
-      <p:sp>
-        <p:nvSpPr>
-          <p:cNvPr id="2" name="제목 1"/>
-          <p:cNvSpPr>
-            <a:spLocks noGrp="1"/>
-          </p:cNvSpPr>
-          <p:nvPr>
-            <p:ph type="title"/>
-          </p:nvPr>
-        </p:nvSpPr>
-        <p:spPr/>
-        <p:txBody>
-          <a:bodyPr/>
-          <a:lstStyle/>
-          <a:p>
-            <a:r>
-              <a:rPr lang="en-US" altLang="ko-KR" dirty="0"/>
-              <a:t>Concurrency in CUDA C</a:t>
-            </a:r>
-            <a:endParaRPr lang="ko-KR" altLang="en-US" dirty="0"/>
-          </a:p>
-        </p:txBody>
-      </p:sp>
-      <p:sp>
-        <p:nvSpPr>
-          <p:cNvPr id="3" name="내용 개체 틀 2"/>
-          <p:cNvSpPr>
-            <a:spLocks noGrp="1"/>
-          </p:cNvSpPr>
-          <p:nvPr>
-            <p:ph idx="1"/>
-          </p:nvPr>
-        </p:nvSpPr>
-        <p:spPr/>
-        <p:txBody>
-          <a:bodyPr/>
-          <a:lstStyle/>
-          <a:p>
-            <a:r>
-              <a:rPr lang="en-US" altLang="ko-KR" dirty="0"/>
-              <a:t>Kernel level concurrency:</a:t>
-            </a:r>
-          </a:p>
-          <a:p>
-            <a:pPr marL="0" indent="0">
-              <a:buNone/>
-            </a:pPr>
-            <a:r>
-              <a:rPr lang="en-US" altLang="ko-KR" dirty="0"/>
-              <a:t>   A kernel executed in parallel by many threads.</a:t>
-            </a:r>
-          </a:p>
-          <a:p>
-            <a:pPr marL="0" indent="0">
-              <a:buNone/>
-            </a:pPr>
-            <a:endParaRPr lang="en-US" altLang="ko-KR" dirty="0"/>
-          </a:p>
-          <a:p>
-            <a:r>
-              <a:rPr lang="en-US" altLang="ko-KR" dirty="0"/>
-              <a:t>Grid level concurrency:</a:t>
-            </a:r>
-          </a:p>
-          <a:p>
-            <a:pPr marL="0" indent="0">
-              <a:buNone/>
-            </a:pPr>
-            <a:r>
-              <a:rPr lang="en-US" altLang="ko-KR" dirty="0"/>
-              <a:t>   Multiple kernels are executed simultaneously on a single device.</a:t>
-            </a:r>
-            <a:endParaRPr lang="ko-KR" altLang="en-US" dirty="0"/>
-          </a:p>
-        </p:txBody>
-      </p:sp>
-    </p:spTree>
-    <p:extLst>
-      <p:ext uri="{BB962C8B-B14F-4D97-AF65-F5344CB8AC3E}">
-        <p14:creationId xmlns:p14="http://schemas.microsoft.com/office/powerpoint/2010/main" val="4117946415"/>
-      </p:ext>
-    </p:extLst>
-  </p:cSld>
-  <p:clrMapOvr>
-    <a:masterClrMapping/>
-  </p:clrMapOvr>
-</p:sld>
-</file>
-
-<file path=ppt/slides/slide60.xml><?xml version="1.0" encoding="utf-8"?>
+<file path=ppt/slides/slide62.xml><?xml version="1.0" encoding="utf-8"?>
 <p:sld xmlns:a="http://schemas.openxmlformats.org/drawingml/2006/main" xmlns:r="http://schemas.openxmlformats.org/officeDocument/2006/relationships" xmlns:p="http://schemas.openxmlformats.org/presentationml/2006/main">
   <p:cSld>
     <p:spTree>
@@ -17958,7 +18171,7 @@
 </p:sld>
 </file>
 
-<file path=ppt/slides/slide61.xml><?xml version="1.0" encoding="utf-8"?>
+<file path=ppt/slides/slide63.xml><?xml version="1.0" encoding="utf-8"?>
 <p:sld xmlns:a="http://schemas.openxmlformats.org/drawingml/2006/main" xmlns:r="http://schemas.openxmlformats.org/officeDocument/2006/relationships" xmlns:p="http://schemas.openxmlformats.org/presentationml/2006/main">
   <p:cSld>
     <p:spTree>
@@ -18168,7 +18381,7 @@
 </p:sld>
 </file>
 
-<file path=ppt/slides/slide62.xml><?xml version="1.0" encoding="utf-8"?>
+<file path=ppt/slides/slide64.xml><?xml version="1.0" encoding="utf-8"?>
 <p:sld xmlns:a="http://schemas.openxmlformats.org/drawingml/2006/main" xmlns:r="http://schemas.openxmlformats.org/officeDocument/2006/relationships" xmlns:p="http://schemas.openxmlformats.org/presentationml/2006/main">
   <p:cSld>
     <p:spTree>
@@ -18244,7 +18457,7 @@
 </p:sld>
 </file>
 
-<file path=ppt/slides/slide63.xml><?xml version="1.0" encoding="utf-8"?>
+<file path=ppt/slides/slide65.xml><?xml version="1.0" encoding="utf-8"?>
 <p:sld xmlns:a="http://schemas.openxmlformats.org/drawingml/2006/main" xmlns:r="http://schemas.openxmlformats.org/officeDocument/2006/relationships" xmlns:p="http://schemas.openxmlformats.org/presentationml/2006/main">
   <p:cSld>
     <p:spTree>
@@ -18343,477 +18556,6 @@
 </p:sld>
 </file>
 
-<file path=ppt/slides/slide64.xml><?xml version="1.0" encoding="utf-8"?>
-<p:sld xmlns:a="http://schemas.openxmlformats.org/drawingml/2006/main" xmlns:r="http://schemas.openxmlformats.org/officeDocument/2006/relationships" xmlns:p="http://schemas.openxmlformats.org/presentationml/2006/main">
-  <p:cSld>
-    <p:spTree>
-      <p:nvGrpSpPr>
-        <p:cNvPr id="1" name=""/>
-        <p:cNvGrpSpPr/>
-        <p:nvPr/>
-      </p:nvGrpSpPr>
-      <p:grpSpPr>
-        <a:xfrm>
-          <a:off x="0" y="0"/>
-          <a:ext cx="0" cy="0"/>
-          <a:chOff x="0" y="0"/>
-          <a:chExt cx="0" cy="0"/>
-        </a:xfrm>
-      </p:grpSpPr>
-      <p:sp>
-        <p:nvSpPr>
-          <p:cNvPr id="2" name="제목 1"/>
-          <p:cNvSpPr>
-            <a:spLocks noGrp="1"/>
-          </p:cNvSpPr>
-          <p:nvPr>
-            <p:ph type="title"/>
-          </p:nvPr>
-        </p:nvSpPr>
-        <p:spPr/>
-        <p:txBody>
-          <a:bodyPr/>
-          <a:lstStyle/>
-          <a:p>
-            <a:r>
-              <a:rPr lang="en-US" altLang="ko-KR" dirty="0"/>
-              <a:t>System Callbacks</a:t>
-            </a:r>
-            <a:endParaRPr lang="ko-KR" altLang="en-US" dirty="0"/>
-          </a:p>
-        </p:txBody>
-      </p:sp>
-      <p:sp>
-        <p:nvSpPr>
-          <p:cNvPr id="3" name="내용 개체 틀 2"/>
-          <p:cNvSpPr>
-            <a:spLocks noGrp="1"/>
-          </p:cNvSpPr>
-          <p:nvPr>
-            <p:ph idx="1"/>
-          </p:nvPr>
-        </p:nvSpPr>
-        <p:spPr/>
-        <p:txBody>
-          <a:bodyPr/>
-          <a:lstStyle/>
-          <a:p>
-            <a:r>
-              <a:rPr lang="en-US" altLang="ko-KR" sz="2400" dirty="0"/>
-              <a:t>When all of the operations in a stream preceding a stream callback have completed, a host-side function specified by the stream callback is called by the CUDA runtime.</a:t>
-            </a:r>
-          </a:p>
-          <a:p>
-            <a:r>
-              <a:rPr lang="en-US" altLang="ko-KR" sz="2400" dirty="0"/>
-              <a:t>Stream callback function: It is a host function provided by application and registered in a stream with the following:</a:t>
-            </a:r>
-          </a:p>
-          <a:p>
-            <a:pPr marL="0" indent="0">
-              <a:buNone/>
-            </a:pPr>
-            <a:r>
-              <a:rPr lang="en-US" altLang="ko-KR" sz="2400" b="1" dirty="0" err="1"/>
-              <a:t>cudaError_t</a:t>
-            </a:r>
-            <a:r>
-              <a:rPr lang="en-US" altLang="ko-KR" sz="2400" b="1" dirty="0"/>
-              <a:t> </a:t>
-            </a:r>
-            <a:r>
-              <a:rPr lang="en-US" altLang="ko-KR" sz="2400" b="1" dirty="0" err="1"/>
-              <a:t>cudaStreamAddCallback</a:t>
-            </a:r>
-            <a:r>
-              <a:rPr lang="en-US" altLang="ko-KR" sz="2400" b="1" dirty="0"/>
-              <a:t>(</a:t>
-            </a:r>
-            <a:r>
-              <a:rPr lang="en-US" altLang="ko-KR" sz="2400" b="1" dirty="0" err="1"/>
-              <a:t>cudaStream_t</a:t>
-            </a:r>
-            <a:r>
-              <a:rPr lang="en-US" altLang="ko-KR" sz="2400" b="1" dirty="0"/>
-              <a:t> </a:t>
-            </a:r>
-            <a:r>
-              <a:rPr lang="en-US" altLang="ko-KR" sz="2400" b="1" dirty="0" err="1"/>
-              <a:t>stream,cudaStreamCallback_t</a:t>
-            </a:r>
-            <a:r>
-              <a:rPr lang="en-US" altLang="ko-KR" sz="2400" b="1" dirty="0"/>
-              <a:t> </a:t>
-            </a:r>
-            <a:r>
-              <a:rPr lang="en-US" altLang="ko-KR" sz="2400" b="1" dirty="0" err="1"/>
-              <a:t>callbackm</a:t>
-            </a:r>
-            <a:r>
-              <a:rPr lang="en-US" altLang="ko-KR" sz="2400" b="1" dirty="0"/>
-              <a:t> void *</a:t>
-            </a:r>
-            <a:r>
-              <a:rPr lang="en-US" altLang="ko-KR" sz="2400" b="1" dirty="0" err="1"/>
-              <a:t>userData</a:t>
-            </a:r>
-            <a:r>
-              <a:rPr lang="en-US" altLang="ko-KR" sz="2400" b="1" dirty="0"/>
-              <a:t>, unsigned </a:t>
-            </a:r>
-            <a:r>
-              <a:rPr lang="en-US" altLang="ko-KR" sz="2400" b="1" dirty="0" err="1"/>
-              <a:t>int</a:t>
-            </a:r>
-            <a:r>
-              <a:rPr lang="en-US" altLang="ko-KR" sz="2400" b="1" dirty="0"/>
-              <a:t> flags);</a:t>
-            </a:r>
-          </a:p>
-          <a:p>
-            <a:endParaRPr lang="ko-KR" altLang="en-US" sz="2400" dirty="0"/>
-          </a:p>
-        </p:txBody>
-      </p:sp>
-    </p:spTree>
-    <p:extLst>
-      <p:ext uri="{BB962C8B-B14F-4D97-AF65-F5344CB8AC3E}">
-        <p14:creationId xmlns:p14="http://schemas.microsoft.com/office/powerpoint/2010/main" val="2576381405"/>
-      </p:ext>
-    </p:extLst>
-  </p:cSld>
-  <p:clrMapOvr>
-    <a:masterClrMapping/>
-  </p:clrMapOvr>
-</p:sld>
-</file>
-
-<file path=ppt/slides/slide65.xml><?xml version="1.0" encoding="utf-8"?>
-<p:sld xmlns:a="http://schemas.openxmlformats.org/drawingml/2006/main" xmlns:r="http://schemas.openxmlformats.org/officeDocument/2006/relationships" xmlns:p="http://schemas.openxmlformats.org/presentationml/2006/main">
-  <p:cSld>
-    <p:spTree>
-      <p:nvGrpSpPr>
-        <p:cNvPr id="1" name=""/>
-        <p:cNvGrpSpPr/>
-        <p:nvPr/>
-      </p:nvGrpSpPr>
-      <p:grpSpPr>
-        <a:xfrm>
-          <a:off x="0" y="0"/>
-          <a:ext cx="0" cy="0"/>
-          <a:chOff x="0" y="0"/>
-          <a:chExt cx="0" cy="0"/>
-        </a:xfrm>
-      </p:grpSpPr>
-      <p:sp>
-        <p:nvSpPr>
-          <p:cNvPr id="2" name="제목 1"/>
-          <p:cNvSpPr>
-            <a:spLocks noGrp="1"/>
-          </p:cNvSpPr>
-          <p:nvPr>
-            <p:ph type="title"/>
-          </p:nvPr>
-        </p:nvSpPr>
-        <p:spPr/>
-        <p:txBody>
-          <a:bodyPr/>
-          <a:lstStyle/>
-          <a:p>
-            <a:r>
-              <a:rPr lang="en-US" altLang="ko-KR" dirty="0"/>
-              <a:t>Stream Callback</a:t>
-            </a:r>
-            <a:endParaRPr lang="ko-KR" altLang="en-US" dirty="0"/>
-          </a:p>
-        </p:txBody>
-      </p:sp>
-      <p:sp>
-        <p:nvSpPr>
-          <p:cNvPr id="3" name="내용 개체 틀 2"/>
-          <p:cNvSpPr>
-            <a:spLocks noGrp="1"/>
-          </p:cNvSpPr>
-          <p:nvPr>
-            <p:ph idx="1"/>
-          </p:nvPr>
-        </p:nvSpPr>
-        <p:spPr>
-          <a:xfrm>
-            <a:off x="457200" y="1600200"/>
-            <a:ext cx="8363272" cy="4853136"/>
-          </a:xfrm>
-        </p:spPr>
-        <p:txBody>
-          <a:bodyPr/>
-          <a:lstStyle/>
-          <a:p>
-            <a:pPr marL="0" indent="0">
-              <a:buNone/>
-            </a:pPr>
-            <a:r>
-              <a:rPr lang="en-US" altLang="ko-KR" sz="2400" b="1" dirty="0"/>
-              <a:t>for (</a:t>
-            </a:r>
-            <a:r>
-              <a:rPr lang="en-US" altLang="ko-KR" sz="2400" b="1" dirty="0" err="1"/>
-              <a:t>int</a:t>
-            </a:r>
-            <a:r>
-              <a:rPr lang="en-US" altLang="ko-KR" sz="2400" b="1" dirty="0"/>
-              <a:t> </a:t>
-            </a:r>
-            <a:r>
-              <a:rPr lang="en-US" altLang="ko-KR" sz="2400" b="1" dirty="0" err="1"/>
-              <a:t>i</a:t>
-            </a:r>
-            <a:r>
-              <a:rPr lang="en-US" altLang="ko-KR" sz="2400" b="1" dirty="0"/>
-              <a:t>=0; </a:t>
-            </a:r>
-            <a:r>
-              <a:rPr lang="en-US" altLang="ko-KR" sz="2400" b="1" dirty="0" err="1"/>
-              <a:t>i</a:t>
-            </a:r>
-            <a:r>
-              <a:rPr lang="en-US" altLang="ko-KR" sz="2400" b="1" dirty="0"/>
-              <a:t>&lt;</a:t>
-            </a:r>
-            <a:r>
-              <a:rPr lang="en-US" altLang="ko-KR" sz="2400" b="1" dirty="0" err="1"/>
-              <a:t>n_stream</a:t>
-            </a:r>
-            <a:r>
-              <a:rPr lang="en-US" altLang="ko-KR" sz="2400" b="1" dirty="0"/>
-              <a:t>; </a:t>
-            </a:r>
-            <a:r>
-              <a:rPr lang="en-US" altLang="ko-KR" sz="2400" b="1" dirty="0" err="1"/>
-              <a:t>i</a:t>
-            </a:r>
-            <a:r>
-              <a:rPr lang="en-US" altLang="ko-KR" sz="2400" b="1" dirty="0"/>
-              <a:t>++){</a:t>
-            </a:r>
-          </a:p>
-          <a:p>
-            <a:pPr marL="0" indent="0">
-              <a:buNone/>
-            </a:pPr>
-            <a:r>
-              <a:rPr lang="en-US" altLang="ko-KR" sz="2400" b="1" dirty="0"/>
-              <a:t>	</a:t>
-            </a:r>
-            <a:r>
-              <a:rPr lang="en-US" altLang="ko-KR" sz="2400" b="1" dirty="0" err="1"/>
-              <a:t>stream_ids</a:t>
-            </a:r>
-            <a:r>
-              <a:rPr lang="en-US" altLang="ko-KR" sz="2400" b="1" dirty="0"/>
-              <a:t>[</a:t>
-            </a:r>
-            <a:r>
-              <a:rPr lang="en-US" altLang="ko-KR" sz="2400" b="1" dirty="0" err="1"/>
-              <a:t>i</a:t>
-            </a:r>
-            <a:r>
-              <a:rPr lang="en-US" altLang="ko-KR" sz="2400" b="1" dirty="0"/>
-              <a:t>]=</a:t>
-            </a:r>
-            <a:r>
-              <a:rPr lang="en-US" altLang="ko-KR" sz="2400" b="1" dirty="0" err="1"/>
-              <a:t>i</a:t>
-            </a:r>
-            <a:r>
-              <a:rPr lang="en-US" altLang="ko-KR" sz="2400" b="1" dirty="0"/>
-              <a:t>;</a:t>
-            </a:r>
-          </a:p>
-          <a:p>
-            <a:pPr marL="0" indent="0">
-              <a:buNone/>
-            </a:pPr>
-            <a:r>
-              <a:rPr lang="en-US" altLang="ko-KR" sz="2400" b="1" dirty="0"/>
-              <a:t>	kernel_1&lt;&lt;&lt;grid,block,0,streams[</a:t>
-            </a:r>
-            <a:r>
-              <a:rPr lang="en-US" altLang="ko-KR" sz="2400" b="1" dirty="0" err="1"/>
-              <a:t>i</a:t>
-            </a:r>
-            <a:r>
-              <a:rPr lang="en-US" altLang="ko-KR" sz="2400" b="1" dirty="0"/>
-              <a:t>]&gt;&gt;&gt;();</a:t>
-            </a:r>
-          </a:p>
-          <a:p>
-            <a:pPr marL="0" indent="0">
-              <a:buNone/>
-            </a:pPr>
-            <a:r>
-              <a:rPr lang="en-US" altLang="ko-KR" sz="2400" b="1" dirty="0"/>
-              <a:t>	kernel_2&lt;&lt;&lt;grid,block,0,streams[</a:t>
-            </a:r>
-            <a:r>
-              <a:rPr lang="en-US" altLang="ko-KR" sz="2400" b="1" dirty="0" err="1"/>
-              <a:t>i</a:t>
-            </a:r>
-            <a:r>
-              <a:rPr lang="en-US" altLang="ko-KR" sz="2400" b="1" dirty="0"/>
-              <a:t>]&gt;&gt;&gt;();</a:t>
-            </a:r>
-          </a:p>
-          <a:p>
-            <a:pPr marL="0" indent="0">
-              <a:buNone/>
-            </a:pPr>
-            <a:r>
-              <a:rPr lang="en-US" altLang="ko-KR" sz="2400" b="1" dirty="0"/>
-              <a:t>	kernel_3&lt;&lt;&lt;grid,block,0,streams[</a:t>
-            </a:r>
-            <a:r>
-              <a:rPr lang="en-US" altLang="ko-KR" sz="2400" b="1" dirty="0" err="1"/>
-              <a:t>i</a:t>
-            </a:r>
-            <a:r>
-              <a:rPr lang="en-US" altLang="ko-KR" sz="2400" b="1" dirty="0"/>
-              <a:t>]&gt;&gt;&gt;();</a:t>
-            </a:r>
-          </a:p>
-          <a:p>
-            <a:pPr marL="0" indent="0">
-              <a:buNone/>
-            </a:pPr>
-            <a:r>
-              <a:rPr lang="en-US" altLang="ko-KR" sz="2400" b="1" dirty="0"/>
-              <a:t>	kernel_4&lt;&lt;&lt;grid,block,0,streams[</a:t>
-            </a:r>
-            <a:r>
-              <a:rPr lang="en-US" altLang="ko-KR" sz="2400" b="1" dirty="0" err="1"/>
-              <a:t>i</a:t>
-            </a:r>
-            <a:r>
-              <a:rPr lang="en-US" altLang="ko-KR" sz="2400" b="1" dirty="0"/>
-              <a:t>]&gt;&gt;&gt;();</a:t>
-            </a:r>
-          </a:p>
-          <a:p>
-            <a:pPr marL="0" indent="0">
-              <a:buNone/>
-            </a:pPr>
-            <a:endParaRPr lang="en-US" altLang="ko-KR" sz="2400" b="1" dirty="0"/>
-          </a:p>
-          <a:p>
-            <a:pPr marL="0" indent="0">
-              <a:buNone/>
-            </a:pPr>
-            <a:r>
-              <a:rPr lang="en-US" altLang="ko-KR" sz="2400" b="1" dirty="0"/>
-              <a:t>	</a:t>
-            </a:r>
-            <a:r>
-              <a:rPr lang="en-US" altLang="ko-KR" sz="2400" b="1" dirty="0" err="1">
-                <a:solidFill>
-                  <a:srgbClr val="0070C0"/>
-                </a:solidFill>
-              </a:rPr>
-              <a:t>cudaStreamAddCallback</a:t>
-            </a:r>
-            <a:r>
-              <a:rPr lang="en-US" altLang="ko-KR" sz="2400" b="1" dirty="0">
-                <a:solidFill>
-                  <a:srgbClr val="0070C0"/>
-                </a:solidFill>
-              </a:rPr>
-              <a:t>(streams[</a:t>
-            </a:r>
-            <a:r>
-              <a:rPr lang="en-US" altLang="ko-KR" sz="2400" b="1" dirty="0" err="1">
-                <a:solidFill>
-                  <a:srgbClr val="0070C0"/>
-                </a:solidFill>
-              </a:rPr>
-              <a:t>i</a:t>
-            </a:r>
-            <a:r>
-              <a:rPr lang="en-US" altLang="ko-KR" sz="2400" b="1" dirty="0">
-                <a:solidFill>
-                  <a:srgbClr val="0070C0"/>
-                </a:solidFill>
-              </a:rPr>
-              <a:t>],</a:t>
-            </a:r>
-            <a:r>
-              <a:rPr lang="en-US" altLang="ko-KR" sz="2400" b="1" dirty="0" err="1">
-                <a:solidFill>
-                  <a:srgbClr val="0070C0"/>
-                </a:solidFill>
-              </a:rPr>
-              <a:t>my_callback</a:t>
-            </a:r>
-            <a:r>
-              <a:rPr lang="en-US" altLang="ko-KR" sz="2400" b="1" dirty="0">
-                <a:solidFill>
-                  <a:srgbClr val="0070C0"/>
-                </a:solidFill>
-              </a:rPr>
-              <a:t>,</a:t>
-            </a:r>
-          </a:p>
-          <a:p>
-            <a:pPr marL="0" indent="0">
-              <a:buNone/>
-            </a:pPr>
-            <a:r>
-              <a:rPr lang="en-US" altLang="ko-KR" sz="2400" b="1" dirty="0">
-                <a:solidFill>
-                  <a:srgbClr val="0070C0"/>
-                </a:solidFill>
-              </a:rPr>
-              <a:t>	(void *)(</a:t>
-            </a:r>
-            <a:r>
-              <a:rPr lang="en-US" altLang="ko-KR" sz="2400" b="1" dirty="0" err="1">
-                <a:solidFill>
-                  <a:srgbClr val="0070C0"/>
-                </a:solidFill>
-              </a:rPr>
-              <a:t>stream_ids+i</a:t>
-            </a:r>
-            <a:r>
-              <a:rPr lang="en-US" altLang="ko-KR" sz="2400" b="1" dirty="0">
-                <a:solidFill>
-                  <a:srgbClr val="0070C0"/>
-                </a:solidFill>
-              </a:rPr>
-              <a:t>),0);</a:t>
-            </a:r>
-          </a:p>
-          <a:p>
-            <a:pPr marL="0" indent="0">
-              <a:buNone/>
-            </a:pPr>
-            <a:r>
-              <a:rPr lang="en-US" altLang="ko-KR" sz="2400" b="1" dirty="0"/>
-              <a:t>}</a:t>
-            </a:r>
-            <a:endParaRPr lang="ko-KR" altLang="en-US" sz="2400" b="1" dirty="0"/>
-          </a:p>
-        </p:txBody>
-      </p:sp>
-    </p:spTree>
-    <p:extLst>
-      <p:ext uri="{BB962C8B-B14F-4D97-AF65-F5344CB8AC3E}">
-        <p14:creationId xmlns:p14="http://schemas.microsoft.com/office/powerpoint/2010/main" val="4189220369"/>
-      </p:ext>
-    </p:extLst>
-  </p:cSld>
-  <p:clrMapOvr>
-    <a:masterClrMapping/>
-  </p:clrMapOvr>
-</p:sld>
-</file>
-
 <file path=ppt/slides/slide66.xml><?xml version="1.0" encoding="utf-8"?>
 <p:sld xmlns:a="http://schemas.openxmlformats.org/drawingml/2006/main" xmlns:r="http://schemas.openxmlformats.org/officeDocument/2006/relationships" xmlns:p="http://schemas.openxmlformats.org/presentationml/2006/main">
   <p:cSld>
@@ -18848,7 +18590,7 @@
           <a:p>
             <a:r>
               <a:rPr lang="en-US" altLang="ko-KR" dirty="0"/>
-              <a:t>Stream Callbacks</a:t>
+              <a:t>System Callbacks</a:t>
             </a:r>
             <a:endParaRPr lang="ko-KR" altLang="en-US" dirty="0"/>
           </a:p>
@@ -18869,6 +18611,458 @@
           <a:bodyPr/>
           <a:lstStyle/>
           <a:p>
+            <a:r>
+              <a:rPr lang="en-US" altLang="ko-KR" sz="2400" dirty="0"/>
+              <a:t>When all of the operations in a stream preceding a stream callback have completed, a host-side function specified by the stream callback is called by the CUDA runtime.</a:t>
+            </a:r>
+          </a:p>
+          <a:p>
+            <a:r>
+              <a:rPr lang="en-US" altLang="ko-KR" sz="2400" dirty="0"/>
+              <a:t>Stream callback function: It is a host function provided by application and registered in a stream with the following:</a:t>
+            </a:r>
+          </a:p>
+          <a:p>
+            <a:pPr marL="0" indent="0">
+              <a:buNone/>
+            </a:pPr>
+            <a:r>
+              <a:rPr lang="en-US" altLang="ko-KR" sz="2400" b="1" dirty="0" err="1"/>
+              <a:t>cudaError_t</a:t>
+            </a:r>
+            <a:r>
+              <a:rPr lang="en-US" altLang="ko-KR" sz="2400" b="1" dirty="0"/>
+              <a:t> </a:t>
+            </a:r>
+            <a:r>
+              <a:rPr lang="en-US" altLang="ko-KR" sz="2400" b="1" dirty="0" err="1"/>
+              <a:t>cudaStreamAddCallback</a:t>
+            </a:r>
+            <a:r>
+              <a:rPr lang="en-US" altLang="ko-KR" sz="2400" b="1" dirty="0"/>
+              <a:t>(</a:t>
+            </a:r>
+            <a:r>
+              <a:rPr lang="en-US" altLang="ko-KR" sz="2400" b="1" dirty="0" err="1"/>
+              <a:t>cudaStream_t</a:t>
+            </a:r>
+            <a:r>
+              <a:rPr lang="en-US" altLang="ko-KR" sz="2400" b="1" dirty="0"/>
+              <a:t> </a:t>
+            </a:r>
+            <a:r>
+              <a:rPr lang="en-US" altLang="ko-KR" sz="2400" b="1" dirty="0" err="1"/>
+              <a:t>stream,cudaStreamCallback_t</a:t>
+            </a:r>
+            <a:r>
+              <a:rPr lang="en-US" altLang="ko-KR" sz="2400" b="1" dirty="0"/>
+              <a:t> </a:t>
+            </a:r>
+            <a:r>
+              <a:rPr lang="en-US" altLang="ko-KR" sz="2400" b="1" dirty="0" err="1"/>
+              <a:t>callbackm</a:t>
+            </a:r>
+            <a:r>
+              <a:rPr lang="en-US" altLang="ko-KR" sz="2400" b="1" dirty="0"/>
+              <a:t> void *</a:t>
+            </a:r>
+            <a:r>
+              <a:rPr lang="en-US" altLang="ko-KR" sz="2400" b="1" dirty="0" err="1"/>
+              <a:t>userData</a:t>
+            </a:r>
+            <a:r>
+              <a:rPr lang="en-US" altLang="ko-KR" sz="2400" b="1" dirty="0"/>
+              <a:t>, unsigned </a:t>
+            </a:r>
+            <a:r>
+              <a:rPr lang="en-US" altLang="ko-KR" sz="2400" b="1" dirty="0" err="1"/>
+              <a:t>int</a:t>
+            </a:r>
+            <a:r>
+              <a:rPr lang="en-US" altLang="ko-KR" sz="2400" b="1" dirty="0"/>
+              <a:t> flags);</a:t>
+            </a:r>
+          </a:p>
+          <a:p>
+            <a:endParaRPr lang="ko-KR" altLang="en-US" sz="2400" dirty="0"/>
+          </a:p>
+        </p:txBody>
+      </p:sp>
+    </p:spTree>
+    <p:extLst>
+      <p:ext uri="{BB962C8B-B14F-4D97-AF65-F5344CB8AC3E}">
+        <p14:creationId xmlns:p14="http://schemas.microsoft.com/office/powerpoint/2010/main" val="2576381405"/>
+      </p:ext>
+    </p:extLst>
+  </p:cSld>
+  <p:clrMapOvr>
+    <a:masterClrMapping/>
+  </p:clrMapOvr>
+</p:sld>
+</file>
+
+<file path=ppt/slides/slide67.xml><?xml version="1.0" encoding="utf-8"?>
+<p:sld xmlns:a="http://schemas.openxmlformats.org/drawingml/2006/main" xmlns:r="http://schemas.openxmlformats.org/officeDocument/2006/relationships" xmlns:p="http://schemas.openxmlformats.org/presentationml/2006/main">
+  <p:cSld>
+    <p:spTree>
+      <p:nvGrpSpPr>
+        <p:cNvPr id="1" name=""/>
+        <p:cNvGrpSpPr/>
+        <p:nvPr/>
+      </p:nvGrpSpPr>
+      <p:grpSpPr>
+        <a:xfrm>
+          <a:off x="0" y="0"/>
+          <a:ext cx="0" cy="0"/>
+          <a:chOff x="0" y="0"/>
+          <a:chExt cx="0" cy="0"/>
+        </a:xfrm>
+      </p:grpSpPr>
+      <p:sp>
+        <p:nvSpPr>
+          <p:cNvPr id="2" name="제목 1"/>
+          <p:cNvSpPr>
+            <a:spLocks noGrp="1"/>
+          </p:cNvSpPr>
+          <p:nvPr>
+            <p:ph type="title"/>
+          </p:nvPr>
+        </p:nvSpPr>
+        <p:spPr/>
+        <p:txBody>
+          <a:bodyPr/>
+          <a:lstStyle/>
+          <a:p>
+            <a:r>
+              <a:rPr lang="en-US" altLang="ko-KR" dirty="0"/>
+              <a:t>Stream Callback</a:t>
+            </a:r>
+            <a:endParaRPr lang="ko-KR" altLang="en-US" dirty="0"/>
+          </a:p>
+        </p:txBody>
+      </p:sp>
+      <p:sp>
+        <p:nvSpPr>
+          <p:cNvPr id="3" name="내용 개체 틀 2"/>
+          <p:cNvSpPr>
+            <a:spLocks noGrp="1"/>
+          </p:cNvSpPr>
+          <p:nvPr>
+            <p:ph idx="1"/>
+          </p:nvPr>
+        </p:nvSpPr>
+        <p:spPr>
+          <a:xfrm>
+            <a:off x="457200" y="1600200"/>
+            <a:ext cx="8363272" cy="4853136"/>
+          </a:xfrm>
+        </p:spPr>
+        <p:txBody>
+          <a:bodyPr/>
+          <a:lstStyle/>
+          <a:p>
+            <a:pPr marL="0" indent="0">
+              <a:buNone/>
+            </a:pPr>
+            <a:r>
+              <a:rPr lang="en-US" altLang="ko-KR" sz="2400" b="1" dirty="0"/>
+              <a:t>for (</a:t>
+            </a:r>
+            <a:r>
+              <a:rPr lang="en-US" altLang="ko-KR" sz="2400" b="1" dirty="0" err="1"/>
+              <a:t>int</a:t>
+            </a:r>
+            <a:r>
+              <a:rPr lang="en-US" altLang="ko-KR" sz="2400" b="1" dirty="0"/>
+              <a:t> </a:t>
+            </a:r>
+            <a:r>
+              <a:rPr lang="en-US" altLang="ko-KR" sz="2400" b="1" dirty="0" err="1"/>
+              <a:t>i</a:t>
+            </a:r>
+            <a:r>
+              <a:rPr lang="en-US" altLang="ko-KR" sz="2400" b="1" dirty="0"/>
+              <a:t>=0; </a:t>
+            </a:r>
+            <a:r>
+              <a:rPr lang="en-US" altLang="ko-KR" sz="2400" b="1" dirty="0" err="1"/>
+              <a:t>i</a:t>
+            </a:r>
+            <a:r>
+              <a:rPr lang="en-US" altLang="ko-KR" sz="2400" b="1" dirty="0"/>
+              <a:t>&lt;</a:t>
+            </a:r>
+            <a:r>
+              <a:rPr lang="en-US" altLang="ko-KR" sz="2400" b="1" dirty="0" err="1"/>
+              <a:t>n_stream</a:t>
+            </a:r>
+            <a:r>
+              <a:rPr lang="en-US" altLang="ko-KR" sz="2400" b="1" dirty="0"/>
+              <a:t>; </a:t>
+            </a:r>
+            <a:r>
+              <a:rPr lang="en-US" altLang="ko-KR" sz="2400" b="1" dirty="0" err="1"/>
+              <a:t>i</a:t>
+            </a:r>
+            <a:r>
+              <a:rPr lang="en-US" altLang="ko-KR" sz="2400" b="1" dirty="0"/>
+              <a:t>++){</a:t>
+            </a:r>
+          </a:p>
+          <a:p>
+            <a:pPr marL="0" indent="0">
+              <a:buNone/>
+            </a:pPr>
+            <a:r>
+              <a:rPr lang="en-US" altLang="ko-KR" sz="2400" b="1" dirty="0"/>
+              <a:t>	</a:t>
+            </a:r>
+            <a:r>
+              <a:rPr lang="en-US" altLang="ko-KR" sz="2400" b="1" dirty="0" err="1"/>
+              <a:t>stream_ids</a:t>
+            </a:r>
+            <a:r>
+              <a:rPr lang="en-US" altLang="ko-KR" sz="2400" b="1" dirty="0"/>
+              <a:t>[</a:t>
+            </a:r>
+            <a:r>
+              <a:rPr lang="en-US" altLang="ko-KR" sz="2400" b="1" dirty="0" err="1"/>
+              <a:t>i</a:t>
+            </a:r>
+            <a:r>
+              <a:rPr lang="en-US" altLang="ko-KR" sz="2400" b="1" dirty="0"/>
+              <a:t>]=</a:t>
+            </a:r>
+            <a:r>
+              <a:rPr lang="en-US" altLang="ko-KR" sz="2400" b="1" dirty="0" err="1"/>
+              <a:t>i</a:t>
+            </a:r>
+            <a:r>
+              <a:rPr lang="en-US" altLang="ko-KR" sz="2400" b="1" dirty="0"/>
+              <a:t>;</a:t>
+            </a:r>
+          </a:p>
+          <a:p>
+            <a:pPr marL="0" indent="0">
+              <a:buNone/>
+            </a:pPr>
+            <a:r>
+              <a:rPr lang="en-US" altLang="ko-KR" sz="2400" b="1" dirty="0"/>
+              <a:t>	kernel_1&lt;&lt;&lt;grid,block,0,streams[</a:t>
+            </a:r>
+            <a:r>
+              <a:rPr lang="en-US" altLang="ko-KR" sz="2400" b="1" dirty="0" err="1"/>
+              <a:t>i</a:t>
+            </a:r>
+            <a:r>
+              <a:rPr lang="en-US" altLang="ko-KR" sz="2400" b="1" dirty="0"/>
+              <a:t>]&gt;&gt;&gt;();</a:t>
+            </a:r>
+          </a:p>
+          <a:p>
+            <a:pPr marL="0" indent="0">
+              <a:buNone/>
+            </a:pPr>
+            <a:r>
+              <a:rPr lang="en-US" altLang="ko-KR" sz="2400" b="1" dirty="0"/>
+              <a:t>	kernel_2&lt;&lt;&lt;grid,block,0,streams[</a:t>
+            </a:r>
+            <a:r>
+              <a:rPr lang="en-US" altLang="ko-KR" sz="2400" b="1" dirty="0" err="1"/>
+              <a:t>i</a:t>
+            </a:r>
+            <a:r>
+              <a:rPr lang="en-US" altLang="ko-KR" sz="2400" b="1" dirty="0"/>
+              <a:t>]&gt;&gt;&gt;();</a:t>
+            </a:r>
+          </a:p>
+          <a:p>
+            <a:pPr marL="0" indent="0">
+              <a:buNone/>
+            </a:pPr>
+            <a:r>
+              <a:rPr lang="en-US" altLang="ko-KR" sz="2400" b="1" dirty="0"/>
+              <a:t>	kernel_3&lt;&lt;&lt;grid,block,0,streams[</a:t>
+            </a:r>
+            <a:r>
+              <a:rPr lang="en-US" altLang="ko-KR" sz="2400" b="1" dirty="0" err="1"/>
+              <a:t>i</a:t>
+            </a:r>
+            <a:r>
+              <a:rPr lang="en-US" altLang="ko-KR" sz="2400" b="1" dirty="0"/>
+              <a:t>]&gt;&gt;&gt;();</a:t>
+            </a:r>
+          </a:p>
+          <a:p>
+            <a:pPr marL="0" indent="0">
+              <a:buNone/>
+            </a:pPr>
+            <a:r>
+              <a:rPr lang="en-US" altLang="ko-KR" sz="2400" b="1" dirty="0"/>
+              <a:t>	kernel_4&lt;&lt;&lt;grid,block,0,streams[</a:t>
+            </a:r>
+            <a:r>
+              <a:rPr lang="en-US" altLang="ko-KR" sz="2400" b="1" dirty="0" err="1"/>
+              <a:t>i</a:t>
+            </a:r>
+            <a:r>
+              <a:rPr lang="en-US" altLang="ko-KR" sz="2400" b="1" dirty="0"/>
+              <a:t>]&gt;&gt;&gt;();</a:t>
+            </a:r>
+          </a:p>
+          <a:p>
+            <a:pPr marL="0" indent="0">
+              <a:buNone/>
+            </a:pPr>
+            <a:endParaRPr lang="en-US" altLang="ko-KR" sz="2400" b="1" dirty="0"/>
+          </a:p>
+          <a:p>
+            <a:pPr marL="0" indent="0">
+              <a:buNone/>
+            </a:pPr>
+            <a:r>
+              <a:rPr lang="en-US" altLang="ko-KR" sz="2400" b="1" dirty="0"/>
+              <a:t>	</a:t>
+            </a:r>
+            <a:r>
+              <a:rPr lang="en-US" altLang="ko-KR" sz="2400" b="1" dirty="0" err="1">
+                <a:solidFill>
+                  <a:srgbClr val="0070C0"/>
+                </a:solidFill>
+              </a:rPr>
+              <a:t>cudaStreamAddCallback</a:t>
+            </a:r>
+            <a:r>
+              <a:rPr lang="en-US" altLang="ko-KR" sz="2400" b="1" dirty="0">
+                <a:solidFill>
+                  <a:srgbClr val="0070C0"/>
+                </a:solidFill>
+              </a:rPr>
+              <a:t>(streams[</a:t>
+            </a:r>
+            <a:r>
+              <a:rPr lang="en-US" altLang="ko-KR" sz="2400" b="1" dirty="0" err="1">
+                <a:solidFill>
+                  <a:srgbClr val="0070C0"/>
+                </a:solidFill>
+              </a:rPr>
+              <a:t>i</a:t>
+            </a:r>
+            <a:r>
+              <a:rPr lang="en-US" altLang="ko-KR" sz="2400" b="1" dirty="0">
+                <a:solidFill>
+                  <a:srgbClr val="0070C0"/>
+                </a:solidFill>
+              </a:rPr>
+              <a:t>],</a:t>
+            </a:r>
+            <a:r>
+              <a:rPr lang="en-US" altLang="ko-KR" sz="2400" b="1" dirty="0" err="1">
+                <a:solidFill>
+                  <a:srgbClr val="0070C0"/>
+                </a:solidFill>
+              </a:rPr>
+              <a:t>my_callback</a:t>
+            </a:r>
+            <a:r>
+              <a:rPr lang="en-US" altLang="ko-KR" sz="2400" b="1" dirty="0">
+                <a:solidFill>
+                  <a:srgbClr val="0070C0"/>
+                </a:solidFill>
+              </a:rPr>
+              <a:t>,</a:t>
+            </a:r>
+          </a:p>
+          <a:p>
+            <a:pPr marL="0" indent="0">
+              <a:buNone/>
+            </a:pPr>
+            <a:r>
+              <a:rPr lang="en-US" altLang="ko-KR" sz="2400" b="1" dirty="0">
+                <a:solidFill>
+                  <a:srgbClr val="0070C0"/>
+                </a:solidFill>
+              </a:rPr>
+              <a:t>	(void *)(</a:t>
+            </a:r>
+            <a:r>
+              <a:rPr lang="en-US" altLang="ko-KR" sz="2400" b="1" dirty="0" err="1">
+                <a:solidFill>
+                  <a:srgbClr val="0070C0"/>
+                </a:solidFill>
+              </a:rPr>
+              <a:t>stream_ids+i</a:t>
+            </a:r>
+            <a:r>
+              <a:rPr lang="en-US" altLang="ko-KR" sz="2400" b="1" dirty="0">
+                <a:solidFill>
+                  <a:srgbClr val="0070C0"/>
+                </a:solidFill>
+              </a:rPr>
+              <a:t>),0);</a:t>
+            </a:r>
+          </a:p>
+          <a:p>
+            <a:pPr marL="0" indent="0">
+              <a:buNone/>
+            </a:pPr>
+            <a:r>
+              <a:rPr lang="en-US" altLang="ko-KR" sz="2400" b="1" dirty="0"/>
+              <a:t>}</a:t>
+            </a:r>
+            <a:endParaRPr lang="ko-KR" altLang="en-US" sz="2400" b="1" dirty="0"/>
+          </a:p>
+        </p:txBody>
+      </p:sp>
+    </p:spTree>
+    <p:extLst>
+      <p:ext uri="{BB962C8B-B14F-4D97-AF65-F5344CB8AC3E}">
+        <p14:creationId xmlns:p14="http://schemas.microsoft.com/office/powerpoint/2010/main" val="4189220369"/>
+      </p:ext>
+    </p:extLst>
+  </p:cSld>
+  <p:clrMapOvr>
+    <a:masterClrMapping/>
+  </p:clrMapOvr>
+</p:sld>
+</file>
+
+<file path=ppt/slides/slide68.xml><?xml version="1.0" encoding="utf-8"?>
+<p:sld xmlns:a="http://schemas.openxmlformats.org/drawingml/2006/main" xmlns:r="http://schemas.openxmlformats.org/officeDocument/2006/relationships" xmlns:p="http://schemas.openxmlformats.org/presentationml/2006/main">
+  <p:cSld>
+    <p:spTree>
+      <p:nvGrpSpPr>
+        <p:cNvPr id="1" name=""/>
+        <p:cNvGrpSpPr/>
+        <p:nvPr/>
+      </p:nvGrpSpPr>
+      <p:grpSpPr>
+        <a:xfrm>
+          <a:off x="0" y="0"/>
+          <a:ext cx="0" cy="0"/>
+          <a:chOff x="0" y="0"/>
+          <a:chExt cx="0" cy="0"/>
+        </a:xfrm>
+      </p:grpSpPr>
+      <p:sp>
+        <p:nvSpPr>
+          <p:cNvPr id="2" name="제목 1"/>
+          <p:cNvSpPr>
+            <a:spLocks noGrp="1"/>
+          </p:cNvSpPr>
+          <p:nvPr>
+            <p:ph type="title"/>
+          </p:nvPr>
+        </p:nvSpPr>
+        <p:spPr/>
+        <p:txBody>
+          <a:bodyPr/>
+          <a:lstStyle/>
+          <a:p>
+            <a:r>
+              <a:rPr lang="en-US" altLang="ko-KR" dirty="0"/>
+              <a:t>Stream Callbacks</a:t>
+            </a:r>
             <a:endParaRPr lang="ko-KR" altLang="en-US" dirty="0"/>
           </a:p>
         </p:txBody>
@@ -19163,11 +19357,7 @@
             </a:r>
             <a:r>
               <a:rPr lang="en-US" altLang="ko-KR" sz="2400" dirty="0"/>
-              <a:t> streams. -&gt; kernel </a:t>
-            </a:r>
-            <a:r>
-              <a:rPr lang="en-US" altLang="ko-KR" sz="2400" dirty="0" err="1"/>
-              <a:t>fufnction</a:t>
+              <a:t> streams. -&gt; kernel function</a:t>
             </a:r>
             <a:r>
               <a:rPr lang="ko-KR" altLang="en-US" sz="2400" dirty="0"/>
